--- a/PS2/proj2_template.pptx
+++ b/PS2/proj2_template.pptx
@@ -1,36 +1,131 @@
 
 <file path=ppt/presentation.xml><?xml version="1.0" encoding="utf-8"?>
-<p:presentation xmlns:a="http://schemas.openxmlformats.org/drawingml/2006/main" xmlns:p="http://schemas.openxmlformats.org/presentationml/2006/main" xmlns:r="http://schemas.openxmlformats.org/officeDocument/2006/relationships" xmlns:p14="http://schemas.microsoft.com/office/powerpoint/2010/main" xmlns:p15="http://schemas.microsoft.com/office/powerpoint/2012/main" xmlns:mc="http://schemas.openxmlformats.org/markup-compatibility/2006">
+<p:presentation xmlns:a="http://schemas.openxmlformats.org/drawingml/2006/main" xmlns:r="http://schemas.openxmlformats.org/officeDocument/2006/relationships" xmlns:p="http://schemas.openxmlformats.org/presentationml/2006/main">
   <p:sldMasterIdLst>
-    <p:sldMasterId id="2147483648" r:id="rId2"/>
-    <p:sldMasterId id="2147483661" r:id="rId3"/>
-    <p:sldMasterId id="2147483674" r:id="rId4"/>
-    <p:sldMasterId id="2147483687" r:id="rId5"/>
+    <p:sldMasterId id="2147483648" r:id="rId1"/>
+    <p:sldMasterId id="2147483661" r:id="rId2"/>
+    <p:sldMasterId id="2147483674" r:id="rId3"/>
+    <p:sldMasterId id="2147483687" r:id="rId4"/>
   </p:sldMasterIdLst>
   <p:sldIdLst>
-    <p:sldId id="256" r:id="rId6"/>
-    <p:sldId id="257" r:id="rId7"/>
-    <p:sldId id="258" r:id="rId8"/>
-    <p:sldId id="259" r:id="rId9"/>
-    <p:sldId id="260" r:id="rId10"/>
-    <p:sldId id="261" r:id="rId11"/>
-    <p:sldId id="262" r:id="rId12"/>
-    <p:sldId id="263" r:id="rId13"/>
-    <p:sldId id="264" r:id="rId14"/>
-    <p:sldId id="265" r:id="rId15"/>
-    <p:sldId id="266" r:id="rId16"/>
-    <p:sldId id="267" r:id="rId17"/>
-    <p:sldId id="268" r:id="rId18"/>
-    <p:sldId id="269" r:id="rId19"/>
-    <p:sldId id="270" r:id="rId20"/>
+    <p:sldId id="256" r:id="rId5"/>
+    <p:sldId id="257" r:id="rId6"/>
+    <p:sldId id="258" r:id="rId7"/>
+    <p:sldId id="259" r:id="rId8"/>
+    <p:sldId id="260" r:id="rId9"/>
+    <p:sldId id="261" r:id="rId10"/>
+    <p:sldId id="262" r:id="rId11"/>
+    <p:sldId id="263" r:id="rId12"/>
+    <p:sldId id="264" r:id="rId13"/>
+    <p:sldId id="265" r:id="rId14"/>
+    <p:sldId id="266" r:id="rId15"/>
+    <p:sldId id="267" r:id="rId16"/>
+    <p:sldId id="268" r:id="rId17"/>
+    <p:sldId id="269" r:id="rId18"/>
+    <p:sldId id="270" r:id="rId19"/>
   </p:sldIdLst>
-  <p:sldSz cx="9144000" cy="5143500"/>
+  <p:sldSz cx="9144000" cy="5143500" type="screen16x9"/>
   <p:notesSz cx="7772400" cy="10058400"/>
+  <p:defaultTextStyle>
+    <a:defPPr>
+      <a:defRPr lang="en-US"/>
+    </a:defPPr>
+    <a:lvl1pPr marL="0" algn="l" defTabSz="914400" rtl="0" eaLnBrk="1" latinLnBrk="0" hangingPunct="1">
+      <a:defRPr sz="1800" kern="1200">
+        <a:solidFill>
+          <a:schemeClr val="tx1"/>
+        </a:solidFill>
+        <a:latin typeface="+mn-lt"/>
+        <a:ea typeface="+mn-ea"/>
+        <a:cs typeface="+mn-cs"/>
+      </a:defRPr>
+    </a:lvl1pPr>
+    <a:lvl2pPr marL="457200" algn="l" defTabSz="914400" rtl="0" eaLnBrk="1" latinLnBrk="0" hangingPunct="1">
+      <a:defRPr sz="1800" kern="1200">
+        <a:solidFill>
+          <a:schemeClr val="tx1"/>
+        </a:solidFill>
+        <a:latin typeface="+mn-lt"/>
+        <a:ea typeface="+mn-ea"/>
+        <a:cs typeface="+mn-cs"/>
+      </a:defRPr>
+    </a:lvl2pPr>
+    <a:lvl3pPr marL="914400" algn="l" defTabSz="914400" rtl="0" eaLnBrk="1" latinLnBrk="0" hangingPunct="1">
+      <a:defRPr sz="1800" kern="1200">
+        <a:solidFill>
+          <a:schemeClr val="tx1"/>
+        </a:solidFill>
+        <a:latin typeface="+mn-lt"/>
+        <a:ea typeface="+mn-ea"/>
+        <a:cs typeface="+mn-cs"/>
+      </a:defRPr>
+    </a:lvl3pPr>
+    <a:lvl4pPr marL="1371600" algn="l" defTabSz="914400" rtl="0" eaLnBrk="1" latinLnBrk="0" hangingPunct="1">
+      <a:defRPr sz="1800" kern="1200">
+        <a:solidFill>
+          <a:schemeClr val="tx1"/>
+        </a:solidFill>
+        <a:latin typeface="+mn-lt"/>
+        <a:ea typeface="+mn-ea"/>
+        <a:cs typeface="+mn-cs"/>
+      </a:defRPr>
+    </a:lvl4pPr>
+    <a:lvl5pPr marL="1828800" algn="l" defTabSz="914400" rtl="0" eaLnBrk="1" latinLnBrk="0" hangingPunct="1">
+      <a:defRPr sz="1800" kern="1200">
+        <a:solidFill>
+          <a:schemeClr val="tx1"/>
+        </a:solidFill>
+        <a:latin typeface="+mn-lt"/>
+        <a:ea typeface="+mn-ea"/>
+        <a:cs typeface="+mn-cs"/>
+      </a:defRPr>
+    </a:lvl5pPr>
+    <a:lvl6pPr marL="2286000" algn="l" defTabSz="914400" rtl="0" eaLnBrk="1" latinLnBrk="0" hangingPunct="1">
+      <a:defRPr sz="1800" kern="1200">
+        <a:solidFill>
+          <a:schemeClr val="tx1"/>
+        </a:solidFill>
+        <a:latin typeface="+mn-lt"/>
+        <a:ea typeface="+mn-ea"/>
+        <a:cs typeface="+mn-cs"/>
+      </a:defRPr>
+    </a:lvl6pPr>
+    <a:lvl7pPr marL="2743200" algn="l" defTabSz="914400" rtl="0" eaLnBrk="1" latinLnBrk="0" hangingPunct="1">
+      <a:defRPr sz="1800" kern="1200">
+        <a:solidFill>
+          <a:schemeClr val="tx1"/>
+        </a:solidFill>
+        <a:latin typeface="+mn-lt"/>
+        <a:ea typeface="+mn-ea"/>
+        <a:cs typeface="+mn-cs"/>
+      </a:defRPr>
+    </a:lvl7pPr>
+    <a:lvl8pPr marL="3200400" algn="l" defTabSz="914400" rtl="0" eaLnBrk="1" latinLnBrk="0" hangingPunct="1">
+      <a:defRPr sz="1800" kern="1200">
+        <a:solidFill>
+          <a:schemeClr val="tx1"/>
+        </a:solidFill>
+        <a:latin typeface="+mn-lt"/>
+        <a:ea typeface="+mn-ea"/>
+        <a:cs typeface="+mn-cs"/>
+      </a:defRPr>
+    </a:lvl8pPr>
+    <a:lvl9pPr marL="3657600" algn="l" defTabSz="914400" rtl="0" eaLnBrk="1" latinLnBrk="0" hangingPunct="1">
+      <a:defRPr sz="1800" kern="1200">
+        <a:solidFill>
+          <a:schemeClr val="tx1"/>
+        </a:solidFill>
+        <a:latin typeface="+mn-lt"/>
+        <a:ea typeface="+mn-ea"/>
+        <a:cs typeface="+mn-cs"/>
+      </a:defRPr>
+    </a:lvl9pPr>
+  </p:defaultTextStyle>
 </p:presentation>
 </file>
 
 <file path=ppt/slideLayouts/slideLayout1.xml><?xml version="1.0" encoding="utf-8"?>
-<p:sldLayout xmlns:a="http://schemas.openxmlformats.org/drawingml/2006/main" xmlns:p="http://schemas.openxmlformats.org/presentationml/2006/main" xmlns:r="http://schemas.openxmlformats.org/officeDocument/2006/relationships" xmlns:p14="http://schemas.microsoft.com/office/powerpoint/2010/main" xmlns:p15="http://schemas.microsoft.com/office/powerpoint/2012/main" xmlns:mc="http://schemas.openxmlformats.org/markup-compatibility/2006" type="blank" preserve="1">
+<p:sldLayout xmlns:a="http://schemas.openxmlformats.org/drawingml/2006/main" xmlns:r="http://schemas.openxmlformats.org/officeDocument/2006/relationships" xmlns:p="http://schemas.openxmlformats.org/presentationml/2006/main" type="blank" preserve="1">
   <p:cSld name="Blank Slide">
     <p:spTree>
       <p:nvGrpSpPr>
@@ -48,11 +143,14 @@
       </p:grpSpPr>
     </p:spTree>
   </p:cSld>
+  <p:clrMapOvr>
+    <a:masterClrMapping/>
+  </p:clrMapOvr>
 </p:sldLayout>
 </file>
 
 <file path=ppt/slideLayouts/slideLayout10.xml><?xml version="1.0" encoding="utf-8"?>
-<p:sldLayout xmlns:a="http://schemas.openxmlformats.org/drawingml/2006/main" xmlns:p="http://schemas.openxmlformats.org/presentationml/2006/main" xmlns:r="http://schemas.openxmlformats.org/officeDocument/2006/relationships" xmlns:p14="http://schemas.microsoft.com/office/powerpoint/2010/main" xmlns:p15="http://schemas.microsoft.com/office/powerpoint/2012/main" xmlns:mc="http://schemas.openxmlformats.org/markup-compatibility/2006" type="objOverTx" preserve="1">
+<p:sldLayout xmlns:a="http://schemas.openxmlformats.org/drawingml/2006/main" xmlns:r="http://schemas.openxmlformats.org/officeDocument/2006/relationships" xmlns:p="http://schemas.openxmlformats.org/presentationml/2006/main" type="objOverTx" preserve="1">
   <p:cSld name="Title, Content over Content">
     <p:spTree>
       <p:nvGrpSpPr>
@@ -88,12 +186,13 @@
           </a:prstGeom>
         </p:spPr>
         <p:txBody>
-          <a:bodyPr lIns="0" rIns="0" tIns="0" bIns="0" anchor="ctr">
+          <a:bodyPr lIns="0" tIns="0" rIns="0" bIns="0" anchor="ctr">
             <a:noAutofit/>
           </a:bodyPr>
+          <a:lstStyle/>
           <a:p>
             <a:pPr algn="ctr"/>
-            <a:endParaRPr b="0" lang="en-US" sz="4400" spc="-1" strike="noStrike">
+            <a:endParaRPr lang="en-US" sz="4400" b="0" strike="noStrike" spc="-1">
               <a:latin typeface="Arial"/>
             </a:endParaRPr>
           </a:p>
@@ -119,11 +218,12 @@
           </a:prstGeom>
         </p:spPr>
         <p:txBody>
-          <a:bodyPr lIns="0" rIns="0" tIns="0" bIns="0">
+          <a:bodyPr lIns="0" tIns="0" rIns="0" bIns="0">
             <a:normAutofit/>
           </a:bodyPr>
-          <a:p>
-            <a:endParaRPr b="0" lang="en-US" sz="3200" spc="-1" strike="noStrike">
+          <a:lstStyle/>
+          <a:p>
+            <a:endParaRPr lang="en-US" sz="3200" b="0" strike="noStrike" spc="-1">
               <a:latin typeface="Arial"/>
             </a:endParaRPr>
           </a:p>
@@ -149,11 +249,12 @@
           </a:prstGeom>
         </p:spPr>
         <p:txBody>
-          <a:bodyPr lIns="0" rIns="0" tIns="0" bIns="0">
+          <a:bodyPr lIns="0" tIns="0" rIns="0" bIns="0">
             <a:normAutofit/>
           </a:bodyPr>
-          <a:p>
-            <a:endParaRPr b="0" lang="en-US" sz="3200" spc="-1" strike="noStrike">
+          <a:lstStyle/>
+          <a:p>
+            <a:endParaRPr lang="en-US" sz="3200" b="0" strike="noStrike" spc="-1">
               <a:latin typeface="Arial"/>
             </a:endParaRPr>
           </a:p>
@@ -161,11 +262,14 @@
       </p:sp>
     </p:spTree>
   </p:cSld>
+  <p:clrMapOvr>
+    <a:masterClrMapping/>
+  </p:clrMapOvr>
 </p:sldLayout>
 </file>
 
 <file path=ppt/slideLayouts/slideLayout11.xml><?xml version="1.0" encoding="utf-8"?>
-<p:sldLayout xmlns:a="http://schemas.openxmlformats.org/drawingml/2006/main" xmlns:p="http://schemas.openxmlformats.org/presentationml/2006/main" xmlns:r="http://schemas.openxmlformats.org/officeDocument/2006/relationships" xmlns:p14="http://schemas.microsoft.com/office/powerpoint/2010/main" xmlns:p15="http://schemas.microsoft.com/office/powerpoint/2012/main" xmlns:mc="http://schemas.openxmlformats.org/markup-compatibility/2006" type="fourObj" preserve="1">
+<p:sldLayout xmlns:a="http://schemas.openxmlformats.org/drawingml/2006/main" xmlns:r="http://schemas.openxmlformats.org/officeDocument/2006/relationships" xmlns:p="http://schemas.openxmlformats.org/presentationml/2006/main" type="fourObj" preserve="1">
   <p:cSld name="Title, 4 Content">
     <p:spTree>
       <p:nvGrpSpPr>
@@ -201,12 +305,13 @@
           </a:prstGeom>
         </p:spPr>
         <p:txBody>
-          <a:bodyPr lIns="0" rIns="0" tIns="0" bIns="0" anchor="ctr">
+          <a:bodyPr lIns="0" tIns="0" rIns="0" bIns="0" anchor="ctr">
             <a:noAutofit/>
           </a:bodyPr>
+          <a:lstStyle/>
           <a:p>
             <a:pPr algn="ctr"/>
-            <a:endParaRPr b="0" lang="en-US" sz="4400" spc="-1" strike="noStrike">
+            <a:endParaRPr lang="en-US" sz="4400" b="0" strike="noStrike" spc="-1">
               <a:latin typeface="Arial"/>
             </a:endParaRPr>
           </a:p>
@@ -232,11 +337,12 @@
           </a:prstGeom>
         </p:spPr>
         <p:txBody>
-          <a:bodyPr lIns="0" rIns="0" tIns="0" bIns="0">
+          <a:bodyPr lIns="0" tIns="0" rIns="0" bIns="0">
             <a:normAutofit/>
           </a:bodyPr>
-          <a:p>
-            <a:endParaRPr b="0" lang="en-US" sz="3200" spc="-1" strike="noStrike">
+          <a:lstStyle/>
+          <a:p>
+            <a:endParaRPr lang="en-US" sz="3200" b="0" strike="noStrike" spc="-1">
               <a:latin typeface="Arial"/>
             </a:endParaRPr>
           </a:p>
@@ -262,11 +368,12 @@
           </a:prstGeom>
         </p:spPr>
         <p:txBody>
-          <a:bodyPr lIns="0" rIns="0" tIns="0" bIns="0">
+          <a:bodyPr lIns="0" tIns="0" rIns="0" bIns="0">
             <a:normAutofit/>
           </a:bodyPr>
-          <a:p>
-            <a:endParaRPr b="0" lang="en-US" sz="3200" spc="-1" strike="noStrike">
+          <a:lstStyle/>
+          <a:p>
+            <a:endParaRPr lang="en-US" sz="3200" b="0" strike="noStrike" spc="-1">
               <a:latin typeface="Arial"/>
             </a:endParaRPr>
           </a:p>
@@ -292,11 +399,12 @@
           </a:prstGeom>
         </p:spPr>
         <p:txBody>
-          <a:bodyPr lIns="0" rIns="0" tIns="0" bIns="0">
+          <a:bodyPr lIns="0" tIns="0" rIns="0" bIns="0">
             <a:normAutofit/>
           </a:bodyPr>
-          <a:p>
-            <a:endParaRPr b="0" lang="en-US" sz="3200" spc="-1" strike="noStrike">
+          <a:lstStyle/>
+          <a:p>
+            <a:endParaRPr lang="en-US" sz="3200" b="0" strike="noStrike" spc="-1">
               <a:latin typeface="Arial"/>
             </a:endParaRPr>
           </a:p>
@@ -322,11 +430,12 @@
           </a:prstGeom>
         </p:spPr>
         <p:txBody>
-          <a:bodyPr lIns="0" rIns="0" tIns="0" bIns="0">
+          <a:bodyPr lIns="0" tIns="0" rIns="0" bIns="0">
             <a:normAutofit/>
           </a:bodyPr>
-          <a:p>
-            <a:endParaRPr b="0" lang="en-US" sz="3200" spc="-1" strike="noStrike">
+          <a:lstStyle/>
+          <a:p>
+            <a:endParaRPr lang="en-US" sz="3200" b="0" strike="noStrike" spc="-1">
               <a:latin typeface="Arial"/>
             </a:endParaRPr>
           </a:p>
@@ -334,11 +443,14 @@
       </p:sp>
     </p:spTree>
   </p:cSld>
+  <p:clrMapOvr>
+    <a:masterClrMapping/>
+  </p:clrMapOvr>
 </p:sldLayout>
 </file>
 
 <file path=ppt/slideLayouts/slideLayout12.xml><?xml version="1.0" encoding="utf-8"?>
-<p:sldLayout xmlns:a="http://schemas.openxmlformats.org/drawingml/2006/main" xmlns:p="http://schemas.openxmlformats.org/presentationml/2006/main" xmlns:r="http://schemas.openxmlformats.org/officeDocument/2006/relationships" xmlns:p14="http://schemas.microsoft.com/office/powerpoint/2010/main" xmlns:p15="http://schemas.microsoft.com/office/powerpoint/2012/main" xmlns:mc="http://schemas.openxmlformats.org/markup-compatibility/2006" type="blank" preserve="1">
+<p:sldLayout xmlns:a="http://schemas.openxmlformats.org/drawingml/2006/main" xmlns:r="http://schemas.openxmlformats.org/officeDocument/2006/relationships" xmlns:p="http://schemas.openxmlformats.org/presentationml/2006/main" type="blank" preserve="1">
   <p:cSld name="Title, 6 Content">
     <p:spTree>
       <p:nvGrpSpPr>
@@ -374,12 +486,13 @@
           </a:prstGeom>
         </p:spPr>
         <p:txBody>
-          <a:bodyPr lIns="0" rIns="0" tIns="0" bIns="0" anchor="ctr">
+          <a:bodyPr lIns="0" tIns="0" rIns="0" bIns="0" anchor="ctr">
             <a:noAutofit/>
           </a:bodyPr>
+          <a:lstStyle/>
           <a:p>
             <a:pPr algn="ctr"/>
-            <a:endParaRPr b="0" lang="en-US" sz="4400" spc="-1" strike="noStrike">
+            <a:endParaRPr lang="en-US" sz="4400" b="0" strike="noStrike" spc="-1">
               <a:latin typeface="Arial"/>
             </a:endParaRPr>
           </a:p>
@@ -405,11 +518,12 @@
           </a:prstGeom>
         </p:spPr>
         <p:txBody>
-          <a:bodyPr lIns="0" rIns="0" tIns="0" bIns="0">
+          <a:bodyPr lIns="0" tIns="0" rIns="0" bIns="0">
             <a:normAutofit/>
           </a:bodyPr>
-          <a:p>
-            <a:endParaRPr b="0" lang="en-US" sz="3200" spc="-1" strike="noStrike">
+          <a:lstStyle/>
+          <a:p>
+            <a:endParaRPr lang="en-US" sz="3200" b="0" strike="noStrike" spc="-1">
               <a:latin typeface="Arial"/>
             </a:endParaRPr>
           </a:p>
@@ -435,11 +549,12 @@
           </a:prstGeom>
         </p:spPr>
         <p:txBody>
-          <a:bodyPr lIns="0" rIns="0" tIns="0" bIns="0">
+          <a:bodyPr lIns="0" tIns="0" rIns="0" bIns="0">
             <a:normAutofit/>
           </a:bodyPr>
-          <a:p>
-            <a:endParaRPr b="0" lang="en-US" sz="3200" spc="-1" strike="noStrike">
+          <a:lstStyle/>
+          <a:p>
+            <a:endParaRPr lang="en-US" sz="3200" b="0" strike="noStrike" spc="-1">
               <a:latin typeface="Arial"/>
             </a:endParaRPr>
           </a:p>
@@ -465,11 +580,12 @@
           </a:prstGeom>
         </p:spPr>
         <p:txBody>
-          <a:bodyPr lIns="0" rIns="0" tIns="0" bIns="0">
+          <a:bodyPr lIns="0" tIns="0" rIns="0" bIns="0">
             <a:normAutofit/>
           </a:bodyPr>
-          <a:p>
-            <a:endParaRPr b="0" lang="en-US" sz="3200" spc="-1" strike="noStrike">
+          <a:lstStyle/>
+          <a:p>
+            <a:endParaRPr lang="en-US" sz="3200" b="0" strike="noStrike" spc="-1">
               <a:latin typeface="Arial"/>
             </a:endParaRPr>
           </a:p>
@@ -495,11 +611,12 @@
           </a:prstGeom>
         </p:spPr>
         <p:txBody>
-          <a:bodyPr lIns="0" rIns="0" tIns="0" bIns="0">
+          <a:bodyPr lIns="0" tIns="0" rIns="0" bIns="0">
             <a:normAutofit/>
           </a:bodyPr>
-          <a:p>
-            <a:endParaRPr b="0" lang="en-US" sz="3200" spc="-1" strike="noStrike">
+          <a:lstStyle/>
+          <a:p>
+            <a:endParaRPr lang="en-US" sz="3200" b="0" strike="noStrike" spc="-1">
               <a:latin typeface="Arial"/>
             </a:endParaRPr>
           </a:p>
@@ -525,11 +642,12 @@
           </a:prstGeom>
         </p:spPr>
         <p:txBody>
-          <a:bodyPr lIns="0" rIns="0" tIns="0" bIns="0">
+          <a:bodyPr lIns="0" tIns="0" rIns="0" bIns="0">
             <a:normAutofit/>
           </a:bodyPr>
-          <a:p>
-            <a:endParaRPr b="0" lang="en-US" sz="3200" spc="-1" strike="noStrike">
+          <a:lstStyle/>
+          <a:p>
+            <a:endParaRPr lang="en-US" sz="3200" b="0" strike="noStrike" spc="-1">
               <a:latin typeface="Arial"/>
             </a:endParaRPr>
           </a:p>
@@ -555,11 +673,12 @@
           </a:prstGeom>
         </p:spPr>
         <p:txBody>
-          <a:bodyPr lIns="0" rIns="0" tIns="0" bIns="0">
+          <a:bodyPr lIns="0" tIns="0" rIns="0" bIns="0">
             <a:normAutofit/>
           </a:bodyPr>
-          <a:p>
-            <a:endParaRPr b="0" lang="en-US" sz="3200" spc="-1" strike="noStrike">
+          <a:lstStyle/>
+          <a:p>
+            <a:endParaRPr lang="en-US" sz="3200" b="0" strike="noStrike" spc="-1">
               <a:latin typeface="Arial"/>
             </a:endParaRPr>
           </a:p>
@@ -567,11 +686,14 @@
       </p:sp>
     </p:spTree>
   </p:cSld>
+  <p:clrMapOvr>
+    <a:masterClrMapping/>
+  </p:clrMapOvr>
 </p:sldLayout>
 </file>
 
 <file path=ppt/slideLayouts/slideLayout13.xml><?xml version="1.0" encoding="utf-8"?>
-<p:sldLayout xmlns:a="http://schemas.openxmlformats.org/drawingml/2006/main" xmlns:p="http://schemas.openxmlformats.org/presentationml/2006/main" xmlns:r="http://schemas.openxmlformats.org/officeDocument/2006/relationships" xmlns:p14="http://schemas.microsoft.com/office/powerpoint/2010/main" xmlns:p15="http://schemas.microsoft.com/office/powerpoint/2012/main" xmlns:mc="http://schemas.openxmlformats.org/markup-compatibility/2006" type="blank" preserve="1">
+<p:sldLayout xmlns:a="http://schemas.openxmlformats.org/drawingml/2006/main" xmlns:r="http://schemas.openxmlformats.org/officeDocument/2006/relationships" xmlns:p="http://schemas.openxmlformats.org/presentationml/2006/main" type="blank" preserve="1">
   <p:cSld name="Blank Slide">
     <p:spTree>
       <p:nvGrpSpPr>
@@ -589,11 +711,14 @@
       </p:grpSpPr>
     </p:spTree>
   </p:cSld>
+  <p:clrMapOvr>
+    <a:masterClrMapping/>
+  </p:clrMapOvr>
 </p:sldLayout>
 </file>
 
 <file path=ppt/slideLayouts/slideLayout14.xml><?xml version="1.0" encoding="utf-8"?>
-<p:sldLayout xmlns:a="http://schemas.openxmlformats.org/drawingml/2006/main" xmlns:p="http://schemas.openxmlformats.org/presentationml/2006/main" xmlns:r="http://schemas.openxmlformats.org/officeDocument/2006/relationships" xmlns:p14="http://schemas.microsoft.com/office/powerpoint/2010/main" xmlns:p15="http://schemas.microsoft.com/office/powerpoint/2012/main" xmlns:mc="http://schemas.openxmlformats.org/markup-compatibility/2006" type="tx" preserve="1">
+<p:sldLayout xmlns:a="http://schemas.openxmlformats.org/drawingml/2006/main" xmlns:r="http://schemas.openxmlformats.org/officeDocument/2006/relationships" xmlns:p="http://schemas.openxmlformats.org/presentationml/2006/main" type="tx" preserve="1">
   <p:cSld name="Title Slide">
     <p:spTree>
       <p:nvGrpSpPr>
@@ -629,12 +754,13 @@
           </a:prstGeom>
         </p:spPr>
         <p:txBody>
-          <a:bodyPr lIns="0" rIns="0" tIns="0" bIns="0" anchor="ctr">
+          <a:bodyPr lIns="0" tIns="0" rIns="0" bIns="0" anchor="ctr">
             <a:noAutofit/>
           </a:bodyPr>
+          <a:lstStyle/>
           <a:p>
             <a:pPr algn="ctr"/>
-            <a:endParaRPr b="0" lang="en-US" sz="4400" spc="-1" strike="noStrike">
+            <a:endParaRPr lang="en-US" sz="4400" b="0" strike="noStrike" spc="-1">
               <a:latin typeface="Arial"/>
             </a:endParaRPr>
           </a:p>
@@ -660,12 +786,13 @@
           </a:prstGeom>
         </p:spPr>
         <p:txBody>
-          <a:bodyPr lIns="0" rIns="0" tIns="0" bIns="0" anchor="ctr">
+          <a:bodyPr lIns="0" tIns="0" rIns="0" bIns="0" anchor="ctr">
             <a:noAutofit/>
           </a:bodyPr>
+          <a:lstStyle/>
           <a:p>
             <a:pPr algn="ctr"/>
-            <a:endParaRPr b="0" lang="en-US" sz="3200" spc="-1" strike="noStrike">
+            <a:endParaRPr lang="en-US" sz="3200" b="0" strike="noStrike" spc="-1">
               <a:latin typeface="Arial"/>
             </a:endParaRPr>
           </a:p>
@@ -673,11 +800,14 @@
       </p:sp>
     </p:spTree>
   </p:cSld>
+  <p:clrMapOvr>
+    <a:masterClrMapping/>
+  </p:clrMapOvr>
 </p:sldLayout>
 </file>
 
 <file path=ppt/slideLayouts/slideLayout15.xml><?xml version="1.0" encoding="utf-8"?>
-<p:sldLayout xmlns:a="http://schemas.openxmlformats.org/drawingml/2006/main" xmlns:p="http://schemas.openxmlformats.org/presentationml/2006/main" xmlns:r="http://schemas.openxmlformats.org/officeDocument/2006/relationships" xmlns:p14="http://schemas.microsoft.com/office/powerpoint/2010/main" xmlns:p15="http://schemas.microsoft.com/office/powerpoint/2012/main" xmlns:mc="http://schemas.openxmlformats.org/markup-compatibility/2006" type="obj" preserve="1">
+<p:sldLayout xmlns:a="http://schemas.openxmlformats.org/drawingml/2006/main" xmlns:r="http://schemas.openxmlformats.org/officeDocument/2006/relationships" xmlns:p="http://schemas.openxmlformats.org/presentationml/2006/main" type="obj" preserve="1">
   <p:cSld name="Title, Content">
     <p:spTree>
       <p:nvGrpSpPr>
@@ -713,12 +843,13 @@
           </a:prstGeom>
         </p:spPr>
         <p:txBody>
-          <a:bodyPr lIns="0" rIns="0" tIns="0" bIns="0" anchor="ctr">
+          <a:bodyPr lIns="0" tIns="0" rIns="0" bIns="0" anchor="ctr">
             <a:noAutofit/>
           </a:bodyPr>
+          <a:lstStyle/>
           <a:p>
             <a:pPr algn="ctr"/>
-            <a:endParaRPr b="0" lang="en-US" sz="4400" spc="-1" strike="noStrike">
+            <a:endParaRPr lang="en-US" sz="4400" b="0" strike="noStrike" spc="-1">
               <a:latin typeface="Arial"/>
             </a:endParaRPr>
           </a:p>
@@ -744,11 +875,12 @@
           </a:prstGeom>
         </p:spPr>
         <p:txBody>
-          <a:bodyPr lIns="0" rIns="0" tIns="0" bIns="0">
+          <a:bodyPr lIns="0" tIns="0" rIns="0" bIns="0">
             <a:normAutofit/>
           </a:bodyPr>
-          <a:p>
-            <a:endParaRPr b="0" lang="en-US" sz="3200" spc="-1" strike="noStrike">
+          <a:lstStyle/>
+          <a:p>
+            <a:endParaRPr lang="en-US" sz="3200" b="0" strike="noStrike" spc="-1">
               <a:latin typeface="Arial"/>
             </a:endParaRPr>
           </a:p>
@@ -756,11 +888,14 @@
       </p:sp>
     </p:spTree>
   </p:cSld>
+  <p:clrMapOvr>
+    <a:masterClrMapping/>
+  </p:clrMapOvr>
 </p:sldLayout>
 </file>
 
 <file path=ppt/slideLayouts/slideLayout16.xml><?xml version="1.0" encoding="utf-8"?>
-<p:sldLayout xmlns:a="http://schemas.openxmlformats.org/drawingml/2006/main" xmlns:p="http://schemas.openxmlformats.org/presentationml/2006/main" xmlns:r="http://schemas.openxmlformats.org/officeDocument/2006/relationships" xmlns:p14="http://schemas.microsoft.com/office/powerpoint/2010/main" xmlns:p15="http://schemas.microsoft.com/office/powerpoint/2012/main" xmlns:mc="http://schemas.openxmlformats.org/markup-compatibility/2006" type="twoObj" preserve="1">
+<p:sldLayout xmlns:a="http://schemas.openxmlformats.org/drawingml/2006/main" xmlns:r="http://schemas.openxmlformats.org/officeDocument/2006/relationships" xmlns:p="http://schemas.openxmlformats.org/presentationml/2006/main" type="twoObj" preserve="1">
   <p:cSld name="Title, 2 Content">
     <p:spTree>
       <p:nvGrpSpPr>
@@ -796,12 +931,13 @@
           </a:prstGeom>
         </p:spPr>
         <p:txBody>
-          <a:bodyPr lIns="0" rIns="0" tIns="0" bIns="0" anchor="ctr">
+          <a:bodyPr lIns="0" tIns="0" rIns="0" bIns="0" anchor="ctr">
             <a:noAutofit/>
           </a:bodyPr>
+          <a:lstStyle/>
           <a:p>
             <a:pPr algn="ctr"/>
-            <a:endParaRPr b="0" lang="en-US" sz="4400" spc="-1" strike="noStrike">
+            <a:endParaRPr lang="en-US" sz="4400" b="0" strike="noStrike" spc="-1">
               <a:latin typeface="Arial"/>
             </a:endParaRPr>
           </a:p>
@@ -827,11 +963,12 @@
           </a:prstGeom>
         </p:spPr>
         <p:txBody>
-          <a:bodyPr lIns="0" rIns="0" tIns="0" bIns="0">
+          <a:bodyPr lIns="0" tIns="0" rIns="0" bIns="0">
             <a:normAutofit/>
           </a:bodyPr>
-          <a:p>
-            <a:endParaRPr b="0" lang="en-US" sz="3200" spc="-1" strike="noStrike">
+          <a:lstStyle/>
+          <a:p>
+            <a:endParaRPr lang="en-US" sz="3200" b="0" strike="noStrike" spc="-1">
               <a:latin typeface="Arial"/>
             </a:endParaRPr>
           </a:p>
@@ -857,11 +994,12 @@
           </a:prstGeom>
         </p:spPr>
         <p:txBody>
-          <a:bodyPr lIns="0" rIns="0" tIns="0" bIns="0">
+          <a:bodyPr lIns="0" tIns="0" rIns="0" bIns="0">
             <a:normAutofit/>
           </a:bodyPr>
-          <a:p>
-            <a:endParaRPr b="0" lang="en-US" sz="3200" spc="-1" strike="noStrike">
+          <a:lstStyle/>
+          <a:p>
+            <a:endParaRPr lang="en-US" sz="3200" b="0" strike="noStrike" spc="-1">
               <a:latin typeface="Arial"/>
             </a:endParaRPr>
           </a:p>
@@ -869,11 +1007,14 @@
       </p:sp>
     </p:spTree>
   </p:cSld>
+  <p:clrMapOvr>
+    <a:masterClrMapping/>
+  </p:clrMapOvr>
 </p:sldLayout>
 </file>
 
 <file path=ppt/slideLayouts/slideLayout17.xml><?xml version="1.0" encoding="utf-8"?>
-<p:sldLayout xmlns:a="http://schemas.openxmlformats.org/drawingml/2006/main" xmlns:p="http://schemas.openxmlformats.org/presentationml/2006/main" xmlns:r="http://schemas.openxmlformats.org/officeDocument/2006/relationships" xmlns:p14="http://schemas.microsoft.com/office/powerpoint/2010/main" xmlns:p15="http://schemas.microsoft.com/office/powerpoint/2012/main" xmlns:mc="http://schemas.openxmlformats.org/markup-compatibility/2006" type="titleOnly" preserve="1">
+<p:sldLayout xmlns:a="http://schemas.openxmlformats.org/drawingml/2006/main" xmlns:r="http://schemas.openxmlformats.org/officeDocument/2006/relationships" xmlns:p="http://schemas.openxmlformats.org/presentationml/2006/main" type="titleOnly" preserve="1">
   <p:cSld name="Title Only">
     <p:spTree>
       <p:nvGrpSpPr>
@@ -909,12 +1050,13 @@
           </a:prstGeom>
         </p:spPr>
         <p:txBody>
-          <a:bodyPr lIns="0" rIns="0" tIns="0" bIns="0" anchor="ctr">
+          <a:bodyPr lIns="0" tIns="0" rIns="0" bIns="0" anchor="ctr">
             <a:noAutofit/>
           </a:bodyPr>
+          <a:lstStyle/>
           <a:p>
             <a:pPr algn="ctr"/>
-            <a:endParaRPr b="0" lang="en-US" sz="4400" spc="-1" strike="noStrike">
+            <a:endParaRPr lang="en-US" sz="4400" b="0" strike="noStrike" spc="-1">
               <a:latin typeface="Arial"/>
             </a:endParaRPr>
           </a:p>
@@ -922,11 +1064,14 @@
       </p:sp>
     </p:spTree>
   </p:cSld>
+  <p:clrMapOvr>
+    <a:masterClrMapping/>
+  </p:clrMapOvr>
 </p:sldLayout>
 </file>
 
 <file path=ppt/slideLayouts/slideLayout18.xml><?xml version="1.0" encoding="utf-8"?>
-<p:sldLayout xmlns:a="http://schemas.openxmlformats.org/drawingml/2006/main" xmlns:p="http://schemas.openxmlformats.org/presentationml/2006/main" xmlns:r="http://schemas.openxmlformats.org/officeDocument/2006/relationships" xmlns:p14="http://schemas.microsoft.com/office/powerpoint/2010/main" xmlns:p15="http://schemas.microsoft.com/office/powerpoint/2012/main" xmlns:mc="http://schemas.openxmlformats.org/markup-compatibility/2006" type="objOnly" preserve="1">
+<p:sldLayout xmlns:a="http://schemas.openxmlformats.org/drawingml/2006/main" xmlns:r="http://schemas.openxmlformats.org/officeDocument/2006/relationships" xmlns:p="http://schemas.openxmlformats.org/presentationml/2006/main" type="objOnly" preserve="1">
   <p:cSld name="Centered Text">
     <p:spTree>
       <p:nvGrpSpPr>
@@ -962,12 +1107,13 @@
           </a:prstGeom>
         </p:spPr>
         <p:txBody>
-          <a:bodyPr lIns="0" rIns="0" tIns="0" bIns="0" anchor="ctr">
+          <a:bodyPr lIns="0" tIns="0" rIns="0" bIns="0" anchor="ctr">
             <a:noAutofit/>
           </a:bodyPr>
+          <a:lstStyle/>
           <a:p>
             <a:pPr algn="ctr"/>
-            <a:endParaRPr b="0" lang="en-US" sz="3200" spc="-1" strike="noStrike">
+            <a:endParaRPr lang="en-US" sz="3200" b="0" strike="noStrike" spc="-1">
               <a:latin typeface="Arial"/>
             </a:endParaRPr>
           </a:p>
@@ -975,11 +1121,14 @@
       </p:sp>
     </p:spTree>
   </p:cSld>
+  <p:clrMapOvr>
+    <a:masterClrMapping/>
+  </p:clrMapOvr>
 </p:sldLayout>
 </file>
 
 <file path=ppt/slideLayouts/slideLayout19.xml><?xml version="1.0" encoding="utf-8"?>
-<p:sldLayout xmlns:a="http://schemas.openxmlformats.org/drawingml/2006/main" xmlns:p="http://schemas.openxmlformats.org/presentationml/2006/main" xmlns:r="http://schemas.openxmlformats.org/officeDocument/2006/relationships" xmlns:p14="http://schemas.microsoft.com/office/powerpoint/2010/main" xmlns:p15="http://schemas.microsoft.com/office/powerpoint/2012/main" xmlns:mc="http://schemas.openxmlformats.org/markup-compatibility/2006" type="twoObjAndObj" preserve="1">
+<p:sldLayout xmlns:a="http://schemas.openxmlformats.org/drawingml/2006/main" xmlns:r="http://schemas.openxmlformats.org/officeDocument/2006/relationships" xmlns:p="http://schemas.openxmlformats.org/presentationml/2006/main" type="twoObjAndObj" preserve="1">
   <p:cSld name="Title, 2 Content and Content">
     <p:spTree>
       <p:nvGrpSpPr>
@@ -1015,12 +1164,13 @@
           </a:prstGeom>
         </p:spPr>
         <p:txBody>
-          <a:bodyPr lIns="0" rIns="0" tIns="0" bIns="0" anchor="ctr">
+          <a:bodyPr lIns="0" tIns="0" rIns="0" bIns="0" anchor="ctr">
             <a:noAutofit/>
           </a:bodyPr>
+          <a:lstStyle/>
           <a:p>
             <a:pPr algn="ctr"/>
-            <a:endParaRPr b="0" lang="en-US" sz="4400" spc="-1" strike="noStrike">
+            <a:endParaRPr lang="en-US" sz="4400" b="0" strike="noStrike" spc="-1">
               <a:latin typeface="Arial"/>
             </a:endParaRPr>
           </a:p>
@@ -1046,11 +1196,12 @@
           </a:prstGeom>
         </p:spPr>
         <p:txBody>
-          <a:bodyPr lIns="0" rIns="0" tIns="0" bIns="0">
+          <a:bodyPr lIns="0" tIns="0" rIns="0" bIns="0">
             <a:normAutofit/>
           </a:bodyPr>
-          <a:p>
-            <a:endParaRPr b="0" lang="en-US" sz="3200" spc="-1" strike="noStrike">
+          <a:lstStyle/>
+          <a:p>
+            <a:endParaRPr lang="en-US" sz="3200" b="0" strike="noStrike" spc="-1">
               <a:latin typeface="Arial"/>
             </a:endParaRPr>
           </a:p>
@@ -1076,11 +1227,12 @@
           </a:prstGeom>
         </p:spPr>
         <p:txBody>
-          <a:bodyPr lIns="0" rIns="0" tIns="0" bIns="0">
+          <a:bodyPr lIns="0" tIns="0" rIns="0" bIns="0">
             <a:normAutofit/>
           </a:bodyPr>
-          <a:p>
-            <a:endParaRPr b="0" lang="en-US" sz="3200" spc="-1" strike="noStrike">
+          <a:lstStyle/>
+          <a:p>
+            <a:endParaRPr lang="en-US" sz="3200" b="0" strike="noStrike" spc="-1">
               <a:latin typeface="Arial"/>
             </a:endParaRPr>
           </a:p>
@@ -1106,11 +1258,12 @@
           </a:prstGeom>
         </p:spPr>
         <p:txBody>
-          <a:bodyPr lIns="0" rIns="0" tIns="0" bIns="0">
+          <a:bodyPr lIns="0" tIns="0" rIns="0" bIns="0">
             <a:normAutofit/>
           </a:bodyPr>
-          <a:p>
-            <a:endParaRPr b="0" lang="en-US" sz="3200" spc="-1" strike="noStrike">
+          <a:lstStyle/>
+          <a:p>
+            <a:endParaRPr lang="en-US" sz="3200" b="0" strike="noStrike" spc="-1">
               <a:latin typeface="Arial"/>
             </a:endParaRPr>
           </a:p>
@@ -1118,11 +1271,14 @@
       </p:sp>
     </p:spTree>
   </p:cSld>
+  <p:clrMapOvr>
+    <a:masterClrMapping/>
+  </p:clrMapOvr>
 </p:sldLayout>
 </file>
 
 <file path=ppt/slideLayouts/slideLayout2.xml><?xml version="1.0" encoding="utf-8"?>
-<p:sldLayout xmlns:a="http://schemas.openxmlformats.org/drawingml/2006/main" xmlns:p="http://schemas.openxmlformats.org/presentationml/2006/main" xmlns:r="http://schemas.openxmlformats.org/officeDocument/2006/relationships" xmlns:p14="http://schemas.microsoft.com/office/powerpoint/2010/main" xmlns:p15="http://schemas.microsoft.com/office/powerpoint/2012/main" xmlns:mc="http://schemas.openxmlformats.org/markup-compatibility/2006" type="tx" preserve="1">
+<p:sldLayout xmlns:a="http://schemas.openxmlformats.org/drawingml/2006/main" xmlns:r="http://schemas.openxmlformats.org/officeDocument/2006/relationships" xmlns:p="http://schemas.openxmlformats.org/presentationml/2006/main" type="tx" preserve="1">
   <p:cSld name="Title Slide">
     <p:spTree>
       <p:nvGrpSpPr>
@@ -1158,12 +1314,13 @@
           </a:prstGeom>
         </p:spPr>
         <p:txBody>
-          <a:bodyPr lIns="0" rIns="0" tIns="0" bIns="0" anchor="ctr">
+          <a:bodyPr lIns="0" tIns="0" rIns="0" bIns="0" anchor="ctr">
             <a:noAutofit/>
           </a:bodyPr>
+          <a:lstStyle/>
           <a:p>
             <a:pPr algn="ctr"/>
-            <a:endParaRPr b="0" lang="en-US" sz="4400" spc="-1" strike="noStrike">
+            <a:endParaRPr lang="en-US" sz="4400" b="0" strike="noStrike" spc="-1">
               <a:latin typeface="Arial"/>
             </a:endParaRPr>
           </a:p>
@@ -1189,12 +1346,13 @@
           </a:prstGeom>
         </p:spPr>
         <p:txBody>
-          <a:bodyPr lIns="0" rIns="0" tIns="0" bIns="0" anchor="ctr">
+          <a:bodyPr lIns="0" tIns="0" rIns="0" bIns="0" anchor="ctr">
             <a:noAutofit/>
           </a:bodyPr>
+          <a:lstStyle/>
           <a:p>
             <a:pPr algn="ctr"/>
-            <a:endParaRPr b="0" lang="en-US" sz="3200" spc="-1" strike="noStrike">
+            <a:endParaRPr lang="en-US" sz="3200" b="0" strike="noStrike" spc="-1">
               <a:latin typeface="Arial"/>
             </a:endParaRPr>
           </a:p>
@@ -1202,11 +1360,14 @@
       </p:sp>
     </p:spTree>
   </p:cSld>
+  <p:clrMapOvr>
+    <a:masterClrMapping/>
+  </p:clrMapOvr>
 </p:sldLayout>
 </file>
 
 <file path=ppt/slideLayouts/slideLayout20.xml><?xml version="1.0" encoding="utf-8"?>
-<p:sldLayout xmlns:a="http://schemas.openxmlformats.org/drawingml/2006/main" xmlns:p="http://schemas.openxmlformats.org/presentationml/2006/main" xmlns:r="http://schemas.openxmlformats.org/officeDocument/2006/relationships" xmlns:p14="http://schemas.microsoft.com/office/powerpoint/2010/main" xmlns:p15="http://schemas.microsoft.com/office/powerpoint/2012/main" xmlns:mc="http://schemas.openxmlformats.org/markup-compatibility/2006" type="objAndTwoObj" preserve="1">
+<p:sldLayout xmlns:a="http://schemas.openxmlformats.org/drawingml/2006/main" xmlns:r="http://schemas.openxmlformats.org/officeDocument/2006/relationships" xmlns:p="http://schemas.openxmlformats.org/presentationml/2006/main" type="objAndTwoObj" preserve="1">
   <p:cSld name="Title Content and 2 Content">
     <p:spTree>
       <p:nvGrpSpPr>
@@ -1242,12 +1403,13 @@
           </a:prstGeom>
         </p:spPr>
         <p:txBody>
-          <a:bodyPr lIns="0" rIns="0" tIns="0" bIns="0" anchor="ctr">
+          <a:bodyPr lIns="0" tIns="0" rIns="0" bIns="0" anchor="ctr">
             <a:noAutofit/>
           </a:bodyPr>
+          <a:lstStyle/>
           <a:p>
             <a:pPr algn="ctr"/>
-            <a:endParaRPr b="0" lang="en-US" sz="4400" spc="-1" strike="noStrike">
+            <a:endParaRPr lang="en-US" sz="4400" b="0" strike="noStrike" spc="-1">
               <a:latin typeface="Arial"/>
             </a:endParaRPr>
           </a:p>
@@ -1273,11 +1435,12 @@
           </a:prstGeom>
         </p:spPr>
         <p:txBody>
-          <a:bodyPr lIns="0" rIns="0" tIns="0" bIns="0">
+          <a:bodyPr lIns="0" tIns="0" rIns="0" bIns="0">
             <a:normAutofit/>
           </a:bodyPr>
-          <a:p>
-            <a:endParaRPr b="0" lang="en-US" sz="3200" spc="-1" strike="noStrike">
+          <a:lstStyle/>
+          <a:p>
+            <a:endParaRPr lang="en-US" sz="3200" b="0" strike="noStrike" spc="-1">
               <a:latin typeface="Arial"/>
             </a:endParaRPr>
           </a:p>
@@ -1303,11 +1466,12 @@
           </a:prstGeom>
         </p:spPr>
         <p:txBody>
-          <a:bodyPr lIns="0" rIns="0" tIns="0" bIns="0">
+          <a:bodyPr lIns="0" tIns="0" rIns="0" bIns="0">
             <a:normAutofit/>
           </a:bodyPr>
-          <a:p>
-            <a:endParaRPr b="0" lang="en-US" sz="3200" spc="-1" strike="noStrike">
+          <a:lstStyle/>
+          <a:p>
+            <a:endParaRPr lang="en-US" sz="3200" b="0" strike="noStrike" spc="-1">
               <a:latin typeface="Arial"/>
             </a:endParaRPr>
           </a:p>
@@ -1333,11 +1497,12 @@
           </a:prstGeom>
         </p:spPr>
         <p:txBody>
-          <a:bodyPr lIns="0" rIns="0" tIns="0" bIns="0">
+          <a:bodyPr lIns="0" tIns="0" rIns="0" bIns="0">
             <a:normAutofit/>
           </a:bodyPr>
-          <a:p>
-            <a:endParaRPr b="0" lang="en-US" sz="3200" spc="-1" strike="noStrike">
+          <a:lstStyle/>
+          <a:p>
+            <a:endParaRPr lang="en-US" sz="3200" b="0" strike="noStrike" spc="-1">
               <a:latin typeface="Arial"/>
             </a:endParaRPr>
           </a:p>
@@ -1345,11 +1510,14 @@
       </p:sp>
     </p:spTree>
   </p:cSld>
+  <p:clrMapOvr>
+    <a:masterClrMapping/>
+  </p:clrMapOvr>
 </p:sldLayout>
 </file>
 
 <file path=ppt/slideLayouts/slideLayout21.xml><?xml version="1.0" encoding="utf-8"?>
-<p:sldLayout xmlns:a="http://schemas.openxmlformats.org/drawingml/2006/main" xmlns:p="http://schemas.openxmlformats.org/presentationml/2006/main" xmlns:r="http://schemas.openxmlformats.org/officeDocument/2006/relationships" xmlns:p14="http://schemas.microsoft.com/office/powerpoint/2010/main" xmlns:p15="http://schemas.microsoft.com/office/powerpoint/2012/main" xmlns:mc="http://schemas.openxmlformats.org/markup-compatibility/2006" type="twoObjOverTx" preserve="1">
+<p:sldLayout xmlns:a="http://schemas.openxmlformats.org/drawingml/2006/main" xmlns:r="http://schemas.openxmlformats.org/officeDocument/2006/relationships" xmlns:p="http://schemas.openxmlformats.org/presentationml/2006/main" type="twoObjOverTx" preserve="1">
   <p:cSld name="Title, 2 Content over Content">
     <p:spTree>
       <p:nvGrpSpPr>
@@ -1385,12 +1553,13 @@
           </a:prstGeom>
         </p:spPr>
         <p:txBody>
-          <a:bodyPr lIns="0" rIns="0" tIns="0" bIns="0" anchor="ctr">
+          <a:bodyPr lIns="0" tIns="0" rIns="0" bIns="0" anchor="ctr">
             <a:noAutofit/>
           </a:bodyPr>
+          <a:lstStyle/>
           <a:p>
             <a:pPr algn="ctr"/>
-            <a:endParaRPr b="0" lang="en-US" sz="4400" spc="-1" strike="noStrike">
+            <a:endParaRPr lang="en-US" sz="4400" b="0" strike="noStrike" spc="-1">
               <a:latin typeface="Arial"/>
             </a:endParaRPr>
           </a:p>
@@ -1416,11 +1585,12 @@
           </a:prstGeom>
         </p:spPr>
         <p:txBody>
-          <a:bodyPr lIns="0" rIns="0" tIns="0" bIns="0">
+          <a:bodyPr lIns="0" tIns="0" rIns="0" bIns="0">
             <a:normAutofit/>
           </a:bodyPr>
-          <a:p>
-            <a:endParaRPr b="0" lang="en-US" sz="3200" spc="-1" strike="noStrike">
+          <a:lstStyle/>
+          <a:p>
+            <a:endParaRPr lang="en-US" sz="3200" b="0" strike="noStrike" spc="-1">
               <a:latin typeface="Arial"/>
             </a:endParaRPr>
           </a:p>
@@ -1446,11 +1616,12 @@
           </a:prstGeom>
         </p:spPr>
         <p:txBody>
-          <a:bodyPr lIns="0" rIns="0" tIns="0" bIns="0">
+          <a:bodyPr lIns="0" tIns="0" rIns="0" bIns="0">
             <a:normAutofit/>
           </a:bodyPr>
-          <a:p>
-            <a:endParaRPr b="0" lang="en-US" sz="3200" spc="-1" strike="noStrike">
+          <a:lstStyle/>
+          <a:p>
+            <a:endParaRPr lang="en-US" sz="3200" b="0" strike="noStrike" spc="-1">
               <a:latin typeface="Arial"/>
             </a:endParaRPr>
           </a:p>
@@ -1476,11 +1647,12 @@
           </a:prstGeom>
         </p:spPr>
         <p:txBody>
-          <a:bodyPr lIns="0" rIns="0" tIns="0" bIns="0">
+          <a:bodyPr lIns="0" tIns="0" rIns="0" bIns="0">
             <a:normAutofit/>
           </a:bodyPr>
-          <a:p>
-            <a:endParaRPr b="0" lang="en-US" sz="3200" spc="-1" strike="noStrike">
+          <a:lstStyle/>
+          <a:p>
+            <a:endParaRPr lang="en-US" sz="3200" b="0" strike="noStrike" spc="-1">
               <a:latin typeface="Arial"/>
             </a:endParaRPr>
           </a:p>
@@ -1488,11 +1660,14 @@
       </p:sp>
     </p:spTree>
   </p:cSld>
+  <p:clrMapOvr>
+    <a:masterClrMapping/>
+  </p:clrMapOvr>
 </p:sldLayout>
 </file>
 
 <file path=ppt/slideLayouts/slideLayout22.xml><?xml version="1.0" encoding="utf-8"?>
-<p:sldLayout xmlns:a="http://schemas.openxmlformats.org/drawingml/2006/main" xmlns:p="http://schemas.openxmlformats.org/presentationml/2006/main" xmlns:r="http://schemas.openxmlformats.org/officeDocument/2006/relationships" xmlns:p14="http://schemas.microsoft.com/office/powerpoint/2010/main" xmlns:p15="http://schemas.microsoft.com/office/powerpoint/2012/main" xmlns:mc="http://schemas.openxmlformats.org/markup-compatibility/2006" type="objOverTx" preserve="1">
+<p:sldLayout xmlns:a="http://schemas.openxmlformats.org/drawingml/2006/main" xmlns:r="http://schemas.openxmlformats.org/officeDocument/2006/relationships" xmlns:p="http://schemas.openxmlformats.org/presentationml/2006/main" type="objOverTx" preserve="1">
   <p:cSld name="Title, Content over Content">
     <p:spTree>
       <p:nvGrpSpPr>
@@ -1528,12 +1703,13 @@
           </a:prstGeom>
         </p:spPr>
         <p:txBody>
-          <a:bodyPr lIns="0" rIns="0" tIns="0" bIns="0" anchor="ctr">
+          <a:bodyPr lIns="0" tIns="0" rIns="0" bIns="0" anchor="ctr">
             <a:noAutofit/>
           </a:bodyPr>
+          <a:lstStyle/>
           <a:p>
             <a:pPr algn="ctr"/>
-            <a:endParaRPr b="0" lang="en-US" sz="4400" spc="-1" strike="noStrike">
+            <a:endParaRPr lang="en-US" sz="4400" b="0" strike="noStrike" spc="-1">
               <a:latin typeface="Arial"/>
             </a:endParaRPr>
           </a:p>
@@ -1559,11 +1735,12 @@
           </a:prstGeom>
         </p:spPr>
         <p:txBody>
-          <a:bodyPr lIns="0" rIns="0" tIns="0" bIns="0">
+          <a:bodyPr lIns="0" tIns="0" rIns="0" bIns="0">
             <a:normAutofit/>
           </a:bodyPr>
-          <a:p>
-            <a:endParaRPr b="0" lang="en-US" sz="3200" spc="-1" strike="noStrike">
+          <a:lstStyle/>
+          <a:p>
+            <a:endParaRPr lang="en-US" sz="3200" b="0" strike="noStrike" spc="-1">
               <a:latin typeface="Arial"/>
             </a:endParaRPr>
           </a:p>
@@ -1589,11 +1766,12 @@
           </a:prstGeom>
         </p:spPr>
         <p:txBody>
-          <a:bodyPr lIns="0" rIns="0" tIns="0" bIns="0">
+          <a:bodyPr lIns="0" tIns="0" rIns="0" bIns="0">
             <a:normAutofit/>
           </a:bodyPr>
-          <a:p>
-            <a:endParaRPr b="0" lang="en-US" sz="3200" spc="-1" strike="noStrike">
+          <a:lstStyle/>
+          <a:p>
+            <a:endParaRPr lang="en-US" sz="3200" b="0" strike="noStrike" spc="-1">
               <a:latin typeface="Arial"/>
             </a:endParaRPr>
           </a:p>
@@ -1601,11 +1779,14 @@
       </p:sp>
     </p:spTree>
   </p:cSld>
+  <p:clrMapOvr>
+    <a:masterClrMapping/>
+  </p:clrMapOvr>
 </p:sldLayout>
 </file>
 
 <file path=ppt/slideLayouts/slideLayout23.xml><?xml version="1.0" encoding="utf-8"?>
-<p:sldLayout xmlns:a="http://schemas.openxmlformats.org/drawingml/2006/main" xmlns:p="http://schemas.openxmlformats.org/presentationml/2006/main" xmlns:r="http://schemas.openxmlformats.org/officeDocument/2006/relationships" xmlns:p14="http://schemas.microsoft.com/office/powerpoint/2010/main" xmlns:p15="http://schemas.microsoft.com/office/powerpoint/2012/main" xmlns:mc="http://schemas.openxmlformats.org/markup-compatibility/2006" type="fourObj" preserve="1">
+<p:sldLayout xmlns:a="http://schemas.openxmlformats.org/drawingml/2006/main" xmlns:r="http://schemas.openxmlformats.org/officeDocument/2006/relationships" xmlns:p="http://schemas.openxmlformats.org/presentationml/2006/main" type="fourObj" preserve="1">
   <p:cSld name="Title, 4 Content">
     <p:spTree>
       <p:nvGrpSpPr>
@@ -1641,12 +1822,13 @@
           </a:prstGeom>
         </p:spPr>
         <p:txBody>
-          <a:bodyPr lIns="0" rIns="0" tIns="0" bIns="0" anchor="ctr">
+          <a:bodyPr lIns="0" tIns="0" rIns="0" bIns="0" anchor="ctr">
             <a:noAutofit/>
           </a:bodyPr>
+          <a:lstStyle/>
           <a:p>
             <a:pPr algn="ctr"/>
-            <a:endParaRPr b="0" lang="en-US" sz="4400" spc="-1" strike="noStrike">
+            <a:endParaRPr lang="en-US" sz="4400" b="0" strike="noStrike" spc="-1">
               <a:latin typeface="Arial"/>
             </a:endParaRPr>
           </a:p>
@@ -1672,11 +1854,12 @@
           </a:prstGeom>
         </p:spPr>
         <p:txBody>
-          <a:bodyPr lIns="0" rIns="0" tIns="0" bIns="0">
+          <a:bodyPr lIns="0" tIns="0" rIns="0" bIns="0">
             <a:normAutofit/>
           </a:bodyPr>
-          <a:p>
-            <a:endParaRPr b="0" lang="en-US" sz="3200" spc="-1" strike="noStrike">
+          <a:lstStyle/>
+          <a:p>
+            <a:endParaRPr lang="en-US" sz="3200" b="0" strike="noStrike" spc="-1">
               <a:latin typeface="Arial"/>
             </a:endParaRPr>
           </a:p>
@@ -1702,11 +1885,12 @@
           </a:prstGeom>
         </p:spPr>
         <p:txBody>
-          <a:bodyPr lIns="0" rIns="0" tIns="0" bIns="0">
+          <a:bodyPr lIns="0" tIns="0" rIns="0" bIns="0">
             <a:normAutofit/>
           </a:bodyPr>
-          <a:p>
-            <a:endParaRPr b="0" lang="en-US" sz="3200" spc="-1" strike="noStrike">
+          <a:lstStyle/>
+          <a:p>
+            <a:endParaRPr lang="en-US" sz="3200" b="0" strike="noStrike" spc="-1">
               <a:latin typeface="Arial"/>
             </a:endParaRPr>
           </a:p>
@@ -1732,11 +1916,12 @@
           </a:prstGeom>
         </p:spPr>
         <p:txBody>
-          <a:bodyPr lIns="0" rIns="0" tIns="0" bIns="0">
+          <a:bodyPr lIns="0" tIns="0" rIns="0" bIns="0">
             <a:normAutofit/>
           </a:bodyPr>
-          <a:p>
-            <a:endParaRPr b="0" lang="en-US" sz="3200" spc="-1" strike="noStrike">
+          <a:lstStyle/>
+          <a:p>
+            <a:endParaRPr lang="en-US" sz="3200" b="0" strike="noStrike" spc="-1">
               <a:latin typeface="Arial"/>
             </a:endParaRPr>
           </a:p>
@@ -1762,11 +1947,12 @@
           </a:prstGeom>
         </p:spPr>
         <p:txBody>
-          <a:bodyPr lIns="0" rIns="0" tIns="0" bIns="0">
+          <a:bodyPr lIns="0" tIns="0" rIns="0" bIns="0">
             <a:normAutofit/>
           </a:bodyPr>
-          <a:p>
-            <a:endParaRPr b="0" lang="en-US" sz="3200" spc="-1" strike="noStrike">
+          <a:lstStyle/>
+          <a:p>
+            <a:endParaRPr lang="en-US" sz="3200" b="0" strike="noStrike" spc="-1">
               <a:latin typeface="Arial"/>
             </a:endParaRPr>
           </a:p>
@@ -1774,11 +1960,14 @@
       </p:sp>
     </p:spTree>
   </p:cSld>
+  <p:clrMapOvr>
+    <a:masterClrMapping/>
+  </p:clrMapOvr>
 </p:sldLayout>
 </file>
 
 <file path=ppt/slideLayouts/slideLayout24.xml><?xml version="1.0" encoding="utf-8"?>
-<p:sldLayout xmlns:a="http://schemas.openxmlformats.org/drawingml/2006/main" xmlns:p="http://schemas.openxmlformats.org/presentationml/2006/main" xmlns:r="http://schemas.openxmlformats.org/officeDocument/2006/relationships" xmlns:p14="http://schemas.microsoft.com/office/powerpoint/2010/main" xmlns:p15="http://schemas.microsoft.com/office/powerpoint/2012/main" xmlns:mc="http://schemas.openxmlformats.org/markup-compatibility/2006" type="blank" preserve="1">
+<p:sldLayout xmlns:a="http://schemas.openxmlformats.org/drawingml/2006/main" xmlns:r="http://schemas.openxmlformats.org/officeDocument/2006/relationships" xmlns:p="http://schemas.openxmlformats.org/presentationml/2006/main" type="blank" preserve="1">
   <p:cSld name="Title, 6 Content">
     <p:spTree>
       <p:nvGrpSpPr>
@@ -1814,12 +2003,13 @@
           </a:prstGeom>
         </p:spPr>
         <p:txBody>
-          <a:bodyPr lIns="0" rIns="0" tIns="0" bIns="0" anchor="ctr">
+          <a:bodyPr lIns="0" tIns="0" rIns="0" bIns="0" anchor="ctr">
             <a:noAutofit/>
           </a:bodyPr>
+          <a:lstStyle/>
           <a:p>
             <a:pPr algn="ctr"/>
-            <a:endParaRPr b="0" lang="en-US" sz="4400" spc="-1" strike="noStrike">
+            <a:endParaRPr lang="en-US" sz="4400" b="0" strike="noStrike" spc="-1">
               <a:latin typeface="Arial"/>
             </a:endParaRPr>
           </a:p>
@@ -1845,11 +2035,12 @@
           </a:prstGeom>
         </p:spPr>
         <p:txBody>
-          <a:bodyPr lIns="0" rIns="0" tIns="0" bIns="0">
+          <a:bodyPr lIns="0" tIns="0" rIns="0" bIns="0">
             <a:normAutofit/>
           </a:bodyPr>
-          <a:p>
-            <a:endParaRPr b="0" lang="en-US" sz="3200" spc="-1" strike="noStrike">
+          <a:lstStyle/>
+          <a:p>
+            <a:endParaRPr lang="en-US" sz="3200" b="0" strike="noStrike" spc="-1">
               <a:latin typeface="Arial"/>
             </a:endParaRPr>
           </a:p>
@@ -1875,11 +2066,12 @@
           </a:prstGeom>
         </p:spPr>
         <p:txBody>
-          <a:bodyPr lIns="0" rIns="0" tIns="0" bIns="0">
+          <a:bodyPr lIns="0" tIns="0" rIns="0" bIns="0">
             <a:normAutofit/>
           </a:bodyPr>
-          <a:p>
-            <a:endParaRPr b="0" lang="en-US" sz="3200" spc="-1" strike="noStrike">
+          <a:lstStyle/>
+          <a:p>
+            <a:endParaRPr lang="en-US" sz="3200" b="0" strike="noStrike" spc="-1">
               <a:latin typeface="Arial"/>
             </a:endParaRPr>
           </a:p>
@@ -1905,11 +2097,12 @@
           </a:prstGeom>
         </p:spPr>
         <p:txBody>
-          <a:bodyPr lIns="0" rIns="0" tIns="0" bIns="0">
+          <a:bodyPr lIns="0" tIns="0" rIns="0" bIns="0">
             <a:normAutofit/>
           </a:bodyPr>
-          <a:p>
-            <a:endParaRPr b="0" lang="en-US" sz="3200" spc="-1" strike="noStrike">
+          <a:lstStyle/>
+          <a:p>
+            <a:endParaRPr lang="en-US" sz="3200" b="0" strike="noStrike" spc="-1">
               <a:latin typeface="Arial"/>
             </a:endParaRPr>
           </a:p>
@@ -1935,11 +2128,12 @@
           </a:prstGeom>
         </p:spPr>
         <p:txBody>
-          <a:bodyPr lIns="0" rIns="0" tIns="0" bIns="0">
+          <a:bodyPr lIns="0" tIns="0" rIns="0" bIns="0">
             <a:normAutofit/>
           </a:bodyPr>
-          <a:p>
-            <a:endParaRPr b="0" lang="en-US" sz="3200" spc="-1" strike="noStrike">
+          <a:lstStyle/>
+          <a:p>
+            <a:endParaRPr lang="en-US" sz="3200" b="0" strike="noStrike" spc="-1">
               <a:latin typeface="Arial"/>
             </a:endParaRPr>
           </a:p>
@@ -1965,11 +2159,12 @@
           </a:prstGeom>
         </p:spPr>
         <p:txBody>
-          <a:bodyPr lIns="0" rIns="0" tIns="0" bIns="0">
+          <a:bodyPr lIns="0" tIns="0" rIns="0" bIns="0">
             <a:normAutofit/>
           </a:bodyPr>
-          <a:p>
-            <a:endParaRPr b="0" lang="en-US" sz="3200" spc="-1" strike="noStrike">
+          <a:lstStyle/>
+          <a:p>
+            <a:endParaRPr lang="en-US" sz="3200" b="0" strike="noStrike" spc="-1">
               <a:latin typeface="Arial"/>
             </a:endParaRPr>
           </a:p>
@@ -1995,11 +2190,12 @@
           </a:prstGeom>
         </p:spPr>
         <p:txBody>
-          <a:bodyPr lIns="0" rIns="0" tIns="0" bIns="0">
+          <a:bodyPr lIns="0" tIns="0" rIns="0" bIns="0">
             <a:normAutofit/>
           </a:bodyPr>
-          <a:p>
-            <a:endParaRPr b="0" lang="en-US" sz="3200" spc="-1" strike="noStrike">
+          <a:lstStyle/>
+          <a:p>
+            <a:endParaRPr lang="en-US" sz="3200" b="0" strike="noStrike" spc="-1">
               <a:latin typeface="Arial"/>
             </a:endParaRPr>
           </a:p>
@@ -2007,11 +2203,14 @@
       </p:sp>
     </p:spTree>
   </p:cSld>
+  <p:clrMapOvr>
+    <a:masterClrMapping/>
+  </p:clrMapOvr>
 </p:sldLayout>
 </file>
 
 <file path=ppt/slideLayouts/slideLayout25.xml><?xml version="1.0" encoding="utf-8"?>
-<p:sldLayout xmlns:a="http://schemas.openxmlformats.org/drawingml/2006/main" xmlns:p="http://schemas.openxmlformats.org/presentationml/2006/main" xmlns:r="http://schemas.openxmlformats.org/officeDocument/2006/relationships" xmlns:p14="http://schemas.microsoft.com/office/powerpoint/2010/main" xmlns:p15="http://schemas.microsoft.com/office/powerpoint/2012/main" xmlns:mc="http://schemas.openxmlformats.org/markup-compatibility/2006" type="blank" preserve="1">
+<p:sldLayout xmlns:a="http://schemas.openxmlformats.org/drawingml/2006/main" xmlns:r="http://schemas.openxmlformats.org/officeDocument/2006/relationships" xmlns:p="http://schemas.openxmlformats.org/presentationml/2006/main" type="blank" preserve="1">
   <p:cSld name="Blank Slide">
     <p:spTree>
       <p:nvGrpSpPr>
@@ -2029,11 +2228,14 @@
       </p:grpSpPr>
     </p:spTree>
   </p:cSld>
+  <p:clrMapOvr>
+    <a:masterClrMapping/>
+  </p:clrMapOvr>
 </p:sldLayout>
 </file>
 
 <file path=ppt/slideLayouts/slideLayout26.xml><?xml version="1.0" encoding="utf-8"?>
-<p:sldLayout xmlns:a="http://schemas.openxmlformats.org/drawingml/2006/main" xmlns:p="http://schemas.openxmlformats.org/presentationml/2006/main" xmlns:r="http://schemas.openxmlformats.org/officeDocument/2006/relationships" xmlns:p14="http://schemas.microsoft.com/office/powerpoint/2010/main" xmlns:p15="http://schemas.microsoft.com/office/powerpoint/2012/main" xmlns:mc="http://schemas.openxmlformats.org/markup-compatibility/2006" type="tx" preserve="1">
+<p:sldLayout xmlns:a="http://schemas.openxmlformats.org/drawingml/2006/main" xmlns:r="http://schemas.openxmlformats.org/officeDocument/2006/relationships" xmlns:p="http://schemas.openxmlformats.org/presentationml/2006/main" type="tx" preserve="1">
   <p:cSld name="Title Slide">
     <p:spTree>
       <p:nvGrpSpPr>
@@ -2069,12 +2271,13 @@
           </a:prstGeom>
         </p:spPr>
         <p:txBody>
-          <a:bodyPr lIns="0" rIns="0" tIns="0" bIns="0" anchor="ctr">
+          <a:bodyPr lIns="0" tIns="0" rIns="0" bIns="0" anchor="ctr">
             <a:noAutofit/>
           </a:bodyPr>
+          <a:lstStyle/>
           <a:p>
             <a:pPr algn="ctr"/>
-            <a:endParaRPr b="0" lang="en-US" sz="4400" spc="-1" strike="noStrike">
+            <a:endParaRPr lang="en-US" sz="4400" b="0" strike="noStrike" spc="-1">
               <a:latin typeface="Arial"/>
             </a:endParaRPr>
           </a:p>
@@ -2100,12 +2303,13 @@
           </a:prstGeom>
         </p:spPr>
         <p:txBody>
-          <a:bodyPr lIns="0" rIns="0" tIns="0" bIns="0" anchor="ctr">
+          <a:bodyPr lIns="0" tIns="0" rIns="0" bIns="0" anchor="ctr">
             <a:noAutofit/>
           </a:bodyPr>
+          <a:lstStyle/>
           <a:p>
             <a:pPr algn="ctr"/>
-            <a:endParaRPr b="0" lang="en-US" sz="3200" spc="-1" strike="noStrike">
+            <a:endParaRPr lang="en-US" sz="3200" b="0" strike="noStrike" spc="-1">
               <a:latin typeface="Arial"/>
             </a:endParaRPr>
           </a:p>
@@ -2113,11 +2317,14 @@
       </p:sp>
     </p:spTree>
   </p:cSld>
+  <p:clrMapOvr>
+    <a:masterClrMapping/>
+  </p:clrMapOvr>
 </p:sldLayout>
 </file>
 
 <file path=ppt/slideLayouts/slideLayout27.xml><?xml version="1.0" encoding="utf-8"?>
-<p:sldLayout xmlns:a="http://schemas.openxmlformats.org/drawingml/2006/main" xmlns:p="http://schemas.openxmlformats.org/presentationml/2006/main" xmlns:r="http://schemas.openxmlformats.org/officeDocument/2006/relationships" xmlns:p14="http://schemas.microsoft.com/office/powerpoint/2010/main" xmlns:p15="http://schemas.microsoft.com/office/powerpoint/2012/main" xmlns:mc="http://schemas.openxmlformats.org/markup-compatibility/2006" type="obj" preserve="1">
+<p:sldLayout xmlns:a="http://schemas.openxmlformats.org/drawingml/2006/main" xmlns:r="http://schemas.openxmlformats.org/officeDocument/2006/relationships" xmlns:p="http://schemas.openxmlformats.org/presentationml/2006/main" type="obj" preserve="1">
   <p:cSld name="Title, Content">
     <p:spTree>
       <p:nvGrpSpPr>
@@ -2153,12 +2360,13 @@
           </a:prstGeom>
         </p:spPr>
         <p:txBody>
-          <a:bodyPr lIns="0" rIns="0" tIns="0" bIns="0" anchor="ctr">
+          <a:bodyPr lIns="0" tIns="0" rIns="0" bIns="0" anchor="ctr">
             <a:noAutofit/>
           </a:bodyPr>
+          <a:lstStyle/>
           <a:p>
             <a:pPr algn="ctr"/>
-            <a:endParaRPr b="0" lang="en-US" sz="4400" spc="-1" strike="noStrike">
+            <a:endParaRPr lang="en-US" sz="4400" b="0" strike="noStrike" spc="-1">
               <a:latin typeface="Arial"/>
             </a:endParaRPr>
           </a:p>
@@ -2184,11 +2392,12 @@
           </a:prstGeom>
         </p:spPr>
         <p:txBody>
-          <a:bodyPr lIns="0" rIns="0" tIns="0" bIns="0">
+          <a:bodyPr lIns="0" tIns="0" rIns="0" bIns="0">
             <a:normAutofit/>
           </a:bodyPr>
-          <a:p>
-            <a:endParaRPr b="0" lang="en-US" sz="3200" spc="-1" strike="noStrike">
+          <a:lstStyle/>
+          <a:p>
+            <a:endParaRPr lang="en-US" sz="3200" b="0" strike="noStrike" spc="-1">
               <a:latin typeface="Arial"/>
             </a:endParaRPr>
           </a:p>
@@ -2196,11 +2405,14 @@
       </p:sp>
     </p:spTree>
   </p:cSld>
+  <p:clrMapOvr>
+    <a:masterClrMapping/>
+  </p:clrMapOvr>
 </p:sldLayout>
 </file>
 
 <file path=ppt/slideLayouts/slideLayout28.xml><?xml version="1.0" encoding="utf-8"?>
-<p:sldLayout xmlns:a="http://schemas.openxmlformats.org/drawingml/2006/main" xmlns:p="http://schemas.openxmlformats.org/presentationml/2006/main" xmlns:r="http://schemas.openxmlformats.org/officeDocument/2006/relationships" xmlns:p14="http://schemas.microsoft.com/office/powerpoint/2010/main" xmlns:p15="http://schemas.microsoft.com/office/powerpoint/2012/main" xmlns:mc="http://schemas.openxmlformats.org/markup-compatibility/2006" type="twoObj" preserve="1">
+<p:sldLayout xmlns:a="http://schemas.openxmlformats.org/drawingml/2006/main" xmlns:r="http://schemas.openxmlformats.org/officeDocument/2006/relationships" xmlns:p="http://schemas.openxmlformats.org/presentationml/2006/main" type="twoObj" preserve="1">
   <p:cSld name="Title, 2 Content">
     <p:spTree>
       <p:nvGrpSpPr>
@@ -2236,12 +2448,13 @@
           </a:prstGeom>
         </p:spPr>
         <p:txBody>
-          <a:bodyPr lIns="0" rIns="0" tIns="0" bIns="0" anchor="ctr">
+          <a:bodyPr lIns="0" tIns="0" rIns="0" bIns="0" anchor="ctr">
             <a:noAutofit/>
           </a:bodyPr>
+          <a:lstStyle/>
           <a:p>
             <a:pPr algn="ctr"/>
-            <a:endParaRPr b="0" lang="en-US" sz="4400" spc="-1" strike="noStrike">
+            <a:endParaRPr lang="en-US" sz="4400" b="0" strike="noStrike" spc="-1">
               <a:latin typeface="Arial"/>
             </a:endParaRPr>
           </a:p>
@@ -2267,11 +2480,12 @@
           </a:prstGeom>
         </p:spPr>
         <p:txBody>
-          <a:bodyPr lIns="0" rIns="0" tIns="0" bIns="0">
+          <a:bodyPr lIns="0" tIns="0" rIns="0" bIns="0">
             <a:normAutofit/>
           </a:bodyPr>
-          <a:p>
-            <a:endParaRPr b="0" lang="en-US" sz="3200" spc="-1" strike="noStrike">
+          <a:lstStyle/>
+          <a:p>
+            <a:endParaRPr lang="en-US" sz="3200" b="0" strike="noStrike" spc="-1">
               <a:latin typeface="Arial"/>
             </a:endParaRPr>
           </a:p>
@@ -2297,11 +2511,12 @@
           </a:prstGeom>
         </p:spPr>
         <p:txBody>
-          <a:bodyPr lIns="0" rIns="0" tIns="0" bIns="0">
+          <a:bodyPr lIns="0" tIns="0" rIns="0" bIns="0">
             <a:normAutofit/>
           </a:bodyPr>
-          <a:p>
-            <a:endParaRPr b="0" lang="en-US" sz="3200" spc="-1" strike="noStrike">
+          <a:lstStyle/>
+          <a:p>
+            <a:endParaRPr lang="en-US" sz="3200" b="0" strike="noStrike" spc="-1">
               <a:latin typeface="Arial"/>
             </a:endParaRPr>
           </a:p>
@@ -2309,11 +2524,14 @@
       </p:sp>
     </p:spTree>
   </p:cSld>
+  <p:clrMapOvr>
+    <a:masterClrMapping/>
+  </p:clrMapOvr>
 </p:sldLayout>
 </file>
 
 <file path=ppt/slideLayouts/slideLayout29.xml><?xml version="1.0" encoding="utf-8"?>
-<p:sldLayout xmlns:a="http://schemas.openxmlformats.org/drawingml/2006/main" xmlns:p="http://schemas.openxmlformats.org/presentationml/2006/main" xmlns:r="http://schemas.openxmlformats.org/officeDocument/2006/relationships" xmlns:p14="http://schemas.microsoft.com/office/powerpoint/2010/main" xmlns:p15="http://schemas.microsoft.com/office/powerpoint/2012/main" xmlns:mc="http://schemas.openxmlformats.org/markup-compatibility/2006" type="titleOnly" preserve="1">
+<p:sldLayout xmlns:a="http://schemas.openxmlformats.org/drawingml/2006/main" xmlns:r="http://schemas.openxmlformats.org/officeDocument/2006/relationships" xmlns:p="http://schemas.openxmlformats.org/presentationml/2006/main" type="titleOnly" preserve="1">
   <p:cSld name="Title Only">
     <p:spTree>
       <p:nvGrpSpPr>
@@ -2349,12 +2567,13 @@
           </a:prstGeom>
         </p:spPr>
         <p:txBody>
-          <a:bodyPr lIns="0" rIns="0" tIns="0" bIns="0" anchor="ctr">
+          <a:bodyPr lIns="0" tIns="0" rIns="0" bIns="0" anchor="ctr">
             <a:noAutofit/>
           </a:bodyPr>
+          <a:lstStyle/>
           <a:p>
             <a:pPr algn="ctr"/>
-            <a:endParaRPr b="0" lang="en-US" sz="4400" spc="-1" strike="noStrike">
+            <a:endParaRPr lang="en-US" sz="4400" b="0" strike="noStrike" spc="-1">
               <a:latin typeface="Arial"/>
             </a:endParaRPr>
           </a:p>
@@ -2362,11 +2581,14 @@
       </p:sp>
     </p:spTree>
   </p:cSld>
+  <p:clrMapOvr>
+    <a:masterClrMapping/>
+  </p:clrMapOvr>
 </p:sldLayout>
 </file>
 
 <file path=ppt/slideLayouts/slideLayout3.xml><?xml version="1.0" encoding="utf-8"?>
-<p:sldLayout xmlns:a="http://schemas.openxmlformats.org/drawingml/2006/main" xmlns:p="http://schemas.openxmlformats.org/presentationml/2006/main" xmlns:r="http://schemas.openxmlformats.org/officeDocument/2006/relationships" xmlns:p14="http://schemas.microsoft.com/office/powerpoint/2010/main" xmlns:p15="http://schemas.microsoft.com/office/powerpoint/2012/main" xmlns:mc="http://schemas.openxmlformats.org/markup-compatibility/2006" type="obj" preserve="1">
+<p:sldLayout xmlns:a="http://schemas.openxmlformats.org/drawingml/2006/main" xmlns:r="http://schemas.openxmlformats.org/officeDocument/2006/relationships" xmlns:p="http://schemas.openxmlformats.org/presentationml/2006/main" type="obj" preserve="1">
   <p:cSld name="Title, Content">
     <p:spTree>
       <p:nvGrpSpPr>
@@ -2402,12 +2624,13 @@
           </a:prstGeom>
         </p:spPr>
         <p:txBody>
-          <a:bodyPr lIns="0" rIns="0" tIns="0" bIns="0" anchor="ctr">
+          <a:bodyPr lIns="0" tIns="0" rIns="0" bIns="0" anchor="ctr">
             <a:noAutofit/>
           </a:bodyPr>
+          <a:lstStyle/>
           <a:p>
             <a:pPr algn="ctr"/>
-            <a:endParaRPr b="0" lang="en-US" sz="4400" spc="-1" strike="noStrike">
+            <a:endParaRPr lang="en-US" sz="4400" b="0" strike="noStrike" spc="-1">
               <a:latin typeface="Arial"/>
             </a:endParaRPr>
           </a:p>
@@ -2433,11 +2656,12 @@
           </a:prstGeom>
         </p:spPr>
         <p:txBody>
-          <a:bodyPr lIns="0" rIns="0" tIns="0" bIns="0">
+          <a:bodyPr lIns="0" tIns="0" rIns="0" bIns="0">
             <a:normAutofit/>
           </a:bodyPr>
-          <a:p>
-            <a:endParaRPr b="0" lang="en-US" sz="3200" spc="-1" strike="noStrike">
+          <a:lstStyle/>
+          <a:p>
+            <a:endParaRPr lang="en-US" sz="3200" b="0" strike="noStrike" spc="-1">
               <a:latin typeface="Arial"/>
             </a:endParaRPr>
           </a:p>
@@ -2445,11 +2669,14 @@
       </p:sp>
     </p:spTree>
   </p:cSld>
+  <p:clrMapOvr>
+    <a:masterClrMapping/>
+  </p:clrMapOvr>
 </p:sldLayout>
 </file>
 
 <file path=ppt/slideLayouts/slideLayout30.xml><?xml version="1.0" encoding="utf-8"?>
-<p:sldLayout xmlns:a="http://schemas.openxmlformats.org/drawingml/2006/main" xmlns:p="http://schemas.openxmlformats.org/presentationml/2006/main" xmlns:r="http://schemas.openxmlformats.org/officeDocument/2006/relationships" xmlns:p14="http://schemas.microsoft.com/office/powerpoint/2010/main" xmlns:p15="http://schemas.microsoft.com/office/powerpoint/2012/main" xmlns:mc="http://schemas.openxmlformats.org/markup-compatibility/2006" type="objOnly" preserve="1">
+<p:sldLayout xmlns:a="http://schemas.openxmlformats.org/drawingml/2006/main" xmlns:r="http://schemas.openxmlformats.org/officeDocument/2006/relationships" xmlns:p="http://schemas.openxmlformats.org/presentationml/2006/main" type="objOnly" preserve="1">
   <p:cSld name="Centered Text">
     <p:spTree>
       <p:nvGrpSpPr>
@@ -2485,12 +2712,13 @@
           </a:prstGeom>
         </p:spPr>
         <p:txBody>
-          <a:bodyPr lIns="0" rIns="0" tIns="0" bIns="0" anchor="ctr">
+          <a:bodyPr lIns="0" tIns="0" rIns="0" bIns="0" anchor="ctr">
             <a:noAutofit/>
           </a:bodyPr>
+          <a:lstStyle/>
           <a:p>
             <a:pPr algn="ctr"/>
-            <a:endParaRPr b="0" lang="en-US" sz="3200" spc="-1" strike="noStrike">
+            <a:endParaRPr lang="en-US" sz="3200" b="0" strike="noStrike" spc="-1">
               <a:latin typeface="Arial"/>
             </a:endParaRPr>
           </a:p>
@@ -2498,11 +2726,14 @@
       </p:sp>
     </p:spTree>
   </p:cSld>
+  <p:clrMapOvr>
+    <a:masterClrMapping/>
+  </p:clrMapOvr>
 </p:sldLayout>
 </file>
 
 <file path=ppt/slideLayouts/slideLayout31.xml><?xml version="1.0" encoding="utf-8"?>
-<p:sldLayout xmlns:a="http://schemas.openxmlformats.org/drawingml/2006/main" xmlns:p="http://schemas.openxmlformats.org/presentationml/2006/main" xmlns:r="http://schemas.openxmlformats.org/officeDocument/2006/relationships" xmlns:p14="http://schemas.microsoft.com/office/powerpoint/2010/main" xmlns:p15="http://schemas.microsoft.com/office/powerpoint/2012/main" xmlns:mc="http://schemas.openxmlformats.org/markup-compatibility/2006" type="twoObjAndObj" preserve="1">
+<p:sldLayout xmlns:a="http://schemas.openxmlformats.org/drawingml/2006/main" xmlns:r="http://schemas.openxmlformats.org/officeDocument/2006/relationships" xmlns:p="http://schemas.openxmlformats.org/presentationml/2006/main" type="twoObjAndObj" preserve="1">
   <p:cSld name="Title, 2 Content and Content">
     <p:spTree>
       <p:nvGrpSpPr>
@@ -2538,12 +2769,13 @@
           </a:prstGeom>
         </p:spPr>
         <p:txBody>
-          <a:bodyPr lIns="0" rIns="0" tIns="0" bIns="0" anchor="ctr">
+          <a:bodyPr lIns="0" tIns="0" rIns="0" bIns="0" anchor="ctr">
             <a:noAutofit/>
           </a:bodyPr>
+          <a:lstStyle/>
           <a:p>
             <a:pPr algn="ctr"/>
-            <a:endParaRPr b="0" lang="en-US" sz="4400" spc="-1" strike="noStrike">
+            <a:endParaRPr lang="en-US" sz="4400" b="0" strike="noStrike" spc="-1">
               <a:latin typeface="Arial"/>
             </a:endParaRPr>
           </a:p>
@@ -2569,11 +2801,12 @@
           </a:prstGeom>
         </p:spPr>
         <p:txBody>
-          <a:bodyPr lIns="0" rIns="0" tIns="0" bIns="0">
+          <a:bodyPr lIns="0" tIns="0" rIns="0" bIns="0">
             <a:normAutofit/>
           </a:bodyPr>
-          <a:p>
-            <a:endParaRPr b="0" lang="en-US" sz="3200" spc="-1" strike="noStrike">
+          <a:lstStyle/>
+          <a:p>
+            <a:endParaRPr lang="en-US" sz="3200" b="0" strike="noStrike" spc="-1">
               <a:latin typeface="Arial"/>
             </a:endParaRPr>
           </a:p>
@@ -2599,11 +2832,12 @@
           </a:prstGeom>
         </p:spPr>
         <p:txBody>
-          <a:bodyPr lIns="0" rIns="0" tIns="0" bIns="0">
+          <a:bodyPr lIns="0" tIns="0" rIns="0" bIns="0">
             <a:normAutofit/>
           </a:bodyPr>
-          <a:p>
-            <a:endParaRPr b="0" lang="en-US" sz="3200" spc="-1" strike="noStrike">
+          <a:lstStyle/>
+          <a:p>
+            <a:endParaRPr lang="en-US" sz="3200" b="0" strike="noStrike" spc="-1">
               <a:latin typeface="Arial"/>
             </a:endParaRPr>
           </a:p>
@@ -2629,11 +2863,12 @@
           </a:prstGeom>
         </p:spPr>
         <p:txBody>
-          <a:bodyPr lIns="0" rIns="0" tIns="0" bIns="0">
+          <a:bodyPr lIns="0" tIns="0" rIns="0" bIns="0">
             <a:normAutofit/>
           </a:bodyPr>
-          <a:p>
-            <a:endParaRPr b="0" lang="en-US" sz="3200" spc="-1" strike="noStrike">
+          <a:lstStyle/>
+          <a:p>
+            <a:endParaRPr lang="en-US" sz="3200" b="0" strike="noStrike" spc="-1">
               <a:latin typeface="Arial"/>
             </a:endParaRPr>
           </a:p>
@@ -2641,11 +2876,14 @@
       </p:sp>
     </p:spTree>
   </p:cSld>
+  <p:clrMapOvr>
+    <a:masterClrMapping/>
+  </p:clrMapOvr>
 </p:sldLayout>
 </file>
 
 <file path=ppt/slideLayouts/slideLayout32.xml><?xml version="1.0" encoding="utf-8"?>
-<p:sldLayout xmlns:a="http://schemas.openxmlformats.org/drawingml/2006/main" xmlns:p="http://schemas.openxmlformats.org/presentationml/2006/main" xmlns:r="http://schemas.openxmlformats.org/officeDocument/2006/relationships" xmlns:p14="http://schemas.microsoft.com/office/powerpoint/2010/main" xmlns:p15="http://schemas.microsoft.com/office/powerpoint/2012/main" xmlns:mc="http://schemas.openxmlformats.org/markup-compatibility/2006" type="objAndTwoObj" preserve="1">
+<p:sldLayout xmlns:a="http://schemas.openxmlformats.org/drawingml/2006/main" xmlns:r="http://schemas.openxmlformats.org/officeDocument/2006/relationships" xmlns:p="http://schemas.openxmlformats.org/presentationml/2006/main" type="objAndTwoObj" preserve="1">
   <p:cSld name="Title Content and 2 Content">
     <p:spTree>
       <p:nvGrpSpPr>
@@ -2681,12 +2919,13 @@
           </a:prstGeom>
         </p:spPr>
         <p:txBody>
-          <a:bodyPr lIns="0" rIns="0" tIns="0" bIns="0" anchor="ctr">
+          <a:bodyPr lIns="0" tIns="0" rIns="0" bIns="0" anchor="ctr">
             <a:noAutofit/>
           </a:bodyPr>
+          <a:lstStyle/>
           <a:p>
             <a:pPr algn="ctr"/>
-            <a:endParaRPr b="0" lang="en-US" sz="4400" spc="-1" strike="noStrike">
+            <a:endParaRPr lang="en-US" sz="4400" b="0" strike="noStrike" spc="-1">
               <a:latin typeface="Arial"/>
             </a:endParaRPr>
           </a:p>
@@ -2712,11 +2951,12 @@
           </a:prstGeom>
         </p:spPr>
         <p:txBody>
-          <a:bodyPr lIns="0" rIns="0" tIns="0" bIns="0">
+          <a:bodyPr lIns="0" tIns="0" rIns="0" bIns="0">
             <a:normAutofit/>
           </a:bodyPr>
-          <a:p>
-            <a:endParaRPr b="0" lang="en-US" sz="3200" spc="-1" strike="noStrike">
+          <a:lstStyle/>
+          <a:p>
+            <a:endParaRPr lang="en-US" sz="3200" b="0" strike="noStrike" spc="-1">
               <a:latin typeface="Arial"/>
             </a:endParaRPr>
           </a:p>
@@ -2742,11 +2982,12 @@
           </a:prstGeom>
         </p:spPr>
         <p:txBody>
-          <a:bodyPr lIns="0" rIns="0" tIns="0" bIns="0">
+          <a:bodyPr lIns="0" tIns="0" rIns="0" bIns="0">
             <a:normAutofit/>
           </a:bodyPr>
-          <a:p>
-            <a:endParaRPr b="0" lang="en-US" sz="3200" spc="-1" strike="noStrike">
+          <a:lstStyle/>
+          <a:p>
+            <a:endParaRPr lang="en-US" sz="3200" b="0" strike="noStrike" spc="-1">
               <a:latin typeface="Arial"/>
             </a:endParaRPr>
           </a:p>
@@ -2772,11 +3013,12 @@
           </a:prstGeom>
         </p:spPr>
         <p:txBody>
-          <a:bodyPr lIns="0" rIns="0" tIns="0" bIns="0">
+          <a:bodyPr lIns="0" tIns="0" rIns="0" bIns="0">
             <a:normAutofit/>
           </a:bodyPr>
-          <a:p>
-            <a:endParaRPr b="0" lang="en-US" sz="3200" spc="-1" strike="noStrike">
+          <a:lstStyle/>
+          <a:p>
+            <a:endParaRPr lang="en-US" sz="3200" b="0" strike="noStrike" spc="-1">
               <a:latin typeface="Arial"/>
             </a:endParaRPr>
           </a:p>
@@ -2784,11 +3026,14 @@
       </p:sp>
     </p:spTree>
   </p:cSld>
+  <p:clrMapOvr>
+    <a:masterClrMapping/>
+  </p:clrMapOvr>
 </p:sldLayout>
 </file>
 
 <file path=ppt/slideLayouts/slideLayout33.xml><?xml version="1.0" encoding="utf-8"?>
-<p:sldLayout xmlns:a="http://schemas.openxmlformats.org/drawingml/2006/main" xmlns:p="http://schemas.openxmlformats.org/presentationml/2006/main" xmlns:r="http://schemas.openxmlformats.org/officeDocument/2006/relationships" xmlns:p14="http://schemas.microsoft.com/office/powerpoint/2010/main" xmlns:p15="http://schemas.microsoft.com/office/powerpoint/2012/main" xmlns:mc="http://schemas.openxmlformats.org/markup-compatibility/2006" type="twoObjOverTx" preserve="1">
+<p:sldLayout xmlns:a="http://schemas.openxmlformats.org/drawingml/2006/main" xmlns:r="http://schemas.openxmlformats.org/officeDocument/2006/relationships" xmlns:p="http://schemas.openxmlformats.org/presentationml/2006/main" type="twoObjOverTx" preserve="1">
   <p:cSld name="Title, 2 Content over Content">
     <p:spTree>
       <p:nvGrpSpPr>
@@ -2824,12 +3069,13 @@
           </a:prstGeom>
         </p:spPr>
         <p:txBody>
-          <a:bodyPr lIns="0" rIns="0" tIns="0" bIns="0" anchor="ctr">
+          <a:bodyPr lIns="0" tIns="0" rIns="0" bIns="0" anchor="ctr">
             <a:noAutofit/>
           </a:bodyPr>
+          <a:lstStyle/>
           <a:p>
             <a:pPr algn="ctr"/>
-            <a:endParaRPr b="0" lang="en-US" sz="4400" spc="-1" strike="noStrike">
+            <a:endParaRPr lang="en-US" sz="4400" b="0" strike="noStrike" spc="-1">
               <a:latin typeface="Arial"/>
             </a:endParaRPr>
           </a:p>
@@ -2855,11 +3101,12 @@
           </a:prstGeom>
         </p:spPr>
         <p:txBody>
-          <a:bodyPr lIns="0" rIns="0" tIns="0" bIns="0">
+          <a:bodyPr lIns="0" tIns="0" rIns="0" bIns="0">
             <a:normAutofit/>
           </a:bodyPr>
-          <a:p>
-            <a:endParaRPr b="0" lang="en-US" sz="3200" spc="-1" strike="noStrike">
+          <a:lstStyle/>
+          <a:p>
+            <a:endParaRPr lang="en-US" sz="3200" b="0" strike="noStrike" spc="-1">
               <a:latin typeface="Arial"/>
             </a:endParaRPr>
           </a:p>
@@ -2885,11 +3132,12 @@
           </a:prstGeom>
         </p:spPr>
         <p:txBody>
-          <a:bodyPr lIns="0" rIns="0" tIns="0" bIns="0">
+          <a:bodyPr lIns="0" tIns="0" rIns="0" bIns="0">
             <a:normAutofit/>
           </a:bodyPr>
-          <a:p>
-            <a:endParaRPr b="0" lang="en-US" sz="3200" spc="-1" strike="noStrike">
+          <a:lstStyle/>
+          <a:p>
+            <a:endParaRPr lang="en-US" sz="3200" b="0" strike="noStrike" spc="-1">
               <a:latin typeface="Arial"/>
             </a:endParaRPr>
           </a:p>
@@ -2915,11 +3163,12 @@
           </a:prstGeom>
         </p:spPr>
         <p:txBody>
-          <a:bodyPr lIns="0" rIns="0" tIns="0" bIns="0">
+          <a:bodyPr lIns="0" tIns="0" rIns="0" bIns="0">
             <a:normAutofit/>
           </a:bodyPr>
-          <a:p>
-            <a:endParaRPr b="0" lang="en-US" sz="3200" spc="-1" strike="noStrike">
+          <a:lstStyle/>
+          <a:p>
+            <a:endParaRPr lang="en-US" sz="3200" b="0" strike="noStrike" spc="-1">
               <a:latin typeface="Arial"/>
             </a:endParaRPr>
           </a:p>
@@ -2927,11 +3176,14 @@
       </p:sp>
     </p:spTree>
   </p:cSld>
+  <p:clrMapOvr>
+    <a:masterClrMapping/>
+  </p:clrMapOvr>
 </p:sldLayout>
 </file>
 
 <file path=ppt/slideLayouts/slideLayout34.xml><?xml version="1.0" encoding="utf-8"?>
-<p:sldLayout xmlns:a="http://schemas.openxmlformats.org/drawingml/2006/main" xmlns:p="http://schemas.openxmlformats.org/presentationml/2006/main" xmlns:r="http://schemas.openxmlformats.org/officeDocument/2006/relationships" xmlns:p14="http://schemas.microsoft.com/office/powerpoint/2010/main" xmlns:p15="http://schemas.microsoft.com/office/powerpoint/2012/main" xmlns:mc="http://schemas.openxmlformats.org/markup-compatibility/2006" type="objOverTx" preserve="1">
+<p:sldLayout xmlns:a="http://schemas.openxmlformats.org/drawingml/2006/main" xmlns:r="http://schemas.openxmlformats.org/officeDocument/2006/relationships" xmlns:p="http://schemas.openxmlformats.org/presentationml/2006/main" type="objOverTx" preserve="1">
   <p:cSld name="Title, Content over Content">
     <p:spTree>
       <p:nvGrpSpPr>
@@ -2967,12 +3219,13 @@
           </a:prstGeom>
         </p:spPr>
         <p:txBody>
-          <a:bodyPr lIns="0" rIns="0" tIns="0" bIns="0" anchor="ctr">
+          <a:bodyPr lIns="0" tIns="0" rIns="0" bIns="0" anchor="ctr">
             <a:noAutofit/>
           </a:bodyPr>
+          <a:lstStyle/>
           <a:p>
             <a:pPr algn="ctr"/>
-            <a:endParaRPr b="0" lang="en-US" sz="4400" spc="-1" strike="noStrike">
+            <a:endParaRPr lang="en-US" sz="4400" b="0" strike="noStrike" spc="-1">
               <a:latin typeface="Arial"/>
             </a:endParaRPr>
           </a:p>
@@ -2998,11 +3251,12 @@
           </a:prstGeom>
         </p:spPr>
         <p:txBody>
-          <a:bodyPr lIns="0" rIns="0" tIns="0" bIns="0">
+          <a:bodyPr lIns="0" tIns="0" rIns="0" bIns="0">
             <a:normAutofit/>
           </a:bodyPr>
-          <a:p>
-            <a:endParaRPr b="0" lang="en-US" sz="3200" spc="-1" strike="noStrike">
+          <a:lstStyle/>
+          <a:p>
+            <a:endParaRPr lang="en-US" sz="3200" b="0" strike="noStrike" spc="-1">
               <a:latin typeface="Arial"/>
             </a:endParaRPr>
           </a:p>
@@ -3028,11 +3282,12 @@
           </a:prstGeom>
         </p:spPr>
         <p:txBody>
-          <a:bodyPr lIns="0" rIns="0" tIns="0" bIns="0">
+          <a:bodyPr lIns="0" tIns="0" rIns="0" bIns="0">
             <a:normAutofit/>
           </a:bodyPr>
-          <a:p>
-            <a:endParaRPr b="0" lang="en-US" sz="3200" spc="-1" strike="noStrike">
+          <a:lstStyle/>
+          <a:p>
+            <a:endParaRPr lang="en-US" sz="3200" b="0" strike="noStrike" spc="-1">
               <a:latin typeface="Arial"/>
             </a:endParaRPr>
           </a:p>
@@ -3040,11 +3295,14 @@
       </p:sp>
     </p:spTree>
   </p:cSld>
+  <p:clrMapOvr>
+    <a:masterClrMapping/>
+  </p:clrMapOvr>
 </p:sldLayout>
 </file>
 
 <file path=ppt/slideLayouts/slideLayout35.xml><?xml version="1.0" encoding="utf-8"?>
-<p:sldLayout xmlns:a="http://schemas.openxmlformats.org/drawingml/2006/main" xmlns:p="http://schemas.openxmlformats.org/presentationml/2006/main" xmlns:r="http://schemas.openxmlformats.org/officeDocument/2006/relationships" xmlns:p14="http://schemas.microsoft.com/office/powerpoint/2010/main" xmlns:p15="http://schemas.microsoft.com/office/powerpoint/2012/main" xmlns:mc="http://schemas.openxmlformats.org/markup-compatibility/2006" type="fourObj" preserve="1">
+<p:sldLayout xmlns:a="http://schemas.openxmlformats.org/drawingml/2006/main" xmlns:r="http://schemas.openxmlformats.org/officeDocument/2006/relationships" xmlns:p="http://schemas.openxmlformats.org/presentationml/2006/main" type="fourObj" preserve="1">
   <p:cSld name="Title, 4 Content">
     <p:spTree>
       <p:nvGrpSpPr>
@@ -3080,12 +3338,13 @@
           </a:prstGeom>
         </p:spPr>
         <p:txBody>
-          <a:bodyPr lIns="0" rIns="0" tIns="0" bIns="0" anchor="ctr">
+          <a:bodyPr lIns="0" tIns="0" rIns="0" bIns="0" anchor="ctr">
             <a:noAutofit/>
           </a:bodyPr>
+          <a:lstStyle/>
           <a:p>
             <a:pPr algn="ctr"/>
-            <a:endParaRPr b="0" lang="en-US" sz="4400" spc="-1" strike="noStrike">
+            <a:endParaRPr lang="en-US" sz="4400" b="0" strike="noStrike" spc="-1">
               <a:latin typeface="Arial"/>
             </a:endParaRPr>
           </a:p>
@@ -3111,11 +3370,12 @@
           </a:prstGeom>
         </p:spPr>
         <p:txBody>
-          <a:bodyPr lIns="0" rIns="0" tIns="0" bIns="0">
+          <a:bodyPr lIns="0" tIns="0" rIns="0" bIns="0">
             <a:normAutofit/>
           </a:bodyPr>
-          <a:p>
-            <a:endParaRPr b="0" lang="en-US" sz="3200" spc="-1" strike="noStrike">
+          <a:lstStyle/>
+          <a:p>
+            <a:endParaRPr lang="en-US" sz="3200" b="0" strike="noStrike" spc="-1">
               <a:latin typeface="Arial"/>
             </a:endParaRPr>
           </a:p>
@@ -3141,11 +3401,12 @@
           </a:prstGeom>
         </p:spPr>
         <p:txBody>
-          <a:bodyPr lIns="0" rIns="0" tIns="0" bIns="0">
+          <a:bodyPr lIns="0" tIns="0" rIns="0" bIns="0">
             <a:normAutofit/>
           </a:bodyPr>
-          <a:p>
-            <a:endParaRPr b="0" lang="en-US" sz="3200" spc="-1" strike="noStrike">
+          <a:lstStyle/>
+          <a:p>
+            <a:endParaRPr lang="en-US" sz="3200" b="0" strike="noStrike" spc="-1">
               <a:latin typeface="Arial"/>
             </a:endParaRPr>
           </a:p>
@@ -3171,11 +3432,12 @@
           </a:prstGeom>
         </p:spPr>
         <p:txBody>
-          <a:bodyPr lIns="0" rIns="0" tIns="0" bIns="0">
+          <a:bodyPr lIns="0" tIns="0" rIns="0" bIns="0">
             <a:normAutofit/>
           </a:bodyPr>
-          <a:p>
-            <a:endParaRPr b="0" lang="en-US" sz="3200" spc="-1" strike="noStrike">
+          <a:lstStyle/>
+          <a:p>
+            <a:endParaRPr lang="en-US" sz="3200" b="0" strike="noStrike" spc="-1">
               <a:latin typeface="Arial"/>
             </a:endParaRPr>
           </a:p>
@@ -3201,11 +3463,12 @@
           </a:prstGeom>
         </p:spPr>
         <p:txBody>
-          <a:bodyPr lIns="0" rIns="0" tIns="0" bIns="0">
+          <a:bodyPr lIns="0" tIns="0" rIns="0" bIns="0">
             <a:normAutofit/>
           </a:bodyPr>
-          <a:p>
-            <a:endParaRPr b="0" lang="en-US" sz="3200" spc="-1" strike="noStrike">
+          <a:lstStyle/>
+          <a:p>
+            <a:endParaRPr lang="en-US" sz="3200" b="0" strike="noStrike" spc="-1">
               <a:latin typeface="Arial"/>
             </a:endParaRPr>
           </a:p>
@@ -3213,11 +3476,14 @@
       </p:sp>
     </p:spTree>
   </p:cSld>
+  <p:clrMapOvr>
+    <a:masterClrMapping/>
+  </p:clrMapOvr>
 </p:sldLayout>
 </file>
 
 <file path=ppt/slideLayouts/slideLayout36.xml><?xml version="1.0" encoding="utf-8"?>
-<p:sldLayout xmlns:a="http://schemas.openxmlformats.org/drawingml/2006/main" xmlns:p="http://schemas.openxmlformats.org/presentationml/2006/main" xmlns:r="http://schemas.openxmlformats.org/officeDocument/2006/relationships" xmlns:p14="http://schemas.microsoft.com/office/powerpoint/2010/main" xmlns:p15="http://schemas.microsoft.com/office/powerpoint/2012/main" xmlns:mc="http://schemas.openxmlformats.org/markup-compatibility/2006" type="blank" preserve="1">
+<p:sldLayout xmlns:a="http://schemas.openxmlformats.org/drawingml/2006/main" xmlns:r="http://schemas.openxmlformats.org/officeDocument/2006/relationships" xmlns:p="http://schemas.openxmlformats.org/presentationml/2006/main" type="blank" preserve="1">
   <p:cSld name="Title, 6 Content">
     <p:spTree>
       <p:nvGrpSpPr>
@@ -3253,12 +3519,13 @@
           </a:prstGeom>
         </p:spPr>
         <p:txBody>
-          <a:bodyPr lIns="0" rIns="0" tIns="0" bIns="0" anchor="ctr">
+          <a:bodyPr lIns="0" tIns="0" rIns="0" bIns="0" anchor="ctr">
             <a:noAutofit/>
           </a:bodyPr>
+          <a:lstStyle/>
           <a:p>
             <a:pPr algn="ctr"/>
-            <a:endParaRPr b="0" lang="en-US" sz="4400" spc="-1" strike="noStrike">
+            <a:endParaRPr lang="en-US" sz="4400" b="0" strike="noStrike" spc="-1">
               <a:latin typeface="Arial"/>
             </a:endParaRPr>
           </a:p>
@@ -3284,11 +3551,12 @@
           </a:prstGeom>
         </p:spPr>
         <p:txBody>
-          <a:bodyPr lIns="0" rIns="0" tIns="0" bIns="0">
+          <a:bodyPr lIns="0" tIns="0" rIns="0" bIns="0">
             <a:normAutofit/>
           </a:bodyPr>
-          <a:p>
-            <a:endParaRPr b="0" lang="en-US" sz="3200" spc="-1" strike="noStrike">
+          <a:lstStyle/>
+          <a:p>
+            <a:endParaRPr lang="en-US" sz="3200" b="0" strike="noStrike" spc="-1">
               <a:latin typeface="Arial"/>
             </a:endParaRPr>
           </a:p>
@@ -3314,11 +3582,12 @@
           </a:prstGeom>
         </p:spPr>
         <p:txBody>
-          <a:bodyPr lIns="0" rIns="0" tIns="0" bIns="0">
+          <a:bodyPr lIns="0" tIns="0" rIns="0" bIns="0">
             <a:normAutofit/>
           </a:bodyPr>
-          <a:p>
-            <a:endParaRPr b="0" lang="en-US" sz="3200" spc="-1" strike="noStrike">
+          <a:lstStyle/>
+          <a:p>
+            <a:endParaRPr lang="en-US" sz="3200" b="0" strike="noStrike" spc="-1">
               <a:latin typeface="Arial"/>
             </a:endParaRPr>
           </a:p>
@@ -3344,11 +3613,12 @@
           </a:prstGeom>
         </p:spPr>
         <p:txBody>
-          <a:bodyPr lIns="0" rIns="0" tIns="0" bIns="0">
+          <a:bodyPr lIns="0" tIns="0" rIns="0" bIns="0">
             <a:normAutofit/>
           </a:bodyPr>
-          <a:p>
-            <a:endParaRPr b="0" lang="en-US" sz="3200" spc="-1" strike="noStrike">
+          <a:lstStyle/>
+          <a:p>
+            <a:endParaRPr lang="en-US" sz="3200" b="0" strike="noStrike" spc="-1">
               <a:latin typeface="Arial"/>
             </a:endParaRPr>
           </a:p>
@@ -3374,11 +3644,12 @@
           </a:prstGeom>
         </p:spPr>
         <p:txBody>
-          <a:bodyPr lIns="0" rIns="0" tIns="0" bIns="0">
+          <a:bodyPr lIns="0" tIns="0" rIns="0" bIns="0">
             <a:normAutofit/>
           </a:bodyPr>
-          <a:p>
-            <a:endParaRPr b="0" lang="en-US" sz="3200" spc="-1" strike="noStrike">
+          <a:lstStyle/>
+          <a:p>
+            <a:endParaRPr lang="en-US" sz="3200" b="0" strike="noStrike" spc="-1">
               <a:latin typeface="Arial"/>
             </a:endParaRPr>
           </a:p>
@@ -3404,11 +3675,12 @@
           </a:prstGeom>
         </p:spPr>
         <p:txBody>
-          <a:bodyPr lIns="0" rIns="0" tIns="0" bIns="0">
+          <a:bodyPr lIns="0" tIns="0" rIns="0" bIns="0">
             <a:normAutofit/>
           </a:bodyPr>
-          <a:p>
-            <a:endParaRPr b="0" lang="en-US" sz="3200" spc="-1" strike="noStrike">
+          <a:lstStyle/>
+          <a:p>
+            <a:endParaRPr lang="en-US" sz="3200" b="0" strike="noStrike" spc="-1">
               <a:latin typeface="Arial"/>
             </a:endParaRPr>
           </a:p>
@@ -3434,11 +3706,12 @@
           </a:prstGeom>
         </p:spPr>
         <p:txBody>
-          <a:bodyPr lIns="0" rIns="0" tIns="0" bIns="0">
+          <a:bodyPr lIns="0" tIns="0" rIns="0" bIns="0">
             <a:normAutofit/>
           </a:bodyPr>
-          <a:p>
-            <a:endParaRPr b="0" lang="en-US" sz="3200" spc="-1" strike="noStrike">
+          <a:lstStyle/>
+          <a:p>
+            <a:endParaRPr lang="en-US" sz="3200" b="0" strike="noStrike" spc="-1">
               <a:latin typeface="Arial"/>
             </a:endParaRPr>
           </a:p>
@@ -3446,11 +3719,14 @@
       </p:sp>
     </p:spTree>
   </p:cSld>
+  <p:clrMapOvr>
+    <a:masterClrMapping/>
+  </p:clrMapOvr>
 </p:sldLayout>
 </file>
 
 <file path=ppt/slideLayouts/slideLayout37.xml><?xml version="1.0" encoding="utf-8"?>
-<p:sldLayout xmlns:a="http://schemas.openxmlformats.org/drawingml/2006/main" xmlns:p="http://schemas.openxmlformats.org/presentationml/2006/main" xmlns:r="http://schemas.openxmlformats.org/officeDocument/2006/relationships" xmlns:p14="http://schemas.microsoft.com/office/powerpoint/2010/main" xmlns:p15="http://schemas.microsoft.com/office/powerpoint/2012/main" xmlns:mc="http://schemas.openxmlformats.org/markup-compatibility/2006" type="blank" preserve="1">
+<p:sldLayout xmlns:a="http://schemas.openxmlformats.org/drawingml/2006/main" xmlns:r="http://schemas.openxmlformats.org/officeDocument/2006/relationships" xmlns:p="http://schemas.openxmlformats.org/presentationml/2006/main" type="blank" preserve="1">
   <p:cSld name="Blank Slide">
     <p:spTree>
       <p:nvGrpSpPr>
@@ -3468,11 +3744,14 @@
       </p:grpSpPr>
     </p:spTree>
   </p:cSld>
+  <p:clrMapOvr>
+    <a:masterClrMapping/>
+  </p:clrMapOvr>
 </p:sldLayout>
 </file>
 
 <file path=ppt/slideLayouts/slideLayout38.xml><?xml version="1.0" encoding="utf-8"?>
-<p:sldLayout xmlns:a="http://schemas.openxmlformats.org/drawingml/2006/main" xmlns:p="http://schemas.openxmlformats.org/presentationml/2006/main" xmlns:r="http://schemas.openxmlformats.org/officeDocument/2006/relationships" xmlns:p14="http://schemas.microsoft.com/office/powerpoint/2010/main" xmlns:p15="http://schemas.microsoft.com/office/powerpoint/2012/main" xmlns:mc="http://schemas.openxmlformats.org/markup-compatibility/2006" type="tx" preserve="1">
+<p:sldLayout xmlns:a="http://schemas.openxmlformats.org/drawingml/2006/main" xmlns:r="http://schemas.openxmlformats.org/officeDocument/2006/relationships" xmlns:p="http://schemas.openxmlformats.org/presentationml/2006/main" type="tx" preserve="1">
   <p:cSld name="Title Slide">
     <p:spTree>
       <p:nvGrpSpPr>
@@ -3508,12 +3787,13 @@
           </a:prstGeom>
         </p:spPr>
         <p:txBody>
-          <a:bodyPr lIns="0" rIns="0" tIns="0" bIns="0" anchor="ctr">
+          <a:bodyPr lIns="0" tIns="0" rIns="0" bIns="0" anchor="ctr">
             <a:noAutofit/>
           </a:bodyPr>
+          <a:lstStyle/>
           <a:p>
             <a:pPr algn="ctr"/>
-            <a:endParaRPr b="0" lang="en-US" sz="4400" spc="-1" strike="noStrike">
+            <a:endParaRPr lang="en-US" sz="4400" b="0" strike="noStrike" spc="-1">
               <a:latin typeface="Arial"/>
             </a:endParaRPr>
           </a:p>
@@ -3539,12 +3819,13 @@
           </a:prstGeom>
         </p:spPr>
         <p:txBody>
-          <a:bodyPr lIns="0" rIns="0" tIns="0" bIns="0" anchor="ctr">
+          <a:bodyPr lIns="0" tIns="0" rIns="0" bIns="0" anchor="ctr">
             <a:noAutofit/>
           </a:bodyPr>
+          <a:lstStyle/>
           <a:p>
             <a:pPr algn="ctr"/>
-            <a:endParaRPr b="0" lang="en-US" sz="3200" spc="-1" strike="noStrike">
+            <a:endParaRPr lang="en-US" sz="3200" b="0" strike="noStrike" spc="-1">
               <a:latin typeface="Arial"/>
             </a:endParaRPr>
           </a:p>
@@ -3552,11 +3833,14 @@
       </p:sp>
     </p:spTree>
   </p:cSld>
+  <p:clrMapOvr>
+    <a:masterClrMapping/>
+  </p:clrMapOvr>
 </p:sldLayout>
 </file>
 
 <file path=ppt/slideLayouts/slideLayout39.xml><?xml version="1.0" encoding="utf-8"?>
-<p:sldLayout xmlns:a="http://schemas.openxmlformats.org/drawingml/2006/main" xmlns:p="http://schemas.openxmlformats.org/presentationml/2006/main" xmlns:r="http://schemas.openxmlformats.org/officeDocument/2006/relationships" xmlns:p14="http://schemas.microsoft.com/office/powerpoint/2010/main" xmlns:p15="http://schemas.microsoft.com/office/powerpoint/2012/main" xmlns:mc="http://schemas.openxmlformats.org/markup-compatibility/2006" type="obj" preserve="1">
+<p:sldLayout xmlns:a="http://schemas.openxmlformats.org/drawingml/2006/main" xmlns:r="http://schemas.openxmlformats.org/officeDocument/2006/relationships" xmlns:p="http://schemas.openxmlformats.org/presentationml/2006/main" type="obj" preserve="1">
   <p:cSld name="Title, Content">
     <p:spTree>
       <p:nvGrpSpPr>
@@ -3592,12 +3876,13 @@
           </a:prstGeom>
         </p:spPr>
         <p:txBody>
-          <a:bodyPr lIns="0" rIns="0" tIns="0" bIns="0" anchor="ctr">
+          <a:bodyPr lIns="0" tIns="0" rIns="0" bIns="0" anchor="ctr">
             <a:noAutofit/>
           </a:bodyPr>
+          <a:lstStyle/>
           <a:p>
             <a:pPr algn="ctr"/>
-            <a:endParaRPr b="0" lang="en-US" sz="4400" spc="-1" strike="noStrike">
+            <a:endParaRPr lang="en-US" sz="4400" b="0" strike="noStrike" spc="-1">
               <a:latin typeface="Arial"/>
             </a:endParaRPr>
           </a:p>
@@ -3623,11 +3908,12 @@
           </a:prstGeom>
         </p:spPr>
         <p:txBody>
-          <a:bodyPr lIns="0" rIns="0" tIns="0" bIns="0">
+          <a:bodyPr lIns="0" tIns="0" rIns="0" bIns="0">
             <a:normAutofit/>
           </a:bodyPr>
-          <a:p>
-            <a:endParaRPr b="0" lang="en-US" sz="3200" spc="-1" strike="noStrike">
+          <a:lstStyle/>
+          <a:p>
+            <a:endParaRPr lang="en-US" sz="3200" b="0" strike="noStrike" spc="-1">
               <a:latin typeface="Arial"/>
             </a:endParaRPr>
           </a:p>
@@ -3635,11 +3921,14 @@
       </p:sp>
     </p:spTree>
   </p:cSld>
+  <p:clrMapOvr>
+    <a:masterClrMapping/>
+  </p:clrMapOvr>
 </p:sldLayout>
 </file>
 
 <file path=ppt/slideLayouts/slideLayout4.xml><?xml version="1.0" encoding="utf-8"?>
-<p:sldLayout xmlns:a="http://schemas.openxmlformats.org/drawingml/2006/main" xmlns:p="http://schemas.openxmlformats.org/presentationml/2006/main" xmlns:r="http://schemas.openxmlformats.org/officeDocument/2006/relationships" xmlns:p14="http://schemas.microsoft.com/office/powerpoint/2010/main" xmlns:p15="http://schemas.microsoft.com/office/powerpoint/2012/main" xmlns:mc="http://schemas.openxmlformats.org/markup-compatibility/2006" type="twoObj" preserve="1">
+<p:sldLayout xmlns:a="http://schemas.openxmlformats.org/drawingml/2006/main" xmlns:r="http://schemas.openxmlformats.org/officeDocument/2006/relationships" xmlns:p="http://schemas.openxmlformats.org/presentationml/2006/main" type="twoObj" preserve="1">
   <p:cSld name="Title, 2 Content">
     <p:spTree>
       <p:nvGrpSpPr>
@@ -3675,12 +3964,13 @@
           </a:prstGeom>
         </p:spPr>
         <p:txBody>
-          <a:bodyPr lIns="0" rIns="0" tIns="0" bIns="0" anchor="ctr">
+          <a:bodyPr lIns="0" tIns="0" rIns="0" bIns="0" anchor="ctr">
             <a:noAutofit/>
           </a:bodyPr>
+          <a:lstStyle/>
           <a:p>
             <a:pPr algn="ctr"/>
-            <a:endParaRPr b="0" lang="en-US" sz="4400" spc="-1" strike="noStrike">
+            <a:endParaRPr lang="en-US" sz="4400" b="0" strike="noStrike" spc="-1">
               <a:latin typeface="Arial"/>
             </a:endParaRPr>
           </a:p>
@@ -3706,11 +3996,12 @@
           </a:prstGeom>
         </p:spPr>
         <p:txBody>
-          <a:bodyPr lIns="0" rIns="0" tIns="0" bIns="0">
+          <a:bodyPr lIns="0" tIns="0" rIns="0" bIns="0">
             <a:normAutofit/>
           </a:bodyPr>
-          <a:p>
-            <a:endParaRPr b="0" lang="en-US" sz="3200" spc="-1" strike="noStrike">
+          <a:lstStyle/>
+          <a:p>
+            <a:endParaRPr lang="en-US" sz="3200" b="0" strike="noStrike" spc="-1">
               <a:latin typeface="Arial"/>
             </a:endParaRPr>
           </a:p>
@@ -3736,11 +4027,12 @@
           </a:prstGeom>
         </p:spPr>
         <p:txBody>
-          <a:bodyPr lIns="0" rIns="0" tIns="0" bIns="0">
+          <a:bodyPr lIns="0" tIns="0" rIns="0" bIns="0">
             <a:normAutofit/>
           </a:bodyPr>
-          <a:p>
-            <a:endParaRPr b="0" lang="en-US" sz="3200" spc="-1" strike="noStrike">
+          <a:lstStyle/>
+          <a:p>
+            <a:endParaRPr lang="en-US" sz="3200" b="0" strike="noStrike" spc="-1">
               <a:latin typeface="Arial"/>
             </a:endParaRPr>
           </a:p>
@@ -3748,11 +4040,14 @@
       </p:sp>
     </p:spTree>
   </p:cSld>
+  <p:clrMapOvr>
+    <a:masterClrMapping/>
+  </p:clrMapOvr>
 </p:sldLayout>
 </file>
 
 <file path=ppt/slideLayouts/slideLayout40.xml><?xml version="1.0" encoding="utf-8"?>
-<p:sldLayout xmlns:a="http://schemas.openxmlformats.org/drawingml/2006/main" xmlns:p="http://schemas.openxmlformats.org/presentationml/2006/main" xmlns:r="http://schemas.openxmlformats.org/officeDocument/2006/relationships" xmlns:p14="http://schemas.microsoft.com/office/powerpoint/2010/main" xmlns:p15="http://schemas.microsoft.com/office/powerpoint/2012/main" xmlns:mc="http://schemas.openxmlformats.org/markup-compatibility/2006" type="twoObj" preserve="1">
+<p:sldLayout xmlns:a="http://schemas.openxmlformats.org/drawingml/2006/main" xmlns:r="http://schemas.openxmlformats.org/officeDocument/2006/relationships" xmlns:p="http://schemas.openxmlformats.org/presentationml/2006/main" type="twoObj" preserve="1">
   <p:cSld name="Title, 2 Content">
     <p:spTree>
       <p:nvGrpSpPr>
@@ -3788,12 +4083,13 @@
           </a:prstGeom>
         </p:spPr>
         <p:txBody>
-          <a:bodyPr lIns="0" rIns="0" tIns="0" bIns="0" anchor="ctr">
+          <a:bodyPr lIns="0" tIns="0" rIns="0" bIns="0" anchor="ctr">
             <a:noAutofit/>
           </a:bodyPr>
+          <a:lstStyle/>
           <a:p>
             <a:pPr algn="ctr"/>
-            <a:endParaRPr b="0" lang="en-US" sz="4400" spc="-1" strike="noStrike">
+            <a:endParaRPr lang="en-US" sz="4400" b="0" strike="noStrike" spc="-1">
               <a:latin typeface="Arial"/>
             </a:endParaRPr>
           </a:p>
@@ -3819,11 +4115,12 @@
           </a:prstGeom>
         </p:spPr>
         <p:txBody>
-          <a:bodyPr lIns="0" rIns="0" tIns="0" bIns="0">
+          <a:bodyPr lIns="0" tIns="0" rIns="0" bIns="0">
             <a:normAutofit/>
           </a:bodyPr>
-          <a:p>
-            <a:endParaRPr b="0" lang="en-US" sz="3200" spc="-1" strike="noStrike">
+          <a:lstStyle/>
+          <a:p>
+            <a:endParaRPr lang="en-US" sz="3200" b="0" strike="noStrike" spc="-1">
               <a:latin typeface="Arial"/>
             </a:endParaRPr>
           </a:p>
@@ -3849,11 +4146,12 @@
           </a:prstGeom>
         </p:spPr>
         <p:txBody>
-          <a:bodyPr lIns="0" rIns="0" tIns="0" bIns="0">
+          <a:bodyPr lIns="0" tIns="0" rIns="0" bIns="0">
             <a:normAutofit/>
           </a:bodyPr>
-          <a:p>
-            <a:endParaRPr b="0" lang="en-US" sz="3200" spc="-1" strike="noStrike">
+          <a:lstStyle/>
+          <a:p>
+            <a:endParaRPr lang="en-US" sz="3200" b="0" strike="noStrike" spc="-1">
               <a:latin typeface="Arial"/>
             </a:endParaRPr>
           </a:p>
@@ -3861,11 +4159,14 @@
       </p:sp>
     </p:spTree>
   </p:cSld>
+  <p:clrMapOvr>
+    <a:masterClrMapping/>
+  </p:clrMapOvr>
 </p:sldLayout>
 </file>
 
 <file path=ppt/slideLayouts/slideLayout41.xml><?xml version="1.0" encoding="utf-8"?>
-<p:sldLayout xmlns:a="http://schemas.openxmlformats.org/drawingml/2006/main" xmlns:p="http://schemas.openxmlformats.org/presentationml/2006/main" xmlns:r="http://schemas.openxmlformats.org/officeDocument/2006/relationships" xmlns:p14="http://schemas.microsoft.com/office/powerpoint/2010/main" xmlns:p15="http://schemas.microsoft.com/office/powerpoint/2012/main" xmlns:mc="http://schemas.openxmlformats.org/markup-compatibility/2006" type="titleOnly" preserve="1">
+<p:sldLayout xmlns:a="http://schemas.openxmlformats.org/drawingml/2006/main" xmlns:r="http://schemas.openxmlformats.org/officeDocument/2006/relationships" xmlns:p="http://schemas.openxmlformats.org/presentationml/2006/main" type="titleOnly" preserve="1">
   <p:cSld name="Title Only">
     <p:spTree>
       <p:nvGrpSpPr>
@@ -3901,12 +4202,13 @@
           </a:prstGeom>
         </p:spPr>
         <p:txBody>
-          <a:bodyPr lIns="0" rIns="0" tIns="0" bIns="0" anchor="ctr">
+          <a:bodyPr lIns="0" tIns="0" rIns="0" bIns="0" anchor="ctr">
             <a:noAutofit/>
           </a:bodyPr>
+          <a:lstStyle/>
           <a:p>
             <a:pPr algn="ctr"/>
-            <a:endParaRPr b="0" lang="en-US" sz="4400" spc="-1" strike="noStrike">
+            <a:endParaRPr lang="en-US" sz="4400" b="0" strike="noStrike" spc="-1">
               <a:latin typeface="Arial"/>
             </a:endParaRPr>
           </a:p>
@@ -3914,11 +4216,14 @@
       </p:sp>
     </p:spTree>
   </p:cSld>
+  <p:clrMapOvr>
+    <a:masterClrMapping/>
+  </p:clrMapOvr>
 </p:sldLayout>
 </file>
 
 <file path=ppt/slideLayouts/slideLayout42.xml><?xml version="1.0" encoding="utf-8"?>
-<p:sldLayout xmlns:a="http://schemas.openxmlformats.org/drawingml/2006/main" xmlns:p="http://schemas.openxmlformats.org/presentationml/2006/main" xmlns:r="http://schemas.openxmlformats.org/officeDocument/2006/relationships" xmlns:p14="http://schemas.microsoft.com/office/powerpoint/2010/main" xmlns:p15="http://schemas.microsoft.com/office/powerpoint/2012/main" xmlns:mc="http://schemas.openxmlformats.org/markup-compatibility/2006" type="objOnly" preserve="1">
+<p:sldLayout xmlns:a="http://schemas.openxmlformats.org/drawingml/2006/main" xmlns:r="http://schemas.openxmlformats.org/officeDocument/2006/relationships" xmlns:p="http://schemas.openxmlformats.org/presentationml/2006/main" type="objOnly" preserve="1">
   <p:cSld name="Centered Text">
     <p:spTree>
       <p:nvGrpSpPr>
@@ -3954,12 +4259,13 @@
           </a:prstGeom>
         </p:spPr>
         <p:txBody>
-          <a:bodyPr lIns="0" rIns="0" tIns="0" bIns="0" anchor="ctr">
+          <a:bodyPr lIns="0" tIns="0" rIns="0" bIns="0" anchor="ctr">
             <a:noAutofit/>
           </a:bodyPr>
+          <a:lstStyle/>
           <a:p>
             <a:pPr algn="ctr"/>
-            <a:endParaRPr b="0" lang="en-US" sz="3200" spc="-1" strike="noStrike">
+            <a:endParaRPr lang="en-US" sz="3200" b="0" strike="noStrike" spc="-1">
               <a:latin typeface="Arial"/>
             </a:endParaRPr>
           </a:p>
@@ -3967,11 +4273,14 @@
       </p:sp>
     </p:spTree>
   </p:cSld>
+  <p:clrMapOvr>
+    <a:masterClrMapping/>
+  </p:clrMapOvr>
 </p:sldLayout>
 </file>
 
 <file path=ppt/slideLayouts/slideLayout43.xml><?xml version="1.0" encoding="utf-8"?>
-<p:sldLayout xmlns:a="http://schemas.openxmlformats.org/drawingml/2006/main" xmlns:p="http://schemas.openxmlformats.org/presentationml/2006/main" xmlns:r="http://schemas.openxmlformats.org/officeDocument/2006/relationships" xmlns:p14="http://schemas.microsoft.com/office/powerpoint/2010/main" xmlns:p15="http://schemas.microsoft.com/office/powerpoint/2012/main" xmlns:mc="http://schemas.openxmlformats.org/markup-compatibility/2006" type="twoObjAndObj" preserve="1">
+<p:sldLayout xmlns:a="http://schemas.openxmlformats.org/drawingml/2006/main" xmlns:r="http://schemas.openxmlformats.org/officeDocument/2006/relationships" xmlns:p="http://schemas.openxmlformats.org/presentationml/2006/main" type="twoObjAndObj" preserve="1">
   <p:cSld name="Title, 2 Content and Content">
     <p:spTree>
       <p:nvGrpSpPr>
@@ -4007,12 +4316,13 @@
           </a:prstGeom>
         </p:spPr>
         <p:txBody>
-          <a:bodyPr lIns="0" rIns="0" tIns="0" bIns="0" anchor="ctr">
+          <a:bodyPr lIns="0" tIns="0" rIns="0" bIns="0" anchor="ctr">
             <a:noAutofit/>
           </a:bodyPr>
+          <a:lstStyle/>
           <a:p>
             <a:pPr algn="ctr"/>
-            <a:endParaRPr b="0" lang="en-US" sz="4400" spc="-1" strike="noStrike">
+            <a:endParaRPr lang="en-US" sz="4400" b="0" strike="noStrike" spc="-1">
               <a:latin typeface="Arial"/>
             </a:endParaRPr>
           </a:p>
@@ -4038,11 +4348,12 @@
           </a:prstGeom>
         </p:spPr>
         <p:txBody>
-          <a:bodyPr lIns="0" rIns="0" tIns="0" bIns="0">
+          <a:bodyPr lIns="0" tIns="0" rIns="0" bIns="0">
             <a:normAutofit/>
           </a:bodyPr>
-          <a:p>
-            <a:endParaRPr b="0" lang="en-US" sz="3200" spc="-1" strike="noStrike">
+          <a:lstStyle/>
+          <a:p>
+            <a:endParaRPr lang="en-US" sz="3200" b="0" strike="noStrike" spc="-1">
               <a:latin typeface="Arial"/>
             </a:endParaRPr>
           </a:p>
@@ -4068,11 +4379,12 @@
           </a:prstGeom>
         </p:spPr>
         <p:txBody>
-          <a:bodyPr lIns="0" rIns="0" tIns="0" bIns="0">
+          <a:bodyPr lIns="0" tIns="0" rIns="0" bIns="0">
             <a:normAutofit/>
           </a:bodyPr>
-          <a:p>
-            <a:endParaRPr b="0" lang="en-US" sz="3200" spc="-1" strike="noStrike">
+          <a:lstStyle/>
+          <a:p>
+            <a:endParaRPr lang="en-US" sz="3200" b="0" strike="noStrike" spc="-1">
               <a:latin typeface="Arial"/>
             </a:endParaRPr>
           </a:p>
@@ -4098,11 +4410,12 @@
           </a:prstGeom>
         </p:spPr>
         <p:txBody>
-          <a:bodyPr lIns="0" rIns="0" tIns="0" bIns="0">
+          <a:bodyPr lIns="0" tIns="0" rIns="0" bIns="0">
             <a:normAutofit/>
           </a:bodyPr>
-          <a:p>
-            <a:endParaRPr b="0" lang="en-US" sz="3200" spc="-1" strike="noStrike">
+          <a:lstStyle/>
+          <a:p>
+            <a:endParaRPr lang="en-US" sz="3200" b="0" strike="noStrike" spc="-1">
               <a:latin typeface="Arial"/>
             </a:endParaRPr>
           </a:p>
@@ -4110,11 +4423,14 @@
       </p:sp>
     </p:spTree>
   </p:cSld>
+  <p:clrMapOvr>
+    <a:masterClrMapping/>
+  </p:clrMapOvr>
 </p:sldLayout>
 </file>
 
 <file path=ppt/slideLayouts/slideLayout44.xml><?xml version="1.0" encoding="utf-8"?>
-<p:sldLayout xmlns:a="http://schemas.openxmlformats.org/drawingml/2006/main" xmlns:p="http://schemas.openxmlformats.org/presentationml/2006/main" xmlns:r="http://schemas.openxmlformats.org/officeDocument/2006/relationships" xmlns:p14="http://schemas.microsoft.com/office/powerpoint/2010/main" xmlns:p15="http://schemas.microsoft.com/office/powerpoint/2012/main" xmlns:mc="http://schemas.openxmlformats.org/markup-compatibility/2006" type="objAndTwoObj" preserve="1">
+<p:sldLayout xmlns:a="http://schemas.openxmlformats.org/drawingml/2006/main" xmlns:r="http://schemas.openxmlformats.org/officeDocument/2006/relationships" xmlns:p="http://schemas.openxmlformats.org/presentationml/2006/main" type="objAndTwoObj" preserve="1">
   <p:cSld name="Title Content and 2 Content">
     <p:spTree>
       <p:nvGrpSpPr>
@@ -4150,12 +4466,13 @@
           </a:prstGeom>
         </p:spPr>
         <p:txBody>
-          <a:bodyPr lIns="0" rIns="0" tIns="0" bIns="0" anchor="ctr">
+          <a:bodyPr lIns="0" tIns="0" rIns="0" bIns="0" anchor="ctr">
             <a:noAutofit/>
           </a:bodyPr>
+          <a:lstStyle/>
           <a:p>
             <a:pPr algn="ctr"/>
-            <a:endParaRPr b="0" lang="en-US" sz="4400" spc="-1" strike="noStrike">
+            <a:endParaRPr lang="en-US" sz="4400" b="0" strike="noStrike" spc="-1">
               <a:latin typeface="Arial"/>
             </a:endParaRPr>
           </a:p>
@@ -4181,11 +4498,12 @@
           </a:prstGeom>
         </p:spPr>
         <p:txBody>
-          <a:bodyPr lIns="0" rIns="0" tIns="0" bIns="0">
+          <a:bodyPr lIns="0" tIns="0" rIns="0" bIns="0">
             <a:normAutofit/>
           </a:bodyPr>
-          <a:p>
-            <a:endParaRPr b="0" lang="en-US" sz="3200" spc="-1" strike="noStrike">
+          <a:lstStyle/>
+          <a:p>
+            <a:endParaRPr lang="en-US" sz="3200" b="0" strike="noStrike" spc="-1">
               <a:latin typeface="Arial"/>
             </a:endParaRPr>
           </a:p>
@@ -4211,11 +4529,12 @@
           </a:prstGeom>
         </p:spPr>
         <p:txBody>
-          <a:bodyPr lIns="0" rIns="0" tIns="0" bIns="0">
+          <a:bodyPr lIns="0" tIns="0" rIns="0" bIns="0">
             <a:normAutofit/>
           </a:bodyPr>
-          <a:p>
-            <a:endParaRPr b="0" lang="en-US" sz="3200" spc="-1" strike="noStrike">
+          <a:lstStyle/>
+          <a:p>
+            <a:endParaRPr lang="en-US" sz="3200" b="0" strike="noStrike" spc="-1">
               <a:latin typeface="Arial"/>
             </a:endParaRPr>
           </a:p>
@@ -4241,11 +4560,12 @@
           </a:prstGeom>
         </p:spPr>
         <p:txBody>
-          <a:bodyPr lIns="0" rIns="0" tIns="0" bIns="0">
+          <a:bodyPr lIns="0" tIns="0" rIns="0" bIns="0">
             <a:normAutofit/>
           </a:bodyPr>
-          <a:p>
-            <a:endParaRPr b="0" lang="en-US" sz="3200" spc="-1" strike="noStrike">
+          <a:lstStyle/>
+          <a:p>
+            <a:endParaRPr lang="en-US" sz="3200" b="0" strike="noStrike" spc="-1">
               <a:latin typeface="Arial"/>
             </a:endParaRPr>
           </a:p>
@@ -4253,11 +4573,14 @@
       </p:sp>
     </p:spTree>
   </p:cSld>
+  <p:clrMapOvr>
+    <a:masterClrMapping/>
+  </p:clrMapOvr>
 </p:sldLayout>
 </file>
 
 <file path=ppt/slideLayouts/slideLayout45.xml><?xml version="1.0" encoding="utf-8"?>
-<p:sldLayout xmlns:a="http://schemas.openxmlformats.org/drawingml/2006/main" xmlns:p="http://schemas.openxmlformats.org/presentationml/2006/main" xmlns:r="http://schemas.openxmlformats.org/officeDocument/2006/relationships" xmlns:p14="http://schemas.microsoft.com/office/powerpoint/2010/main" xmlns:p15="http://schemas.microsoft.com/office/powerpoint/2012/main" xmlns:mc="http://schemas.openxmlformats.org/markup-compatibility/2006" type="twoObjOverTx" preserve="1">
+<p:sldLayout xmlns:a="http://schemas.openxmlformats.org/drawingml/2006/main" xmlns:r="http://schemas.openxmlformats.org/officeDocument/2006/relationships" xmlns:p="http://schemas.openxmlformats.org/presentationml/2006/main" type="twoObjOverTx" preserve="1">
   <p:cSld name="Title, 2 Content over Content">
     <p:spTree>
       <p:nvGrpSpPr>
@@ -4293,12 +4616,13 @@
           </a:prstGeom>
         </p:spPr>
         <p:txBody>
-          <a:bodyPr lIns="0" rIns="0" tIns="0" bIns="0" anchor="ctr">
+          <a:bodyPr lIns="0" tIns="0" rIns="0" bIns="0" anchor="ctr">
             <a:noAutofit/>
           </a:bodyPr>
+          <a:lstStyle/>
           <a:p>
             <a:pPr algn="ctr"/>
-            <a:endParaRPr b="0" lang="en-US" sz="4400" spc="-1" strike="noStrike">
+            <a:endParaRPr lang="en-US" sz="4400" b="0" strike="noStrike" spc="-1">
               <a:latin typeface="Arial"/>
             </a:endParaRPr>
           </a:p>
@@ -4324,11 +4648,12 @@
           </a:prstGeom>
         </p:spPr>
         <p:txBody>
-          <a:bodyPr lIns="0" rIns="0" tIns="0" bIns="0">
+          <a:bodyPr lIns="0" tIns="0" rIns="0" bIns="0">
             <a:normAutofit/>
           </a:bodyPr>
-          <a:p>
-            <a:endParaRPr b="0" lang="en-US" sz="3200" spc="-1" strike="noStrike">
+          <a:lstStyle/>
+          <a:p>
+            <a:endParaRPr lang="en-US" sz="3200" b="0" strike="noStrike" spc="-1">
               <a:latin typeface="Arial"/>
             </a:endParaRPr>
           </a:p>
@@ -4354,11 +4679,12 @@
           </a:prstGeom>
         </p:spPr>
         <p:txBody>
-          <a:bodyPr lIns="0" rIns="0" tIns="0" bIns="0">
+          <a:bodyPr lIns="0" tIns="0" rIns="0" bIns="0">
             <a:normAutofit/>
           </a:bodyPr>
-          <a:p>
-            <a:endParaRPr b="0" lang="en-US" sz="3200" spc="-1" strike="noStrike">
+          <a:lstStyle/>
+          <a:p>
+            <a:endParaRPr lang="en-US" sz="3200" b="0" strike="noStrike" spc="-1">
               <a:latin typeface="Arial"/>
             </a:endParaRPr>
           </a:p>
@@ -4384,11 +4710,12 @@
           </a:prstGeom>
         </p:spPr>
         <p:txBody>
-          <a:bodyPr lIns="0" rIns="0" tIns="0" bIns="0">
+          <a:bodyPr lIns="0" tIns="0" rIns="0" bIns="0">
             <a:normAutofit/>
           </a:bodyPr>
-          <a:p>
-            <a:endParaRPr b="0" lang="en-US" sz="3200" spc="-1" strike="noStrike">
+          <a:lstStyle/>
+          <a:p>
+            <a:endParaRPr lang="en-US" sz="3200" b="0" strike="noStrike" spc="-1">
               <a:latin typeface="Arial"/>
             </a:endParaRPr>
           </a:p>
@@ -4396,11 +4723,14 @@
       </p:sp>
     </p:spTree>
   </p:cSld>
+  <p:clrMapOvr>
+    <a:masterClrMapping/>
+  </p:clrMapOvr>
 </p:sldLayout>
 </file>
 
 <file path=ppt/slideLayouts/slideLayout46.xml><?xml version="1.0" encoding="utf-8"?>
-<p:sldLayout xmlns:a="http://schemas.openxmlformats.org/drawingml/2006/main" xmlns:p="http://schemas.openxmlformats.org/presentationml/2006/main" xmlns:r="http://schemas.openxmlformats.org/officeDocument/2006/relationships" xmlns:p14="http://schemas.microsoft.com/office/powerpoint/2010/main" xmlns:p15="http://schemas.microsoft.com/office/powerpoint/2012/main" xmlns:mc="http://schemas.openxmlformats.org/markup-compatibility/2006" type="objOverTx" preserve="1">
+<p:sldLayout xmlns:a="http://schemas.openxmlformats.org/drawingml/2006/main" xmlns:r="http://schemas.openxmlformats.org/officeDocument/2006/relationships" xmlns:p="http://schemas.openxmlformats.org/presentationml/2006/main" type="objOverTx" preserve="1">
   <p:cSld name="Title, Content over Content">
     <p:spTree>
       <p:nvGrpSpPr>
@@ -4436,12 +4766,13 @@
           </a:prstGeom>
         </p:spPr>
         <p:txBody>
-          <a:bodyPr lIns="0" rIns="0" tIns="0" bIns="0" anchor="ctr">
+          <a:bodyPr lIns="0" tIns="0" rIns="0" bIns="0" anchor="ctr">
             <a:noAutofit/>
           </a:bodyPr>
+          <a:lstStyle/>
           <a:p>
             <a:pPr algn="ctr"/>
-            <a:endParaRPr b="0" lang="en-US" sz="4400" spc="-1" strike="noStrike">
+            <a:endParaRPr lang="en-US" sz="4400" b="0" strike="noStrike" spc="-1">
               <a:latin typeface="Arial"/>
             </a:endParaRPr>
           </a:p>
@@ -4467,11 +4798,12 @@
           </a:prstGeom>
         </p:spPr>
         <p:txBody>
-          <a:bodyPr lIns="0" rIns="0" tIns="0" bIns="0">
+          <a:bodyPr lIns="0" tIns="0" rIns="0" bIns="0">
             <a:normAutofit/>
           </a:bodyPr>
-          <a:p>
-            <a:endParaRPr b="0" lang="en-US" sz="3200" spc="-1" strike="noStrike">
+          <a:lstStyle/>
+          <a:p>
+            <a:endParaRPr lang="en-US" sz="3200" b="0" strike="noStrike" spc="-1">
               <a:latin typeface="Arial"/>
             </a:endParaRPr>
           </a:p>
@@ -4497,11 +4829,12 @@
           </a:prstGeom>
         </p:spPr>
         <p:txBody>
-          <a:bodyPr lIns="0" rIns="0" tIns="0" bIns="0">
+          <a:bodyPr lIns="0" tIns="0" rIns="0" bIns="0">
             <a:normAutofit/>
           </a:bodyPr>
-          <a:p>
-            <a:endParaRPr b="0" lang="en-US" sz="3200" spc="-1" strike="noStrike">
+          <a:lstStyle/>
+          <a:p>
+            <a:endParaRPr lang="en-US" sz="3200" b="0" strike="noStrike" spc="-1">
               <a:latin typeface="Arial"/>
             </a:endParaRPr>
           </a:p>
@@ -4509,11 +4842,14 @@
       </p:sp>
     </p:spTree>
   </p:cSld>
+  <p:clrMapOvr>
+    <a:masterClrMapping/>
+  </p:clrMapOvr>
 </p:sldLayout>
 </file>
 
 <file path=ppt/slideLayouts/slideLayout47.xml><?xml version="1.0" encoding="utf-8"?>
-<p:sldLayout xmlns:a="http://schemas.openxmlformats.org/drawingml/2006/main" xmlns:p="http://schemas.openxmlformats.org/presentationml/2006/main" xmlns:r="http://schemas.openxmlformats.org/officeDocument/2006/relationships" xmlns:p14="http://schemas.microsoft.com/office/powerpoint/2010/main" xmlns:p15="http://schemas.microsoft.com/office/powerpoint/2012/main" xmlns:mc="http://schemas.openxmlformats.org/markup-compatibility/2006" type="fourObj" preserve="1">
+<p:sldLayout xmlns:a="http://schemas.openxmlformats.org/drawingml/2006/main" xmlns:r="http://schemas.openxmlformats.org/officeDocument/2006/relationships" xmlns:p="http://schemas.openxmlformats.org/presentationml/2006/main" type="fourObj" preserve="1">
   <p:cSld name="Title, 4 Content">
     <p:spTree>
       <p:nvGrpSpPr>
@@ -4549,12 +4885,13 @@
           </a:prstGeom>
         </p:spPr>
         <p:txBody>
-          <a:bodyPr lIns="0" rIns="0" tIns="0" bIns="0" anchor="ctr">
+          <a:bodyPr lIns="0" tIns="0" rIns="0" bIns="0" anchor="ctr">
             <a:noAutofit/>
           </a:bodyPr>
+          <a:lstStyle/>
           <a:p>
             <a:pPr algn="ctr"/>
-            <a:endParaRPr b="0" lang="en-US" sz="4400" spc="-1" strike="noStrike">
+            <a:endParaRPr lang="en-US" sz="4400" b="0" strike="noStrike" spc="-1">
               <a:latin typeface="Arial"/>
             </a:endParaRPr>
           </a:p>
@@ -4580,11 +4917,12 @@
           </a:prstGeom>
         </p:spPr>
         <p:txBody>
-          <a:bodyPr lIns="0" rIns="0" tIns="0" bIns="0">
+          <a:bodyPr lIns="0" tIns="0" rIns="0" bIns="0">
             <a:normAutofit/>
           </a:bodyPr>
-          <a:p>
-            <a:endParaRPr b="0" lang="en-US" sz="3200" spc="-1" strike="noStrike">
+          <a:lstStyle/>
+          <a:p>
+            <a:endParaRPr lang="en-US" sz="3200" b="0" strike="noStrike" spc="-1">
               <a:latin typeface="Arial"/>
             </a:endParaRPr>
           </a:p>
@@ -4610,11 +4948,12 @@
           </a:prstGeom>
         </p:spPr>
         <p:txBody>
-          <a:bodyPr lIns="0" rIns="0" tIns="0" bIns="0">
+          <a:bodyPr lIns="0" tIns="0" rIns="0" bIns="0">
             <a:normAutofit/>
           </a:bodyPr>
-          <a:p>
-            <a:endParaRPr b="0" lang="en-US" sz="3200" spc="-1" strike="noStrike">
+          <a:lstStyle/>
+          <a:p>
+            <a:endParaRPr lang="en-US" sz="3200" b="0" strike="noStrike" spc="-1">
               <a:latin typeface="Arial"/>
             </a:endParaRPr>
           </a:p>
@@ -4640,11 +4979,12 @@
           </a:prstGeom>
         </p:spPr>
         <p:txBody>
-          <a:bodyPr lIns="0" rIns="0" tIns="0" bIns="0">
+          <a:bodyPr lIns="0" tIns="0" rIns="0" bIns="0">
             <a:normAutofit/>
           </a:bodyPr>
-          <a:p>
-            <a:endParaRPr b="0" lang="en-US" sz="3200" spc="-1" strike="noStrike">
+          <a:lstStyle/>
+          <a:p>
+            <a:endParaRPr lang="en-US" sz="3200" b="0" strike="noStrike" spc="-1">
               <a:latin typeface="Arial"/>
             </a:endParaRPr>
           </a:p>
@@ -4670,11 +5010,12 @@
           </a:prstGeom>
         </p:spPr>
         <p:txBody>
-          <a:bodyPr lIns="0" rIns="0" tIns="0" bIns="0">
+          <a:bodyPr lIns="0" tIns="0" rIns="0" bIns="0">
             <a:normAutofit/>
           </a:bodyPr>
-          <a:p>
-            <a:endParaRPr b="0" lang="en-US" sz="3200" spc="-1" strike="noStrike">
+          <a:lstStyle/>
+          <a:p>
+            <a:endParaRPr lang="en-US" sz="3200" b="0" strike="noStrike" spc="-1">
               <a:latin typeface="Arial"/>
             </a:endParaRPr>
           </a:p>
@@ -4682,11 +5023,14 @@
       </p:sp>
     </p:spTree>
   </p:cSld>
+  <p:clrMapOvr>
+    <a:masterClrMapping/>
+  </p:clrMapOvr>
 </p:sldLayout>
 </file>
 
 <file path=ppt/slideLayouts/slideLayout48.xml><?xml version="1.0" encoding="utf-8"?>
-<p:sldLayout xmlns:a="http://schemas.openxmlformats.org/drawingml/2006/main" xmlns:p="http://schemas.openxmlformats.org/presentationml/2006/main" xmlns:r="http://schemas.openxmlformats.org/officeDocument/2006/relationships" xmlns:p14="http://schemas.microsoft.com/office/powerpoint/2010/main" xmlns:p15="http://schemas.microsoft.com/office/powerpoint/2012/main" xmlns:mc="http://schemas.openxmlformats.org/markup-compatibility/2006" type="blank" preserve="1">
+<p:sldLayout xmlns:a="http://schemas.openxmlformats.org/drawingml/2006/main" xmlns:r="http://schemas.openxmlformats.org/officeDocument/2006/relationships" xmlns:p="http://schemas.openxmlformats.org/presentationml/2006/main" type="blank" preserve="1">
   <p:cSld name="Title, 6 Content">
     <p:spTree>
       <p:nvGrpSpPr>
@@ -4722,12 +5066,13 @@
           </a:prstGeom>
         </p:spPr>
         <p:txBody>
-          <a:bodyPr lIns="0" rIns="0" tIns="0" bIns="0" anchor="ctr">
+          <a:bodyPr lIns="0" tIns="0" rIns="0" bIns="0" anchor="ctr">
             <a:noAutofit/>
           </a:bodyPr>
+          <a:lstStyle/>
           <a:p>
             <a:pPr algn="ctr"/>
-            <a:endParaRPr b="0" lang="en-US" sz="4400" spc="-1" strike="noStrike">
+            <a:endParaRPr lang="en-US" sz="4400" b="0" strike="noStrike" spc="-1">
               <a:latin typeface="Arial"/>
             </a:endParaRPr>
           </a:p>
@@ -4753,11 +5098,12 @@
           </a:prstGeom>
         </p:spPr>
         <p:txBody>
-          <a:bodyPr lIns="0" rIns="0" tIns="0" bIns="0">
+          <a:bodyPr lIns="0" tIns="0" rIns="0" bIns="0">
             <a:normAutofit/>
           </a:bodyPr>
-          <a:p>
-            <a:endParaRPr b="0" lang="en-US" sz="3200" spc="-1" strike="noStrike">
+          <a:lstStyle/>
+          <a:p>
+            <a:endParaRPr lang="en-US" sz="3200" b="0" strike="noStrike" spc="-1">
               <a:latin typeface="Arial"/>
             </a:endParaRPr>
           </a:p>
@@ -4783,11 +5129,12 @@
           </a:prstGeom>
         </p:spPr>
         <p:txBody>
-          <a:bodyPr lIns="0" rIns="0" tIns="0" bIns="0">
+          <a:bodyPr lIns="0" tIns="0" rIns="0" bIns="0">
             <a:normAutofit/>
           </a:bodyPr>
-          <a:p>
-            <a:endParaRPr b="0" lang="en-US" sz="3200" spc="-1" strike="noStrike">
+          <a:lstStyle/>
+          <a:p>
+            <a:endParaRPr lang="en-US" sz="3200" b="0" strike="noStrike" spc="-1">
               <a:latin typeface="Arial"/>
             </a:endParaRPr>
           </a:p>
@@ -4813,11 +5160,12 @@
           </a:prstGeom>
         </p:spPr>
         <p:txBody>
-          <a:bodyPr lIns="0" rIns="0" tIns="0" bIns="0">
+          <a:bodyPr lIns="0" tIns="0" rIns="0" bIns="0">
             <a:normAutofit/>
           </a:bodyPr>
-          <a:p>
-            <a:endParaRPr b="0" lang="en-US" sz="3200" spc="-1" strike="noStrike">
+          <a:lstStyle/>
+          <a:p>
+            <a:endParaRPr lang="en-US" sz="3200" b="0" strike="noStrike" spc="-1">
               <a:latin typeface="Arial"/>
             </a:endParaRPr>
           </a:p>
@@ -4843,11 +5191,12 @@
           </a:prstGeom>
         </p:spPr>
         <p:txBody>
-          <a:bodyPr lIns="0" rIns="0" tIns="0" bIns="0">
+          <a:bodyPr lIns="0" tIns="0" rIns="0" bIns="0">
             <a:normAutofit/>
           </a:bodyPr>
-          <a:p>
-            <a:endParaRPr b="0" lang="en-US" sz="3200" spc="-1" strike="noStrike">
+          <a:lstStyle/>
+          <a:p>
+            <a:endParaRPr lang="en-US" sz="3200" b="0" strike="noStrike" spc="-1">
               <a:latin typeface="Arial"/>
             </a:endParaRPr>
           </a:p>
@@ -4873,11 +5222,12 @@
           </a:prstGeom>
         </p:spPr>
         <p:txBody>
-          <a:bodyPr lIns="0" rIns="0" tIns="0" bIns="0">
+          <a:bodyPr lIns="0" tIns="0" rIns="0" bIns="0">
             <a:normAutofit/>
           </a:bodyPr>
-          <a:p>
-            <a:endParaRPr b="0" lang="en-US" sz="3200" spc="-1" strike="noStrike">
+          <a:lstStyle/>
+          <a:p>
+            <a:endParaRPr lang="en-US" sz="3200" b="0" strike="noStrike" spc="-1">
               <a:latin typeface="Arial"/>
             </a:endParaRPr>
           </a:p>
@@ -4903,11 +5253,12 @@
           </a:prstGeom>
         </p:spPr>
         <p:txBody>
-          <a:bodyPr lIns="0" rIns="0" tIns="0" bIns="0">
+          <a:bodyPr lIns="0" tIns="0" rIns="0" bIns="0">
             <a:normAutofit/>
           </a:bodyPr>
-          <a:p>
-            <a:endParaRPr b="0" lang="en-US" sz="3200" spc="-1" strike="noStrike">
+          <a:lstStyle/>
+          <a:p>
+            <a:endParaRPr lang="en-US" sz="3200" b="0" strike="noStrike" spc="-1">
               <a:latin typeface="Arial"/>
             </a:endParaRPr>
           </a:p>
@@ -4915,11 +5266,14 @@
       </p:sp>
     </p:spTree>
   </p:cSld>
+  <p:clrMapOvr>
+    <a:masterClrMapping/>
+  </p:clrMapOvr>
 </p:sldLayout>
 </file>
 
 <file path=ppt/slideLayouts/slideLayout5.xml><?xml version="1.0" encoding="utf-8"?>
-<p:sldLayout xmlns:a="http://schemas.openxmlformats.org/drawingml/2006/main" xmlns:p="http://schemas.openxmlformats.org/presentationml/2006/main" xmlns:r="http://schemas.openxmlformats.org/officeDocument/2006/relationships" xmlns:p14="http://schemas.microsoft.com/office/powerpoint/2010/main" xmlns:p15="http://schemas.microsoft.com/office/powerpoint/2012/main" xmlns:mc="http://schemas.openxmlformats.org/markup-compatibility/2006" type="titleOnly" preserve="1">
+<p:sldLayout xmlns:a="http://schemas.openxmlformats.org/drawingml/2006/main" xmlns:r="http://schemas.openxmlformats.org/officeDocument/2006/relationships" xmlns:p="http://schemas.openxmlformats.org/presentationml/2006/main" type="titleOnly" preserve="1">
   <p:cSld name="Title Only">
     <p:spTree>
       <p:nvGrpSpPr>
@@ -4955,12 +5309,13 @@
           </a:prstGeom>
         </p:spPr>
         <p:txBody>
-          <a:bodyPr lIns="0" rIns="0" tIns="0" bIns="0" anchor="ctr">
+          <a:bodyPr lIns="0" tIns="0" rIns="0" bIns="0" anchor="ctr">
             <a:noAutofit/>
           </a:bodyPr>
+          <a:lstStyle/>
           <a:p>
             <a:pPr algn="ctr"/>
-            <a:endParaRPr b="0" lang="en-US" sz="4400" spc="-1" strike="noStrike">
+            <a:endParaRPr lang="en-US" sz="4400" b="0" strike="noStrike" spc="-1">
               <a:latin typeface="Arial"/>
             </a:endParaRPr>
           </a:p>
@@ -4968,11 +5323,14 @@
       </p:sp>
     </p:spTree>
   </p:cSld>
+  <p:clrMapOvr>
+    <a:masterClrMapping/>
+  </p:clrMapOvr>
 </p:sldLayout>
 </file>
 
 <file path=ppt/slideLayouts/slideLayout6.xml><?xml version="1.0" encoding="utf-8"?>
-<p:sldLayout xmlns:a="http://schemas.openxmlformats.org/drawingml/2006/main" xmlns:p="http://schemas.openxmlformats.org/presentationml/2006/main" xmlns:r="http://schemas.openxmlformats.org/officeDocument/2006/relationships" xmlns:p14="http://schemas.microsoft.com/office/powerpoint/2010/main" xmlns:p15="http://schemas.microsoft.com/office/powerpoint/2012/main" xmlns:mc="http://schemas.openxmlformats.org/markup-compatibility/2006" type="objOnly" preserve="1">
+<p:sldLayout xmlns:a="http://schemas.openxmlformats.org/drawingml/2006/main" xmlns:r="http://schemas.openxmlformats.org/officeDocument/2006/relationships" xmlns:p="http://schemas.openxmlformats.org/presentationml/2006/main" type="objOnly" preserve="1">
   <p:cSld name="Centered Text">
     <p:spTree>
       <p:nvGrpSpPr>
@@ -5008,12 +5366,13 @@
           </a:prstGeom>
         </p:spPr>
         <p:txBody>
-          <a:bodyPr lIns="0" rIns="0" tIns="0" bIns="0" anchor="ctr">
+          <a:bodyPr lIns="0" tIns="0" rIns="0" bIns="0" anchor="ctr">
             <a:noAutofit/>
           </a:bodyPr>
+          <a:lstStyle/>
           <a:p>
             <a:pPr algn="ctr"/>
-            <a:endParaRPr b="0" lang="en-US" sz="3200" spc="-1" strike="noStrike">
+            <a:endParaRPr lang="en-US" sz="3200" b="0" strike="noStrike" spc="-1">
               <a:latin typeface="Arial"/>
             </a:endParaRPr>
           </a:p>
@@ -5021,11 +5380,14 @@
       </p:sp>
     </p:spTree>
   </p:cSld>
+  <p:clrMapOvr>
+    <a:masterClrMapping/>
+  </p:clrMapOvr>
 </p:sldLayout>
 </file>
 
 <file path=ppt/slideLayouts/slideLayout7.xml><?xml version="1.0" encoding="utf-8"?>
-<p:sldLayout xmlns:a="http://schemas.openxmlformats.org/drawingml/2006/main" xmlns:p="http://schemas.openxmlformats.org/presentationml/2006/main" xmlns:r="http://schemas.openxmlformats.org/officeDocument/2006/relationships" xmlns:p14="http://schemas.microsoft.com/office/powerpoint/2010/main" xmlns:p15="http://schemas.microsoft.com/office/powerpoint/2012/main" xmlns:mc="http://schemas.openxmlformats.org/markup-compatibility/2006" type="twoObjAndObj" preserve="1">
+<p:sldLayout xmlns:a="http://schemas.openxmlformats.org/drawingml/2006/main" xmlns:r="http://schemas.openxmlformats.org/officeDocument/2006/relationships" xmlns:p="http://schemas.openxmlformats.org/presentationml/2006/main" type="twoObjAndObj" preserve="1">
   <p:cSld name="Title, 2 Content and Content">
     <p:spTree>
       <p:nvGrpSpPr>
@@ -5061,12 +5423,13 @@
           </a:prstGeom>
         </p:spPr>
         <p:txBody>
-          <a:bodyPr lIns="0" rIns="0" tIns="0" bIns="0" anchor="ctr">
+          <a:bodyPr lIns="0" tIns="0" rIns="0" bIns="0" anchor="ctr">
             <a:noAutofit/>
           </a:bodyPr>
+          <a:lstStyle/>
           <a:p>
             <a:pPr algn="ctr"/>
-            <a:endParaRPr b="0" lang="en-US" sz="4400" spc="-1" strike="noStrike">
+            <a:endParaRPr lang="en-US" sz="4400" b="0" strike="noStrike" spc="-1">
               <a:latin typeface="Arial"/>
             </a:endParaRPr>
           </a:p>
@@ -5092,11 +5455,12 @@
           </a:prstGeom>
         </p:spPr>
         <p:txBody>
-          <a:bodyPr lIns="0" rIns="0" tIns="0" bIns="0">
+          <a:bodyPr lIns="0" tIns="0" rIns="0" bIns="0">
             <a:normAutofit/>
           </a:bodyPr>
-          <a:p>
-            <a:endParaRPr b="0" lang="en-US" sz="3200" spc="-1" strike="noStrike">
+          <a:lstStyle/>
+          <a:p>
+            <a:endParaRPr lang="en-US" sz="3200" b="0" strike="noStrike" spc="-1">
               <a:latin typeface="Arial"/>
             </a:endParaRPr>
           </a:p>
@@ -5122,11 +5486,12 @@
           </a:prstGeom>
         </p:spPr>
         <p:txBody>
-          <a:bodyPr lIns="0" rIns="0" tIns="0" bIns="0">
+          <a:bodyPr lIns="0" tIns="0" rIns="0" bIns="0">
             <a:normAutofit/>
           </a:bodyPr>
-          <a:p>
-            <a:endParaRPr b="0" lang="en-US" sz="3200" spc="-1" strike="noStrike">
+          <a:lstStyle/>
+          <a:p>
+            <a:endParaRPr lang="en-US" sz="3200" b="0" strike="noStrike" spc="-1">
               <a:latin typeface="Arial"/>
             </a:endParaRPr>
           </a:p>
@@ -5152,11 +5517,12 @@
           </a:prstGeom>
         </p:spPr>
         <p:txBody>
-          <a:bodyPr lIns="0" rIns="0" tIns="0" bIns="0">
+          <a:bodyPr lIns="0" tIns="0" rIns="0" bIns="0">
             <a:normAutofit/>
           </a:bodyPr>
-          <a:p>
-            <a:endParaRPr b="0" lang="en-US" sz="3200" spc="-1" strike="noStrike">
+          <a:lstStyle/>
+          <a:p>
+            <a:endParaRPr lang="en-US" sz="3200" b="0" strike="noStrike" spc="-1">
               <a:latin typeface="Arial"/>
             </a:endParaRPr>
           </a:p>
@@ -5164,11 +5530,14 @@
       </p:sp>
     </p:spTree>
   </p:cSld>
+  <p:clrMapOvr>
+    <a:masterClrMapping/>
+  </p:clrMapOvr>
 </p:sldLayout>
 </file>
 
 <file path=ppt/slideLayouts/slideLayout8.xml><?xml version="1.0" encoding="utf-8"?>
-<p:sldLayout xmlns:a="http://schemas.openxmlformats.org/drawingml/2006/main" xmlns:p="http://schemas.openxmlformats.org/presentationml/2006/main" xmlns:r="http://schemas.openxmlformats.org/officeDocument/2006/relationships" xmlns:p14="http://schemas.microsoft.com/office/powerpoint/2010/main" xmlns:p15="http://schemas.microsoft.com/office/powerpoint/2012/main" xmlns:mc="http://schemas.openxmlformats.org/markup-compatibility/2006" type="objAndTwoObj" preserve="1">
+<p:sldLayout xmlns:a="http://schemas.openxmlformats.org/drawingml/2006/main" xmlns:r="http://schemas.openxmlformats.org/officeDocument/2006/relationships" xmlns:p="http://schemas.openxmlformats.org/presentationml/2006/main" type="objAndTwoObj" preserve="1">
   <p:cSld name="Title Content and 2 Content">
     <p:spTree>
       <p:nvGrpSpPr>
@@ -5204,12 +5573,13 @@
           </a:prstGeom>
         </p:spPr>
         <p:txBody>
-          <a:bodyPr lIns="0" rIns="0" tIns="0" bIns="0" anchor="ctr">
+          <a:bodyPr lIns="0" tIns="0" rIns="0" bIns="0" anchor="ctr">
             <a:noAutofit/>
           </a:bodyPr>
+          <a:lstStyle/>
           <a:p>
             <a:pPr algn="ctr"/>
-            <a:endParaRPr b="0" lang="en-US" sz="4400" spc="-1" strike="noStrike">
+            <a:endParaRPr lang="en-US" sz="4400" b="0" strike="noStrike" spc="-1">
               <a:latin typeface="Arial"/>
             </a:endParaRPr>
           </a:p>
@@ -5235,11 +5605,12 @@
           </a:prstGeom>
         </p:spPr>
         <p:txBody>
-          <a:bodyPr lIns="0" rIns="0" tIns="0" bIns="0">
+          <a:bodyPr lIns="0" tIns="0" rIns="0" bIns="0">
             <a:normAutofit/>
           </a:bodyPr>
-          <a:p>
-            <a:endParaRPr b="0" lang="en-US" sz="3200" spc="-1" strike="noStrike">
+          <a:lstStyle/>
+          <a:p>
+            <a:endParaRPr lang="en-US" sz="3200" b="0" strike="noStrike" spc="-1">
               <a:latin typeface="Arial"/>
             </a:endParaRPr>
           </a:p>
@@ -5265,11 +5636,12 @@
           </a:prstGeom>
         </p:spPr>
         <p:txBody>
-          <a:bodyPr lIns="0" rIns="0" tIns="0" bIns="0">
+          <a:bodyPr lIns="0" tIns="0" rIns="0" bIns="0">
             <a:normAutofit/>
           </a:bodyPr>
-          <a:p>
-            <a:endParaRPr b="0" lang="en-US" sz="3200" spc="-1" strike="noStrike">
+          <a:lstStyle/>
+          <a:p>
+            <a:endParaRPr lang="en-US" sz="3200" b="0" strike="noStrike" spc="-1">
               <a:latin typeface="Arial"/>
             </a:endParaRPr>
           </a:p>
@@ -5295,11 +5667,12 @@
           </a:prstGeom>
         </p:spPr>
         <p:txBody>
-          <a:bodyPr lIns="0" rIns="0" tIns="0" bIns="0">
+          <a:bodyPr lIns="0" tIns="0" rIns="0" bIns="0">
             <a:normAutofit/>
           </a:bodyPr>
-          <a:p>
-            <a:endParaRPr b="0" lang="en-US" sz="3200" spc="-1" strike="noStrike">
+          <a:lstStyle/>
+          <a:p>
+            <a:endParaRPr lang="en-US" sz="3200" b="0" strike="noStrike" spc="-1">
               <a:latin typeface="Arial"/>
             </a:endParaRPr>
           </a:p>
@@ -5307,11 +5680,14 @@
       </p:sp>
     </p:spTree>
   </p:cSld>
+  <p:clrMapOvr>
+    <a:masterClrMapping/>
+  </p:clrMapOvr>
 </p:sldLayout>
 </file>
 
 <file path=ppt/slideLayouts/slideLayout9.xml><?xml version="1.0" encoding="utf-8"?>
-<p:sldLayout xmlns:a="http://schemas.openxmlformats.org/drawingml/2006/main" xmlns:p="http://schemas.openxmlformats.org/presentationml/2006/main" xmlns:r="http://schemas.openxmlformats.org/officeDocument/2006/relationships" xmlns:p14="http://schemas.microsoft.com/office/powerpoint/2010/main" xmlns:p15="http://schemas.microsoft.com/office/powerpoint/2012/main" xmlns:mc="http://schemas.openxmlformats.org/markup-compatibility/2006" type="twoObjOverTx" preserve="1">
+<p:sldLayout xmlns:a="http://schemas.openxmlformats.org/drawingml/2006/main" xmlns:r="http://schemas.openxmlformats.org/officeDocument/2006/relationships" xmlns:p="http://schemas.openxmlformats.org/presentationml/2006/main" type="twoObjOverTx" preserve="1">
   <p:cSld name="Title, 2 Content over Content">
     <p:spTree>
       <p:nvGrpSpPr>
@@ -5347,12 +5723,13 @@
           </a:prstGeom>
         </p:spPr>
         <p:txBody>
-          <a:bodyPr lIns="0" rIns="0" tIns="0" bIns="0" anchor="ctr">
+          <a:bodyPr lIns="0" tIns="0" rIns="0" bIns="0" anchor="ctr">
             <a:noAutofit/>
           </a:bodyPr>
+          <a:lstStyle/>
           <a:p>
             <a:pPr algn="ctr"/>
-            <a:endParaRPr b="0" lang="en-US" sz="4400" spc="-1" strike="noStrike">
+            <a:endParaRPr lang="en-US" sz="4400" b="0" strike="noStrike" spc="-1">
               <a:latin typeface="Arial"/>
             </a:endParaRPr>
           </a:p>
@@ -5378,11 +5755,12 @@
           </a:prstGeom>
         </p:spPr>
         <p:txBody>
-          <a:bodyPr lIns="0" rIns="0" tIns="0" bIns="0">
+          <a:bodyPr lIns="0" tIns="0" rIns="0" bIns="0">
             <a:normAutofit/>
           </a:bodyPr>
-          <a:p>
-            <a:endParaRPr b="0" lang="en-US" sz="3200" spc="-1" strike="noStrike">
+          <a:lstStyle/>
+          <a:p>
+            <a:endParaRPr lang="en-US" sz="3200" b="0" strike="noStrike" spc="-1">
               <a:latin typeface="Arial"/>
             </a:endParaRPr>
           </a:p>
@@ -5408,11 +5786,12 @@
           </a:prstGeom>
         </p:spPr>
         <p:txBody>
-          <a:bodyPr lIns="0" rIns="0" tIns="0" bIns="0">
+          <a:bodyPr lIns="0" tIns="0" rIns="0" bIns="0">
             <a:normAutofit/>
           </a:bodyPr>
-          <a:p>
-            <a:endParaRPr b="0" lang="en-US" sz="3200" spc="-1" strike="noStrike">
+          <a:lstStyle/>
+          <a:p>
+            <a:endParaRPr lang="en-US" sz="3200" b="0" strike="noStrike" spc="-1">
               <a:latin typeface="Arial"/>
             </a:endParaRPr>
           </a:p>
@@ -5438,11 +5817,12 @@
           </a:prstGeom>
         </p:spPr>
         <p:txBody>
-          <a:bodyPr lIns="0" rIns="0" tIns="0" bIns="0">
+          <a:bodyPr lIns="0" tIns="0" rIns="0" bIns="0">
             <a:normAutofit/>
           </a:bodyPr>
-          <a:p>
-            <a:endParaRPr b="0" lang="en-US" sz="3200" spc="-1" strike="noStrike">
+          <a:lstStyle/>
+          <a:p>
+            <a:endParaRPr lang="en-US" sz="3200" b="0" strike="noStrike" spc="-1">
               <a:latin typeface="Arial"/>
             </a:endParaRPr>
           </a:p>
@@ -5450,17 +5830,21 @@
       </p:sp>
     </p:spTree>
   </p:cSld>
+  <p:clrMapOvr>
+    <a:masterClrMapping/>
+  </p:clrMapOvr>
 </p:sldLayout>
 </file>
 
 <file path=ppt/slideMasters/slideMaster1.xml><?xml version="1.0" encoding="utf-8"?>
-<p:sldMaster xmlns:a="http://schemas.openxmlformats.org/drawingml/2006/main" xmlns:p="http://schemas.openxmlformats.org/presentationml/2006/main" xmlns:r="http://schemas.openxmlformats.org/officeDocument/2006/relationships" xmlns:p14="http://schemas.microsoft.com/office/powerpoint/2010/main" xmlns:p15="http://schemas.microsoft.com/office/powerpoint/2012/main" xmlns:mc="http://schemas.openxmlformats.org/markup-compatibility/2006">
+<p:sldMaster xmlns:a="http://schemas.openxmlformats.org/drawingml/2006/main" xmlns:r="http://schemas.openxmlformats.org/officeDocument/2006/relationships" xmlns:p="http://schemas.openxmlformats.org/presentationml/2006/main">
   <p:cSld>
     <p:bg>
       <p:bgPr>
         <a:solidFill>
-          <a:srgbClr val="ffffff"/>
+          <a:srgbClr val="FFFFFF"/>
         </a:solidFill>
+        <a:effectLst/>
       </p:bgPr>
     </p:bg>
     <p:spTree>
@@ -5479,7 +5863,7 @@
       </p:grpSpPr>
       <p:sp>
         <p:nvSpPr>
-          <p:cNvPr id="0" name="PlaceHolder 1"/>
+          <p:cNvPr id="2" name="PlaceHolder 1"/>
           <p:cNvSpPr>
             <a:spLocks noGrp="1"/>
           </p:cNvSpPr>
@@ -5497,26 +5881,24 @@
           </a:prstGeom>
         </p:spPr>
         <p:txBody>
-          <a:bodyPr lIns="0" rIns="0" tIns="0" bIns="0" anchor="ctr">
+          <a:bodyPr lIns="0" tIns="0" rIns="0" bIns="0" anchor="ctr">
             <a:noAutofit/>
           </a:bodyPr>
+          <a:lstStyle/>
           <a:p>
             <a:pPr algn="ctr"/>
             <a:r>
-              <a:rPr b="0" lang="en-US" sz="4400" spc="-1" strike="noStrike">
+              <a:rPr lang="en-US" sz="4400" b="0" strike="noStrike" spc="-1">
                 <a:latin typeface="Arial"/>
               </a:rPr>
               <a:t>Click to edit the title text format</a:t>
             </a:r>
-            <a:endParaRPr b="0" lang="en-US" sz="4400" spc="-1" strike="noStrike">
-              <a:latin typeface="Arial"/>
-            </a:endParaRPr>
-          </a:p>
-        </p:txBody>
-      </p:sp>
-      <p:sp>
-        <p:nvSpPr>
-          <p:cNvPr id="1" name="PlaceHolder 2"/>
+          </a:p>
+        </p:txBody>
+      </p:sp>
+      <p:sp>
+        <p:nvSpPr>
+          <p:cNvPr id="3" name="PlaceHolder 2"/>
           <p:cNvSpPr>
             <a:spLocks noGrp="1"/>
           </p:cNvSpPr>
@@ -5534,9 +5916,10 @@
           </a:prstGeom>
         </p:spPr>
         <p:txBody>
-          <a:bodyPr lIns="0" rIns="0" tIns="0" bIns="0">
+          <a:bodyPr lIns="0" tIns="0" rIns="0" bIns="0">
             <a:normAutofit/>
           </a:bodyPr>
+          <a:lstStyle/>
           <a:p>
             <a:pPr marL="432000" indent="-324000">
               <a:spcBef>
@@ -5550,17 +5933,14 @@
               <a:buChar char=""/>
             </a:pPr>
             <a:r>
-              <a:rPr b="0" lang="en-US" sz="3200" spc="-1" strike="noStrike">
+              <a:rPr lang="en-US" sz="3200" b="0" strike="noStrike" spc="-1">
                 <a:latin typeface="Arial"/>
               </a:rPr>
               <a:t>Click to edit the outline text format</a:t>
             </a:r>
-            <a:endParaRPr b="0" lang="en-US" sz="3200" spc="-1" strike="noStrike">
-              <a:latin typeface="Arial"/>
-            </a:endParaRPr>
-          </a:p>
-          <a:p>
-            <a:pPr lvl="1" marL="864000" indent="-324000">
+          </a:p>
+          <a:p>
+            <a:pPr marL="864000" lvl="1" indent="-324000">
               <a:spcBef>
                 <a:spcPts val="1134"/>
               </a:spcBef>
@@ -5572,17 +5952,14 @@
               <a:buChar char=""/>
             </a:pPr>
             <a:r>
-              <a:rPr b="0" lang="en-US" sz="2800" spc="-1" strike="noStrike">
+              <a:rPr lang="en-US" sz="2800" b="0" strike="noStrike" spc="-1">
                 <a:latin typeface="Arial"/>
               </a:rPr>
               <a:t>Second Outline Level</a:t>
             </a:r>
-            <a:endParaRPr b="0" lang="en-US" sz="2800" spc="-1" strike="noStrike">
-              <a:latin typeface="Arial"/>
-            </a:endParaRPr>
-          </a:p>
-          <a:p>
-            <a:pPr lvl="2" marL="1296000" indent="-288000">
+          </a:p>
+          <a:p>
+            <a:pPr marL="1296000" lvl="2" indent="-288000">
               <a:spcBef>
                 <a:spcPts val="850"/>
               </a:spcBef>
@@ -5594,17 +5971,14 @@
               <a:buChar char=""/>
             </a:pPr>
             <a:r>
-              <a:rPr b="0" lang="en-US" sz="2400" spc="-1" strike="noStrike">
+              <a:rPr lang="en-US" sz="2400" b="0" strike="noStrike" spc="-1">
                 <a:latin typeface="Arial"/>
               </a:rPr>
               <a:t>Third Outline Level</a:t>
             </a:r>
-            <a:endParaRPr b="0" lang="en-US" sz="2400" spc="-1" strike="noStrike">
-              <a:latin typeface="Arial"/>
-            </a:endParaRPr>
-          </a:p>
-          <a:p>
-            <a:pPr lvl="3" marL="1728000" indent="-216000">
+          </a:p>
+          <a:p>
+            <a:pPr marL="1728000" lvl="3" indent="-216000">
               <a:spcBef>
                 <a:spcPts val="567"/>
               </a:spcBef>
@@ -5616,17 +5990,14 @@
               <a:buChar char=""/>
             </a:pPr>
             <a:r>
-              <a:rPr b="0" lang="en-US" sz="2000" spc="-1" strike="noStrike">
+              <a:rPr lang="en-US" sz="2000" b="0" strike="noStrike" spc="-1">
                 <a:latin typeface="Arial"/>
               </a:rPr>
               <a:t>Fourth Outline Level</a:t>
             </a:r>
-            <a:endParaRPr b="0" lang="en-US" sz="2000" spc="-1" strike="noStrike">
-              <a:latin typeface="Arial"/>
-            </a:endParaRPr>
-          </a:p>
-          <a:p>
-            <a:pPr lvl="4" marL="2160000" indent="-216000">
+          </a:p>
+          <a:p>
+            <a:pPr marL="2160000" lvl="4" indent="-216000">
               <a:spcBef>
                 <a:spcPts val="283"/>
               </a:spcBef>
@@ -5638,17 +6009,14 @@
               <a:buChar char=""/>
             </a:pPr>
             <a:r>
-              <a:rPr b="0" lang="en-US" sz="2000" spc="-1" strike="noStrike">
+              <a:rPr lang="en-US" sz="2000" b="0" strike="noStrike" spc="-1">
                 <a:latin typeface="Arial"/>
               </a:rPr>
               <a:t>Fifth Outline Level</a:t>
             </a:r>
-            <a:endParaRPr b="0" lang="en-US" sz="2000" spc="-1" strike="noStrike">
-              <a:latin typeface="Arial"/>
-            </a:endParaRPr>
-          </a:p>
-          <a:p>
-            <a:pPr lvl="5" marL="2592000" indent="-216000">
+          </a:p>
+          <a:p>
+            <a:pPr marL="2592000" lvl="5" indent="-216000">
               <a:spcBef>
                 <a:spcPts val="283"/>
               </a:spcBef>
@@ -5660,17 +6028,14 @@
               <a:buChar char=""/>
             </a:pPr>
             <a:r>
-              <a:rPr b="0" lang="en-US" sz="2000" spc="-1" strike="noStrike">
+              <a:rPr lang="en-US" sz="2000" b="0" strike="noStrike" spc="-1">
                 <a:latin typeface="Arial"/>
               </a:rPr>
               <a:t>Sixth Outline Level</a:t>
             </a:r>
-            <a:endParaRPr b="0" lang="en-US" sz="2000" spc="-1" strike="noStrike">
-              <a:latin typeface="Arial"/>
-            </a:endParaRPr>
-          </a:p>
-          <a:p>
-            <a:pPr lvl="6" marL="3024000" indent="-216000">
+          </a:p>
+          <a:p>
+            <a:pPr marL="3024000" lvl="6" indent="-216000">
               <a:spcBef>
                 <a:spcPts val="283"/>
               </a:spcBef>
@@ -5682,45 +6047,323 @@
               <a:buChar char=""/>
             </a:pPr>
             <a:r>
-              <a:rPr b="0" lang="en-US" sz="2000" spc="-1" strike="noStrike">
+              <a:rPr lang="en-US" sz="2000" b="0" strike="noStrike" spc="-1">
                 <a:latin typeface="Arial"/>
               </a:rPr>
               <a:t>Seventh Outline Level</a:t>
             </a:r>
-            <a:endParaRPr b="0" lang="en-US" sz="2000" spc="-1" strike="noStrike">
-              <a:latin typeface="Arial"/>
-            </a:endParaRPr>
           </a:p>
         </p:txBody>
       </p:sp>
     </p:spTree>
   </p:cSld>
-  <p:clrMap bg1="lt1" bg2="lt2" tx1="dk1" tx2="dk2" accent1="accent1" accent2="accent2" accent3="accent3" accent4="accent4" accent5="accent5" accent6="accent6" hlink="hlink" folHlink="folHlink"/>
+  <p:clrMap bg1="lt1" tx1="dk1" bg2="lt2" tx2="dk2" accent1="accent1" accent2="accent2" accent3="accent3" accent4="accent4" accent5="accent5" accent6="accent6" hlink="hlink" folHlink="folHlink"/>
   <p:sldLayoutIdLst>
-    <p:sldLayoutId id="2147483649" r:id="rId2"/>
-    <p:sldLayoutId id="2147483650" r:id="rId3"/>
-    <p:sldLayoutId id="2147483651" r:id="rId4"/>
-    <p:sldLayoutId id="2147483652" r:id="rId5"/>
-    <p:sldLayoutId id="2147483653" r:id="rId6"/>
-    <p:sldLayoutId id="2147483654" r:id="rId7"/>
-    <p:sldLayoutId id="2147483655" r:id="rId8"/>
-    <p:sldLayoutId id="2147483656" r:id="rId9"/>
-    <p:sldLayoutId id="2147483657" r:id="rId10"/>
-    <p:sldLayoutId id="2147483658" r:id="rId11"/>
-    <p:sldLayoutId id="2147483659" r:id="rId12"/>
-    <p:sldLayoutId id="2147483660" r:id="rId13"/>
+    <p:sldLayoutId id="2147483649" r:id="rId1"/>
+    <p:sldLayoutId id="2147483650" r:id="rId2"/>
+    <p:sldLayoutId id="2147483651" r:id="rId3"/>
+    <p:sldLayoutId id="2147483652" r:id="rId4"/>
+    <p:sldLayoutId id="2147483653" r:id="rId5"/>
+    <p:sldLayoutId id="2147483654" r:id="rId6"/>
+    <p:sldLayoutId id="2147483655" r:id="rId7"/>
+    <p:sldLayoutId id="2147483656" r:id="rId8"/>
+    <p:sldLayoutId id="2147483657" r:id="rId9"/>
+    <p:sldLayoutId id="2147483658" r:id="rId10"/>
+    <p:sldLayoutId id="2147483659" r:id="rId11"/>
+    <p:sldLayoutId id="2147483660" r:id="rId12"/>
   </p:sldLayoutIdLst>
+  <p:txStyles>
+    <p:titleStyle>
+      <a:lvl1pPr algn="l" defTabSz="914400" rtl="0" eaLnBrk="1" latinLnBrk="0" hangingPunct="1">
+        <a:lnSpc>
+          <a:spcPct val="90000"/>
+        </a:lnSpc>
+        <a:spcBef>
+          <a:spcPct val="0"/>
+        </a:spcBef>
+        <a:buNone/>
+        <a:defRPr sz="4400" kern="1200">
+          <a:solidFill>
+            <a:schemeClr val="tx1"/>
+          </a:solidFill>
+          <a:latin typeface="+mj-lt"/>
+          <a:ea typeface="+mj-ea"/>
+          <a:cs typeface="+mj-cs"/>
+        </a:defRPr>
+      </a:lvl1pPr>
+    </p:titleStyle>
+    <p:bodyStyle>
+      <a:lvl1pPr marL="228600" indent="-228600" algn="l" defTabSz="914400" rtl="0" eaLnBrk="1" latinLnBrk="0" hangingPunct="1">
+        <a:lnSpc>
+          <a:spcPct val="90000"/>
+        </a:lnSpc>
+        <a:spcBef>
+          <a:spcPts val="1000"/>
+        </a:spcBef>
+        <a:buFont typeface="Arial" panose="020B0604020202020204" pitchFamily="34" charset="0"/>
+        <a:buChar char="•"/>
+        <a:defRPr sz="2800" kern="1200">
+          <a:solidFill>
+            <a:schemeClr val="tx1"/>
+          </a:solidFill>
+          <a:latin typeface="+mn-lt"/>
+          <a:ea typeface="+mn-ea"/>
+          <a:cs typeface="+mn-cs"/>
+        </a:defRPr>
+      </a:lvl1pPr>
+      <a:lvl2pPr marL="685800" indent="-228600" algn="l" defTabSz="914400" rtl="0" eaLnBrk="1" latinLnBrk="0" hangingPunct="1">
+        <a:lnSpc>
+          <a:spcPct val="90000"/>
+        </a:lnSpc>
+        <a:spcBef>
+          <a:spcPts val="500"/>
+        </a:spcBef>
+        <a:buFont typeface="Arial" panose="020B0604020202020204" pitchFamily="34" charset="0"/>
+        <a:buChar char="•"/>
+        <a:defRPr sz="2400" kern="1200">
+          <a:solidFill>
+            <a:schemeClr val="tx1"/>
+          </a:solidFill>
+          <a:latin typeface="+mn-lt"/>
+          <a:ea typeface="+mn-ea"/>
+          <a:cs typeface="+mn-cs"/>
+        </a:defRPr>
+      </a:lvl2pPr>
+      <a:lvl3pPr marL="1143000" indent="-228600" algn="l" defTabSz="914400" rtl="0" eaLnBrk="1" latinLnBrk="0" hangingPunct="1">
+        <a:lnSpc>
+          <a:spcPct val="90000"/>
+        </a:lnSpc>
+        <a:spcBef>
+          <a:spcPts val="500"/>
+        </a:spcBef>
+        <a:buFont typeface="Arial" panose="020B0604020202020204" pitchFamily="34" charset="0"/>
+        <a:buChar char="•"/>
+        <a:defRPr sz="2000" kern="1200">
+          <a:solidFill>
+            <a:schemeClr val="tx1"/>
+          </a:solidFill>
+          <a:latin typeface="+mn-lt"/>
+          <a:ea typeface="+mn-ea"/>
+          <a:cs typeface="+mn-cs"/>
+        </a:defRPr>
+      </a:lvl3pPr>
+      <a:lvl4pPr marL="1600200" indent="-228600" algn="l" defTabSz="914400" rtl="0" eaLnBrk="1" latinLnBrk="0" hangingPunct="1">
+        <a:lnSpc>
+          <a:spcPct val="90000"/>
+        </a:lnSpc>
+        <a:spcBef>
+          <a:spcPts val="500"/>
+        </a:spcBef>
+        <a:buFont typeface="Arial" panose="020B0604020202020204" pitchFamily="34" charset="0"/>
+        <a:buChar char="•"/>
+        <a:defRPr sz="1800" kern="1200">
+          <a:solidFill>
+            <a:schemeClr val="tx1"/>
+          </a:solidFill>
+          <a:latin typeface="+mn-lt"/>
+          <a:ea typeface="+mn-ea"/>
+          <a:cs typeface="+mn-cs"/>
+        </a:defRPr>
+      </a:lvl4pPr>
+      <a:lvl5pPr marL="2057400" indent="-228600" algn="l" defTabSz="914400" rtl="0" eaLnBrk="1" latinLnBrk="0" hangingPunct="1">
+        <a:lnSpc>
+          <a:spcPct val="90000"/>
+        </a:lnSpc>
+        <a:spcBef>
+          <a:spcPts val="500"/>
+        </a:spcBef>
+        <a:buFont typeface="Arial" panose="020B0604020202020204" pitchFamily="34" charset="0"/>
+        <a:buChar char="•"/>
+        <a:defRPr sz="1800" kern="1200">
+          <a:solidFill>
+            <a:schemeClr val="tx1"/>
+          </a:solidFill>
+          <a:latin typeface="+mn-lt"/>
+          <a:ea typeface="+mn-ea"/>
+          <a:cs typeface="+mn-cs"/>
+        </a:defRPr>
+      </a:lvl5pPr>
+      <a:lvl6pPr marL="2514600" indent="-228600" algn="l" defTabSz="914400" rtl="0" eaLnBrk="1" latinLnBrk="0" hangingPunct="1">
+        <a:lnSpc>
+          <a:spcPct val="90000"/>
+        </a:lnSpc>
+        <a:spcBef>
+          <a:spcPts val="500"/>
+        </a:spcBef>
+        <a:buFont typeface="Arial" panose="020B0604020202020204" pitchFamily="34" charset="0"/>
+        <a:buChar char="•"/>
+        <a:defRPr sz="1800" kern="1200">
+          <a:solidFill>
+            <a:schemeClr val="tx1"/>
+          </a:solidFill>
+          <a:latin typeface="+mn-lt"/>
+          <a:ea typeface="+mn-ea"/>
+          <a:cs typeface="+mn-cs"/>
+        </a:defRPr>
+      </a:lvl6pPr>
+      <a:lvl7pPr marL="2971800" indent="-228600" algn="l" defTabSz="914400" rtl="0" eaLnBrk="1" latinLnBrk="0" hangingPunct="1">
+        <a:lnSpc>
+          <a:spcPct val="90000"/>
+        </a:lnSpc>
+        <a:spcBef>
+          <a:spcPts val="500"/>
+        </a:spcBef>
+        <a:buFont typeface="Arial" panose="020B0604020202020204" pitchFamily="34" charset="0"/>
+        <a:buChar char="•"/>
+        <a:defRPr sz="1800" kern="1200">
+          <a:solidFill>
+            <a:schemeClr val="tx1"/>
+          </a:solidFill>
+          <a:latin typeface="+mn-lt"/>
+          <a:ea typeface="+mn-ea"/>
+          <a:cs typeface="+mn-cs"/>
+        </a:defRPr>
+      </a:lvl7pPr>
+      <a:lvl8pPr marL="3429000" indent="-228600" algn="l" defTabSz="914400" rtl="0" eaLnBrk="1" latinLnBrk="0" hangingPunct="1">
+        <a:lnSpc>
+          <a:spcPct val="90000"/>
+        </a:lnSpc>
+        <a:spcBef>
+          <a:spcPts val="500"/>
+        </a:spcBef>
+        <a:buFont typeface="Arial" panose="020B0604020202020204" pitchFamily="34" charset="0"/>
+        <a:buChar char="•"/>
+        <a:defRPr sz="1800" kern="1200">
+          <a:solidFill>
+            <a:schemeClr val="tx1"/>
+          </a:solidFill>
+          <a:latin typeface="+mn-lt"/>
+          <a:ea typeface="+mn-ea"/>
+          <a:cs typeface="+mn-cs"/>
+        </a:defRPr>
+      </a:lvl8pPr>
+      <a:lvl9pPr marL="3886200" indent="-228600" algn="l" defTabSz="914400" rtl="0" eaLnBrk="1" latinLnBrk="0" hangingPunct="1">
+        <a:lnSpc>
+          <a:spcPct val="90000"/>
+        </a:lnSpc>
+        <a:spcBef>
+          <a:spcPts val="500"/>
+        </a:spcBef>
+        <a:buFont typeface="Arial" panose="020B0604020202020204" pitchFamily="34" charset="0"/>
+        <a:buChar char="•"/>
+        <a:defRPr sz="1800" kern="1200">
+          <a:solidFill>
+            <a:schemeClr val="tx1"/>
+          </a:solidFill>
+          <a:latin typeface="+mn-lt"/>
+          <a:ea typeface="+mn-ea"/>
+          <a:cs typeface="+mn-cs"/>
+        </a:defRPr>
+      </a:lvl9pPr>
+    </p:bodyStyle>
+    <p:otherStyle>
+      <a:defPPr>
+        <a:defRPr lang="en-US"/>
+      </a:defPPr>
+      <a:lvl1pPr marL="0" algn="l" defTabSz="914400" rtl="0" eaLnBrk="1" latinLnBrk="0" hangingPunct="1">
+        <a:defRPr sz="1800" kern="1200">
+          <a:solidFill>
+            <a:schemeClr val="tx1"/>
+          </a:solidFill>
+          <a:latin typeface="+mn-lt"/>
+          <a:ea typeface="+mn-ea"/>
+          <a:cs typeface="+mn-cs"/>
+        </a:defRPr>
+      </a:lvl1pPr>
+      <a:lvl2pPr marL="457200" algn="l" defTabSz="914400" rtl="0" eaLnBrk="1" latinLnBrk="0" hangingPunct="1">
+        <a:defRPr sz="1800" kern="1200">
+          <a:solidFill>
+            <a:schemeClr val="tx1"/>
+          </a:solidFill>
+          <a:latin typeface="+mn-lt"/>
+          <a:ea typeface="+mn-ea"/>
+          <a:cs typeface="+mn-cs"/>
+        </a:defRPr>
+      </a:lvl2pPr>
+      <a:lvl3pPr marL="914400" algn="l" defTabSz="914400" rtl="0" eaLnBrk="1" latinLnBrk="0" hangingPunct="1">
+        <a:defRPr sz="1800" kern="1200">
+          <a:solidFill>
+            <a:schemeClr val="tx1"/>
+          </a:solidFill>
+          <a:latin typeface="+mn-lt"/>
+          <a:ea typeface="+mn-ea"/>
+          <a:cs typeface="+mn-cs"/>
+        </a:defRPr>
+      </a:lvl3pPr>
+      <a:lvl4pPr marL="1371600" algn="l" defTabSz="914400" rtl="0" eaLnBrk="1" latinLnBrk="0" hangingPunct="1">
+        <a:defRPr sz="1800" kern="1200">
+          <a:solidFill>
+            <a:schemeClr val="tx1"/>
+          </a:solidFill>
+          <a:latin typeface="+mn-lt"/>
+          <a:ea typeface="+mn-ea"/>
+          <a:cs typeface="+mn-cs"/>
+        </a:defRPr>
+      </a:lvl4pPr>
+      <a:lvl5pPr marL="1828800" algn="l" defTabSz="914400" rtl="0" eaLnBrk="1" latinLnBrk="0" hangingPunct="1">
+        <a:defRPr sz="1800" kern="1200">
+          <a:solidFill>
+            <a:schemeClr val="tx1"/>
+          </a:solidFill>
+          <a:latin typeface="+mn-lt"/>
+          <a:ea typeface="+mn-ea"/>
+          <a:cs typeface="+mn-cs"/>
+        </a:defRPr>
+      </a:lvl5pPr>
+      <a:lvl6pPr marL="2286000" algn="l" defTabSz="914400" rtl="0" eaLnBrk="1" latinLnBrk="0" hangingPunct="1">
+        <a:defRPr sz="1800" kern="1200">
+          <a:solidFill>
+            <a:schemeClr val="tx1"/>
+          </a:solidFill>
+          <a:latin typeface="+mn-lt"/>
+          <a:ea typeface="+mn-ea"/>
+          <a:cs typeface="+mn-cs"/>
+        </a:defRPr>
+      </a:lvl6pPr>
+      <a:lvl7pPr marL="2743200" algn="l" defTabSz="914400" rtl="0" eaLnBrk="1" latinLnBrk="0" hangingPunct="1">
+        <a:defRPr sz="1800" kern="1200">
+          <a:solidFill>
+            <a:schemeClr val="tx1"/>
+          </a:solidFill>
+          <a:latin typeface="+mn-lt"/>
+          <a:ea typeface="+mn-ea"/>
+          <a:cs typeface="+mn-cs"/>
+        </a:defRPr>
+      </a:lvl7pPr>
+      <a:lvl8pPr marL="3200400" algn="l" defTabSz="914400" rtl="0" eaLnBrk="1" latinLnBrk="0" hangingPunct="1">
+        <a:defRPr sz="1800" kern="1200">
+          <a:solidFill>
+            <a:schemeClr val="tx1"/>
+          </a:solidFill>
+          <a:latin typeface="+mn-lt"/>
+          <a:ea typeface="+mn-ea"/>
+          <a:cs typeface="+mn-cs"/>
+        </a:defRPr>
+      </a:lvl8pPr>
+      <a:lvl9pPr marL="3657600" algn="l" defTabSz="914400" rtl="0" eaLnBrk="1" latinLnBrk="0" hangingPunct="1">
+        <a:defRPr sz="1800" kern="1200">
+          <a:solidFill>
+            <a:schemeClr val="tx1"/>
+          </a:solidFill>
+          <a:latin typeface="+mn-lt"/>
+          <a:ea typeface="+mn-ea"/>
+          <a:cs typeface="+mn-cs"/>
+        </a:defRPr>
+      </a:lvl9pPr>
+    </p:otherStyle>
+  </p:txStyles>
 </p:sldMaster>
 </file>
 
 <file path=ppt/slideMasters/slideMaster2.xml><?xml version="1.0" encoding="utf-8"?>
-<p:sldMaster xmlns:a="http://schemas.openxmlformats.org/drawingml/2006/main" xmlns:p="http://schemas.openxmlformats.org/presentationml/2006/main" xmlns:r="http://schemas.openxmlformats.org/officeDocument/2006/relationships" xmlns:p14="http://schemas.microsoft.com/office/powerpoint/2010/main" xmlns:p15="http://schemas.microsoft.com/office/powerpoint/2012/main" xmlns:mc="http://schemas.openxmlformats.org/markup-compatibility/2006">
+<p:sldMaster xmlns:a="http://schemas.openxmlformats.org/drawingml/2006/main" xmlns:r="http://schemas.openxmlformats.org/officeDocument/2006/relationships" xmlns:p="http://schemas.openxmlformats.org/presentationml/2006/main">
   <p:cSld>
     <p:bg>
       <p:bgPr>
         <a:solidFill>
-          <a:srgbClr val="ffffff"/>
+          <a:srgbClr val="FFFFFF"/>
         </a:solidFill>
+        <a:effectLst/>
       </p:bgPr>
     </p:bg>
     <p:spTree>
@@ -5757,20 +6400,18 @@
           </a:prstGeom>
         </p:spPr>
         <p:txBody>
-          <a:bodyPr lIns="0" rIns="0" tIns="0" bIns="0" anchor="ctr">
+          <a:bodyPr lIns="0" tIns="0" rIns="0" bIns="0" anchor="ctr">
             <a:noAutofit/>
           </a:bodyPr>
+          <a:lstStyle/>
           <a:p>
             <a:pPr algn="ctr"/>
             <a:r>
-              <a:rPr b="0" lang="en-US" sz="1800" spc="-1" strike="noStrike">
+              <a:rPr lang="en-US" sz="1800" b="0" strike="noStrike" spc="-1">
                 <a:latin typeface="Arial"/>
               </a:rPr>
               <a:t>Click to edit the title text format</a:t>
             </a:r>
-            <a:endParaRPr b="0" lang="en-US" sz="1800" spc="-1" strike="noStrike">
-              <a:latin typeface="Arial"/>
-            </a:endParaRPr>
           </a:p>
         </p:txBody>
       </p:sp>
@@ -5794,9 +6435,10 @@
           </a:prstGeom>
         </p:spPr>
         <p:txBody>
-          <a:bodyPr lIns="0" rIns="0" tIns="0" bIns="0">
+          <a:bodyPr lIns="0" tIns="0" rIns="0" bIns="0">
             <a:normAutofit fontScale="97000"/>
           </a:bodyPr>
+          <a:lstStyle/>
           <a:p>
             <a:pPr marL="432000" indent="-324000" algn="ctr">
               <a:spcBef>
@@ -5810,17 +6452,14 @@
               <a:buChar char=""/>
             </a:pPr>
             <a:r>
-              <a:rPr b="0" lang="en-US" sz="1800" spc="-1" strike="noStrike">
+              <a:rPr lang="en-US" sz="1800" b="0" strike="noStrike" spc="-1">
                 <a:latin typeface="Arial"/>
               </a:rPr>
               <a:t>Click to edit the outline text format</a:t>
             </a:r>
-            <a:endParaRPr b="0" lang="en-US" sz="1800" spc="-1" strike="noStrike">
-              <a:latin typeface="Arial"/>
-            </a:endParaRPr>
-          </a:p>
-          <a:p>
-            <a:pPr lvl="1" marL="864000" indent="-324000" algn="ctr">
+          </a:p>
+          <a:p>
+            <a:pPr marL="864000" lvl="1" indent="-324000" algn="ctr">
               <a:spcBef>
                 <a:spcPts val="1134"/>
               </a:spcBef>
@@ -5832,17 +6471,14 @@
               <a:buChar char=""/>
             </a:pPr>
             <a:r>
-              <a:rPr b="0" lang="en-US" sz="1800" spc="-1" strike="noStrike">
+              <a:rPr lang="en-US" sz="1800" b="0" strike="noStrike" spc="-1">
                 <a:latin typeface="Arial"/>
               </a:rPr>
               <a:t>Second Outline Level</a:t>
             </a:r>
-            <a:endParaRPr b="0" lang="en-US" sz="1800" spc="-1" strike="noStrike">
-              <a:latin typeface="Arial"/>
-            </a:endParaRPr>
-          </a:p>
-          <a:p>
-            <a:pPr lvl="2" marL="1296000" indent="-288000" algn="ctr">
+          </a:p>
+          <a:p>
+            <a:pPr marL="1296000" lvl="2" indent="-288000" algn="ctr">
               <a:spcBef>
                 <a:spcPts val="850"/>
               </a:spcBef>
@@ -5854,17 +6490,14 @@
               <a:buChar char=""/>
             </a:pPr>
             <a:r>
-              <a:rPr b="0" lang="en-US" sz="1800" spc="-1" strike="noStrike">
+              <a:rPr lang="en-US" sz="1800" b="0" strike="noStrike" spc="-1">
                 <a:latin typeface="Arial"/>
               </a:rPr>
               <a:t>Third Outline Level</a:t>
             </a:r>
-            <a:endParaRPr b="0" lang="en-US" sz="1800" spc="-1" strike="noStrike">
-              <a:latin typeface="Arial"/>
-            </a:endParaRPr>
-          </a:p>
-          <a:p>
-            <a:pPr lvl="3" marL="1728000" indent="-216000" algn="ctr">
+          </a:p>
+          <a:p>
+            <a:pPr marL="1728000" lvl="3" indent="-216000" algn="ctr">
               <a:spcBef>
                 <a:spcPts val="567"/>
               </a:spcBef>
@@ -5876,17 +6509,14 @@
               <a:buChar char=""/>
             </a:pPr>
             <a:r>
-              <a:rPr b="0" lang="en-US" sz="1800" spc="-1" strike="noStrike">
+              <a:rPr lang="en-US" sz="1800" b="0" strike="noStrike" spc="-1">
                 <a:latin typeface="Arial"/>
               </a:rPr>
               <a:t>Fourth Outline Level</a:t>
             </a:r>
-            <a:endParaRPr b="0" lang="en-US" sz="1800" spc="-1" strike="noStrike">
-              <a:latin typeface="Arial"/>
-            </a:endParaRPr>
-          </a:p>
-          <a:p>
-            <a:pPr lvl="4" marL="2160000" indent="-216000" algn="ctr">
+          </a:p>
+          <a:p>
+            <a:pPr marL="2160000" lvl="4" indent="-216000" algn="ctr">
               <a:spcBef>
                 <a:spcPts val="283"/>
               </a:spcBef>
@@ -5898,17 +6528,14 @@
               <a:buChar char=""/>
             </a:pPr>
             <a:r>
-              <a:rPr b="0" lang="en-US" sz="1800" spc="-1" strike="noStrike">
+              <a:rPr lang="en-US" sz="1800" b="0" strike="noStrike" spc="-1">
                 <a:latin typeface="Arial"/>
               </a:rPr>
               <a:t>Fifth Outline Level</a:t>
             </a:r>
-            <a:endParaRPr b="0" lang="en-US" sz="1800" spc="-1" strike="noStrike">
-              <a:latin typeface="Arial"/>
-            </a:endParaRPr>
-          </a:p>
-          <a:p>
-            <a:pPr lvl="5" marL="2592000" indent="-216000" algn="ctr">
+          </a:p>
+          <a:p>
+            <a:pPr marL="2592000" lvl="5" indent="-216000" algn="ctr">
               <a:spcBef>
                 <a:spcPts val="283"/>
               </a:spcBef>
@@ -5920,17 +6547,14 @@
               <a:buChar char=""/>
             </a:pPr>
             <a:r>
-              <a:rPr b="0" lang="en-US" sz="1800" spc="-1" strike="noStrike">
+              <a:rPr lang="en-US" sz="1800" b="0" strike="noStrike" spc="-1">
                 <a:latin typeface="Arial"/>
               </a:rPr>
               <a:t>Sixth Outline Level</a:t>
             </a:r>
-            <a:endParaRPr b="0" lang="en-US" sz="1800" spc="-1" strike="noStrike">
-              <a:latin typeface="Arial"/>
-            </a:endParaRPr>
-          </a:p>
-          <a:p>
-            <a:pPr lvl="6" marL="3024000" indent="-216000" algn="ctr">
+          </a:p>
+          <a:p>
+            <a:pPr marL="3024000" lvl="6" indent="-216000" algn="ctr">
               <a:spcBef>
                 <a:spcPts val="283"/>
               </a:spcBef>
@@ -5942,14 +6566,11 @@
               <a:buChar char=""/>
             </a:pPr>
             <a:r>
-              <a:rPr b="0" lang="en-US" sz="1800" spc="-1" strike="noStrike">
+              <a:rPr lang="en-US" sz="1800" b="0" strike="noStrike" spc="-1">
                 <a:latin typeface="Arial"/>
               </a:rPr>
               <a:t>Seventh Outline Level</a:t>
             </a:r>
-            <a:endParaRPr b="0" lang="en-US" sz="1800" spc="-1" strike="noStrike">
-              <a:latin typeface="Arial"/>
-            </a:endParaRPr>
           </a:p>
         </p:txBody>
       </p:sp>
@@ -5973,9 +6594,10 @@
           </a:prstGeom>
         </p:spPr>
         <p:txBody>
-          <a:bodyPr lIns="0" rIns="0" tIns="0" bIns="0">
+          <a:bodyPr lIns="0" tIns="0" rIns="0" bIns="0">
             <a:normAutofit fontScale="97000"/>
           </a:bodyPr>
+          <a:lstStyle/>
           <a:p>
             <a:pPr marL="432000" indent="-324000" algn="ctr">
               <a:spcBef>
@@ -5989,17 +6611,14 @@
               <a:buChar char=""/>
             </a:pPr>
             <a:r>
-              <a:rPr b="0" lang="en-US" sz="1800" spc="-1" strike="noStrike">
+              <a:rPr lang="en-US" sz="1800" b="0" strike="noStrike" spc="-1">
                 <a:latin typeface="Arial"/>
               </a:rPr>
               <a:t>Click to edit the outline text format</a:t>
             </a:r>
-            <a:endParaRPr b="0" lang="en-US" sz="1800" spc="-1" strike="noStrike">
-              <a:latin typeface="Arial"/>
-            </a:endParaRPr>
-          </a:p>
-          <a:p>
-            <a:pPr lvl="1" marL="864000" indent="-324000" algn="ctr">
+          </a:p>
+          <a:p>
+            <a:pPr marL="864000" lvl="1" indent="-324000" algn="ctr">
               <a:spcBef>
                 <a:spcPts val="1134"/>
               </a:spcBef>
@@ -6011,17 +6630,14 @@
               <a:buChar char=""/>
             </a:pPr>
             <a:r>
-              <a:rPr b="0" lang="en-US" sz="1800" spc="-1" strike="noStrike">
+              <a:rPr lang="en-US" sz="1800" b="0" strike="noStrike" spc="-1">
                 <a:latin typeface="Arial"/>
               </a:rPr>
               <a:t>Second Outline Level</a:t>
             </a:r>
-            <a:endParaRPr b="0" lang="en-US" sz="1800" spc="-1" strike="noStrike">
-              <a:latin typeface="Arial"/>
-            </a:endParaRPr>
-          </a:p>
-          <a:p>
-            <a:pPr lvl="2" marL="1296000" indent="-288000" algn="ctr">
+          </a:p>
+          <a:p>
+            <a:pPr marL="1296000" lvl="2" indent="-288000" algn="ctr">
               <a:spcBef>
                 <a:spcPts val="850"/>
               </a:spcBef>
@@ -6033,17 +6649,14 @@
               <a:buChar char=""/>
             </a:pPr>
             <a:r>
-              <a:rPr b="0" lang="en-US" sz="1800" spc="-1" strike="noStrike">
+              <a:rPr lang="en-US" sz="1800" b="0" strike="noStrike" spc="-1">
                 <a:latin typeface="Arial"/>
               </a:rPr>
               <a:t>Third Outline Level</a:t>
             </a:r>
-            <a:endParaRPr b="0" lang="en-US" sz="1800" spc="-1" strike="noStrike">
-              <a:latin typeface="Arial"/>
-            </a:endParaRPr>
-          </a:p>
-          <a:p>
-            <a:pPr lvl="3" marL="1728000" indent="-216000" algn="ctr">
+          </a:p>
+          <a:p>
+            <a:pPr marL="1728000" lvl="3" indent="-216000" algn="ctr">
               <a:spcBef>
                 <a:spcPts val="567"/>
               </a:spcBef>
@@ -6055,17 +6668,14 @@
               <a:buChar char=""/>
             </a:pPr>
             <a:r>
-              <a:rPr b="0" lang="en-US" sz="1800" spc="-1" strike="noStrike">
+              <a:rPr lang="en-US" sz="1800" b="0" strike="noStrike" spc="-1">
                 <a:latin typeface="Arial"/>
               </a:rPr>
               <a:t>Fourth Outline Level</a:t>
             </a:r>
-            <a:endParaRPr b="0" lang="en-US" sz="1800" spc="-1" strike="noStrike">
-              <a:latin typeface="Arial"/>
-            </a:endParaRPr>
-          </a:p>
-          <a:p>
-            <a:pPr lvl="4" marL="2160000" indent="-216000" algn="ctr">
+          </a:p>
+          <a:p>
+            <a:pPr marL="2160000" lvl="4" indent="-216000" algn="ctr">
               <a:spcBef>
                 <a:spcPts val="283"/>
               </a:spcBef>
@@ -6077,17 +6687,14 @@
               <a:buChar char=""/>
             </a:pPr>
             <a:r>
-              <a:rPr b="0" lang="en-US" sz="1800" spc="-1" strike="noStrike">
+              <a:rPr lang="en-US" sz="1800" b="0" strike="noStrike" spc="-1">
                 <a:latin typeface="Arial"/>
               </a:rPr>
               <a:t>Fifth Outline Level</a:t>
             </a:r>
-            <a:endParaRPr b="0" lang="en-US" sz="1800" spc="-1" strike="noStrike">
-              <a:latin typeface="Arial"/>
-            </a:endParaRPr>
-          </a:p>
-          <a:p>
-            <a:pPr lvl="5" marL="2592000" indent="-216000" algn="ctr">
+          </a:p>
+          <a:p>
+            <a:pPr marL="2592000" lvl="5" indent="-216000" algn="ctr">
               <a:spcBef>
                 <a:spcPts val="283"/>
               </a:spcBef>
@@ -6099,17 +6706,14 @@
               <a:buChar char=""/>
             </a:pPr>
             <a:r>
-              <a:rPr b="0" lang="en-US" sz="1800" spc="-1" strike="noStrike">
+              <a:rPr lang="en-US" sz="1800" b="0" strike="noStrike" spc="-1">
                 <a:latin typeface="Arial"/>
               </a:rPr>
               <a:t>Sixth Outline Level</a:t>
             </a:r>
-            <a:endParaRPr b="0" lang="en-US" sz="1800" spc="-1" strike="noStrike">
-              <a:latin typeface="Arial"/>
-            </a:endParaRPr>
-          </a:p>
-          <a:p>
-            <a:pPr lvl="6" marL="3024000" indent="-216000" algn="ctr">
+          </a:p>
+          <a:p>
+            <a:pPr marL="3024000" lvl="6" indent="-216000" algn="ctr">
               <a:spcBef>
                 <a:spcPts val="283"/>
               </a:spcBef>
@@ -6121,45 +6725,323 @@
               <a:buChar char=""/>
             </a:pPr>
             <a:r>
-              <a:rPr b="0" lang="en-US" sz="1800" spc="-1" strike="noStrike">
+              <a:rPr lang="en-US" sz="1800" b="0" strike="noStrike" spc="-1">
                 <a:latin typeface="Arial"/>
               </a:rPr>
               <a:t>Seventh Outline Level</a:t>
             </a:r>
-            <a:endParaRPr b="0" lang="en-US" sz="1800" spc="-1" strike="noStrike">
-              <a:latin typeface="Arial"/>
-            </a:endParaRPr>
           </a:p>
         </p:txBody>
       </p:sp>
     </p:spTree>
   </p:cSld>
-  <p:clrMap bg1="lt1" bg2="lt2" tx1="dk1" tx2="dk2" accent1="accent1" accent2="accent2" accent3="accent3" accent4="accent4" accent5="accent5" accent6="accent6" hlink="hlink" folHlink="folHlink"/>
+  <p:clrMap bg1="lt1" tx1="dk1" bg2="lt2" tx2="dk2" accent1="accent1" accent2="accent2" accent3="accent3" accent4="accent4" accent5="accent5" accent6="accent6" hlink="hlink" folHlink="folHlink"/>
   <p:sldLayoutIdLst>
-    <p:sldLayoutId id="2147483662" r:id="rId2"/>
-    <p:sldLayoutId id="2147483663" r:id="rId3"/>
-    <p:sldLayoutId id="2147483664" r:id="rId4"/>
-    <p:sldLayoutId id="2147483665" r:id="rId5"/>
-    <p:sldLayoutId id="2147483666" r:id="rId6"/>
-    <p:sldLayoutId id="2147483667" r:id="rId7"/>
-    <p:sldLayoutId id="2147483668" r:id="rId8"/>
-    <p:sldLayoutId id="2147483669" r:id="rId9"/>
-    <p:sldLayoutId id="2147483670" r:id="rId10"/>
-    <p:sldLayoutId id="2147483671" r:id="rId11"/>
-    <p:sldLayoutId id="2147483672" r:id="rId12"/>
-    <p:sldLayoutId id="2147483673" r:id="rId13"/>
+    <p:sldLayoutId id="2147483662" r:id="rId1"/>
+    <p:sldLayoutId id="2147483663" r:id="rId2"/>
+    <p:sldLayoutId id="2147483664" r:id="rId3"/>
+    <p:sldLayoutId id="2147483665" r:id="rId4"/>
+    <p:sldLayoutId id="2147483666" r:id="rId5"/>
+    <p:sldLayoutId id="2147483667" r:id="rId6"/>
+    <p:sldLayoutId id="2147483668" r:id="rId7"/>
+    <p:sldLayoutId id="2147483669" r:id="rId8"/>
+    <p:sldLayoutId id="2147483670" r:id="rId9"/>
+    <p:sldLayoutId id="2147483671" r:id="rId10"/>
+    <p:sldLayoutId id="2147483672" r:id="rId11"/>
+    <p:sldLayoutId id="2147483673" r:id="rId12"/>
   </p:sldLayoutIdLst>
+  <p:txStyles>
+    <p:titleStyle>
+      <a:lvl1pPr algn="l" defTabSz="914400" rtl="0" eaLnBrk="1" latinLnBrk="0" hangingPunct="1">
+        <a:lnSpc>
+          <a:spcPct val="90000"/>
+        </a:lnSpc>
+        <a:spcBef>
+          <a:spcPct val="0"/>
+        </a:spcBef>
+        <a:buNone/>
+        <a:defRPr sz="4400" kern="1200">
+          <a:solidFill>
+            <a:schemeClr val="tx1"/>
+          </a:solidFill>
+          <a:latin typeface="+mj-lt"/>
+          <a:ea typeface="+mj-ea"/>
+          <a:cs typeface="+mj-cs"/>
+        </a:defRPr>
+      </a:lvl1pPr>
+    </p:titleStyle>
+    <p:bodyStyle>
+      <a:lvl1pPr marL="228600" indent="-228600" algn="l" defTabSz="914400" rtl="0" eaLnBrk="1" latinLnBrk="0" hangingPunct="1">
+        <a:lnSpc>
+          <a:spcPct val="90000"/>
+        </a:lnSpc>
+        <a:spcBef>
+          <a:spcPts val="1000"/>
+        </a:spcBef>
+        <a:buFont typeface="Arial" panose="020B0604020202020204" pitchFamily="34" charset="0"/>
+        <a:buChar char="•"/>
+        <a:defRPr sz="2800" kern="1200">
+          <a:solidFill>
+            <a:schemeClr val="tx1"/>
+          </a:solidFill>
+          <a:latin typeface="+mn-lt"/>
+          <a:ea typeface="+mn-ea"/>
+          <a:cs typeface="+mn-cs"/>
+        </a:defRPr>
+      </a:lvl1pPr>
+      <a:lvl2pPr marL="685800" indent="-228600" algn="l" defTabSz="914400" rtl="0" eaLnBrk="1" latinLnBrk="0" hangingPunct="1">
+        <a:lnSpc>
+          <a:spcPct val="90000"/>
+        </a:lnSpc>
+        <a:spcBef>
+          <a:spcPts val="500"/>
+        </a:spcBef>
+        <a:buFont typeface="Arial" panose="020B0604020202020204" pitchFamily="34" charset="0"/>
+        <a:buChar char="•"/>
+        <a:defRPr sz="2400" kern="1200">
+          <a:solidFill>
+            <a:schemeClr val="tx1"/>
+          </a:solidFill>
+          <a:latin typeface="+mn-lt"/>
+          <a:ea typeface="+mn-ea"/>
+          <a:cs typeface="+mn-cs"/>
+        </a:defRPr>
+      </a:lvl2pPr>
+      <a:lvl3pPr marL="1143000" indent="-228600" algn="l" defTabSz="914400" rtl="0" eaLnBrk="1" latinLnBrk="0" hangingPunct="1">
+        <a:lnSpc>
+          <a:spcPct val="90000"/>
+        </a:lnSpc>
+        <a:spcBef>
+          <a:spcPts val="500"/>
+        </a:spcBef>
+        <a:buFont typeface="Arial" panose="020B0604020202020204" pitchFamily="34" charset="0"/>
+        <a:buChar char="•"/>
+        <a:defRPr sz="2000" kern="1200">
+          <a:solidFill>
+            <a:schemeClr val="tx1"/>
+          </a:solidFill>
+          <a:latin typeface="+mn-lt"/>
+          <a:ea typeface="+mn-ea"/>
+          <a:cs typeface="+mn-cs"/>
+        </a:defRPr>
+      </a:lvl3pPr>
+      <a:lvl4pPr marL="1600200" indent="-228600" algn="l" defTabSz="914400" rtl="0" eaLnBrk="1" latinLnBrk="0" hangingPunct="1">
+        <a:lnSpc>
+          <a:spcPct val="90000"/>
+        </a:lnSpc>
+        <a:spcBef>
+          <a:spcPts val="500"/>
+        </a:spcBef>
+        <a:buFont typeface="Arial" panose="020B0604020202020204" pitchFamily="34" charset="0"/>
+        <a:buChar char="•"/>
+        <a:defRPr sz="1800" kern="1200">
+          <a:solidFill>
+            <a:schemeClr val="tx1"/>
+          </a:solidFill>
+          <a:latin typeface="+mn-lt"/>
+          <a:ea typeface="+mn-ea"/>
+          <a:cs typeface="+mn-cs"/>
+        </a:defRPr>
+      </a:lvl4pPr>
+      <a:lvl5pPr marL="2057400" indent="-228600" algn="l" defTabSz="914400" rtl="0" eaLnBrk="1" latinLnBrk="0" hangingPunct="1">
+        <a:lnSpc>
+          <a:spcPct val="90000"/>
+        </a:lnSpc>
+        <a:spcBef>
+          <a:spcPts val="500"/>
+        </a:spcBef>
+        <a:buFont typeface="Arial" panose="020B0604020202020204" pitchFamily="34" charset="0"/>
+        <a:buChar char="•"/>
+        <a:defRPr sz="1800" kern="1200">
+          <a:solidFill>
+            <a:schemeClr val="tx1"/>
+          </a:solidFill>
+          <a:latin typeface="+mn-lt"/>
+          <a:ea typeface="+mn-ea"/>
+          <a:cs typeface="+mn-cs"/>
+        </a:defRPr>
+      </a:lvl5pPr>
+      <a:lvl6pPr marL="2514600" indent="-228600" algn="l" defTabSz="914400" rtl="0" eaLnBrk="1" latinLnBrk="0" hangingPunct="1">
+        <a:lnSpc>
+          <a:spcPct val="90000"/>
+        </a:lnSpc>
+        <a:spcBef>
+          <a:spcPts val="500"/>
+        </a:spcBef>
+        <a:buFont typeface="Arial" panose="020B0604020202020204" pitchFamily="34" charset="0"/>
+        <a:buChar char="•"/>
+        <a:defRPr sz="1800" kern="1200">
+          <a:solidFill>
+            <a:schemeClr val="tx1"/>
+          </a:solidFill>
+          <a:latin typeface="+mn-lt"/>
+          <a:ea typeface="+mn-ea"/>
+          <a:cs typeface="+mn-cs"/>
+        </a:defRPr>
+      </a:lvl6pPr>
+      <a:lvl7pPr marL="2971800" indent="-228600" algn="l" defTabSz="914400" rtl="0" eaLnBrk="1" latinLnBrk="0" hangingPunct="1">
+        <a:lnSpc>
+          <a:spcPct val="90000"/>
+        </a:lnSpc>
+        <a:spcBef>
+          <a:spcPts val="500"/>
+        </a:spcBef>
+        <a:buFont typeface="Arial" panose="020B0604020202020204" pitchFamily="34" charset="0"/>
+        <a:buChar char="•"/>
+        <a:defRPr sz="1800" kern="1200">
+          <a:solidFill>
+            <a:schemeClr val="tx1"/>
+          </a:solidFill>
+          <a:latin typeface="+mn-lt"/>
+          <a:ea typeface="+mn-ea"/>
+          <a:cs typeface="+mn-cs"/>
+        </a:defRPr>
+      </a:lvl7pPr>
+      <a:lvl8pPr marL="3429000" indent="-228600" algn="l" defTabSz="914400" rtl="0" eaLnBrk="1" latinLnBrk="0" hangingPunct="1">
+        <a:lnSpc>
+          <a:spcPct val="90000"/>
+        </a:lnSpc>
+        <a:spcBef>
+          <a:spcPts val="500"/>
+        </a:spcBef>
+        <a:buFont typeface="Arial" panose="020B0604020202020204" pitchFamily="34" charset="0"/>
+        <a:buChar char="•"/>
+        <a:defRPr sz="1800" kern="1200">
+          <a:solidFill>
+            <a:schemeClr val="tx1"/>
+          </a:solidFill>
+          <a:latin typeface="+mn-lt"/>
+          <a:ea typeface="+mn-ea"/>
+          <a:cs typeface="+mn-cs"/>
+        </a:defRPr>
+      </a:lvl8pPr>
+      <a:lvl9pPr marL="3886200" indent="-228600" algn="l" defTabSz="914400" rtl="0" eaLnBrk="1" latinLnBrk="0" hangingPunct="1">
+        <a:lnSpc>
+          <a:spcPct val="90000"/>
+        </a:lnSpc>
+        <a:spcBef>
+          <a:spcPts val="500"/>
+        </a:spcBef>
+        <a:buFont typeface="Arial" panose="020B0604020202020204" pitchFamily="34" charset="0"/>
+        <a:buChar char="•"/>
+        <a:defRPr sz="1800" kern="1200">
+          <a:solidFill>
+            <a:schemeClr val="tx1"/>
+          </a:solidFill>
+          <a:latin typeface="+mn-lt"/>
+          <a:ea typeface="+mn-ea"/>
+          <a:cs typeface="+mn-cs"/>
+        </a:defRPr>
+      </a:lvl9pPr>
+    </p:bodyStyle>
+    <p:otherStyle>
+      <a:defPPr>
+        <a:defRPr lang="en-US"/>
+      </a:defPPr>
+      <a:lvl1pPr marL="0" algn="l" defTabSz="914400" rtl="0" eaLnBrk="1" latinLnBrk="0" hangingPunct="1">
+        <a:defRPr sz="1800" kern="1200">
+          <a:solidFill>
+            <a:schemeClr val="tx1"/>
+          </a:solidFill>
+          <a:latin typeface="+mn-lt"/>
+          <a:ea typeface="+mn-ea"/>
+          <a:cs typeface="+mn-cs"/>
+        </a:defRPr>
+      </a:lvl1pPr>
+      <a:lvl2pPr marL="457200" algn="l" defTabSz="914400" rtl="0" eaLnBrk="1" latinLnBrk="0" hangingPunct="1">
+        <a:defRPr sz="1800" kern="1200">
+          <a:solidFill>
+            <a:schemeClr val="tx1"/>
+          </a:solidFill>
+          <a:latin typeface="+mn-lt"/>
+          <a:ea typeface="+mn-ea"/>
+          <a:cs typeface="+mn-cs"/>
+        </a:defRPr>
+      </a:lvl2pPr>
+      <a:lvl3pPr marL="914400" algn="l" defTabSz="914400" rtl="0" eaLnBrk="1" latinLnBrk="0" hangingPunct="1">
+        <a:defRPr sz="1800" kern="1200">
+          <a:solidFill>
+            <a:schemeClr val="tx1"/>
+          </a:solidFill>
+          <a:latin typeface="+mn-lt"/>
+          <a:ea typeface="+mn-ea"/>
+          <a:cs typeface="+mn-cs"/>
+        </a:defRPr>
+      </a:lvl3pPr>
+      <a:lvl4pPr marL="1371600" algn="l" defTabSz="914400" rtl="0" eaLnBrk="1" latinLnBrk="0" hangingPunct="1">
+        <a:defRPr sz="1800" kern="1200">
+          <a:solidFill>
+            <a:schemeClr val="tx1"/>
+          </a:solidFill>
+          <a:latin typeface="+mn-lt"/>
+          <a:ea typeface="+mn-ea"/>
+          <a:cs typeface="+mn-cs"/>
+        </a:defRPr>
+      </a:lvl4pPr>
+      <a:lvl5pPr marL="1828800" algn="l" defTabSz="914400" rtl="0" eaLnBrk="1" latinLnBrk="0" hangingPunct="1">
+        <a:defRPr sz="1800" kern="1200">
+          <a:solidFill>
+            <a:schemeClr val="tx1"/>
+          </a:solidFill>
+          <a:latin typeface="+mn-lt"/>
+          <a:ea typeface="+mn-ea"/>
+          <a:cs typeface="+mn-cs"/>
+        </a:defRPr>
+      </a:lvl5pPr>
+      <a:lvl6pPr marL="2286000" algn="l" defTabSz="914400" rtl="0" eaLnBrk="1" latinLnBrk="0" hangingPunct="1">
+        <a:defRPr sz="1800" kern="1200">
+          <a:solidFill>
+            <a:schemeClr val="tx1"/>
+          </a:solidFill>
+          <a:latin typeface="+mn-lt"/>
+          <a:ea typeface="+mn-ea"/>
+          <a:cs typeface="+mn-cs"/>
+        </a:defRPr>
+      </a:lvl6pPr>
+      <a:lvl7pPr marL="2743200" algn="l" defTabSz="914400" rtl="0" eaLnBrk="1" latinLnBrk="0" hangingPunct="1">
+        <a:defRPr sz="1800" kern="1200">
+          <a:solidFill>
+            <a:schemeClr val="tx1"/>
+          </a:solidFill>
+          <a:latin typeface="+mn-lt"/>
+          <a:ea typeface="+mn-ea"/>
+          <a:cs typeface="+mn-cs"/>
+        </a:defRPr>
+      </a:lvl7pPr>
+      <a:lvl8pPr marL="3200400" algn="l" defTabSz="914400" rtl="0" eaLnBrk="1" latinLnBrk="0" hangingPunct="1">
+        <a:defRPr sz="1800" kern="1200">
+          <a:solidFill>
+            <a:schemeClr val="tx1"/>
+          </a:solidFill>
+          <a:latin typeface="+mn-lt"/>
+          <a:ea typeface="+mn-ea"/>
+          <a:cs typeface="+mn-cs"/>
+        </a:defRPr>
+      </a:lvl8pPr>
+      <a:lvl9pPr marL="3657600" algn="l" defTabSz="914400" rtl="0" eaLnBrk="1" latinLnBrk="0" hangingPunct="1">
+        <a:defRPr sz="1800" kern="1200">
+          <a:solidFill>
+            <a:schemeClr val="tx1"/>
+          </a:solidFill>
+          <a:latin typeface="+mn-lt"/>
+          <a:ea typeface="+mn-ea"/>
+          <a:cs typeface="+mn-cs"/>
+        </a:defRPr>
+      </a:lvl9pPr>
+    </p:otherStyle>
+  </p:txStyles>
 </p:sldMaster>
 </file>
 
 <file path=ppt/slideMasters/slideMaster3.xml><?xml version="1.0" encoding="utf-8"?>
-<p:sldMaster xmlns:a="http://schemas.openxmlformats.org/drawingml/2006/main" xmlns:p="http://schemas.openxmlformats.org/presentationml/2006/main" xmlns:r="http://schemas.openxmlformats.org/officeDocument/2006/relationships" xmlns:p14="http://schemas.microsoft.com/office/powerpoint/2010/main" xmlns:p15="http://schemas.microsoft.com/office/powerpoint/2012/main" xmlns:mc="http://schemas.openxmlformats.org/markup-compatibility/2006">
+<p:sldMaster xmlns:a="http://schemas.openxmlformats.org/drawingml/2006/main" xmlns:r="http://schemas.openxmlformats.org/officeDocument/2006/relationships" xmlns:p="http://schemas.openxmlformats.org/presentationml/2006/main">
   <p:cSld>
     <p:bg>
       <p:bgPr>
         <a:solidFill>
-          <a:srgbClr val="ffffff"/>
+          <a:srgbClr val="FFFFFF"/>
         </a:solidFill>
+        <a:effectLst/>
       </p:bgPr>
     </p:bg>
     <p:spTree>
@@ -6196,20 +7078,18 @@
           </a:prstGeom>
         </p:spPr>
         <p:txBody>
-          <a:bodyPr lIns="0" rIns="0" tIns="0" bIns="0" anchor="ctr">
+          <a:bodyPr lIns="0" tIns="0" rIns="0" bIns="0" anchor="ctr">
             <a:noAutofit/>
           </a:bodyPr>
+          <a:lstStyle/>
           <a:p>
             <a:pPr algn="ctr"/>
             <a:r>
-              <a:rPr b="0" lang="en-US" sz="4400" spc="-1" strike="noStrike">
+              <a:rPr lang="en-US" sz="4400" b="0" strike="noStrike" spc="-1">
                 <a:latin typeface="Arial"/>
               </a:rPr>
               <a:t>Click to edit the title text format</a:t>
             </a:r>
-            <a:endParaRPr b="0" lang="en-US" sz="4400" spc="-1" strike="noStrike">
-              <a:latin typeface="Arial"/>
-            </a:endParaRPr>
           </a:p>
         </p:txBody>
       </p:sp>
@@ -6233,9 +7113,10 @@
           </a:prstGeom>
         </p:spPr>
         <p:txBody>
-          <a:bodyPr lIns="0" rIns="0" tIns="0" bIns="0">
+          <a:bodyPr lIns="0" tIns="0" rIns="0" bIns="0">
             <a:normAutofit/>
           </a:bodyPr>
+          <a:lstStyle/>
           <a:p>
             <a:pPr marL="432000" indent="-324000">
               <a:spcBef>
@@ -6249,17 +7130,14 @@
               <a:buChar char=""/>
             </a:pPr>
             <a:r>
-              <a:rPr b="0" lang="en-US" sz="3200" spc="-1" strike="noStrike">
+              <a:rPr lang="en-US" sz="3200" b="0" strike="noStrike" spc="-1">
                 <a:latin typeface="Arial"/>
               </a:rPr>
               <a:t>Click to edit the outline text format</a:t>
             </a:r>
-            <a:endParaRPr b="0" lang="en-US" sz="3200" spc="-1" strike="noStrike">
-              <a:latin typeface="Arial"/>
-            </a:endParaRPr>
-          </a:p>
-          <a:p>
-            <a:pPr lvl="1" marL="864000" indent="-324000">
+          </a:p>
+          <a:p>
+            <a:pPr marL="864000" lvl="1" indent="-324000">
               <a:spcBef>
                 <a:spcPts val="1134"/>
               </a:spcBef>
@@ -6271,17 +7149,14 @@
               <a:buChar char=""/>
             </a:pPr>
             <a:r>
-              <a:rPr b="0" lang="en-US" sz="2800" spc="-1" strike="noStrike">
+              <a:rPr lang="en-US" sz="2800" b="0" strike="noStrike" spc="-1">
                 <a:latin typeface="Arial"/>
               </a:rPr>
               <a:t>Second Outline Level</a:t>
             </a:r>
-            <a:endParaRPr b="0" lang="en-US" sz="2800" spc="-1" strike="noStrike">
-              <a:latin typeface="Arial"/>
-            </a:endParaRPr>
-          </a:p>
-          <a:p>
-            <a:pPr lvl="2" marL="1296000" indent="-288000">
+          </a:p>
+          <a:p>
+            <a:pPr marL="1296000" lvl="2" indent="-288000">
               <a:spcBef>
                 <a:spcPts val="850"/>
               </a:spcBef>
@@ -6293,17 +7168,14 @@
               <a:buChar char=""/>
             </a:pPr>
             <a:r>
-              <a:rPr b="0" lang="en-US" sz="2400" spc="-1" strike="noStrike">
+              <a:rPr lang="en-US" sz="2400" b="0" strike="noStrike" spc="-1">
                 <a:latin typeface="Arial"/>
               </a:rPr>
               <a:t>Third Outline Level</a:t>
             </a:r>
-            <a:endParaRPr b="0" lang="en-US" sz="2400" spc="-1" strike="noStrike">
-              <a:latin typeface="Arial"/>
-            </a:endParaRPr>
-          </a:p>
-          <a:p>
-            <a:pPr lvl="3" marL="1728000" indent="-216000">
+          </a:p>
+          <a:p>
+            <a:pPr marL="1728000" lvl="3" indent="-216000">
               <a:spcBef>
                 <a:spcPts val="567"/>
               </a:spcBef>
@@ -6315,17 +7187,14 @@
               <a:buChar char=""/>
             </a:pPr>
             <a:r>
-              <a:rPr b="0" lang="en-US" sz="2000" spc="-1" strike="noStrike">
+              <a:rPr lang="en-US" sz="2000" b="0" strike="noStrike" spc="-1">
                 <a:latin typeface="Arial"/>
               </a:rPr>
               <a:t>Fourth Outline Level</a:t>
             </a:r>
-            <a:endParaRPr b="0" lang="en-US" sz="2000" spc="-1" strike="noStrike">
-              <a:latin typeface="Arial"/>
-            </a:endParaRPr>
-          </a:p>
-          <a:p>
-            <a:pPr lvl="4" marL="2160000" indent="-216000">
+          </a:p>
+          <a:p>
+            <a:pPr marL="2160000" lvl="4" indent="-216000">
               <a:spcBef>
                 <a:spcPts val="283"/>
               </a:spcBef>
@@ -6337,17 +7206,14 @@
               <a:buChar char=""/>
             </a:pPr>
             <a:r>
-              <a:rPr b="0" lang="en-US" sz="2000" spc="-1" strike="noStrike">
+              <a:rPr lang="en-US" sz="2000" b="0" strike="noStrike" spc="-1">
                 <a:latin typeface="Arial"/>
               </a:rPr>
               <a:t>Fifth Outline Level</a:t>
             </a:r>
-            <a:endParaRPr b="0" lang="en-US" sz="2000" spc="-1" strike="noStrike">
-              <a:latin typeface="Arial"/>
-            </a:endParaRPr>
-          </a:p>
-          <a:p>
-            <a:pPr lvl="5" marL="2592000" indent="-216000">
+          </a:p>
+          <a:p>
+            <a:pPr marL="2592000" lvl="5" indent="-216000">
               <a:spcBef>
                 <a:spcPts val="283"/>
               </a:spcBef>
@@ -6359,17 +7225,14 @@
               <a:buChar char=""/>
             </a:pPr>
             <a:r>
-              <a:rPr b="0" lang="en-US" sz="2000" spc="-1" strike="noStrike">
+              <a:rPr lang="en-US" sz="2000" b="0" strike="noStrike" spc="-1">
                 <a:latin typeface="Arial"/>
               </a:rPr>
               <a:t>Sixth Outline Level</a:t>
             </a:r>
-            <a:endParaRPr b="0" lang="en-US" sz="2000" spc="-1" strike="noStrike">
-              <a:latin typeface="Arial"/>
-            </a:endParaRPr>
-          </a:p>
-          <a:p>
-            <a:pPr lvl="6" marL="3024000" indent="-216000">
+          </a:p>
+          <a:p>
+            <a:pPr marL="3024000" lvl="6" indent="-216000">
               <a:spcBef>
                 <a:spcPts val="283"/>
               </a:spcBef>
@@ -6381,45 +7244,323 @@
               <a:buChar char=""/>
             </a:pPr>
             <a:r>
-              <a:rPr b="0" lang="en-US" sz="2000" spc="-1" strike="noStrike">
+              <a:rPr lang="en-US" sz="2000" b="0" strike="noStrike" spc="-1">
                 <a:latin typeface="Arial"/>
               </a:rPr>
               <a:t>Seventh Outline Level</a:t>
             </a:r>
-            <a:endParaRPr b="0" lang="en-US" sz="2000" spc="-1" strike="noStrike">
-              <a:latin typeface="Arial"/>
-            </a:endParaRPr>
           </a:p>
         </p:txBody>
       </p:sp>
     </p:spTree>
   </p:cSld>
-  <p:clrMap bg1="lt1" bg2="lt2" tx1="dk1" tx2="dk2" accent1="accent1" accent2="accent2" accent3="accent3" accent4="accent4" accent5="accent5" accent6="accent6" hlink="hlink" folHlink="folHlink"/>
+  <p:clrMap bg1="lt1" tx1="dk1" bg2="lt2" tx2="dk2" accent1="accent1" accent2="accent2" accent3="accent3" accent4="accent4" accent5="accent5" accent6="accent6" hlink="hlink" folHlink="folHlink"/>
   <p:sldLayoutIdLst>
-    <p:sldLayoutId id="2147483675" r:id="rId2"/>
-    <p:sldLayoutId id="2147483676" r:id="rId3"/>
-    <p:sldLayoutId id="2147483677" r:id="rId4"/>
-    <p:sldLayoutId id="2147483678" r:id="rId5"/>
-    <p:sldLayoutId id="2147483679" r:id="rId6"/>
-    <p:sldLayoutId id="2147483680" r:id="rId7"/>
-    <p:sldLayoutId id="2147483681" r:id="rId8"/>
-    <p:sldLayoutId id="2147483682" r:id="rId9"/>
-    <p:sldLayoutId id="2147483683" r:id="rId10"/>
-    <p:sldLayoutId id="2147483684" r:id="rId11"/>
-    <p:sldLayoutId id="2147483685" r:id="rId12"/>
-    <p:sldLayoutId id="2147483686" r:id="rId13"/>
+    <p:sldLayoutId id="2147483675" r:id="rId1"/>
+    <p:sldLayoutId id="2147483676" r:id="rId2"/>
+    <p:sldLayoutId id="2147483677" r:id="rId3"/>
+    <p:sldLayoutId id="2147483678" r:id="rId4"/>
+    <p:sldLayoutId id="2147483679" r:id="rId5"/>
+    <p:sldLayoutId id="2147483680" r:id="rId6"/>
+    <p:sldLayoutId id="2147483681" r:id="rId7"/>
+    <p:sldLayoutId id="2147483682" r:id="rId8"/>
+    <p:sldLayoutId id="2147483683" r:id="rId9"/>
+    <p:sldLayoutId id="2147483684" r:id="rId10"/>
+    <p:sldLayoutId id="2147483685" r:id="rId11"/>
+    <p:sldLayoutId id="2147483686" r:id="rId12"/>
   </p:sldLayoutIdLst>
+  <p:txStyles>
+    <p:titleStyle>
+      <a:lvl1pPr algn="l" defTabSz="914400" rtl="0" eaLnBrk="1" latinLnBrk="0" hangingPunct="1">
+        <a:lnSpc>
+          <a:spcPct val="90000"/>
+        </a:lnSpc>
+        <a:spcBef>
+          <a:spcPct val="0"/>
+        </a:spcBef>
+        <a:buNone/>
+        <a:defRPr sz="4400" kern="1200">
+          <a:solidFill>
+            <a:schemeClr val="tx1"/>
+          </a:solidFill>
+          <a:latin typeface="+mj-lt"/>
+          <a:ea typeface="+mj-ea"/>
+          <a:cs typeface="+mj-cs"/>
+        </a:defRPr>
+      </a:lvl1pPr>
+    </p:titleStyle>
+    <p:bodyStyle>
+      <a:lvl1pPr marL="228600" indent="-228600" algn="l" defTabSz="914400" rtl="0" eaLnBrk="1" latinLnBrk="0" hangingPunct="1">
+        <a:lnSpc>
+          <a:spcPct val="90000"/>
+        </a:lnSpc>
+        <a:spcBef>
+          <a:spcPts val="1000"/>
+        </a:spcBef>
+        <a:buFont typeface="Arial" panose="020B0604020202020204" pitchFamily="34" charset="0"/>
+        <a:buChar char="•"/>
+        <a:defRPr sz="2800" kern="1200">
+          <a:solidFill>
+            <a:schemeClr val="tx1"/>
+          </a:solidFill>
+          <a:latin typeface="+mn-lt"/>
+          <a:ea typeface="+mn-ea"/>
+          <a:cs typeface="+mn-cs"/>
+        </a:defRPr>
+      </a:lvl1pPr>
+      <a:lvl2pPr marL="685800" indent="-228600" algn="l" defTabSz="914400" rtl="0" eaLnBrk="1" latinLnBrk="0" hangingPunct="1">
+        <a:lnSpc>
+          <a:spcPct val="90000"/>
+        </a:lnSpc>
+        <a:spcBef>
+          <a:spcPts val="500"/>
+        </a:spcBef>
+        <a:buFont typeface="Arial" panose="020B0604020202020204" pitchFamily="34" charset="0"/>
+        <a:buChar char="•"/>
+        <a:defRPr sz="2400" kern="1200">
+          <a:solidFill>
+            <a:schemeClr val="tx1"/>
+          </a:solidFill>
+          <a:latin typeface="+mn-lt"/>
+          <a:ea typeface="+mn-ea"/>
+          <a:cs typeface="+mn-cs"/>
+        </a:defRPr>
+      </a:lvl2pPr>
+      <a:lvl3pPr marL="1143000" indent="-228600" algn="l" defTabSz="914400" rtl="0" eaLnBrk="1" latinLnBrk="0" hangingPunct="1">
+        <a:lnSpc>
+          <a:spcPct val="90000"/>
+        </a:lnSpc>
+        <a:spcBef>
+          <a:spcPts val="500"/>
+        </a:spcBef>
+        <a:buFont typeface="Arial" panose="020B0604020202020204" pitchFamily="34" charset="0"/>
+        <a:buChar char="•"/>
+        <a:defRPr sz="2000" kern="1200">
+          <a:solidFill>
+            <a:schemeClr val="tx1"/>
+          </a:solidFill>
+          <a:latin typeface="+mn-lt"/>
+          <a:ea typeface="+mn-ea"/>
+          <a:cs typeface="+mn-cs"/>
+        </a:defRPr>
+      </a:lvl3pPr>
+      <a:lvl4pPr marL="1600200" indent="-228600" algn="l" defTabSz="914400" rtl="0" eaLnBrk="1" latinLnBrk="0" hangingPunct="1">
+        <a:lnSpc>
+          <a:spcPct val="90000"/>
+        </a:lnSpc>
+        <a:spcBef>
+          <a:spcPts val="500"/>
+        </a:spcBef>
+        <a:buFont typeface="Arial" panose="020B0604020202020204" pitchFamily="34" charset="0"/>
+        <a:buChar char="•"/>
+        <a:defRPr sz="1800" kern="1200">
+          <a:solidFill>
+            <a:schemeClr val="tx1"/>
+          </a:solidFill>
+          <a:latin typeface="+mn-lt"/>
+          <a:ea typeface="+mn-ea"/>
+          <a:cs typeface="+mn-cs"/>
+        </a:defRPr>
+      </a:lvl4pPr>
+      <a:lvl5pPr marL="2057400" indent="-228600" algn="l" defTabSz="914400" rtl="0" eaLnBrk="1" latinLnBrk="0" hangingPunct="1">
+        <a:lnSpc>
+          <a:spcPct val="90000"/>
+        </a:lnSpc>
+        <a:spcBef>
+          <a:spcPts val="500"/>
+        </a:spcBef>
+        <a:buFont typeface="Arial" panose="020B0604020202020204" pitchFamily="34" charset="0"/>
+        <a:buChar char="•"/>
+        <a:defRPr sz="1800" kern="1200">
+          <a:solidFill>
+            <a:schemeClr val="tx1"/>
+          </a:solidFill>
+          <a:latin typeface="+mn-lt"/>
+          <a:ea typeface="+mn-ea"/>
+          <a:cs typeface="+mn-cs"/>
+        </a:defRPr>
+      </a:lvl5pPr>
+      <a:lvl6pPr marL="2514600" indent="-228600" algn="l" defTabSz="914400" rtl="0" eaLnBrk="1" latinLnBrk="0" hangingPunct="1">
+        <a:lnSpc>
+          <a:spcPct val="90000"/>
+        </a:lnSpc>
+        <a:spcBef>
+          <a:spcPts val="500"/>
+        </a:spcBef>
+        <a:buFont typeface="Arial" panose="020B0604020202020204" pitchFamily="34" charset="0"/>
+        <a:buChar char="•"/>
+        <a:defRPr sz="1800" kern="1200">
+          <a:solidFill>
+            <a:schemeClr val="tx1"/>
+          </a:solidFill>
+          <a:latin typeface="+mn-lt"/>
+          <a:ea typeface="+mn-ea"/>
+          <a:cs typeface="+mn-cs"/>
+        </a:defRPr>
+      </a:lvl6pPr>
+      <a:lvl7pPr marL="2971800" indent="-228600" algn="l" defTabSz="914400" rtl="0" eaLnBrk="1" latinLnBrk="0" hangingPunct="1">
+        <a:lnSpc>
+          <a:spcPct val="90000"/>
+        </a:lnSpc>
+        <a:spcBef>
+          <a:spcPts val="500"/>
+        </a:spcBef>
+        <a:buFont typeface="Arial" panose="020B0604020202020204" pitchFamily="34" charset="0"/>
+        <a:buChar char="•"/>
+        <a:defRPr sz="1800" kern="1200">
+          <a:solidFill>
+            <a:schemeClr val="tx1"/>
+          </a:solidFill>
+          <a:latin typeface="+mn-lt"/>
+          <a:ea typeface="+mn-ea"/>
+          <a:cs typeface="+mn-cs"/>
+        </a:defRPr>
+      </a:lvl7pPr>
+      <a:lvl8pPr marL="3429000" indent="-228600" algn="l" defTabSz="914400" rtl="0" eaLnBrk="1" latinLnBrk="0" hangingPunct="1">
+        <a:lnSpc>
+          <a:spcPct val="90000"/>
+        </a:lnSpc>
+        <a:spcBef>
+          <a:spcPts val="500"/>
+        </a:spcBef>
+        <a:buFont typeface="Arial" panose="020B0604020202020204" pitchFamily="34" charset="0"/>
+        <a:buChar char="•"/>
+        <a:defRPr sz="1800" kern="1200">
+          <a:solidFill>
+            <a:schemeClr val="tx1"/>
+          </a:solidFill>
+          <a:latin typeface="+mn-lt"/>
+          <a:ea typeface="+mn-ea"/>
+          <a:cs typeface="+mn-cs"/>
+        </a:defRPr>
+      </a:lvl8pPr>
+      <a:lvl9pPr marL="3886200" indent="-228600" algn="l" defTabSz="914400" rtl="0" eaLnBrk="1" latinLnBrk="0" hangingPunct="1">
+        <a:lnSpc>
+          <a:spcPct val="90000"/>
+        </a:lnSpc>
+        <a:spcBef>
+          <a:spcPts val="500"/>
+        </a:spcBef>
+        <a:buFont typeface="Arial" panose="020B0604020202020204" pitchFamily="34" charset="0"/>
+        <a:buChar char="•"/>
+        <a:defRPr sz="1800" kern="1200">
+          <a:solidFill>
+            <a:schemeClr val="tx1"/>
+          </a:solidFill>
+          <a:latin typeface="+mn-lt"/>
+          <a:ea typeface="+mn-ea"/>
+          <a:cs typeface="+mn-cs"/>
+        </a:defRPr>
+      </a:lvl9pPr>
+    </p:bodyStyle>
+    <p:otherStyle>
+      <a:defPPr>
+        <a:defRPr lang="en-US"/>
+      </a:defPPr>
+      <a:lvl1pPr marL="0" algn="l" defTabSz="914400" rtl="0" eaLnBrk="1" latinLnBrk="0" hangingPunct="1">
+        <a:defRPr sz="1800" kern="1200">
+          <a:solidFill>
+            <a:schemeClr val="tx1"/>
+          </a:solidFill>
+          <a:latin typeface="+mn-lt"/>
+          <a:ea typeface="+mn-ea"/>
+          <a:cs typeface="+mn-cs"/>
+        </a:defRPr>
+      </a:lvl1pPr>
+      <a:lvl2pPr marL="457200" algn="l" defTabSz="914400" rtl="0" eaLnBrk="1" latinLnBrk="0" hangingPunct="1">
+        <a:defRPr sz="1800" kern="1200">
+          <a:solidFill>
+            <a:schemeClr val="tx1"/>
+          </a:solidFill>
+          <a:latin typeface="+mn-lt"/>
+          <a:ea typeface="+mn-ea"/>
+          <a:cs typeface="+mn-cs"/>
+        </a:defRPr>
+      </a:lvl2pPr>
+      <a:lvl3pPr marL="914400" algn="l" defTabSz="914400" rtl="0" eaLnBrk="1" latinLnBrk="0" hangingPunct="1">
+        <a:defRPr sz="1800" kern="1200">
+          <a:solidFill>
+            <a:schemeClr val="tx1"/>
+          </a:solidFill>
+          <a:latin typeface="+mn-lt"/>
+          <a:ea typeface="+mn-ea"/>
+          <a:cs typeface="+mn-cs"/>
+        </a:defRPr>
+      </a:lvl3pPr>
+      <a:lvl4pPr marL="1371600" algn="l" defTabSz="914400" rtl="0" eaLnBrk="1" latinLnBrk="0" hangingPunct="1">
+        <a:defRPr sz="1800" kern="1200">
+          <a:solidFill>
+            <a:schemeClr val="tx1"/>
+          </a:solidFill>
+          <a:latin typeface="+mn-lt"/>
+          <a:ea typeface="+mn-ea"/>
+          <a:cs typeface="+mn-cs"/>
+        </a:defRPr>
+      </a:lvl4pPr>
+      <a:lvl5pPr marL="1828800" algn="l" defTabSz="914400" rtl="0" eaLnBrk="1" latinLnBrk="0" hangingPunct="1">
+        <a:defRPr sz="1800" kern="1200">
+          <a:solidFill>
+            <a:schemeClr val="tx1"/>
+          </a:solidFill>
+          <a:latin typeface="+mn-lt"/>
+          <a:ea typeface="+mn-ea"/>
+          <a:cs typeface="+mn-cs"/>
+        </a:defRPr>
+      </a:lvl5pPr>
+      <a:lvl6pPr marL="2286000" algn="l" defTabSz="914400" rtl="0" eaLnBrk="1" latinLnBrk="0" hangingPunct="1">
+        <a:defRPr sz="1800" kern="1200">
+          <a:solidFill>
+            <a:schemeClr val="tx1"/>
+          </a:solidFill>
+          <a:latin typeface="+mn-lt"/>
+          <a:ea typeface="+mn-ea"/>
+          <a:cs typeface="+mn-cs"/>
+        </a:defRPr>
+      </a:lvl6pPr>
+      <a:lvl7pPr marL="2743200" algn="l" defTabSz="914400" rtl="0" eaLnBrk="1" latinLnBrk="0" hangingPunct="1">
+        <a:defRPr sz="1800" kern="1200">
+          <a:solidFill>
+            <a:schemeClr val="tx1"/>
+          </a:solidFill>
+          <a:latin typeface="+mn-lt"/>
+          <a:ea typeface="+mn-ea"/>
+          <a:cs typeface="+mn-cs"/>
+        </a:defRPr>
+      </a:lvl7pPr>
+      <a:lvl8pPr marL="3200400" algn="l" defTabSz="914400" rtl="0" eaLnBrk="1" latinLnBrk="0" hangingPunct="1">
+        <a:defRPr sz="1800" kern="1200">
+          <a:solidFill>
+            <a:schemeClr val="tx1"/>
+          </a:solidFill>
+          <a:latin typeface="+mn-lt"/>
+          <a:ea typeface="+mn-ea"/>
+          <a:cs typeface="+mn-cs"/>
+        </a:defRPr>
+      </a:lvl8pPr>
+      <a:lvl9pPr marL="3657600" algn="l" defTabSz="914400" rtl="0" eaLnBrk="1" latinLnBrk="0" hangingPunct="1">
+        <a:defRPr sz="1800" kern="1200">
+          <a:solidFill>
+            <a:schemeClr val="tx1"/>
+          </a:solidFill>
+          <a:latin typeface="+mn-lt"/>
+          <a:ea typeface="+mn-ea"/>
+          <a:cs typeface="+mn-cs"/>
+        </a:defRPr>
+      </a:lvl9pPr>
+    </p:otherStyle>
+  </p:txStyles>
 </p:sldMaster>
 </file>
 
 <file path=ppt/slideMasters/slideMaster4.xml><?xml version="1.0" encoding="utf-8"?>
-<p:sldMaster xmlns:a="http://schemas.openxmlformats.org/drawingml/2006/main" xmlns:p="http://schemas.openxmlformats.org/presentationml/2006/main" xmlns:r="http://schemas.openxmlformats.org/officeDocument/2006/relationships" xmlns:p14="http://schemas.microsoft.com/office/powerpoint/2010/main" xmlns:p15="http://schemas.microsoft.com/office/powerpoint/2012/main" xmlns:mc="http://schemas.openxmlformats.org/markup-compatibility/2006">
+<p:sldMaster xmlns:a="http://schemas.openxmlformats.org/drawingml/2006/main" xmlns:r="http://schemas.openxmlformats.org/officeDocument/2006/relationships" xmlns:p="http://schemas.openxmlformats.org/presentationml/2006/main">
   <p:cSld>
     <p:bg>
       <p:bgPr>
         <a:solidFill>
-          <a:srgbClr val="ffffff"/>
+          <a:srgbClr val="FFFFFF"/>
         </a:solidFill>
+        <a:effectLst/>
       </p:bgPr>
     </p:bg>
     <p:spTree>
@@ -6456,20 +7597,18 @@
           </a:prstGeom>
         </p:spPr>
         <p:txBody>
-          <a:bodyPr lIns="0" rIns="0" tIns="0" bIns="0" anchor="ctr">
+          <a:bodyPr lIns="0" tIns="0" rIns="0" bIns="0" anchor="ctr">
             <a:noAutofit/>
           </a:bodyPr>
+          <a:lstStyle/>
           <a:p>
             <a:pPr algn="ctr"/>
             <a:r>
-              <a:rPr b="0" lang="en-US" sz="4400" spc="-1" strike="noStrike">
+              <a:rPr lang="en-US" sz="4400" b="0" strike="noStrike" spc="-1">
                 <a:latin typeface="Arial"/>
               </a:rPr>
               <a:t>Click to edit the title text format</a:t>
             </a:r>
-            <a:endParaRPr b="0" lang="en-US" sz="4400" spc="-1" strike="noStrike">
-              <a:latin typeface="Arial"/>
-            </a:endParaRPr>
           </a:p>
         </p:txBody>
       </p:sp>
@@ -6493,9 +7632,10 @@
           </a:prstGeom>
         </p:spPr>
         <p:txBody>
-          <a:bodyPr lIns="0" rIns="0" tIns="0" bIns="0">
+          <a:bodyPr lIns="0" tIns="0" rIns="0" bIns="0">
             <a:normAutofit/>
           </a:bodyPr>
+          <a:lstStyle/>
           <a:p>
             <a:pPr marL="432000" indent="-324000">
               <a:spcBef>
@@ -6509,17 +7649,14 @@
               <a:buChar char=""/>
             </a:pPr>
             <a:r>
-              <a:rPr b="0" lang="en-US" sz="3200" spc="-1" strike="noStrike">
+              <a:rPr lang="en-US" sz="3200" b="0" strike="noStrike" spc="-1">
                 <a:latin typeface="Arial"/>
               </a:rPr>
               <a:t>Click to edit the outline text format</a:t>
             </a:r>
-            <a:endParaRPr b="0" lang="en-US" sz="3200" spc="-1" strike="noStrike">
-              <a:latin typeface="Arial"/>
-            </a:endParaRPr>
-          </a:p>
-          <a:p>
-            <a:pPr lvl="1" marL="864000" indent="-324000">
+          </a:p>
+          <a:p>
+            <a:pPr marL="864000" lvl="1" indent="-324000">
               <a:spcBef>
                 <a:spcPts val="1134"/>
               </a:spcBef>
@@ -6531,17 +7668,14 @@
               <a:buChar char=""/>
             </a:pPr>
             <a:r>
-              <a:rPr b="0" lang="en-US" sz="2800" spc="-1" strike="noStrike">
+              <a:rPr lang="en-US" sz="2800" b="0" strike="noStrike" spc="-1">
                 <a:latin typeface="Arial"/>
               </a:rPr>
               <a:t>Second Outline Level</a:t>
             </a:r>
-            <a:endParaRPr b="0" lang="en-US" sz="2800" spc="-1" strike="noStrike">
-              <a:latin typeface="Arial"/>
-            </a:endParaRPr>
-          </a:p>
-          <a:p>
-            <a:pPr lvl="2" marL="1296000" indent="-288000">
+          </a:p>
+          <a:p>
+            <a:pPr marL="1296000" lvl="2" indent="-288000">
               <a:spcBef>
                 <a:spcPts val="850"/>
               </a:spcBef>
@@ -6553,17 +7687,14 @@
               <a:buChar char=""/>
             </a:pPr>
             <a:r>
-              <a:rPr b="0" lang="en-US" sz="2400" spc="-1" strike="noStrike">
+              <a:rPr lang="en-US" sz="2400" b="0" strike="noStrike" spc="-1">
                 <a:latin typeface="Arial"/>
               </a:rPr>
               <a:t>Third Outline Level</a:t>
             </a:r>
-            <a:endParaRPr b="0" lang="en-US" sz="2400" spc="-1" strike="noStrike">
-              <a:latin typeface="Arial"/>
-            </a:endParaRPr>
-          </a:p>
-          <a:p>
-            <a:pPr lvl="3" marL="1728000" indent="-216000">
+          </a:p>
+          <a:p>
+            <a:pPr marL="1728000" lvl="3" indent="-216000">
               <a:spcBef>
                 <a:spcPts val="567"/>
               </a:spcBef>
@@ -6575,17 +7706,14 @@
               <a:buChar char=""/>
             </a:pPr>
             <a:r>
-              <a:rPr b="0" lang="en-US" sz="2000" spc="-1" strike="noStrike">
+              <a:rPr lang="en-US" sz="2000" b="0" strike="noStrike" spc="-1">
                 <a:latin typeface="Arial"/>
               </a:rPr>
               <a:t>Fourth Outline Level</a:t>
             </a:r>
-            <a:endParaRPr b="0" lang="en-US" sz="2000" spc="-1" strike="noStrike">
-              <a:latin typeface="Arial"/>
-            </a:endParaRPr>
-          </a:p>
-          <a:p>
-            <a:pPr lvl="4" marL="2160000" indent="-216000">
+          </a:p>
+          <a:p>
+            <a:pPr marL="2160000" lvl="4" indent="-216000">
               <a:spcBef>
                 <a:spcPts val="283"/>
               </a:spcBef>
@@ -6597,17 +7725,14 @@
               <a:buChar char=""/>
             </a:pPr>
             <a:r>
-              <a:rPr b="0" lang="en-US" sz="2000" spc="-1" strike="noStrike">
+              <a:rPr lang="en-US" sz="2000" b="0" strike="noStrike" spc="-1">
                 <a:latin typeface="Arial"/>
               </a:rPr>
               <a:t>Fifth Outline Level</a:t>
             </a:r>
-            <a:endParaRPr b="0" lang="en-US" sz="2000" spc="-1" strike="noStrike">
-              <a:latin typeface="Arial"/>
-            </a:endParaRPr>
-          </a:p>
-          <a:p>
-            <a:pPr lvl="5" marL="2592000" indent="-216000">
+          </a:p>
+          <a:p>
+            <a:pPr marL="2592000" lvl="5" indent="-216000">
               <a:spcBef>
                 <a:spcPts val="283"/>
               </a:spcBef>
@@ -6619,17 +7744,14 @@
               <a:buChar char=""/>
             </a:pPr>
             <a:r>
-              <a:rPr b="0" lang="en-US" sz="2000" spc="-1" strike="noStrike">
+              <a:rPr lang="en-US" sz="2000" b="0" strike="noStrike" spc="-1">
                 <a:latin typeface="Arial"/>
               </a:rPr>
               <a:t>Sixth Outline Level</a:t>
             </a:r>
-            <a:endParaRPr b="0" lang="en-US" sz="2000" spc="-1" strike="noStrike">
-              <a:latin typeface="Arial"/>
-            </a:endParaRPr>
-          </a:p>
-          <a:p>
-            <a:pPr lvl="6" marL="3024000" indent="-216000">
+          </a:p>
+          <a:p>
+            <a:pPr marL="3024000" lvl="6" indent="-216000">
               <a:spcBef>
                 <a:spcPts val="283"/>
               </a:spcBef>
@@ -6641,39 +7763,316 @@
               <a:buChar char=""/>
             </a:pPr>
             <a:r>
-              <a:rPr b="0" lang="en-US" sz="2000" spc="-1" strike="noStrike">
+              <a:rPr lang="en-US" sz="2000" b="0" strike="noStrike" spc="-1">
                 <a:latin typeface="Arial"/>
               </a:rPr>
               <a:t>Seventh Outline Level</a:t>
             </a:r>
-            <a:endParaRPr b="0" lang="en-US" sz="2000" spc="-1" strike="noStrike">
-              <a:latin typeface="Arial"/>
-            </a:endParaRPr>
           </a:p>
         </p:txBody>
       </p:sp>
     </p:spTree>
   </p:cSld>
-  <p:clrMap bg1="lt1" bg2="lt2" tx1="dk1" tx2="dk2" accent1="accent1" accent2="accent2" accent3="accent3" accent4="accent4" accent5="accent5" accent6="accent6" hlink="hlink" folHlink="folHlink"/>
+  <p:clrMap bg1="lt1" tx1="dk1" bg2="lt2" tx2="dk2" accent1="accent1" accent2="accent2" accent3="accent3" accent4="accent4" accent5="accent5" accent6="accent6" hlink="hlink" folHlink="folHlink"/>
   <p:sldLayoutIdLst>
-    <p:sldLayoutId id="2147483688" r:id="rId2"/>
-    <p:sldLayoutId id="2147483689" r:id="rId3"/>
-    <p:sldLayoutId id="2147483690" r:id="rId4"/>
-    <p:sldLayoutId id="2147483691" r:id="rId5"/>
-    <p:sldLayoutId id="2147483692" r:id="rId6"/>
-    <p:sldLayoutId id="2147483693" r:id="rId7"/>
-    <p:sldLayoutId id="2147483694" r:id="rId8"/>
-    <p:sldLayoutId id="2147483695" r:id="rId9"/>
-    <p:sldLayoutId id="2147483696" r:id="rId10"/>
-    <p:sldLayoutId id="2147483697" r:id="rId11"/>
-    <p:sldLayoutId id="2147483698" r:id="rId12"/>
-    <p:sldLayoutId id="2147483699" r:id="rId13"/>
+    <p:sldLayoutId id="2147483688" r:id="rId1"/>
+    <p:sldLayoutId id="2147483689" r:id="rId2"/>
+    <p:sldLayoutId id="2147483690" r:id="rId3"/>
+    <p:sldLayoutId id="2147483691" r:id="rId4"/>
+    <p:sldLayoutId id="2147483692" r:id="rId5"/>
+    <p:sldLayoutId id="2147483693" r:id="rId6"/>
+    <p:sldLayoutId id="2147483694" r:id="rId7"/>
+    <p:sldLayoutId id="2147483695" r:id="rId8"/>
+    <p:sldLayoutId id="2147483696" r:id="rId9"/>
+    <p:sldLayoutId id="2147483697" r:id="rId10"/>
+    <p:sldLayoutId id="2147483698" r:id="rId11"/>
+    <p:sldLayoutId id="2147483699" r:id="rId12"/>
   </p:sldLayoutIdLst>
+  <p:txStyles>
+    <p:titleStyle>
+      <a:lvl1pPr algn="l" defTabSz="914400" rtl="0" eaLnBrk="1" latinLnBrk="0" hangingPunct="1">
+        <a:lnSpc>
+          <a:spcPct val="90000"/>
+        </a:lnSpc>
+        <a:spcBef>
+          <a:spcPct val="0"/>
+        </a:spcBef>
+        <a:buNone/>
+        <a:defRPr sz="4400" kern="1200">
+          <a:solidFill>
+            <a:schemeClr val="tx1"/>
+          </a:solidFill>
+          <a:latin typeface="+mj-lt"/>
+          <a:ea typeface="+mj-ea"/>
+          <a:cs typeface="+mj-cs"/>
+        </a:defRPr>
+      </a:lvl1pPr>
+    </p:titleStyle>
+    <p:bodyStyle>
+      <a:lvl1pPr marL="228600" indent="-228600" algn="l" defTabSz="914400" rtl="0" eaLnBrk="1" latinLnBrk="0" hangingPunct="1">
+        <a:lnSpc>
+          <a:spcPct val="90000"/>
+        </a:lnSpc>
+        <a:spcBef>
+          <a:spcPts val="1000"/>
+        </a:spcBef>
+        <a:buFont typeface="Arial" panose="020B0604020202020204" pitchFamily="34" charset="0"/>
+        <a:buChar char="•"/>
+        <a:defRPr sz="2800" kern="1200">
+          <a:solidFill>
+            <a:schemeClr val="tx1"/>
+          </a:solidFill>
+          <a:latin typeface="+mn-lt"/>
+          <a:ea typeface="+mn-ea"/>
+          <a:cs typeface="+mn-cs"/>
+        </a:defRPr>
+      </a:lvl1pPr>
+      <a:lvl2pPr marL="685800" indent="-228600" algn="l" defTabSz="914400" rtl="0" eaLnBrk="1" latinLnBrk="0" hangingPunct="1">
+        <a:lnSpc>
+          <a:spcPct val="90000"/>
+        </a:lnSpc>
+        <a:spcBef>
+          <a:spcPts val="500"/>
+        </a:spcBef>
+        <a:buFont typeface="Arial" panose="020B0604020202020204" pitchFamily="34" charset="0"/>
+        <a:buChar char="•"/>
+        <a:defRPr sz="2400" kern="1200">
+          <a:solidFill>
+            <a:schemeClr val="tx1"/>
+          </a:solidFill>
+          <a:latin typeface="+mn-lt"/>
+          <a:ea typeface="+mn-ea"/>
+          <a:cs typeface="+mn-cs"/>
+        </a:defRPr>
+      </a:lvl2pPr>
+      <a:lvl3pPr marL="1143000" indent="-228600" algn="l" defTabSz="914400" rtl="0" eaLnBrk="1" latinLnBrk="0" hangingPunct="1">
+        <a:lnSpc>
+          <a:spcPct val="90000"/>
+        </a:lnSpc>
+        <a:spcBef>
+          <a:spcPts val="500"/>
+        </a:spcBef>
+        <a:buFont typeface="Arial" panose="020B0604020202020204" pitchFamily="34" charset="0"/>
+        <a:buChar char="•"/>
+        <a:defRPr sz="2000" kern="1200">
+          <a:solidFill>
+            <a:schemeClr val="tx1"/>
+          </a:solidFill>
+          <a:latin typeface="+mn-lt"/>
+          <a:ea typeface="+mn-ea"/>
+          <a:cs typeface="+mn-cs"/>
+        </a:defRPr>
+      </a:lvl3pPr>
+      <a:lvl4pPr marL="1600200" indent="-228600" algn="l" defTabSz="914400" rtl="0" eaLnBrk="1" latinLnBrk="0" hangingPunct="1">
+        <a:lnSpc>
+          <a:spcPct val="90000"/>
+        </a:lnSpc>
+        <a:spcBef>
+          <a:spcPts val="500"/>
+        </a:spcBef>
+        <a:buFont typeface="Arial" panose="020B0604020202020204" pitchFamily="34" charset="0"/>
+        <a:buChar char="•"/>
+        <a:defRPr sz="1800" kern="1200">
+          <a:solidFill>
+            <a:schemeClr val="tx1"/>
+          </a:solidFill>
+          <a:latin typeface="+mn-lt"/>
+          <a:ea typeface="+mn-ea"/>
+          <a:cs typeface="+mn-cs"/>
+        </a:defRPr>
+      </a:lvl4pPr>
+      <a:lvl5pPr marL="2057400" indent="-228600" algn="l" defTabSz="914400" rtl="0" eaLnBrk="1" latinLnBrk="0" hangingPunct="1">
+        <a:lnSpc>
+          <a:spcPct val="90000"/>
+        </a:lnSpc>
+        <a:spcBef>
+          <a:spcPts val="500"/>
+        </a:spcBef>
+        <a:buFont typeface="Arial" panose="020B0604020202020204" pitchFamily="34" charset="0"/>
+        <a:buChar char="•"/>
+        <a:defRPr sz="1800" kern="1200">
+          <a:solidFill>
+            <a:schemeClr val="tx1"/>
+          </a:solidFill>
+          <a:latin typeface="+mn-lt"/>
+          <a:ea typeface="+mn-ea"/>
+          <a:cs typeface="+mn-cs"/>
+        </a:defRPr>
+      </a:lvl5pPr>
+      <a:lvl6pPr marL="2514600" indent="-228600" algn="l" defTabSz="914400" rtl="0" eaLnBrk="1" latinLnBrk="0" hangingPunct="1">
+        <a:lnSpc>
+          <a:spcPct val="90000"/>
+        </a:lnSpc>
+        <a:spcBef>
+          <a:spcPts val="500"/>
+        </a:spcBef>
+        <a:buFont typeface="Arial" panose="020B0604020202020204" pitchFamily="34" charset="0"/>
+        <a:buChar char="•"/>
+        <a:defRPr sz="1800" kern="1200">
+          <a:solidFill>
+            <a:schemeClr val="tx1"/>
+          </a:solidFill>
+          <a:latin typeface="+mn-lt"/>
+          <a:ea typeface="+mn-ea"/>
+          <a:cs typeface="+mn-cs"/>
+        </a:defRPr>
+      </a:lvl6pPr>
+      <a:lvl7pPr marL="2971800" indent="-228600" algn="l" defTabSz="914400" rtl="0" eaLnBrk="1" latinLnBrk="0" hangingPunct="1">
+        <a:lnSpc>
+          <a:spcPct val="90000"/>
+        </a:lnSpc>
+        <a:spcBef>
+          <a:spcPts val="500"/>
+        </a:spcBef>
+        <a:buFont typeface="Arial" panose="020B0604020202020204" pitchFamily="34" charset="0"/>
+        <a:buChar char="•"/>
+        <a:defRPr sz="1800" kern="1200">
+          <a:solidFill>
+            <a:schemeClr val="tx1"/>
+          </a:solidFill>
+          <a:latin typeface="+mn-lt"/>
+          <a:ea typeface="+mn-ea"/>
+          <a:cs typeface="+mn-cs"/>
+        </a:defRPr>
+      </a:lvl7pPr>
+      <a:lvl8pPr marL="3429000" indent="-228600" algn="l" defTabSz="914400" rtl="0" eaLnBrk="1" latinLnBrk="0" hangingPunct="1">
+        <a:lnSpc>
+          <a:spcPct val="90000"/>
+        </a:lnSpc>
+        <a:spcBef>
+          <a:spcPts val="500"/>
+        </a:spcBef>
+        <a:buFont typeface="Arial" panose="020B0604020202020204" pitchFamily="34" charset="0"/>
+        <a:buChar char="•"/>
+        <a:defRPr sz="1800" kern="1200">
+          <a:solidFill>
+            <a:schemeClr val="tx1"/>
+          </a:solidFill>
+          <a:latin typeface="+mn-lt"/>
+          <a:ea typeface="+mn-ea"/>
+          <a:cs typeface="+mn-cs"/>
+        </a:defRPr>
+      </a:lvl8pPr>
+      <a:lvl9pPr marL="3886200" indent="-228600" algn="l" defTabSz="914400" rtl="0" eaLnBrk="1" latinLnBrk="0" hangingPunct="1">
+        <a:lnSpc>
+          <a:spcPct val="90000"/>
+        </a:lnSpc>
+        <a:spcBef>
+          <a:spcPts val="500"/>
+        </a:spcBef>
+        <a:buFont typeface="Arial" panose="020B0604020202020204" pitchFamily="34" charset="0"/>
+        <a:buChar char="•"/>
+        <a:defRPr sz="1800" kern="1200">
+          <a:solidFill>
+            <a:schemeClr val="tx1"/>
+          </a:solidFill>
+          <a:latin typeface="+mn-lt"/>
+          <a:ea typeface="+mn-ea"/>
+          <a:cs typeface="+mn-cs"/>
+        </a:defRPr>
+      </a:lvl9pPr>
+    </p:bodyStyle>
+    <p:otherStyle>
+      <a:defPPr>
+        <a:defRPr lang="en-US"/>
+      </a:defPPr>
+      <a:lvl1pPr marL="0" algn="l" defTabSz="914400" rtl="0" eaLnBrk="1" latinLnBrk="0" hangingPunct="1">
+        <a:defRPr sz="1800" kern="1200">
+          <a:solidFill>
+            <a:schemeClr val="tx1"/>
+          </a:solidFill>
+          <a:latin typeface="+mn-lt"/>
+          <a:ea typeface="+mn-ea"/>
+          <a:cs typeface="+mn-cs"/>
+        </a:defRPr>
+      </a:lvl1pPr>
+      <a:lvl2pPr marL="457200" algn="l" defTabSz="914400" rtl="0" eaLnBrk="1" latinLnBrk="0" hangingPunct="1">
+        <a:defRPr sz="1800" kern="1200">
+          <a:solidFill>
+            <a:schemeClr val="tx1"/>
+          </a:solidFill>
+          <a:latin typeface="+mn-lt"/>
+          <a:ea typeface="+mn-ea"/>
+          <a:cs typeface="+mn-cs"/>
+        </a:defRPr>
+      </a:lvl2pPr>
+      <a:lvl3pPr marL="914400" algn="l" defTabSz="914400" rtl="0" eaLnBrk="1" latinLnBrk="0" hangingPunct="1">
+        <a:defRPr sz="1800" kern="1200">
+          <a:solidFill>
+            <a:schemeClr val="tx1"/>
+          </a:solidFill>
+          <a:latin typeface="+mn-lt"/>
+          <a:ea typeface="+mn-ea"/>
+          <a:cs typeface="+mn-cs"/>
+        </a:defRPr>
+      </a:lvl3pPr>
+      <a:lvl4pPr marL="1371600" algn="l" defTabSz="914400" rtl="0" eaLnBrk="1" latinLnBrk="0" hangingPunct="1">
+        <a:defRPr sz="1800" kern="1200">
+          <a:solidFill>
+            <a:schemeClr val="tx1"/>
+          </a:solidFill>
+          <a:latin typeface="+mn-lt"/>
+          <a:ea typeface="+mn-ea"/>
+          <a:cs typeface="+mn-cs"/>
+        </a:defRPr>
+      </a:lvl4pPr>
+      <a:lvl5pPr marL="1828800" algn="l" defTabSz="914400" rtl="0" eaLnBrk="1" latinLnBrk="0" hangingPunct="1">
+        <a:defRPr sz="1800" kern="1200">
+          <a:solidFill>
+            <a:schemeClr val="tx1"/>
+          </a:solidFill>
+          <a:latin typeface="+mn-lt"/>
+          <a:ea typeface="+mn-ea"/>
+          <a:cs typeface="+mn-cs"/>
+        </a:defRPr>
+      </a:lvl5pPr>
+      <a:lvl6pPr marL="2286000" algn="l" defTabSz="914400" rtl="0" eaLnBrk="1" latinLnBrk="0" hangingPunct="1">
+        <a:defRPr sz="1800" kern="1200">
+          <a:solidFill>
+            <a:schemeClr val="tx1"/>
+          </a:solidFill>
+          <a:latin typeface="+mn-lt"/>
+          <a:ea typeface="+mn-ea"/>
+          <a:cs typeface="+mn-cs"/>
+        </a:defRPr>
+      </a:lvl6pPr>
+      <a:lvl7pPr marL="2743200" algn="l" defTabSz="914400" rtl="0" eaLnBrk="1" latinLnBrk="0" hangingPunct="1">
+        <a:defRPr sz="1800" kern="1200">
+          <a:solidFill>
+            <a:schemeClr val="tx1"/>
+          </a:solidFill>
+          <a:latin typeface="+mn-lt"/>
+          <a:ea typeface="+mn-ea"/>
+          <a:cs typeface="+mn-cs"/>
+        </a:defRPr>
+      </a:lvl7pPr>
+      <a:lvl8pPr marL="3200400" algn="l" defTabSz="914400" rtl="0" eaLnBrk="1" latinLnBrk="0" hangingPunct="1">
+        <a:defRPr sz="1800" kern="1200">
+          <a:solidFill>
+            <a:schemeClr val="tx1"/>
+          </a:solidFill>
+          <a:latin typeface="+mn-lt"/>
+          <a:ea typeface="+mn-ea"/>
+          <a:cs typeface="+mn-cs"/>
+        </a:defRPr>
+      </a:lvl8pPr>
+      <a:lvl9pPr marL="3657600" algn="l" defTabSz="914400" rtl="0" eaLnBrk="1" latinLnBrk="0" hangingPunct="1">
+        <a:defRPr sz="1800" kern="1200">
+          <a:solidFill>
+            <a:schemeClr val="tx1"/>
+          </a:solidFill>
+          <a:latin typeface="+mn-lt"/>
+          <a:ea typeface="+mn-ea"/>
+          <a:cs typeface="+mn-cs"/>
+        </a:defRPr>
+      </a:lvl9pPr>
+    </p:otherStyle>
+  </p:txStyles>
 </p:sldMaster>
 </file>
 
 <file path=ppt/slides/slide1.xml><?xml version="1.0" encoding="utf-8"?>
-<p:sld xmlns:a="http://schemas.openxmlformats.org/drawingml/2006/main" xmlns:p="http://schemas.openxmlformats.org/presentationml/2006/main" xmlns:r="http://schemas.openxmlformats.org/officeDocument/2006/relationships" xmlns:p14="http://schemas.microsoft.com/office/powerpoint/2010/main" xmlns:p15="http://schemas.microsoft.com/office/powerpoint/2012/main" xmlns:mc="http://schemas.openxmlformats.org/markup-compatibility/2006">
+<p:sld xmlns:a="http://schemas.openxmlformats.org/drawingml/2006/main" xmlns:r="http://schemas.openxmlformats.org/officeDocument/2006/relationships" xmlns:p="http://schemas.openxmlformats.org/presentationml/2006/main">
   <p:cSld>
     <p:spTree>
       <p:nvGrpSpPr>
@@ -6709,26 +8108,33 @@
           </a:ln>
         </p:spPr>
         <p:style>
-          <a:lnRef idx="0"/>
-          <a:fillRef idx="0"/>
-          <a:effectRef idx="0"/>
+          <a:lnRef idx="0">
+            <a:scrgbClr r="0" g="0" b="0"/>
+          </a:lnRef>
+          <a:fillRef idx="0">
+            <a:scrgbClr r="0" g="0" b="0"/>
+          </a:fillRef>
+          <a:effectRef idx="0">
+            <a:scrgbClr r="0" g="0" b="0"/>
+          </a:effectRef>
           <a:fontRef idx="minor"/>
         </p:style>
         <p:txBody>
-          <a:bodyPr lIns="90000" rIns="90000" tIns="91440" bIns="91440" anchor="b">
+          <a:bodyPr lIns="90000" tIns="91440" rIns="90000" bIns="91440" anchor="b">
             <a:noAutofit/>
           </a:bodyPr>
+          <a:lstStyle/>
           <a:p>
             <a:pPr algn="ctr">
               <a:lnSpc>
                 <a:spcPct val="100000"/>
               </a:lnSpc>
               <a:tabLst>
-                <a:tab algn="l" pos="0"/>
+                <a:tab pos="0" algn="l"/>
               </a:tabLst>
             </a:pPr>
             <a:r>
-              <a:rPr b="0" lang="en-US" sz="5200" spc="-1" strike="noStrike">
+              <a:rPr lang="en-US" sz="5200" b="0" strike="noStrike" spc="-1">
                 <a:solidFill>
                   <a:srgbClr val="000000"/>
                 </a:solidFill>
@@ -6737,7 +8143,7 @@
               </a:rPr>
               <a:t>CS 4476 Project 2</a:t>
             </a:r>
-            <a:endParaRPr b="0" lang="en-US" sz="5200" spc="-1" strike="noStrike">
+            <a:endParaRPr lang="en-US" sz="5200" b="0" strike="noStrike" spc="-1">
               <a:latin typeface="Arial"/>
             </a:endParaRPr>
           </a:p>
@@ -6763,35 +8169,42 @@
           </a:ln>
         </p:spPr>
         <p:style>
-          <a:lnRef idx="0"/>
-          <a:fillRef idx="0"/>
-          <a:effectRef idx="0"/>
+          <a:lnRef idx="0">
+            <a:scrgbClr r="0" g="0" b="0"/>
+          </a:lnRef>
+          <a:fillRef idx="0">
+            <a:scrgbClr r="0" g="0" b="0"/>
+          </a:fillRef>
+          <a:effectRef idx="0">
+            <a:scrgbClr r="0" g="0" b="0"/>
+          </a:effectRef>
           <a:fontRef idx="minor"/>
         </p:style>
         <p:txBody>
-          <a:bodyPr lIns="90000" rIns="90000" tIns="91440" bIns="91440">
+          <a:bodyPr lIns="90000" tIns="91440" rIns="90000" bIns="91440">
             <a:noAutofit/>
           </a:bodyPr>
+          <a:lstStyle/>
           <a:p>
             <a:pPr algn="ctr">
               <a:lnSpc>
                 <a:spcPct val="100000"/>
               </a:lnSpc>
               <a:tabLst>
-                <a:tab algn="l" pos="0"/>
+                <a:tab pos="0" algn="l"/>
               </a:tabLst>
             </a:pPr>
             <a:r>
-              <a:rPr b="0" lang="en-US" sz="2800" spc="-1" strike="noStrike">
+              <a:rPr lang="en-US" sz="2800" b="0" strike="noStrike" spc="-1" dirty="0">
                 <a:solidFill>
                   <a:srgbClr val="595959"/>
                 </a:solidFill>
                 <a:latin typeface="Arial"/>
                 <a:ea typeface="Arial"/>
               </a:rPr>
-              <a:t>name</a:t>
+              <a:t>Yunqing Jia</a:t>
             </a:r>
-            <a:endParaRPr b="0" lang="en-US" sz="2800" spc="-1" strike="noStrike">
+            <a:endParaRPr lang="en-US" sz="2800" b="0" strike="noStrike" spc="-1" dirty="0">
               <a:latin typeface="Arial"/>
             </a:endParaRPr>
           </a:p>
@@ -6801,20 +8214,23 @@
                 <a:spcPct val="100000"/>
               </a:lnSpc>
               <a:tabLst>
-                <a:tab algn="l" pos="0"/>
+                <a:tab pos="0" algn="l"/>
               </a:tabLst>
             </a:pPr>
             <a:r>
-              <a:rPr b="0" lang="en-US" sz="2800" spc="-1" strike="noStrike">
+              <a:rPr lang="en-US" sz="2800" b="0" strike="noStrike" spc="-1" dirty="0">
                 <a:solidFill>
                   <a:srgbClr val="595959"/>
                 </a:solidFill>
                 <a:latin typeface="Arial"/>
-                <a:ea typeface="Arial"/>
+                <a:hlinkClick r:id="rId2"/>
               </a:rPr>
-              <a:t>GT email</a:t>
+              <a:t>yjia67@gatech.edu</a:t>
             </a:r>
-            <a:endParaRPr b="0" lang="en-US" sz="2800" spc="-1" strike="noStrike">
+            <a:endParaRPr lang="en-US" sz="2800" b="0" strike="noStrike" spc="-1" dirty="0">
+              <a:solidFill>
+                <a:srgbClr val="595959"/>
+              </a:solidFill>
               <a:latin typeface="Arial"/>
             </a:endParaRPr>
           </a:p>
@@ -6824,20 +8240,19 @@
                 <a:spcPct val="100000"/>
               </a:lnSpc>
               <a:tabLst>
-                <a:tab algn="l" pos="0"/>
+                <a:tab pos="0" algn="l"/>
               </a:tabLst>
             </a:pPr>
             <a:r>
-              <a:rPr b="0" lang="en-US" sz="2800" spc="-1" strike="noStrike">
+              <a:rPr lang="en-US" sz="2800" spc="-1" dirty="0">
                 <a:solidFill>
                   <a:srgbClr val="595959"/>
                 </a:solidFill>
                 <a:latin typeface="Arial"/>
-                <a:ea typeface="Arial"/>
               </a:rPr>
-              <a:t>GTID</a:t>
+              <a:t>903256707</a:t>
             </a:r>
-            <a:endParaRPr b="0" lang="en-US" sz="2800" spc="-1" strike="noStrike">
+            <a:endParaRPr lang="en-US" sz="2800" b="0" strike="noStrike" spc="-1" dirty="0">
               <a:latin typeface="Arial"/>
             </a:endParaRPr>
           </a:p>
@@ -6845,19 +8260,14 @@
       </p:sp>
     </p:spTree>
   </p:cSld>
-  <mc:AlternateContent>
-    <mc:Choice Requires="p14">
-      <p:transition spd="slow" p14:dur="2000"/>
-    </mc:Choice>
-    <mc:Fallback>
-      <p:transition spd="slow"/>
-    </mc:Fallback>
-  </mc:AlternateContent>
+  <p:clrMapOvr>
+    <a:masterClrMapping/>
+  </p:clrMapOvr>
 </p:sld>
 </file>
 
 <file path=ppt/slides/slide10.xml><?xml version="1.0" encoding="utf-8"?>
-<p:sld xmlns:a="http://schemas.openxmlformats.org/drawingml/2006/main" xmlns:p="http://schemas.openxmlformats.org/presentationml/2006/main" xmlns:r="http://schemas.openxmlformats.org/officeDocument/2006/relationships" xmlns:p14="http://schemas.microsoft.com/office/powerpoint/2010/main" xmlns:p15="http://schemas.microsoft.com/office/powerpoint/2012/main" xmlns:mc="http://schemas.openxmlformats.org/markup-compatibility/2006">
+<p:sld xmlns:a="http://schemas.openxmlformats.org/drawingml/2006/main" xmlns:r="http://schemas.openxmlformats.org/officeDocument/2006/relationships" xmlns:p="http://schemas.openxmlformats.org/presentationml/2006/main">
   <p:cSld>
     <p:spTree>
       <p:nvGrpSpPr>
@@ -6893,26 +8303,33 @@
           </a:ln>
         </p:spPr>
         <p:style>
-          <a:lnRef idx="0"/>
-          <a:fillRef idx="0"/>
-          <a:effectRef idx="0"/>
+          <a:lnRef idx="0">
+            <a:scrgbClr r="0" g="0" b="0"/>
+          </a:lnRef>
+          <a:fillRef idx="0">
+            <a:scrgbClr r="0" g="0" b="0"/>
+          </a:fillRef>
+          <a:effectRef idx="0">
+            <a:scrgbClr r="0" g="0" b="0"/>
+          </a:effectRef>
           <a:fontRef idx="minor"/>
         </p:style>
         <p:txBody>
-          <a:bodyPr lIns="90000" rIns="90000" tIns="91440" bIns="91440">
+          <a:bodyPr lIns="90000" tIns="91440" rIns="90000" bIns="91440">
             <a:noAutofit/>
           </a:bodyPr>
+          <a:lstStyle/>
           <a:p>
             <a:pPr>
               <a:lnSpc>
                 <a:spcPct val="100000"/>
               </a:lnSpc>
               <a:tabLst>
-                <a:tab algn="l" pos="0"/>
+                <a:tab pos="0" algn="l"/>
               </a:tabLst>
             </a:pPr>
             <a:r>
-              <a:rPr b="0" lang="en-US" sz="2800" spc="-1" strike="noStrike">
+              <a:rPr lang="en-US" sz="2800" b="0" strike="noStrike" spc="-1">
                 <a:solidFill>
                   <a:srgbClr val="000000"/>
                 </a:solidFill>
@@ -6921,7 +8338,7 @@
               </a:rPr>
               <a:t>Part 3.4: Reflection Questions [1x3]</a:t>
             </a:r>
-            <a:endParaRPr b="0" lang="en-US" sz="2800" spc="-1" strike="noStrike">
+            <a:endParaRPr lang="en-US" sz="2800" b="0" strike="noStrike" spc="-1">
               <a:latin typeface="Arial"/>
             </a:endParaRPr>
           </a:p>
@@ -6947,9 +8364,15 @@
           </a:ln>
         </p:spPr>
         <p:style>
-          <a:lnRef idx="0"/>
-          <a:fillRef idx="0"/>
-          <a:effectRef idx="0"/>
+          <a:lnRef idx="0">
+            <a:scrgbClr r="0" g="0" b="0"/>
+          </a:lnRef>
+          <a:fillRef idx="0">
+            <a:scrgbClr r="0" g="0" b="0"/>
+          </a:fillRef>
+          <a:effectRef idx="0">
+            <a:scrgbClr r="0" g="0" b="0"/>
+          </a:effectRef>
           <a:fontRef idx="minor"/>
         </p:style>
       </p:sp>
@@ -6973,26 +8396,33 @@
           </a:ln>
         </p:spPr>
         <p:style>
-          <a:lnRef idx="0"/>
-          <a:fillRef idx="0"/>
-          <a:effectRef idx="0"/>
+          <a:lnRef idx="0">
+            <a:scrgbClr r="0" g="0" b="0"/>
+          </a:lnRef>
+          <a:fillRef idx="0">
+            <a:scrgbClr r="0" g="0" b="0"/>
+          </a:fillRef>
+          <a:effectRef idx="0">
+            <a:scrgbClr r="0" g="0" b="0"/>
+          </a:effectRef>
           <a:fontRef idx="minor"/>
         </p:style>
         <p:txBody>
-          <a:bodyPr lIns="0" rIns="0" tIns="0" bIns="0">
+          <a:bodyPr lIns="0" tIns="0" rIns="0" bIns="0">
             <a:noAutofit/>
           </a:bodyPr>
+          <a:lstStyle/>
           <a:p>
             <a:pPr>
               <a:lnSpc>
                 <a:spcPct val="100000"/>
               </a:lnSpc>
               <a:tabLst>
-                <a:tab algn="l" pos="0"/>
+                <a:tab pos="0" algn="l"/>
               </a:tabLst>
             </a:pPr>
             <a:r>
-              <a:rPr b="0" lang="en-US" sz="1800" spc="-1" strike="noStrike">
+              <a:rPr lang="en-US" sz="1800" b="0" strike="noStrike" spc="-1">
                 <a:solidFill>
                   <a:srgbClr val="000000"/>
                 </a:solidFill>
@@ -7001,7 +8431,7 @@
               </a:rPr>
               <a:t>4.</a:t>
             </a:r>
-            <a:endParaRPr b="0" lang="en-US" sz="1800" spc="-1" strike="noStrike">
+            <a:endParaRPr lang="en-US" sz="1800" b="0" strike="noStrike" spc="-1">
               <a:latin typeface="Arial"/>
             </a:endParaRPr>
           </a:p>
@@ -7011,10 +8441,10 @@
                 <a:spcPct val="100000"/>
               </a:lnSpc>
               <a:tabLst>
-                <a:tab algn="l" pos="0"/>
+                <a:tab pos="0" algn="l"/>
               </a:tabLst>
             </a:pPr>
-            <a:endParaRPr b="0" lang="en-US" sz="1800" spc="-1" strike="noStrike">
+            <a:endParaRPr lang="en-US" sz="1800" b="0" strike="noStrike" spc="-1">
               <a:latin typeface="Arial"/>
             </a:endParaRPr>
           </a:p>
@@ -7024,10 +8454,10 @@
                 <a:spcPct val="100000"/>
               </a:lnSpc>
               <a:tabLst>
-                <a:tab algn="l" pos="0"/>
+                <a:tab pos="0" algn="l"/>
               </a:tabLst>
             </a:pPr>
-            <a:endParaRPr b="0" lang="en-US" sz="1800" spc="-1" strike="noStrike">
+            <a:endParaRPr lang="en-US" sz="1800" b="0" strike="noStrike" spc="-1">
               <a:latin typeface="Arial"/>
             </a:endParaRPr>
           </a:p>
@@ -7037,10 +8467,10 @@
                 <a:spcPct val="100000"/>
               </a:lnSpc>
               <a:tabLst>
-                <a:tab algn="l" pos="0"/>
+                <a:tab pos="0" algn="l"/>
               </a:tabLst>
             </a:pPr>
-            <a:endParaRPr b="0" lang="en-US" sz="1800" spc="-1" strike="noStrike">
+            <a:endParaRPr lang="en-US" sz="1800" b="0" strike="noStrike" spc="-1">
               <a:latin typeface="Arial"/>
             </a:endParaRPr>
           </a:p>
@@ -7050,11 +8480,11 @@
                 <a:spcPct val="100000"/>
               </a:lnSpc>
               <a:tabLst>
-                <a:tab algn="l" pos="0"/>
+                <a:tab pos="0" algn="l"/>
               </a:tabLst>
             </a:pPr>
             <a:r>
-              <a:rPr b="0" lang="en-US" sz="1800" spc="-1" strike="noStrike">
+              <a:rPr lang="en-US" sz="1800" b="0" strike="noStrike" spc="-1">
                 <a:solidFill>
                   <a:srgbClr val="000000"/>
                 </a:solidFill>
@@ -7063,7 +8493,7 @@
               </a:rPr>
               <a:t>5.</a:t>
             </a:r>
-            <a:endParaRPr b="0" lang="en-US" sz="1800" spc="-1" strike="noStrike">
+            <a:endParaRPr lang="en-US" sz="1800" b="0" strike="noStrike" spc="-1">
               <a:latin typeface="Arial"/>
             </a:endParaRPr>
           </a:p>
@@ -7073,10 +8503,10 @@
                 <a:spcPct val="100000"/>
               </a:lnSpc>
               <a:tabLst>
-                <a:tab algn="l" pos="0"/>
+                <a:tab pos="0" algn="l"/>
               </a:tabLst>
             </a:pPr>
-            <a:endParaRPr b="0" lang="en-US" sz="1800" spc="-1" strike="noStrike">
+            <a:endParaRPr lang="en-US" sz="1800" b="0" strike="noStrike" spc="-1">
               <a:latin typeface="Arial"/>
             </a:endParaRPr>
           </a:p>
@@ -7086,10 +8516,10 @@
                 <a:spcPct val="100000"/>
               </a:lnSpc>
               <a:tabLst>
-                <a:tab algn="l" pos="0"/>
+                <a:tab pos="0" algn="l"/>
               </a:tabLst>
             </a:pPr>
-            <a:endParaRPr b="0" lang="en-US" sz="1800" spc="-1" strike="noStrike">
+            <a:endParaRPr lang="en-US" sz="1800" b="0" strike="noStrike" spc="-1">
               <a:latin typeface="Arial"/>
             </a:endParaRPr>
           </a:p>
@@ -7099,10 +8529,10 @@
                 <a:spcPct val="100000"/>
               </a:lnSpc>
               <a:tabLst>
-                <a:tab algn="l" pos="0"/>
+                <a:tab pos="0" algn="l"/>
               </a:tabLst>
             </a:pPr>
-            <a:endParaRPr b="0" lang="en-US" sz="1800" spc="-1" strike="noStrike">
+            <a:endParaRPr lang="en-US" sz="1800" b="0" strike="noStrike" spc="-1">
               <a:latin typeface="Arial"/>
             </a:endParaRPr>
           </a:p>
@@ -7112,10 +8542,10 @@
                 <a:spcPct val="100000"/>
               </a:lnSpc>
               <a:tabLst>
-                <a:tab algn="l" pos="0"/>
+                <a:tab pos="0" algn="l"/>
               </a:tabLst>
             </a:pPr>
-            <a:endParaRPr b="0" lang="en-US" sz="1800" spc="-1" strike="noStrike">
+            <a:endParaRPr lang="en-US" sz="1800" b="0" strike="noStrike" spc="-1">
               <a:latin typeface="Arial"/>
             </a:endParaRPr>
           </a:p>
@@ -7125,11 +8555,11 @@
                 <a:spcPct val="100000"/>
               </a:lnSpc>
               <a:tabLst>
-                <a:tab algn="l" pos="0"/>
+                <a:tab pos="0" algn="l"/>
               </a:tabLst>
             </a:pPr>
             <a:r>
-              <a:rPr b="0" lang="en-US" sz="1800" spc="-1" strike="noStrike">
+              <a:rPr lang="en-US" sz="1800" b="0" strike="noStrike" spc="-1">
                 <a:solidFill>
                   <a:srgbClr val="000000"/>
                 </a:solidFill>
@@ -7138,7 +8568,7 @@
               </a:rPr>
               <a:t>6.</a:t>
             </a:r>
-            <a:endParaRPr b="0" lang="en-US" sz="1800" spc="-1" strike="noStrike">
+            <a:endParaRPr lang="en-US" sz="1800" b="0" strike="noStrike" spc="-1">
               <a:latin typeface="Arial"/>
             </a:endParaRPr>
           </a:p>
@@ -7148,10 +8578,10 @@
                 <a:spcPct val="100000"/>
               </a:lnSpc>
               <a:tabLst>
-                <a:tab algn="l" pos="0"/>
+                <a:tab pos="0" algn="l"/>
               </a:tabLst>
             </a:pPr>
-            <a:endParaRPr b="0" lang="en-US" sz="1800" spc="-1" strike="noStrike">
+            <a:endParaRPr lang="en-US" sz="1800" b="0" strike="noStrike" spc="-1">
               <a:latin typeface="Arial"/>
             </a:endParaRPr>
           </a:p>
@@ -7161,10 +8591,10 @@
                 <a:spcPct val="100000"/>
               </a:lnSpc>
               <a:tabLst>
-                <a:tab algn="l" pos="0"/>
+                <a:tab pos="0" algn="l"/>
               </a:tabLst>
             </a:pPr>
-            <a:endParaRPr b="0" lang="en-US" sz="1800" spc="-1" strike="noStrike">
+            <a:endParaRPr lang="en-US" sz="1800" b="0" strike="noStrike" spc="-1">
               <a:latin typeface="Arial"/>
             </a:endParaRPr>
           </a:p>
@@ -7172,19 +8602,14 @@
       </p:sp>
     </p:spTree>
   </p:cSld>
-  <mc:AlternateContent>
-    <mc:Choice Requires="p14">
-      <p:transition spd="slow" p14:dur="2000"/>
-    </mc:Choice>
-    <mc:Fallback>
-      <p:transition spd="slow"/>
-    </mc:Fallback>
-  </mc:AlternateContent>
+  <p:clrMapOvr>
+    <a:masterClrMapping/>
+  </p:clrMapOvr>
 </p:sld>
 </file>
 
 <file path=ppt/slides/slide11.xml><?xml version="1.0" encoding="utf-8"?>
-<p:sld xmlns:a="http://schemas.openxmlformats.org/drawingml/2006/main" xmlns:p="http://schemas.openxmlformats.org/presentationml/2006/main" xmlns:r="http://schemas.openxmlformats.org/officeDocument/2006/relationships" xmlns:p14="http://schemas.microsoft.com/office/powerpoint/2010/main" xmlns:p15="http://schemas.microsoft.com/office/powerpoint/2012/main" xmlns:mc="http://schemas.openxmlformats.org/markup-compatibility/2006">
+<p:sld xmlns:a="http://schemas.openxmlformats.org/drawingml/2006/main" xmlns:r="http://schemas.openxmlformats.org/officeDocument/2006/relationships" xmlns:p="http://schemas.openxmlformats.org/presentationml/2006/main">
   <p:cSld>
     <p:spTree>
       <p:nvGrpSpPr>
@@ -7220,26 +8645,33 @@
           </a:ln>
         </p:spPr>
         <p:style>
-          <a:lnRef idx="0"/>
-          <a:fillRef idx="0"/>
-          <a:effectRef idx="0"/>
+          <a:lnRef idx="0">
+            <a:scrgbClr r="0" g="0" b="0"/>
+          </a:lnRef>
+          <a:fillRef idx="0">
+            <a:scrgbClr r="0" g="0" b="0"/>
+          </a:fillRef>
+          <a:effectRef idx="0">
+            <a:scrgbClr r="0" g="0" b="0"/>
+          </a:effectRef>
           <a:fontRef idx="minor"/>
         </p:style>
         <p:txBody>
-          <a:bodyPr lIns="90000" rIns="90000" tIns="91440" bIns="91440">
+          <a:bodyPr lIns="90000" tIns="91440" rIns="90000" bIns="91440">
             <a:noAutofit/>
           </a:bodyPr>
+          <a:lstStyle/>
           <a:p>
             <a:pPr>
               <a:lnSpc>
                 <a:spcPct val="100000"/>
               </a:lnSpc>
               <a:tabLst>
-                <a:tab algn="l" pos="0"/>
+                <a:tab pos="0" algn="l"/>
               </a:tabLst>
             </a:pPr>
             <a:r>
-              <a:rPr b="0" lang="en-US" sz="2800" spc="-1" strike="noStrike">
+              <a:rPr lang="en-US" sz="2800" b="0" strike="noStrike" spc="-1">
                 <a:solidFill>
                   <a:srgbClr val="000000"/>
                 </a:solidFill>
@@ -7248,7 +8680,7 @@
               </a:rPr>
               <a:t>Part 4.2: RANSAC Iterations Questions [1x3]</a:t>
             </a:r>
-            <a:endParaRPr b="0" lang="en-US" sz="2800" spc="-1" strike="noStrike">
+            <a:endParaRPr lang="en-US" sz="2800" b="0" strike="noStrike" spc="-1">
               <a:latin typeface="Arial"/>
             </a:endParaRPr>
           </a:p>
@@ -7274,26 +8706,33 @@
           </a:ln>
         </p:spPr>
         <p:style>
-          <a:lnRef idx="0"/>
-          <a:fillRef idx="0"/>
-          <a:effectRef idx="0"/>
+          <a:lnRef idx="0">
+            <a:scrgbClr r="0" g="0" b="0"/>
+          </a:lnRef>
+          <a:fillRef idx="0">
+            <a:scrgbClr r="0" g="0" b="0"/>
+          </a:fillRef>
+          <a:effectRef idx="0">
+            <a:scrgbClr r="0" g="0" b="0"/>
+          </a:effectRef>
           <a:fontRef idx="minor"/>
         </p:style>
         <p:txBody>
-          <a:bodyPr lIns="90000" rIns="90000" tIns="91440" bIns="91440">
+          <a:bodyPr lIns="90000" tIns="91440" rIns="90000" bIns="91440">
             <a:noAutofit/>
           </a:bodyPr>
+          <a:lstStyle/>
           <a:p>
             <a:pPr>
               <a:lnSpc>
                 <a:spcPct val="115000"/>
               </a:lnSpc>
               <a:tabLst>
-                <a:tab algn="l" pos="0"/>
+                <a:tab pos="0" algn="l"/>
               </a:tabLst>
             </a:pPr>
             <a:r>
-              <a:rPr b="0" lang="en-US" sz="1800" spc="-1" strike="noStrike">
+              <a:rPr lang="en-US" sz="1800" b="0" strike="noStrike" spc="-1">
                 <a:solidFill>
                   <a:srgbClr val="595959"/>
                 </a:solidFill>
@@ -7302,7 +8741,7 @@
               </a:rPr>
               <a:t>Type your answers to the three RANSAC Iterations questions from the jupyter notebook below:</a:t>
             </a:r>
-            <a:endParaRPr b="0" lang="en-US" sz="1800" spc="-1" strike="noStrike">
+            <a:endParaRPr lang="en-US" sz="1800" b="0" strike="noStrike" spc="-1">
               <a:latin typeface="Arial"/>
             </a:endParaRPr>
           </a:p>
@@ -7320,11 +8759,11 @@
               <a:buFont typeface="Arial"/>
               <a:buAutoNum type="arabicPeriod"/>
               <a:tabLst>
-                <a:tab algn="l" pos="0"/>
+                <a:tab pos="0" algn="l"/>
               </a:tabLst>
             </a:pPr>
             <a:r>
-              <a:rPr b="0" lang="en-US" sz="1600" spc="-1" strike="noStrike">
+              <a:rPr lang="en-US" sz="1600" b="0" strike="noStrike" spc="-1">
                 <a:solidFill>
                   <a:srgbClr val="595959"/>
                 </a:solidFill>
@@ -7333,7 +8772,7 @@
               </a:rPr>
               <a:t> </a:t>
             </a:r>
-            <a:endParaRPr b="0" lang="en-US" sz="1600" spc="-1" strike="noStrike">
+            <a:endParaRPr lang="en-US" sz="1600" b="0" strike="noStrike" spc="-1">
               <a:latin typeface="Arial"/>
             </a:endParaRPr>
           </a:p>
@@ -7343,10 +8782,10 @@
                 <a:spcPct val="115000"/>
               </a:lnSpc>
               <a:tabLst>
-                <a:tab algn="l" pos="0"/>
+                <a:tab pos="0" algn="l"/>
               </a:tabLst>
             </a:pPr>
-            <a:endParaRPr b="0" lang="en-US" sz="1600" spc="-1" strike="noStrike">
+            <a:endParaRPr lang="en-US" sz="1600" b="0" strike="noStrike" spc="-1">
               <a:latin typeface="Arial"/>
             </a:endParaRPr>
           </a:p>
@@ -7356,10 +8795,10 @@
                 <a:spcPct val="115000"/>
               </a:lnSpc>
               <a:tabLst>
-                <a:tab algn="l" pos="0"/>
+                <a:tab pos="0" algn="l"/>
               </a:tabLst>
             </a:pPr>
-            <a:endParaRPr b="0" lang="en-US" sz="1600" spc="-1" strike="noStrike">
+            <a:endParaRPr lang="en-US" sz="1600" b="0" strike="noStrike" spc="-1">
               <a:latin typeface="Arial"/>
             </a:endParaRPr>
           </a:p>
@@ -7374,11 +8813,11 @@
               <a:buFont typeface="Arial"/>
               <a:buAutoNum type="arabicPeriod"/>
               <a:tabLst>
-                <a:tab algn="l" pos="0"/>
+                <a:tab pos="0" algn="l"/>
               </a:tabLst>
             </a:pPr>
             <a:r>
-              <a:rPr b="0" lang="en-US" sz="1600" spc="-1" strike="noStrike">
+              <a:rPr lang="en-US" sz="1600" b="0" strike="noStrike" spc="-1">
                 <a:solidFill>
                   <a:srgbClr val="595959"/>
                 </a:solidFill>
@@ -7387,7 +8826,7 @@
               </a:rPr>
               <a:t> </a:t>
             </a:r>
-            <a:endParaRPr b="0" lang="en-US" sz="1600" spc="-1" strike="noStrike">
+            <a:endParaRPr lang="en-US" sz="1600" b="0" strike="noStrike" spc="-1">
               <a:latin typeface="Arial"/>
             </a:endParaRPr>
           </a:p>
@@ -7397,10 +8836,10 @@
                 <a:spcPct val="115000"/>
               </a:lnSpc>
               <a:tabLst>
-                <a:tab algn="l" pos="0"/>
+                <a:tab pos="0" algn="l"/>
               </a:tabLst>
             </a:pPr>
-            <a:endParaRPr b="0" lang="en-US" sz="1600" spc="-1" strike="noStrike">
+            <a:endParaRPr lang="en-US" sz="1600" b="0" strike="noStrike" spc="-1">
               <a:latin typeface="Arial"/>
             </a:endParaRPr>
           </a:p>
@@ -7415,11 +8854,11 @@
               <a:buFont typeface="Arial"/>
               <a:buAutoNum type="arabicPeriod"/>
               <a:tabLst>
-                <a:tab algn="l" pos="0"/>
+                <a:tab pos="0" algn="l"/>
               </a:tabLst>
             </a:pPr>
             <a:r>
-              <a:rPr b="0" lang="en-US" sz="1600" spc="-1" strike="noStrike">
+              <a:rPr lang="en-US" sz="1600" b="0" strike="noStrike" spc="-1">
                 <a:solidFill>
                   <a:srgbClr val="595959"/>
                 </a:solidFill>
@@ -7428,7 +8867,7 @@
               </a:rPr>
               <a:t>  </a:t>
             </a:r>
-            <a:endParaRPr b="0" lang="en-US" sz="1600" spc="-1" strike="noStrike">
+            <a:endParaRPr lang="en-US" sz="1600" b="0" strike="noStrike" spc="-1">
               <a:latin typeface="Arial"/>
             </a:endParaRPr>
           </a:p>
@@ -7438,10 +8877,10 @@
                 <a:spcPct val="115000"/>
               </a:lnSpc>
               <a:tabLst>
-                <a:tab algn="l" pos="0"/>
+                <a:tab pos="0" algn="l"/>
               </a:tabLst>
             </a:pPr>
-            <a:endParaRPr b="0" lang="en-US" sz="1600" spc="-1" strike="noStrike">
+            <a:endParaRPr lang="en-US" sz="1600" b="0" strike="noStrike" spc="-1">
               <a:latin typeface="Arial"/>
             </a:endParaRPr>
           </a:p>
@@ -7451,10 +8890,10 @@
                 <a:spcPct val="115000"/>
               </a:lnSpc>
               <a:tabLst>
-                <a:tab algn="l" pos="0"/>
+                <a:tab pos="0" algn="l"/>
               </a:tabLst>
             </a:pPr>
-            <a:endParaRPr b="0" lang="en-US" sz="1600" spc="-1" strike="noStrike">
+            <a:endParaRPr lang="en-US" sz="1600" b="0" strike="noStrike" spc="-1">
               <a:latin typeface="Arial"/>
             </a:endParaRPr>
           </a:p>
@@ -7462,19 +8901,14 @@
       </p:sp>
     </p:spTree>
   </p:cSld>
-  <mc:AlternateContent>
-    <mc:Choice Requires="p14">
-      <p:transition spd="slow" p14:dur="2000"/>
-    </mc:Choice>
-    <mc:Fallback>
-      <p:transition spd="slow"/>
-    </mc:Fallback>
-  </mc:AlternateContent>
+  <p:clrMapOvr>
+    <a:masterClrMapping/>
+  </p:clrMapOvr>
 </p:sld>
 </file>
 
 <file path=ppt/slides/slide12.xml><?xml version="1.0" encoding="utf-8"?>
-<p:sld xmlns:a="http://schemas.openxmlformats.org/drawingml/2006/main" xmlns:p="http://schemas.openxmlformats.org/presentationml/2006/main" xmlns:r="http://schemas.openxmlformats.org/officeDocument/2006/relationships" xmlns:p14="http://schemas.microsoft.com/office/powerpoint/2010/main" xmlns:p15="http://schemas.microsoft.com/office/powerpoint/2012/main" xmlns:mc="http://schemas.openxmlformats.org/markup-compatibility/2006">
+<p:sld xmlns:a="http://schemas.openxmlformats.org/drawingml/2006/main" xmlns:r="http://schemas.openxmlformats.org/officeDocument/2006/relationships" xmlns:p="http://schemas.openxmlformats.org/presentationml/2006/main">
   <p:cSld>
     <p:spTree>
       <p:nvGrpSpPr>
@@ -7510,26 +8944,33 @@
           </a:ln>
         </p:spPr>
         <p:style>
-          <a:lnRef idx="0"/>
-          <a:fillRef idx="0"/>
-          <a:effectRef idx="0"/>
+          <a:lnRef idx="0">
+            <a:scrgbClr r="0" g="0" b="0"/>
+          </a:lnRef>
+          <a:fillRef idx="0">
+            <a:scrgbClr r="0" g="0" b="0"/>
+          </a:fillRef>
+          <a:effectRef idx="0">
+            <a:scrgbClr r="0" g="0" b="0"/>
+          </a:effectRef>
           <a:fontRef idx="minor"/>
         </p:style>
         <p:txBody>
-          <a:bodyPr lIns="90000" rIns="90000" tIns="91440" bIns="91440">
+          <a:bodyPr lIns="90000" tIns="91440" rIns="90000" bIns="91440">
             <a:noAutofit/>
           </a:bodyPr>
+          <a:lstStyle/>
           <a:p>
             <a:pPr>
               <a:lnSpc>
                 <a:spcPct val="100000"/>
               </a:lnSpc>
               <a:tabLst>
-                <a:tab algn="l" pos="0"/>
+                <a:tab pos="0" algn="l"/>
               </a:tabLst>
             </a:pPr>
             <a:r>
-              <a:rPr b="0" lang="en-US" sz="2800" spc="-1" strike="noStrike">
+              <a:rPr lang="en-US" sz="2800" b="0" strike="noStrike" spc="-1">
                 <a:solidFill>
                   <a:srgbClr val="000000"/>
                 </a:solidFill>
@@ -7538,7 +8979,7 @@
               </a:rPr>
               <a:t>Part 4.4: RANSAC Inlier Matches</a:t>
             </a:r>
-            <a:endParaRPr b="0" lang="en-US" sz="2800" spc="-1" strike="noStrike">
+            <a:endParaRPr lang="en-US" sz="2800" b="0" strike="noStrike" spc="-1">
               <a:latin typeface="Arial"/>
             </a:endParaRPr>
           </a:p>
@@ -7564,26 +9005,33 @@
           </a:ln>
         </p:spPr>
         <p:style>
-          <a:lnRef idx="0"/>
-          <a:fillRef idx="0"/>
-          <a:effectRef idx="0"/>
+          <a:lnRef idx="0">
+            <a:scrgbClr r="0" g="0" b="0"/>
+          </a:lnRef>
+          <a:fillRef idx="0">
+            <a:scrgbClr r="0" g="0" b="0"/>
+          </a:fillRef>
+          <a:effectRef idx="0">
+            <a:scrgbClr r="0" g="0" b="0"/>
+          </a:effectRef>
           <a:fontRef idx="minor"/>
         </p:style>
         <p:txBody>
-          <a:bodyPr lIns="90000" rIns="90000" tIns="91440" bIns="91440">
+          <a:bodyPr lIns="90000" tIns="91440" rIns="90000" bIns="91440">
             <a:noAutofit/>
           </a:bodyPr>
+          <a:lstStyle/>
           <a:p>
             <a:pPr>
               <a:lnSpc>
                 <a:spcPct val="115000"/>
               </a:lnSpc>
               <a:tabLst>
-                <a:tab algn="l" pos="0"/>
+                <a:tab pos="0" algn="l"/>
               </a:tabLst>
             </a:pPr>
             <a:r>
-              <a:rPr b="0" lang="en-US" sz="1800" spc="-1" strike="noStrike">
+              <a:rPr lang="en-US" sz="1800" b="0" strike="noStrike" spc="-1">
                 <a:solidFill>
                   <a:srgbClr val="595959"/>
                 </a:solidFill>
@@ -7592,7 +9040,7 @@
               </a:rPr>
               <a:t>&lt;Paste the inlier matches found by Ransac [2]&gt;</a:t>
             </a:r>
-            <a:endParaRPr b="0" lang="en-US" sz="1800" spc="-1" strike="noStrike">
+            <a:endParaRPr lang="en-US" sz="1800" b="0" strike="noStrike" spc="-1">
               <a:latin typeface="Arial"/>
             </a:endParaRPr>
           </a:p>
@@ -7602,10 +9050,10 @@
                 <a:spcPct val="115000"/>
               </a:lnSpc>
               <a:tabLst>
-                <a:tab algn="l" pos="0"/>
+                <a:tab pos="0" algn="l"/>
               </a:tabLst>
             </a:pPr>
-            <a:endParaRPr b="0" lang="en-US" sz="1800" spc="-1" strike="noStrike">
+            <a:endParaRPr lang="en-US" sz="1800" b="0" strike="noStrike" spc="-1">
               <a:latin typeface="Arial"/>
             </a:endParaRPr>
           </a:p>
@@ -7618,10 +9066,10 @@
                 <a:spcPts val="1599"/>
               </a:spcBef>
               <a:tabLst>
-                <a:tab algn="l" pos="0"/>
+                <a:tab pos="0" algn="l"/>
               </a:tabLst>
             </a:pPr>
-            <a:endParaRPr b="0" lang="en-US" sz="1800" spc="-1" strike="noStrike">
+            <a:endParaRPr lang="en-US" sz="1800" b="0" strike="noStrike" spc="-1">
               <a:latin typeface="Arial"/>
             </a:endParaRPr>
           </a:p>
@@ -7629,19 +9077,14 @@
       </p:sp>
     </p:spTree>
   </p:cSld>
-  <mc:AlternateContent>
-    <mc:Choice Requires="p14">
-      <p:transition spd="slow" p14:dur="2000"/>
-    </mc:Choice>
-    <mc:Fallback>
-      <p:transition spd="slow"/>
-    </mc:Fallback>
-  </mc:AlternateContent>
+  <p:clrMapOvr>
+    <a:masterClrMapping/>
+  </p:clrMapOvr>
 </p:sld>
 </file>
 
 <file path=ppt/slides/slide13.xml><?xml version="1.0" encoding="utf-8"?>
-<p:sld xmlns:a="http://schemas.openxmlformats.org/drawingml/2006/main" xmlns:p="http://schemas.openxmlformats.org/presentationml/2006/main" xmlns:r="http://schemas.openxmlformats.org/officeDocument/2006/relationships" xmlns:p14="http://schemas.microsoft.com/office/powerpoint/2010/main" xmlns:p15="http://schemas.microsoft.com/office/powerpoint/2012/main" xmlns:mc="http://schemas.openxmlformats.org/markup-compatibility/2006">
+<p:sld xmlns:a="http://schemas.openxmlformats.org/drawingml/2006/main" xmlns:r="http://schemas.openxmlformats.org/officeDocument/2006/relationships" xmlns:p="http://schemas.openxmlformats.org/presentationml/2006/main">
   <p:cSld>
     <p:spTree>
       <p:nvGrpSpPr>
@@ -7677,26 +9120,33 @@
           </a:ln>
         </p:spPr>
         <p:style>
-          <a:lnRef idx="0"/>
-          <a:fillRef idx="0"/>
-          <a:effectRef idx="0"/>
+          <a:lnRef idx="0">
+            <a:scrgbClr r="0" g="0" b="0"/>
+          </a:lnRef>
+          <a:fillRef idx="0">
+            <a:scrgbClr r="0" g="0" b="0"/>
+          </a:fillRef>
+          <a:effectRef idx="0">
+            <a:scrgbClr r="0" g="0" b="0"/>
+          </a:effectRef>
           <a:fontRef idx="minor"/>
         </p:style>
         <p:txBody>
-          <a:bodyPr lIns="90000" rIns="90000" tIns="91440" bIns="91440">
+          <a:bodyPr lIns="90000" tIns="91440" rIns="90000" bIns="91440">
             <a:noAutofit/>
           </a:bodyPr>
+          <a:lstStyle/>
           <a:p>
             <a:pPr>
               <a:lnSpc>
                 <a:spcPct val="100000"/>
               </a:lnSpc>
               <a:tabLst>
-                <a:tab algn="l" pos="0"/>
+                <a:tab pos="0" algn="l"/>
               </a:tabLst>
             </a:pPr>
             <a:r>
-              <a:rPr b="0" lang="en-US" sz="2800" spc="-1" strike="noStrike">
+              <a:rPr lang="en-US" sz="2800" b="0" strike="noStrike" spc="-1">
                 <a:solidFill>
                   <a:srgbClr val="000000"/>
                 </a:solidFill>
@@ -7705,7 +9155,7 @@
               </a:rPr>
               <a:t>Part 4.4: RANSAC Epipolar Lines</a:t>
             </a:r>
-            <a:endParaRPr b="0" lang="en-US" sz="2800" spc="-1" strike="noStrike">
+            <a:endParaRPr lang="en-US" sz="2800" b="0" strike="noStrike" spc="-1">
               <a:latin typeface="Arial"/>
             </a:endParaRPr>
           </a:p>
@@ -7731,26 +9181,33 @@
           </a:ln>
         </p:spPr>
         <p:style>
-          <a:lnRef idx="0"/>
-          <a:fillRef idx="0"/>
-          <a:effectRef idx="0"/>
+          <a:lnRef idx="0">
+            <a:scrgbClr r="0" g="0" b="0"/>
+          </a:lnRef>
+          <a:fillRef idx="0">
+            <a:scrgbClr r="0" g="0" b="0"/>
+          </a:fillRef>
+          <a:effectRef idx="0">
+            <a:scrgbClr r="0" g="0" b="0"/>
+          </a:effectRef>
           <a:fontRef idx="minor"/>
         </p:style>
         <p:txBody>
-          <a:bodyPr lIns="90000" rIns="90000" tIns="91440" bIns="91440">
+          <a:bodyPr lIns="90000" tIns="91440" rIns="90000" bIns="91440">
             <a:noAutofit/>
           </a:bodyPr>
+          <a:lstStyle/>
           <a:p>
             <a:pPr>
               <a:lnSpc>
                 <a:spcPct val="115000"/>
               </a:lnSpc>
               <a:tabLst>
-                <a:tab algn="l" pos="0"/>
+                <a:tab pos="0" algn="l"/>
               </a:tabLst>
             </a:pPr>
             <a:r>
-              <a:rPr b="0" lang="en-US" sz="1800" spc="-1" strike="noStrike">
+              <a:rPr lang="en-US" sz="1800" b="0" strike="noStrike" spc="-1">
                 <a:solidFill>
                   <a:srgbClr val="595959"/>
                 </a:solidFill>
@@ -7759,7 +9216,7 @@
               </a:rPr>
               <a:t>&lt;Paste the left image with epipolar lines&gt; [1]</a:t>
             </a:r>
-            <a:endParaRPr b="0" lang="en-US" sz="1800" spc="-1" strike="noStrike">
+            <a:endParaRPr lang="en-US" sz="1800" b="0" strike="noStrike" spc="-1">
               <a:latin typeface="Arial"/>
             </a:endParaRPr>
           </a:p>
@@ -7769,10 +9226,10 @@
                 <a:spcPct val="115000"/>
               </a:lnSpc>
               <a:tabLst>
-                <a:tab algn="l" pos="0"/>
+                <a:tab pos="0" algn="l"/>
               </a:tabLst>
             </a:pPr>
-            <a:endParaRPr b="0" lang="en-US" sz="1800" spc="-1" strike="noStrike">
+            <a:endParaRPr lang="en-US" sz="1800" b="0" strike="noStrike" spc="-1">
               <a:latin typeface="Arial"/>
             </a:endParaRPr>
           </a:p>
@@ -7785,10 +9242,10 @@
                 <a:spcPts val="1599"/>
               </a:spcBef>
               <a:tabLst>
-                <a:tab algn="l" pos="0"/>
+                <a:tab pos="0" algn="l"/>
               </a:tabLst>
             </a:pPr>
-            <a:endParaRPr b="0" lang="en-US" sz="1800" spc="-1" strike="noStrike">
+            <a:endParaRPr lang="en-US" sz="1800" b="0" strike="noStrike" spc="-1">
               <a:latin typeface="Arial"/>
             </a:endParaRPr>
           </a:p>
@@ -7814,26 +9271,33 @@
           </a:ln>
         </p:spPr>
         <p:style>
-          <a:lnRef idx="0"/>
-          <a:fillRef idx="0"/>
-          <a:effectRef idx="0"/>
+          <a:lnRef idx="0">
+            <a:scrgbClr r="0" g="0" b="0"/>
+          </a:lnRef>
+          <a:fillRef idx="0">
+            <a:scrgbClr r="0" g="0" b="0"/>
+          </a:fillRef>
+          <a:effectRef idx="0">
+            <a:scrgbClr r="0" g="0" b="0"/>
+          </a:effectRef>
           <a:fontRef idx="minor"/>
         </p:style>
         <p:txBody>
-          <a:bodyPr lIns="90000" rIns="90000" tIns="91440" bIns="91440">
+          <a:bodyPr lIns="90000" tIns="91440" rIns="90000" bIns="91440">
             <a:noAutofit/>
           </a:bodyPr>
+          <a:lstStyle/>
           <a:p>
             <a:pPr>
               <a:lnSpc>
                 <a:spcPct val="115000"/>
               </a:lnSpc>
               <a:tabLst>
-                <a:tab algn="l" pos="0"/>
+                <a:tab pos="0" algn="l"/>
               </a:tabLst>
             </a:pPr>
             <a:r>
-              <a:rPr b="0" lang="en-US" sz="1800" spc="-1" strike="noStrike">
+              <a:rPr lang="en-US" sz="1800" b="0" strike="noStrike" spc="-1">
                 <a:solidFill>
                   <a:srgbClr val="595959"/>
                 </a:solidFill>
@@ -7842,7 +9306,7 @@
               </a:rPr>
               <a:t>&lt;Paste the right image with epipolar lines&gt; [1]</a:t>
             </a:r>
-            <a:endParaRPr b="0" lang="en-US" sz="1800" spc="-1" strike="noStrike">
+            <a:endParaRPr lang="en-US" sz="1800" b="0" strike="noStrike" spc="-1">
               <a:latin typeface="Arial"/>
             </a:endParaRPr>
           </a:p>
@@ -7852,10 +9316,10 @@
                 <a:spcPct val="115000"/>
               </a:lnSpc>
               <a:tabLst>
-                <a:tab algn="l" pos="0"/>
+                <a:tab pos="0" algn="l"/>
               </a:tabLst>
             </a:pPr>
-            <a:endParaRPr b="0" lang="en-US" sz="1800" spc="-1" strike="noStrike">
+            <a:endParaRPr lang="en-US" sz="1800" b="0" strike="noStrike" spc="-1">
               <a:latin typeface="Arial"/>
             </a:endParaRPr>
           </a:p>
@@ -7868,10 +9332,10 @@
                 <a:spcPts val="1599"/>
               </a:spcBef>
               <a:tabLst>
-                <a:tab algn="l" pos="0"/>
+                <a:tab pos="0" algn="l"/>
               </a:tabLst>
             </a:pPr>
-            <a:endParaRPr b="0" lang="en-US" sz="1800" spc="-1" strike="noStrike">
+            <a:endParaRPr lang="en-US" sz="1800" b="0" strike="noStrike" spc="-1">
               <a:latin typeface="Arial"/>
             </a:endParaRPr>
           </a:p>
@@ -7879,19 +9343,14 @@
       </p:sp>
     </p:spTree>
   </p:cSld>
-  <mc:AlternateContent>
-    <mc:Choice Requires="p14">
-      <p:transition spd="slow" p14:dur="2000"/>
-    </mc:Choice>
-    <mc:Fallback>
-      <p:transition spd="slow"/>
-    </mc:Fallback>
-  </mc:AlternateContent>
+  <p:clrMapOvr>
+    <a:masterClrMapping/>
+  </p:clrMapOvr>
 </p:sld>
 </file>
 
 <file path=ppt/slides/slide14.xml><?xml version="1.0" encoding="utf-8"?>
-<p:sld xmlns:a="http://schemas.openxmlformats.org/drawingml/2006/main" xmlns:p="http://schemas.openxmlformats.org/presentationml/2006/main" xmlns:r="http://schemas.openxmlformats.org/officeDocument/2006/relationships" xmlns:p14="http://schemas.microsoft.com/office/powerpoint/2010/main" xmlns:p15="http://schemas.microsoft.com/office/powerpoint/2012/main" xmlns:mc="http://schemas.openxmlformats.org/markup-compatibility/2006">
+<p:sld xmlns:a="http://schemas.openxmlformats.org/drawingml/2006/main" xmlns:r="http://schemas.openxmlformats.org/officeDocument/2006/relationships" xmlns:p="http://schemas.openxmlformats.org/presentationml/2006/main">
   <p:cSld>
     <p:spTree>
       <p:nvGrpSpPr>
@@ -7927,26 +9386,33 @@
           </a:ln>
         </p:spPr>
         <p:style>
-          <a:lnRef idx="0"/>
-          <a:fillRef idx="0"/>
-          <a:effectRef idx="0"/>
+          <a:lnRef idx="0">
+            <a:scrgbClr r="0" g="0" b="0"/>
+          </a:lnRef>
+          <a:fillRef idx="0">
+            <a:scrgbClr r="0" g="0" b="0"/>
+          </a:fillRef>
+          <a:effectRef idx="0">
+            <a:scrgbClr r="0" g="0" b="0"/>
+          </a:effectRef>
           <a:fontRef idx="minor"/>
         </p:style>
         <p:txBody>
-          <a:bodyPr lIns="0" rIns="0" tIns="0" bIns="0" anchor="ctr">
+          <a:bodyPr lIns="0" tIns="0" rIns="0" bIns="0" anchor="ctr">
             <a:noAutofit/>
           </a:bodyPr>
+          <a:lstStyle/>
           <a:p>
             <a:pPr>
               <a:lnSpc>
                 <a:spcPct val="100000"/>
               </a:lnSpc>
               <a:tabLst>
-                <a:tab algn="l" pos="0"/>
+                <a:tab pos="0" algn="l"/>
               </a:tabLst>
             </a:pPr>
             <a:r>
-              <a:rPr b="0" lang="en-US" sz="1800" spc="-1" strike="noStrike">
+              <a:rPr lang="en-US" sz="1800" b="0" strike="noStrike" spc="-1">
                 <a:solidFill>
                   <a:srgbClr val="000000"/>
                 </a:solidFill>
@@ -7955,7 +9421,7 @@
               </a:rPr>
               <a:t>Local Unit tests results</a:t>
             </a:r>
-            <a:endParaRPr b="0" lang="en-US" sz="1800" spc="-1" strike="noStrike">
+            <a:endParaRPr lang="en-US" sz="1800" b="0" strike="noStrike" spc="-1">
               <a:latin typeface="Arial"/>
             </a:endParaRPr>
           </a:p>
@@ -7981,26 +9447,33 @@
           </a:ln>
         </p:spPr>
         <p:style>
-          <a:lnRef idx="0"/>
-          <a:fillRef idx="0"/>
-          <a:effectRef idx="0"/>
+          <a:lnRef idx="0">
+            <a:scrgbClr r="0" g="0" b="0"/>
+          </a:lnRef>
+          <a:fillRef idx="0">
+            <a:scrgbClr r="0" g="0" b="0"/>
+          </a:fillRef>
+          <a:effectRef idx="0">
+            <a:scrgbClr r="0" g="0" b="0"/>
+          </a:effectRef>
           <a:fontRef idx="minor"/>
         </p:style>
         <p:txBody>
-          <a:bodyPr lIns="0" rIns="0" tIns="0" bIns="0">
+          <a:bodyPr lIns="0" tIns="0" rIns="0" bIns="0">
             <a:noAutofit/>
           </a:bodyPr>
+          <a:lstStyle/>
           <a:p>
             <a:pPr>
               <a:lnSpc>
                 <a:spcPct val="115000"/>
               </a:lnSpc>
               <a:tabLst>
-                <a:tab algn="l" pos="0"/>
+                <a:tab pos="0" algn="l"/>
               </a:tabLst>
             </a:pPr>
             <a:r>
-              <a:rPr b="0" lang="en-US" sz="1800" spc="-1" strike="noStrike">
+              <a:rPr lang="en-US" sz="1800" b="0" strike="noStrike" spc="-1">
                 <a:solidFill>
                   <a:srgbClr val="595959"/>
                 </a:solidFill>
@@ -8009,7 +9482,7 @@
               </a:rPr>
               <a:t>&lt;Paste the screenshot when you run all provided unit tests using `pytest`&gt; [1]</a:t>
             </a:r>
-            <a:endParaRPr b="0" lang="en-US" sz="1800" spc="-1" strike="noStrike">
+            <a:endParaRPr lang="en-US" sz="1800" b="0" strike="noStrike" spc="-1">
               <a:latin typeface="Arial"/>
             </a:endParaRPr>
           </a:p>
@@ -8017,19 +9490,14 @@
       </p:sp>
     </p:spTree>
   </p:cSld>
-  <mc:AlternateContent>
-    <mc:Choice Requires="p14">
-      <p:transition spd="slow" p14:dur="2000"/>
-    </mc:Choice>
-    <mc:Fallback>
-      <p:transition spd="slow"/>
-    </mc:Fallback>
-  </mc:AlternateContent>
+  <p:clrMapOvr>
+    <a:masterClrMapping/>
+  </p:clrMapOvr>
 </p:sld>
 </file>
 
 <file path=ppt/slides/slide15.xml><?xml version="1.0" encoding="utf-8"?>
-<p:sld xmlns:a="http://schemas.openxmlformats.org/drawingml/2006/main" xmlns:p="http://schemas.openxmlformats.org/presentationml/2006/main" xmlns:r="http://schemas.openxmlformats.org/officeDocument/2006/relationships" xmlns:p14="http://schemas.microsoft.com/office/powerpoint/2010/main" xmlns:p15="http://schemas.microsoft.com/office/powerpoint/2012/main" xmlns:mc="http://schemas.openxmlformats.org/markup-compatibility/2006">
+<p:sld xmlns:a="http://schemas.openxmlformats.org/drawingml/2006/main" xmlns:r="http://schemas.openxmlformats.org/officeDocument/2006/relationships" xmlns:p="http://schemas.openxmlformats.org/presentationml/2006/main">
   <p:cSld>
     <p:spTree>
       <p:nvGrpSpPr>
@@ -8065,26 +9533,33 @@
           </a:ln>
         </p:spPr>
         <p:style>
-          <a:lnRef idx="0"/>
-          <a:fillRef idx="0"/>
-          <a:effectRef idx="0"/>
+          <a:lnRef idx="0">
+            <a:scrgbClr r="0" g="0" b="0"/>
+          </a:lnRef>
+          <a:fillRef idx="0">
+            <a:scrgbClr r="0" g="0" b="0"/>
+          </a:fillRef>
+          <a:effectRef idx="0">
+            <a:scrgbClr r="0" g="0" b="0"/>
+          </a:effectRef>
           <a:fontRef idx="minor"/>
         </p:style>
         <p:txBody>
-          <a:bodyPr lIns="90000" rIns="90000" tIns="91440" bIns="91440">
+          <a:bodyPr lIns="90000" tIns="91440" rIns="90000" bIns="91440">
             <a:noAutofit/>
           </a:bodyPr>
+          <a:lstStyle/>
           <a:p>
             <a:pPr>
               <a:lnSpc>
                 <a:spcPct val="100000"/>
               </a:lnSpc>
               <a:tabLst>
-                <a:tab algn="l" pos="0"/>
+                <a:tab pos="0" algn="l"/>
               </a:tabLst>
             </a:pPr>
             <a:r>
-              <a:rPr b="0" lang="en-US" sz="2800" spc="-1" strike="noStrike">
+              <a:rPr lang="en-US" sz="2800" b="0" strike="noStrike" spc="-1">
                 <a:solidFill>
                   <a:srgbClr val="000000"/>
                 </a:solidFill>
@@ -8093,7 +9568,7 @@
               </a:rPr>
               <a:t>Conclusions</a:t>
             </a:r>
-            <a:endParaRPr b="0" lang="en-US" sz="2800" spc="-1" strike="noStrike">
+            <a:endParaRPr lang="en-US" sz="2800" b="0" strike="noStrike" spc="-1">
               <a:latin typeface="Arial"/>
             </a:endParaRPr>
           </a:p>
@@ -8119,26 +9594,33 @@
           </a:ln>
         </p:spPr>
         <p:style>
-          <a:lnRef idx="0"/>
-          <a:fillRef idx="0"/>
-          <a:effectRef idx="0"/>
+          <a:lnRef idx="0">
+            <a:scrgbClr r="0" g="0" b="0"/>
+          </a:lnRef>
+          <a:fillRef idx="0">
+            <a:scrgbClr r="0" g="0" b="0"/>
+          </a:fillRef>
+          <a:effectRef idx="0">
+            <a:scrgbClr r="0" g="0" b="0"/>
+          </a:effectRef>
           <a:fontRef idx="minor"/>
         </p:style>
         <p:txBody>
-          <a:bodyPr lIns="90000" rIns="90000" tIns="91440" bIns="91440">
+          <a:bodyPr lIns="90000" tIns="91440" rIns="90000" bIns="91440">
             <a:noAutofit/>
           </a:bodyPr>
+          <a:lstStyle/>
           <a:p>
             <a:pPr>
               <a:lnSpc>
                 <a:spcPct val="115000"/>
               </a:lnSpc>
               <a:tabLst>
-                <a:tab algn="l" pos="0"/>
+                <a:tab pos="0" algn="l"/>
               </a:tabLst>
             </a:pPr>
             <a:r>
-              <a:rPr b="0" lang="en-US" sz="1800" spc="-1" strike="noStrike">
+              <a:rPr lang="en-US" sz="1800" b="0" strike="noStrike" spc="-1">
                 <a:solidFill>
                   <a:srgbClr val="595959"/>
                 </a:solidFill>
@@ -8147,7 +9629,7 @@
               </a:rPr>
               <a:t>&lt;Describe what you have learned in this project. Feel free to include any challenges you ran into.&gt; [2]</a:t>
             </a:r>
-            <a:endParaRPr b="0" lang="en-US" sz="1800" spc="-1" strike="noStrike">
+            <a:endParaRPr lang="en-US" sz="1800" b="0" strike="noStrike" spc="-1">
               <a:latin typeface="Arial"/>
             </a:endParaRPr>
           </a:p>
@@ -8155,19 +9637,14 @@
       </p:sp>
     </p:spTree>
   </p:cSld>
-  <mc:AlternateContent>
-    <mc:Choice Requires="p14">
-      <p:transition spd="slow" p14:dur="2000"/>
-    </mc:Choice>
-    <mc:Fallback>
-      <p:transition spd="slow"/>
-    </mc:Fallback>
-  </mc:AlternateContent>
+  <p:clrMapOvr>
+    <a:masterClrMapping/>
+  </p:clrMapOvr>
 </p:sld>
 </file>
 
 <file path=ppt/slides/slide2.xml><?xml version="1.0" encoding="utf-8"?>
-<p:sld xmlns:a="http://schemas.openxmlformats.org/drawingml/2006/main" xmlns:p="http://schemas.openxmlformats.org/presentationml/2006/main" xmlns:r="http://schemas.openxmlformats.org/officeDocument/2006/relationships" xmlns:p14="http://schemas.microsoft.com/office/powerpoint/2010/main" xmlns:p15="http://schemas.microsoft.com/office/powerpoint/2012/main" xmlns:mc="http://schemas.openxmlformats.org/markup-compatibility/2006">
+<p:sld xmlns:a="http://schemas.openxmlformats.org/drawingml/2006/main" xmlns:r="http://schemas.openxmlformats.org/officeDocument/2006/relationships" xmlns:p="http://schemas.openxmlformats.org/presentationml/2006/main">
   <p:cSld>
     <p:spTree>
       <p:nvGrpSpPr>
@@ -8203,26 +9680,33 @@
           </a:ln>
         </p:spPr>
         <p:style>
-          <a:lnRef idx="0"/>
-          <a:fillRef idx="0"/>
-          <a:effectRef idx="0"/>
+          <a:lnRef idx="0">
+            <a:scrgbClr r="0" g="0" b="0"/>
+          </a:lnRef>
+          <a:fillRef idx="0">
+            <a:scrgbClr r="0" g="0" b="0"/>
+          </a:fillRef>
+          <a:effectRef idx="0">
+            <a:scrgbClr r="0" g="0" b="0"/>
+          </a:effectRef>
           <a:fontRef idx="minor"/>
         </p:style>
         <p:txBody>
-          <a:bodyPr lIns="90000" rIns="90000" tIns="91440" bIns="91440">
+          <a:bodyPr lIns="90000" tIns="91440" rIns="90000" bIns="91440">
             <a:noAutofit/>
           </a:bodyPr>
+          <a:lstStyle/>
           <a:p>
             <a:pPr>
               <a:lnSpc>
                 <a:spcPct val="100000"/>
               </a:lnSpc>
               <a:tabLst>
-                <a:tab algn="l" pos="0"/>
+                <a:tab pos="0" algn="l"/>
               </a:tabLst>
             </a:pPr>
             <a:r>
-              <a:rPr b="0" lang="en-US" sz="2800" spc="-1" strike="noStrike">
+              <a:rPr lang="en-US" sz="2800" b="0" strike="noStrike" spc="-1">
                 <a:solidFill>
                   <a:srgbClr val="000000"/>
                 </a:solidFill>
@@ -8231,7 +9715,7 @@
               </a:rPr>
               <a:t>Part 1.5: Projection Matrix for provided image</a:t>
             </a:r>
-            <a:endParaRPr b="0" lang="en-US" sz="2800" spc="-1" strike="noStrike">
+            <a:endParaRPr lang="en-US" sz="2800" b="0" strike="noStrike" spc="-1">
               <a:latin typeface="Arial"/>
             </a:endParaRPr>
           </a:p>
@@ -8257,26 +9741,33 @@
           </a:ln>
         </p:spPr>
         <p:style>
-          <a:lnRef idx="0"/>
-          <a:fillRef idx="0"/>
-          <a:effectRef idx="0"/>
+          <a:lnRef idx="0">
+            <a:scrgbClr r="0" g="0" b="0"/>
+          </a:lnRef>
+          <a:fillRef idx="0">
+            <a:scrgbClr r="0" g="0" b="0"/>
+          </a:fillRef>
+          <a:effectRef idx="0">
+            <a:scrgbClr r="0" g="0" b="0"/>
+          </a:effectRef>
           <a:fontRef idx="minor"/>
         </p:style>
         <p:txBody>
-          <a:bodyPr lIns="90000" rIns="90000" tIns="91440" bIns="91440">
+          <a:bodyPr lIns="90000" tIns="91440" rIns="90000" bIns="91440">
             <a:noAutofit/>
           </a:bodyPr>
+          <a:lstStyle/>
           <a:p>
             <a:pPr>
               <a:lnSpc>
                 <a:spcPct val="115000"/>
               </a:lnSpc>
               <a:tabLst>
-                <a:tab algn="l" pos="0"/>
+                <a:tab pos="0" algn="l"/>
               </a:tabLst>
             </a:pPr>
             <a:r>
-              <a:rPr b="0" lang="en-US" sz="1400" spc="-1" strike="noStrike">
+              <a:rPr lang="en-US" sz="1400" b="0" strike="noStrike" spc="-1">
                 <a:solidFill>
                   <a:srgbClr val="595959"/>
                 </a:solidFill>
@@ -8285,7 +9776,7 @@
               </a:rPr>
               <a:t>&lt;insert visualization of projected 3D points and actual 2D points for image provided by us here [1]&gt;</a:t>
             </a:r>
-            <a:endParaRPr b="0" lang="en-US" sz="1400" spc="-1" strike="noStrike">
+            <a:endParaRPr lang="en-US" sz="1400" b="0" strike="noStrike" spc="-1">
               <a:latin typeface="Arial"/>
             </a:endParaRPr>
           </a:p>
@@ -8298,10 +9789,10 @@
                 <a:spcPts val="1599"/>
               </a:spcBef>
               <a:tabLst>
-                <a:tab algn="l" pos="0"/>
+                <a:tab pos="0" algn="l"/>
               </a:tabLst>
             </a:pPr>
-            <a:endParaRPr b="0" lang="en-US" sz="1400" spc="-1" strike="noStrike">
+            <a:endParaRPr lang="en-US" sz="1400" b="0" strike="noStrike" spc="-1">
               <a:latin typeface="Arial"/>
             </a:endParaRPr>
           </a:p>
@@ -8327,26 +9818,33 @@
           </a:ln>
         </p:spPr>
         <p:style>
-          <a:lnRef idx="0"/>
-          <a:fillRef idx="0"/>
-          <a:effectRef idx="0"/>
+          <a:lnRef idx="0">
+            <a:scrgbClr r="0" g="0" b="0"/>
+          </a:lnRef>
+          <a:fillRef idx="0">
+            <a:scrgbClr r="0" g="0" b="0"/>
+          </a:fillRef>
+          <a:effectRef idx="0">
+            <a:scrgbClr r="0" g="0" b="0"/>
+          </a:effectRef>
           <a:fontRef idx="minor"/>
         </p:style>
         <p:txBody>
-          <a:bodyPr lIns="90000" rIns="90000" tIns="91440" bIns="91440">
+          <a:bodyPr lIns="90000" tIns="91440" rIns="90000" bIns="91440">
             <a:noAutofit/>
           </a:bodyPr>
+          <a:lstStyle/>
           <a:p>
             <a:pPr>
               <a:lnSpc>
                 <a:spcPct val="115000"/>
               </a:lnSpc>
               <a:tabLst>
-                <a:tab algn="l" pos="0"/>
+                <a:tab pos="0" algn="l"/>
               </a:tabLst>
             </a:pPr>
             <a:r>
-              <a:rPr b="0" lang="en-US" sz="1400" spc="-1" strike="noStrike">
+              <a:rPr lang="en-US" sz="1400" b="0" strike="noStrike" spc="-1" dirty="0">
                 <a:solidFill>
                   <a:srgbClr val="595959"/>
                 </a:solidFill>
@@ -8355,7 +9853,7 @@
               </a:rPr>
               <a:t>&lt;What is the minimum number of 3D-2D point correspondences needed to estimate the projection matrix? Why? [2]&gt;</a:t>
             </a:r>
-            <a:endParaRPr b="0" lang="en-US" sz="1400" spc="-1" strike="noStrike">
+            <a:endParaRPr lang="en-US" sz="1400" b="0" strike="noStrike" spc="-1" dirty="0">
               <a:latin typeface="Arial"/>
             </a:endParaRPr>
           </a:p>
@@ -8368,30 +9866,78 @@
                 <a:spcPts val="1599"/>
               </a:spcBef>
               <a:tabLst>
-                <a:tab algn="l" pos="0"/>
+                <a:tab pos="0" algn="l"/>
               </a:tabLst>
             </a:pPr>
-            <a:endParaRPr b="0" lang="en-US" sz="1400" spc="-1" strike="noStrike">
-              <a:latin typeface="Arial"/>
-            </a:endParaRPr>
-          </a:p>
-        </p:txBody>
-      </p:sp>
+            <a:r>
+              <a:rPr lang="en-US" sz="1400" spc="-1" dirty="0">
+                <a:latin typeface="Arial"/>
+              </a:rPr>
+              <a:t>A minimum of 6 point-correspondences are needed because there are 11 unknown parameters in the projection matrix and each correspondence yields 2 equations (6x2 = 12 equations).</a:t>
+            </a:r>
+            <a:endParaRPr lang="en-US" sz="1400" b="0" strike="noStrike" spc="-1" dirty="0">
+              <a:latin typeface="Arial"/>
+            </a:endParaRPr>
+          </a:p>
+        </p:txBody>
+      </p:sp>
+      <p:pic>
+        <p:nvPicPr>
+          <p:cNvPr id="1026" name="Picture 2">
+            <a:extLst>
+              <a:ext uri="{FF2B5EF4-FFF2-40B4-BE49-F238E27FC236}">
+                <a16:creationId xmlns:a16="http://schemas.microsoft.com/office/drawing/2014/main" id="{FB909F8A-4262-49BF-B3B8-B2C55680AF23}"/>
+              </a:ext>
+            </a:extLst>
+          </p:cNvPr>
+          <p:cNvPicPr>
+            <a:picLocks noChangeAspect="1" noChangeArrowheads="1"/>
+          </p:cNvPicPr>
+          <p:nvPr/>
+        </p:nvPicPr>
+        <p:blipFill>
+          <a:blip r:embed="rId2">
+            <a:extLst>
+              <a:ext uri="{28A0092B-C50C-407E-A947-70E740481C1C}">
+                <a14:useLocalDpi xmlns:a14="http://schemas.microsoft.com/office/drawing/2010/main" val="0"/>
+              </a:ext>
+            </a:extLst>
+          </a:blip>
+          <a:srcRect/>
+          <a:stretch>
+            <a:fillRect/>
+          </a:stretch>
+        </p:blipFill>
+        <p:spPr bwMode="auto">
+          <a:xfrm>
+            <a:off x="434253" y="2053936"/>
+            <a:ext cx="3495675" cy="2400300"/>
+          </a:xfrm>
+          <a:prstGeom prst="rect">
+            <a:avLst/>
+          </a:prstGeom>
+          <a:noFill/>
+          <a:extLst>
+            <a:ext uri="{909E8E84-426E-40DD-AFC4-6F175D3DCCD1}">
+              <a14:hiddenFill xmlns:a14="http://schemas.microsoft.com/office/drawing/2010/main">
+                <a:solidFill>
+                  <a:srgbClr val="FFFFFF"/>
+                </a:solidFill>
+              </a14:hiddenFill>
+            </a:ext>
+          </a:extLst>
+        </p:spPr>
+      </p:pic>
     </p:spTree>
   </p:cSld>
-  <mc:AlternateContent>
-    <mc:Choice Requires="p14">
-      <p:transition spd="slow" p14:dur="2000"/>
-    </mc:Choice>
-    <mc:Fallback>
-      <p:transition spd="slow"/>
-    </mc:Fallback>
-  </mc:AlternateContent>
+  <p:clrMapOvr>
+    <a:masterClrMapping/>
+  </p:clrMapOvr>
 </p:sld>
 </file>
 
 <file path=ppt/slides/slide3.xml><?xml version="1.0" encoding="utf-8"?>
-<p:sld xmlns:a="http://schemas.openxmlformats.org/drawingml/2006/main" xmlns:p="http://schemas.openxmlformats.org/presentationml/2006/main" xmlns:r="http://schemas.openxmlformats.org/officeDocument/2006/relationships" xmlns:p14="http://schemas.microsoft.com/office/powerpoint/2010/main" xmlns:p15="http://schemas.microsoft.com/office/powerpoint/2012/main" xmlns:mc="http://schemas.openxmlformats.org/markup-compatibility/2006">
+<p:sld xmlns:a="http://schemas.openxmlformats.org/drawingml/2006/main" xmlns:r="http://schemas.openxmlformats.org/officeDocument/2006/relationships" xmlns:p="http://schemas.openxmlformats.org/presentationml/2006/main">
   <p:cSld>
     <p:spTree>
       <p:nvGrpSpPr>
@@ -8427,26 +9973,33 @@
           </a:ln>
         </p:spPr>
         <p:style>
-          <a:lnRef idx="0"/>
-          <a:fillRef idx="0"/>
-          <a:effectRef idx="0"/>
+          <a:lnRef idx="0">
+            <a:scrgbClr r="0" g="0" b="0"/>
+          </a:lnRef>
+          <a:fillRef idx="0">
+            <a:scrgbClr r="0" g="0" b="0"/>
+          </a:fillRef>
+          <a:effectRef idx="0">
+            <a:scrgbClr r="0" g="0" b="0"/>
+          </a:effectRef>
           <a:fontRef idx="minor"/>
         </p:style>
         <p:txBody>
-          <a:bodyPr lIns="90000" rIns="90000" tIns="91440" bIns="91440">
+          <a:bodyPr lIns="90000" tIns="91440" rIns="90000" bIns="91440">
             <a:noAutofit/>
           </a:bodyPr>
+          <a:lstStyle/>
           <a:p>
             <a:pPr>
               <a:lnSpc>
                 <a:spcPct val="100000"/>
               </a:lnSpc>
               <a:tabLst>
-                <a:tab algn="l" pos="0"/>
+                <a:tab pos="0" algn="l"/>
               </a:tabLst>
             </a:pPr>
             <a:r>
-              <a:rPr b="0" lang="en-US" sz="2800" spc="-1" strike="noStrike">
+              <a:rPr lang="en-US" sz="2800" b="0" strike="noStrike" spc="-1">
                 <a:solidFill>
                   <a:srgbClr val="000000"/>
                 </a:solidFill>
@@ -8455,7 +10008,7 @@
               </a:rPr>
               <a:t>Part 2.1: Projection Matrix for custom images</a:t>
             </a:r>
-            <a:endParaRPr b="0" lang="en-US" sz="2800" spc="-1" strike="noStrike">
+            <a:endParaRPr lang="en-US" sz="2800" b="0" strike="noStrike" spc="-1">
               <a:latin typeface="Arial"/>
             </a:endParaRPr>
           </a:p>
@@ -8481,26 +10034,33 @@
           </a:ln>
         </p:spPr>
         <p:style>
-          <a:lnRef idx="0"/>
-          <a:fillRef idx="0"/>
-          <a:effectRef idx="0"/>
+          <a:lnRef idx="0">
+            <a:scrgbClr r="0" g="0" b="0"/>
+          </a:lnRef>
+          <a:fillRef idx="0">
+            <a:scrgbClr r="0" g="0" b="0"/>
+          </a:fillRef>
+          <a:effectRef idx="0">
+            <a:scrgbClr r="0" g="0" b="0"/>
+          </a:effectRef>
           <a:fontRef idx="minor"/>
         </p:style>
         <p:txBody>
-          <a:bodyPr lIns="90000" rIns="90000" tIns="91440" bIns="91440">
+          <a:bodyPr lIns="90000" tIns="91440" rIns="90000" bIns="91440">
             <a:noAutofit/>
           </a:bodyPr>
+          <a:lstStyle/>
           <a:p>
             <a:pPr>
               <a:lnSpc>
                 <a:spcPct val="115000"/>
               </a:lnSpc>
               <a:tabLst>
-                <a:tab algn="l" pos="0"/>
+                <a:tab pos="0" algn="l"/>
               </a:tabLst>
             </a:pPr>
             <a:r>
-              <a:rPr b="0" lang="en-US" sz="1400" spc="-1" strike="noStrike">
+              <a:rPr lang="en-US" sz="1400" b="0" strike="noStrike" spc="-1">
                 <a:solidFill>
                   <a:srgbClr val="595959"/>
                 </a:solidFill>
@@ -8509,7 +10069,7 @@
               </a:rPr>
               <a:t>&lt;Copy two images of your fiducial object here [2]&gt;</a:t>
             </a:r>
-            <a:endParaRPr b="0" lang="en-US" sz="1400" spc="-1" strike="noStrike">
+            <a:endParaRPr lang="en-US" sz="1400" b="0" strike="noStrike" spc="-1">
               <a:latin typeface="Arial"/>
             </a:endParaRPr>
           </a:p>
@@ -8522,10 +10082,10 @@
                 <a:spcPts val="1599"/>
               </a:spcBef>
               <a:tabLst>
-                <a:tab algn="l" pos="0"/>
+                <a:tab pos="0" algn="l"/>
               </a:tabLst>
             </a:pPr>
-            <a:endParaRPr b="0" lang="en-US" sz="1400" spc="-1" strike="noStrike">
+            <a:endParaRPr lang="en-US" sz="1400" b="0" strike="noStrike" spc="-1">
               <a:latin typeface="Arial"/>
             </a:endParaRPr>
           </a:p>
@@ -8551,27 +10111,28 @@
           </a:ln>
         </p:spPr>
         <p:style>
-          <a:lnRef idx="0"/>
-          <a:fillRef idx="0"/>
-          <a:effectRef idx="0"/>
+          <a:lnRef idx="0">
+            <a:scrgbClr r="0" g="0" b="0"/>
+          </a:lnRef>
+          <a:fillRef idx="0">
+            <a:scrgbClr r="0" g="0" b="0"/>
+          </a:fillRef>
+          <a:effectRef idx="0">
+            <a:scrgbClr r="0" g="0" b="0"/>
+          </a:effectRef>
           <a:fontRef idx="minor"/>
         </p:style>
       </p:sp>
     </p:spTree>
   </p:cSld>
-  <mc:AlternateContent>
-    <mc:Choice Requires="p14">
-      <p:transition spd="slow" p14:dur="2000"/>
-    </mc:Choice>
-    <mc:Fallback>
-      <p:transition spd="slow"/>
-    </mc:Fallback>
-  </mc:AlternateContent>
+  <p:clrMapOvr>
+    <a:masterClrMapping/>
+  </p:clrMapOvr>
 </p:sld>
 </file>
 
 <file path=ppt/slides/slide4.xml><?xml version="1.0" encoding="utf-8"?>
-<p:sld xmlns:a="http://schemas.openxmlformats.org/drawingml/2006/main" xmlns:p="http://schemas.openxmlformats.org/presentationml/2006/main" xmlns:r="http://schemas.openxmlformats.org/officeDocument/2006/relationships" xmlns:p14="http://schemas.microsoft.com/office/powerpoint/2010/main" xmlns:p15="http://schemas.microsoft.com/office/powerpoint/2012/main" xmlns:mc="http://schemas.openxmlformats.org/markup-compatibility/2006">
+<p:sld xmlns:a="http://schemas.openxmlformats.org/drawingml/2006/main" xmlns:r="http://schemas.openxmlformats.org/officeDocument/2006/relationships" xmlns:p="http://schemas.openxmlformats.org/presentationml/2006/main">
   <p:cSld>
     <p:spTree>
       <p:nvGrpSpPr>
@@ -8607,26 +10168,33 @@
           </a:ln>
         </p:spPr>
         <p:style>
-          <a:lnRef idx="0"/>
-          <a:fillRef idx="0"/>
-          <a:effectRef idx="0"/>
+          <a:lnRef idx="0">
+            <a:scrgbClr r="0" g="0" b="0"/>
+          </a:lnRef>
+          <a:fillRef idx="0">
+            <a:scrgbClr r="0" g="0" b="0"/>
+          </a:fillRef>
+          <a:effectRef idx="0">
+            <a:scrgbClr r="0" g="0" b="0"/>
+          </a:effectRef>
           <a:fontRef idx="minor"/>
         </p:style>
         <p:txBody>
-          <a:bodyPr lIns="90000" rIns="90000" tIns="91440" bIns="91440">
+          <a:bodyPr lIns="90000" tIns="91440" rIns="90000" bIns="91440">
             <a:noAutofit/>
           </a:bodyPr>
+          <a:lstStyle/>
           <a:p>
             <a:pPr>
               <a:lnSpc>
                 <a:spcPct val="100000"/>
               </a:lnSpc>
               <a:tabLst>
-                <a:tab algn="l" pos="0"/>
+                <a:tab pos="0" algn="l"/>
               </a:tabLst>
             </a:pPr>
             <a:r>
-              <a:rPr b="0" lang="en-US" sz="2800" spc="-1" strike="noStrike">
+              <a:rPr lang="en-US" sz="2800" b="0" strike="noStrike" spc="-1">
                 <a:solidFill>
                   <a:srgbClr val="000000"/>
                 </a:solidFill>
@@ -8635,7 +10203,7 @@
               </a:rPr>
               <a:t>Part 2.2: Pose init for custom images</a:t>
             </a:r>
-            <a:endParaRPr b="0" lang="en-US" sz="2800" spc="-1" strike="noStrike">
+            <a:endParaRPr lang="en-US" sz="2800" b="0" strike="noStrike" spc="-1">
               <a:latin typeface="Arial"/>
             </a:endParaRPr>
           </a:p>
@@ -8661,26 +10229,33 @@
           </a:ln>
         </p:spPr>
         <p:style>
-          <a:lnRef idx="0"/>
-          <a:fillRef idx="0"/>
-          <a:effectRef idx="0"/>
+          <a:lnRef idx="0">
+            <a:scrgbClr r="0" g="0" b="0"/>
+          </a:lnRef>
+          <a:fillRef idx="0">
+            <a:scrgbClr r="0" g="0" b="0"/>
+          </a:fillRef>
+          <a:effectRef idx="0">
+            <a:scrgbClr r="0" g="0" b="0"/>
+          </a:effectRef>
           <a:fontRef idx="minor"/>
         </p:style>
         <p:txBody>
-          <a:bodyPr lIns="90000" rIns="90000" tIns="91440" bIns="91440">
+          <a:bodyPr lIns="90000" tIns="91440" rIns="90000" bIns="91440">
             <a:noAutofit/>
           </a:bodyPr>
+          <a:lstStyle/>
           <a:p>
             <a:pPr>
               <a:lnSpc>
                 <a:spcPct val="115000"/>
               </a:lnSpc>
               <a:tabLst>
-                <a:tab algn="l" pos="0"/>
+                <a:tab pos="0" algn="l"/>
               </a:tabLst>
             </a:pPr>
             <a:r>
-              <a:rPr b="0" lang="en-US" sz="1400" spc="-1" strike="noStrike">
+              <a:rPr lang="en-US" sz="1400" b="0" strike="noStrike" spc="-1">
                 <a:solidFill>
                   <a:srgbClr val="595959"/>
                 </a:solidFill>
@@ -8689,7 +10264,7 @@
               </a:rPr>
               <a:t>&lt;Insert visualization for the initialized camera pose for 1st image&gt; [1]</a:t>
             </a:r>
-            <a:endParaRPr b="0" lang="en-US" sz="1400" spc="-1" strike="noStrike">
+            <a:endParaRPr lang="en-US" sz="1400" b="0" strike="noStrike" spc="-1">
               <a:latin typeface="Arial"/>
             </a:endParaRPr>
           </a:p>
@@ -8715,9 +10290,15 @@
           </a:ln>
         </p:spPr>
         <p:style>
-          <a:lnRef idx="0"/>
-          <a:fillRef idx="0"/>
-          <a:effectRef idx="0"/>
+          <a:lnRef idx="0">
+            <a:scrgbClr r="0" g="0" b="0"/>
+          </a:lnRef>
+          <a:fillRef idx="0">
+            <a:scrgbClr r="0" g="0" b="0"/>
+          </a:fillRef>
+          <a:effectRef idx="0">
+            <a:scrgbClr r="0" g="0" b="0"/>
+          </a:effectRef>
           <a:fontRef idx="minor"/>
         </p:style>
       </p:sp>
@@ -8741,15 +10322,22 @@
           </a:ln>
         </p:spPr>
         <p:style>
-          <a:lnRef idx="0"/>
-          <a:fillRef idx="0"/>
-          <a:effectRef idx="0"/>
+          <a:lnRef idx="0">
+            <a:scrgbClr r="0" g="0" b="0"/>
+          </a:lnRef>
+          <a:fillRef idx="0">
+            <a:scrgbClr r="0" g="0" b="0"/>
+          </a:fillRef>
+          <a:effectRef idx="0">
+            <a:scrgbClr r="0" g="0" b="0"/>
+          </a:effectRef>
           <a:fontRef idx="minor"/>
         </p:style>
         <p:txBody>
-          <a:bodyPr lIns="0" rIns="0" tIns="0" bIns="0">
+          <a:bodyPr lIns="0" tIns="0" rIns="0" bIns="0">
             <a:noAutofit/>
           </a:bodyPr>
+          <a:lstStyle/>
           <a:p>
             <a:pPr>
               <a:lnSpc>
@@ -8759,11 +10347,11 @@
                 <a:spcPts val="1001"/>
               </a:spcBef>
               <a:tabLst>
-                <a:tab algn="l" pos="0"/>
+                <a:tab pos="0" algn="l"/>
               </a:tabLst>
             </a:pPr>
             <a:r>
-              <a:rPr b="0" lang="en-US" sz="1400" spc="-1" strike="noStrike">
+              <a:rPr lang="en-US" sz="1400" b="0" strike="noStrike" spc="-1">
                 <a:solidFill>
                   <a:srgbClr val="595959"/>
                 </a:solidFill>
@@ -8772,7 +10360,7 @@
               </a:rPr>
               <a:t>&lt;Insert visualization for the initialized camera pose for 2nd image&gt; [1]</a:t>
             </a:r>
-            <a:endParaRPr b="0" lang="en-US" sz="1400" spc="-1" strike="noStrike">
+            <a:endParaRPr lang="en-US" sz="1400" b="0" strike="noStrike" spc="-1">
               <a:latin typeface="Arial"/>
             </a:endParaRPr>
           </a:p>
@@ -8782,10 +10370,10 @@
                 <a:spcPct val="100000"/>
               </a:lnSpc>
               <a:tabLst>
-                <a:tab algn="l" pos="0"/>
+                <a:tab pos="0" algn="l"/>
               </a:tabLst>
             </a:pPr>
-            <a:endParaRPr b="0" lang="en-US" sz="1400" spc="-1" strike="noStrike">
+            <a:endParaRPr lang="en-US" sz="1400" b="0" strike="noStrike" spc="-1">
               <a:latin typeface="Arial"/>
             </a:endParaRPr>
           </a:p>
@@ -8793,19 +10381,14 @@
       </p:sp>
     </p:spTree>
   </p:cSld>
-  <mc:AlternateContent>
-    <mc:Choice Requires="p14">
-      <p:transition spd="slow" p14:dur="2000"/>
-    </mc:Choice>
-    <mc:Fallback>
-      <p:transition spd="slow"/>
-    </mc:Fallback>
-  </mc:AlternateContent>
+  <p:clrMapOvr>
+    <a:masterClrMapping/>
+  </p:clrMapOvr>
 </p:sld>
 </file>
 
 <file path=ppt/slides/slide5.xml><?xml version="1.0" encoding="utf-8"?>
-<p:sld xmlns:a="http://schemas.openxmlformats.org/drawingml/2006/main" xmlns:p="http://schemas.openxmlformats.org/presentationml/2006/main" xmlns:r="http://schemas.openxmlformats.org/officeDocument/2006/relationships" xmlns:p14="http://schemas.microsoft.com/office/powerpoint/2010/main" xmlns:p15="http://schemas.microsoft.com/office/powerpoint/2012/main" xmlns:mc="http://schemas.openxmlformats.org/markup-compatibility/2006">
+<p:sld xmlns:a="http://schemas.openxmlformats.org/drawingml/2006/main" xmlns:r="http://schemas.openxmlformats.org/officeDocument/2006/relationships" xmlns:p="http://schemas.openxmlformats.org/presentationml/2006/main">
   <p:cSld>
     <p:spTree>
       <p:nvGrpSpPr>
@@ -8841,26 +10424,33 @@
           </a:ln>
         </p:spPr>
         <p:style>
-          <a:lnRef idx="0"/>
-          <a:fillRef idx="0"/>
-          <a:effectRef idx="0"/>
+          <a:lnRef idx="0">
+            <a:scrgbClr r="0" g="0" b="0"/>
+          </a:lnRef>
+          <a:fillRef idx="0">
+            <a:scrgbClr r="0" g="0" b="0"/>
+          </a:fillRef>
+          <a:effectRef idx="0">
+            <a:scrgbClr r="0" g="0" b="0"/>
+          </a:effectRef>
           <a:fontRef idx="minor"/>
         </p:style>
         <p:txBody>
-          <a:bodyPr lIns="90000" rIns="90000" tIns="91440" bIns="91440">
+          <a:bodyPr lIns="90000" tIns="91440" rIns="90000" bIns="91440">
             <a:noAutofit/>
           </a:bodyPr>
+          <a:lstStyle/>
           <a:p>
             <a:pPr>
               <a:lnSpc>
                 <a:spcPct val="100000"/>
               </a:lnSpc>
               <a:tabLst>
-                <a:tab algn="l" pos="0"/>
+                <a:tab pos="0" algn="l"/>
               </a:tabLst>
             </a:pPr>
             <a:r>
-              <a:rPr b="0" lang="en-US" sz="2800" spc="-1" strike="noStrike">
+              <a:rPr lang="en-US" sz="2800" b="0" strike="noStrike" spc="-1">
                 <a:solidFill>
                   <a:srgbClr val="000000"/>
                 </a:solidFill>
@@ -8869,7 +10459,7 @@
               </a:rPr>
               <a:t>Part 2.2: Optimized results for custom images</a:t>
             </a:r>
-            <a:endParaRPr b="0" lang="en-US" sz="2800" spc="-1" strike="noStrike">
+            <a:endParaRPr lang="en-US" sz="2800" b="0" strike="noStrike" spc="-1">
               <a:latin typeface="Arial"/>
             </a:endParaRPr>
           </a:p>
@@ -8895,26 +10485,33 @@
           </a:ln>
         </p:spPr>
         <p:style>
-          <a:lnRef idx="0"/>
-          <a:fillRef idx="0"/>
-          <a:effectRef idx="0"/>
+          <a:lnRef idx="0">
+            <a:scrgbClr r="0" g="0" b="0"/>
+          </a:lnRef>
+          <a:fillRef idx="0">
+            <a:scrgbClr r="0" g="0" b="0"/>
+          </a:fillRef>
+          <a:effectRef idx="0">
+            <a:scrgbClr r="0" g="0" b="0"/>
+          </a:effectRef>
           <a:fontRef idx="minor"/>
         </p:style>
         <p:txBody>
-          <a:bodyPr lIns="90000" rIns="90000" tIns="91440" bIns="91440">
+          <a:bodyPr lIns="90000" tIns="91440" rIns="90000" bIns="91440">
             <a:noAutofit/>
           </a:bodyPr>
+          <a:lstStyle/>
           <a:p>
             <a:pPr>
               <a:lnSpc>
                 <a:spcPct val="115000"/>
               </a:lnSpc>
               <a:tabLst>
-                <a:tab algn="l" pos="0"/>
+                <a:tab pos="0" algn="l"/>
               </a:tabLst>
             </a:pPr>
             <a:r>
-              <a:rPr b="0" lang="en-US" sz="1400" spc="-1" strike="noStrike">
+              <a:rPr lang="en-US" sz="1400" b="0" strike="noStrike" spc="-1">
                 <a:solidFill>
                   <a:srgbClr val="595959"/>
                 </a:solidFill>
@@ -8923,7 +10520,7 @@
               </a:rPr>
               <a:t>&lt;Insert visualization for projected 3D points and actual 2D points for 1st image&gt; [1.5]</a:t>
             </a:r>
-            <a:endParaRPr b="0" lang="en-US" sz="1400" spc="-1" strike="noStrike">
+            <a:endParaRPr lang="en-US" sz="1400" b="0" strike="noStrike" spc="-1">
               <a:latin typeface="Arial"/>
             </a:endParaRPr>
           </a:p>
@@ -8949,9 +10546,15 @@
           </a:ln>
         </p:spPr>
         <p:style>
-          <a:lnRef idx="0"/>
-          <a:fillRef idx="0"/>
-          <a:effectRef idx="0"/>
+          <a:lnRef idx="0">
+            <a:scrgbClr r="0" g="0" b="0"/>
+          </a:lnRef>
+          <a:fillRef idx="0">
+            <a:scrgbClr r="0" g="0" b="0"/>
+          </a:fillRef>
+          <a:effectRef idx="0">
+            <a:scrgbClr r="0" g="0" b="0"/>
+          </a:effectRef>
           <a:fontRef idx="minor"/>
         </p:style>
       </p:sp>
@@ -8975,15 +10578,22 @@
           </a:ln>
         </p:spPr>
         <p:style>
-          <a:lnRef idx="0"/>
-          <a:fillRef idx="0"/>
-          <a:effectRef idx="0"/>
+          <a:lnRef idx="0">
+            <a:scrgbClr r="0" g="0" b="0"/>
+          </a:lnRef>
+          <a:fillRef idx="0">
+            <a:scrgbClr r="0" g="0" b="0"/>
+          </a:fillRef>
+          <a:effectRef idx="0">
+            <a:scrgbClr r="0" g="0" b="0"/>
+          </a:effectRef>
           <a:fontRef idx="minor"/>
         </p:style>
         <p:txBody>
-          <a:bodyPr lIns="0" rIns="0" tIns="0" bIns="0">
+          <a:bodyPr lIns="0" tIns="0" rIns="0" bIns="0">
             <a:noAutofit/>
           </a:bodyPr>
+          <a:lstStyle/>
           <a:p>
             <a:pPr>
               <a:lnSpc>
@@ -8993,11 +10603,11 @@
                 <a:spcPts val="1001"/>
               </a:spcBef>
               <a:tabLst>
-                <a:tab algn="l" pos="0"/>
+                <a:tab pos="0" algn="l"/>
               </a:tabLst>
             </a:pPr>
             <a:r>
-              <a:rPr b="0" lang="en-US" sz="1400" spc="-1" strike="noStrike">
+              <a:rPr lang="en-US" sz="1400" b="0" strike="noStrike" spc="-1">
                 <a:solidFill>
                   <a:srgbClr val="595959"/>
                 </a:solidFill>
@@ -9006,7 +10616,7 @@
               </a:rPr>
               <a:t>&lt;Insert visualization for projected 3D points and actual 2D points for 2nd image&gt; [1.5]</a:t>
             </a:r>
-            <a:endParaRPr b="0" lang="en-US" sz="1400" spc="-1" strike="noStrike">
+            <a:endParaRPr lang="en-US" sz="1400" b="0" strike="noStrike" spc="-1">
               <a:latin typeface="Arial"/>
             </a:endParaRPr>
           </a:p>
@@ -9016,10 +10626,10 @@
                 <a:spcPct val="100000"/>
               </a:lnSpc>
               <a:tabLst>
-                <a:tab algn="l" pos="0"/>
+                <a:tab pos="0" algn="l"/>
               </a:tabLst>
             </a:pPr>
-            <a:endParaRPr b="0" lang="en-US" sz="1400" spc="-1" strike="noStrike">
+            <a:endParaRPr lang="en-US" sz="1400" b="0" strike="noStrike" spc="-1">
               <a:latin typeface="Arial"/>
             </a:endParaRPr>
           </a:p>
@@ -9027,19 +10637,14 @@
       </p:sp>
     </p:spTree>
   </p:cSld>
-  <mc:AlternateContent>
-    <mc:Choice Requires="p14">
-      <p:transition spd="slow" p14:dur="2000"/>
-    </mc:Choice>
-    <mc:Fallback>
-      <p:transition spd="slow"/>
-    </mc:Fallback>
-  </mc:AlternateContent>
+  <p:clrMapOvr>
+    <a:masterClrMapping/>
+  </p:clrMapOvr>
 </p:sld>
 </file>
 
 <file path=ppt/slides/slide6.xml><?xml version="1.0" encoding="utf-8"?>
-<p:sld xmlns:a="http://schemas.openxmlformats.org/drawingml/2006/main" xmlns:p="http://schemas.openxmlformats.org/presentationml/2006/main" xmlns:r="http://schemas.openxmlformats.org/officeDocument/2006/relationships" xmlns:p14="http://schemas.microsoft.com/office/powerpoint/2010/main" xmlns:p15="http://schemas.microsoft.com/office/powerpoint/2012/main" xmlns:mc="http://schemas.openxmlformats.org/markup-compatibility/2006">
+<p:sld xmlns:a="http://schemas.openxmlformats.org/drawingml/2006/main" xmlns:r="http://schemas.openxmlformats.org/officeDocument/2006/relationships" xmlns:p="http://schemas.openxmlformats.org/presentationml/2006/main">
   <p:cSld>
     <p:spTree>
       <p:nvGrpSpPr>
@@ -9075,26 +10680,33 @@
           </a:ln>
         </p:spPr>
         <p:style>
-          <a:lnRef idx="0"/>
-          <a:fillRef idx="0"/>
-          <a:effectRef idx="0"/>
+          <a:lnRef idx="0">
+            <a:scrgbClr r="0" g="0" b="0"/>
+          </a:lnRef>
+          <a:fillRef idx="0">
+            <a:scrgbClr r="0" g="0" b="0"/>
+          </a:fillRef>
+          <a:effectRef idx="0">
+            <a:scrgbClr r="0" g="0" b="0"/>
+          </a:effectRef>
           <a:fontRef idx="minor"/>
         </p:style>
         <p:txBody>
-          <a:bodyPr lIns="90000" rIns="90000" tIns="91440" bIns="91440">
+          <a:bodyPr lIns="90000" tIns="91440" rIns="90000" bIns="91440">
             <a:noAutofit/>
           </a:bodyPr>
+          <a:lstStyle/>
           <a:p>
             <a:pPr>
               <a:lnSpc>
                 <a:spcPct val="100000"/>
               </a:lnSpc>
               <a:tabLst>
-                <a:tab algn="l" pos="0"/>
+                <a:tab pos="0" algn="l"/>
               </a:tabLst>
             </a:pPr>
             <a:r>
-              <a:rPr b="0" lang="en-US" sz="2800" spc="-1" strike="noStrike">
+              <a:rPr lang="en-US" sz="2800" b="0" strike="noStrike" spc="-1">
                 <a:solidFill>
                   <a:srgbClr val="000000"/>
                 </a:solidFill>
@@ -9103,7 +10715,7 @@
               </a:rPr>
               <a:t>Part 2.3: Optimized Camera Poses </a:t>
             </a:r>
-            <a:endParaRPr b="0" lang="en-US" sz="2800" spc="-1" strike="noStrike">
+            <a:endParaRPr lang="en-US" sz="2800" b="0" strike="noStrike" spc="-1">
               <a:latin typeface="Arial"/>
             </a:endParaRPr>
           </a:p>
@@ -9129,26 +10741,33 @@
           </a:ln>
         </p:spPr>
         <p:style>
-          <a:lnRef idx="0"/>
-          <a:fillRef idx="0"/>
-          <a:effectRef idx="0"/>
+          <a:lnRef idx="0">
+            <a:scrgbClr r="0" g="0" b="0"/>
+          </a:lnRef>
+          <a:fillRef idx="0">
+            <a:scrgbClr r="0" g="0" b="0"/>
+          </a:fillRef>
+          <a:effectRef idx="0">
+            <a:scrgbClr r="0" g="0" b="0"/>
+          </a:effectRef>
           <a:fontRef idx="minor"/>
         </p:style>
         <p:txBody>
-          <a:bodyPr lIns="90000" rIns="90000" tIns="91440" bIns="91440">
+          <a:bodyPr lIns="90000" tIns="91440" rIns="90000" bIns="91440">
             <a:noAutofit/>
           </a:bodyPr>
+          <a:lstStyle/>
           <a:p>
             <a:pPr>
               <a:lnSpc>
                 <a:spcPct val="115000"/>
               </a:lnSpc>
               <a:tabLst>
-                <a:tab algn="l" pos="0"/>
+                <a:tab pos="0" algn="l"/>
               </a:tabLst>
             </a:pPr>
             <a:r>
-              <a:rPr b="0" lang="en-US" sz="1400" spc="-1" strike="noStrike">
+              <a:rPr lang="en-US" sz="1400" b="0" strike="noStrike" spc="-1">
                 <a:solidFill>
                   <a:srgbClr val="595959"/>
                 </a:solidFill>
@@ -9157,7 +10776,7 @@
               </a:rPr>
               <a:t>&lt;Insert pose with world and optimized camera’s coordinate systems [1]&gt;</a:t>
             </a:r>
-            <a:endParaRPr b="0" lang="en-US" sz="1400" spc="-1" strike="noStrike">
+            <a:endParaRPr lang="en-US" sz="1400" b="0" strike="noStrike" spc="-1">
               <a:latin typeface="Arial"/>
             </a:endParaRPr>
           </a:p>
@@ -9165,19 +10784,14 @@
       </p:sp>
     </p:spTree>
   </p:cSld>
-  <mc:AlternateContent>
-    <mc:Choice Requires="p14">
-      <p:transition spd="slow" p14:dur="2000"/>
-    </mc:Choice>
-    <mc:Fallback>
-      <p:transition spd="slow"/>
-    </mc:Fallback>
-  </mc:AlternateContent>
+  <p:clrMapOvr>
+    <a:masterClrMapping/>
+  </p:clrMapOvr>
 </p:sld>
 </file>
 
 <file path=ppt/slides/slide7.xml><?xml version="1.0" encoding="utf-8"?>
-<p:sld xmlns:a="http://schemas.openxmlformats.org/drawingml/2006/main" xmlns:p="http://schemas.openxmlformats.org/presentationml/2006/main" xmlns:r="http://schemas.openxmlformats.org/officeDocument/2006/relationships" xmlns:p14="http://schemas.microsoft.com/office/powerpoint/2010/main" xmlns:p15="http://schemas.microsoft.com/office/powerpoint/2012/main" xmlns:mc="http://schemas.openxmlformats.org/markup-compatibility/2006">
+<p:sld xmlns:a="http://schemas.openxmlformats.org/drawingml/2006/main" xmlns:r="http://schemas.openxmlformats.org/officeDocument/2006/relationships" xmlns:p="http://schemas.openxmlformats.org/presentationml/2006/main">
   <p:cSld>
     <p:spTree>
       <p:nvGrpSpPr>
@@ -9213,26 +10827,33 @@
           </a:ln>
         </p:spPr>
         <p:style>
-          <a:lnRef idx="0"/>
-          <a:fillRef idx="0"/>
-          <a:effectRef idx="0"/>
+          <a:lnRef idx="0">
+            <a:scrgbClr r="0" g="0" b="0"/>
+          </a:lnRef>
+          <a:fillRef idx="0">
+            <a:scrgbClr r="0" g="0" b="0"/>
+          </a:fillRef>
+          <a:effectRef idx="0">
+            <a:scrgbClr r="0" g="0" b="0"/>
+          </a:effectRef>
           <a:fontRef idx="minor"/>
         </p:style>
         <p:txBody>
-          <a:bodyPr lIns="90000" rIns="90000" tIns="91440" bIns="91440">
+          <a:bodyPr lIns="90000" tIns="91440" rIns="90000" bIns="91440">
             <a:noAutofit/>
           </a:bodyPr>
+          <a:lstStyle/>
           <a:p>
             <a:pPr>
               <a:lnSpc>
                 <a:spcPct val="100000"/>
               </a:lnSpc>
               <a:tabLst>
-                <a:tab algn="l" pos="0"/>
+                <a:tab pos="0" algn="l"/>
               </a:tabLst>
             </a:pPr>
             <a:r>
-              <a:rPr b="0" lang="en-US" sz="2800" spc="-1" strike="noStrike">
+              <a:rPr lang="en-US" sz="2800" b="0" strike="noStrike" spc="-1">
                 <a:solidFill>
                   <a:srgbClr val="000000"/>
                 </a:solidFill>
@@ -9241,7 +10862,7 @@
               </a:rPr>
               <a:t>Part 3.2: Optimized Epipolar Lines (given images)</a:t>
             </a:r>
-            <a:endParaRPr b="0" lang="en-US" sz="2800" spc="-1" strike="noStrike">
+            <a:endParaRPr lang="en-US" sz="2800" b="0" strike="noStrike" spc="-1">
               <a:latin typeface="Arial"/>
             </a:endParaRPr>
           </a:p>
@@ -9267,9 +10888,15 @@
           </a:ln>
         </p:spPr>
         <p:style>
-          <a:lnRef idx="0"/>
-          <a:fillRef idx="0"/>
-          <a:effectRef idx="0"/>
+          <a:lnRef idx="0">
+            <a:scrgbClr r="0" g="0" b="0"/>
+          </a:lnRef>
+          <a:fillRef idx="0">
+            <a:scrgbClr r="0" g="0" b="0"/>
+          </a:fillRef>
+          <a:effectRef idx="0">
+            <a:scrgbClr r="0" g="0" b="0"/>
+          </a:effectRef>
           <a:fontRef idx="minor"/>
         </p:style>
       </p:sp>
@@ -9293,26 +10920,33 @@
           </a:ln>
         </p:spPr>
         <p:style>
-          <a:lnRef idx="0"/>
-          <a:fillRef idx="0"/>
-          <a:effectRef idx="0"/>
+          <a:lnRef idx="0">
+            <a:scrgbClr r="0" g="0" b="0"/>
+          </a:lnRef>
+          <a:fillRef idx="0">
+            <a:scrgbClr r="0" g="0" b="0"/>
+          </a:fillRef>
+          <a:effectRef idx="0">
+            <a:scrgbClr r="0" g="0" b="0"/>
+          </a:effectRef>
           <a:fontRef idx="minor"/>
         </p:style>
         <p:txBody>
-          <a:bodyPr lIns="0" rIns="0" tIns="0" bIns="0">
+          <a:bodyPr lIns="0" tIns="0" rIns="0" bIns="0">
             <a:noAutofit/>
           </a:bodyPr>
+          <a:lstStyle/>
           <a:p>
             <a:pPr>
               <a:lnSpc>
                 <a:spcPct val="115000"/>
               </a:lnSpc>
               <a:tabLst>
-                <a:tab algn="l" pos="0"/>
+                <a:tab pos="0" algn="l"/>
               </a:tabLst>
             </a:pPr>
             <a:r>
-              <a:rPr b="0" lang="en-US" sz="1400" spc="-1" strike="noStrike">
+              <a:rPr lang="en-US" sz="1400" b="0" strike="noStrike" spc="-1">
                 <a:solidFill>
                   <a:srgbClr val="595959"/>
                 </a:solidFill>
@@ -9321,7 +10955,7 @@
               </a:rPr>
               <a:t>&lt;Insert left image with epipolar lines&gt; [1]</a:t>
             </a:r>
-            <a:endParaRPr b="0" lang="en-US" sz="1400" spc="-1" strike="noStrike">
+            <a:endParaRPr lang="en-US" sz="1400" b="0" strike="noStrike" spc="-1">
               <a:latin typeface="Arial"/>
             </a:endParaRPr>
           </a:p>
@@ -9331,10 +10965,10 @@
                 <a:spcPct val="115000"/>
               </a:lnSpc>
               <a:tabLst>
-                <a:tab algn="l" pos="0"/>
+                <a:tab pos="0" algn="l"/>
               </a:tabLst>
             </a:pPr>
-            <a:endParaRPr b="0" lang="en-US" sz="1400" spc="-1" strike="noStrike">
+            <a:endParaRPr lang="en-US" sz="1400" b="0" strike="noStrike" spc="-1">
               <a:latin typeface="Arial"/>
             </a:endParaRPr>
           </a:p>
@@ -9360,26 +10994,33 @@
           </a:ln>
         </p:spPr>
         <p:style>
-          <a:lnRef idx="0"/>
-          <a:fillRef idx="0"/>
-          <a:effectRef idx="0"/>
+          <a:lnRef idx="0">
+            <a:scrgbClr r="0" g="0" b="0"/>
+          </a:lnRef>
+          <a:fillRef idx="0">
+            <a:scrgbClr r="0" g="0" b="0"/>
+          </a:fillRef>
+          <a:effectRef idx="0">
+            <a:scrgbClr r="0" g="0" b="0"/>
+          </a:effectRef>
           <a:fontRef idx="minor"/>
         </p:style>
         <p:txBody>
-          <a:bodyPr lIns="0" rIns="0" tIns="0" bIns="0">
+          <a:bodyPr lIns="0" tIns="0" rIns="0" bIns="0">
             <a:noAutofit/>
           </a:bodyPr>
+          <a:lstStyle/>
           <a:p>
             <a:pPr>
               <a:lnSpc>
                 <a:spcPct val="115000"/>
               </a:lnSpc>
               <a:tabLst>
-                <a:tab algn="l" pos="0"/>
+                <a:tab pos="0" algn="l"/>
               </a:tabLst>
             </a:pPr>
             <a:r>
-              <a:rPr b="0" lang="en-US" sz="1400" spc="-1" strike="noStrike">
+              <a:rPr lang="en-US" sz="1400" b="0" strike="noStrike" spc="-1">
                 <a:solidFill>
                   <a:srgbClr val="595959"/>
                 </a:solidFill>
@@ -9388,7 +11029,7 @@
               </a:rPr>
               <a:t>&lt;Insert right image with epipolar lines&gt; [1]</a:t>
             </a:r>
-            <a:endParaRPr b="0" lang="en-US" sz="1400" spc="-1" strike="noStrike">
+            <a:endParaRPr lang="en-US" sz="1400" b="0" strike="noStrike" spc="-1">
               <a:latin typeface="Arial"/>
             </a:endParaRPr>
           </a:p>
@@ -9398,10 +11039,10 @@
                 <a:spcPct val="100000"/>
               </a:lnSpc>
               <a:tabLst>
-                <a:tab algn="l" pos="0"/>
+                <a:tab pos="0" algn="l"/>
               </a:tabLst>
             </a:pPr>
-            <a:endParaRPr b="0" lang="en-US" sz="1400" spc="-1" strike="noStrike">
+            <a:endParaRPr lang="en-US" sz="1400" b="0" strike="noStrike" spc="-1">
               <a:latin typeface="Arial"/>
             </a:endParaRPr>
           </a:p>
@@ -9409,19 +11050,14 @@
       </p:sp>
     </p:spTree>
   </p:cSld>
-  <mc:AlternateContent>
-    <mc:Choice Requires="p14">
-      <p:transition spd="slow" p14:dur="2000"/>
-    </mc:Choice>
-    <mc:Fallback>
-      <p:transition spd="slow"/>
-    </mc:Fallback>
-  </mc:AlternateContent>
+  <p:clrMapOvr>
+    <a:masterClrMapping/>
+  </p:clrMapOvr>
 </p:sld>
 </file>
 
 <file path=ppt/slides/slide8.xml><?xml version="1.0" encoding="utf-8"?>
-<p:sld xmlns:a="http://schemas.openxmlformats.org/drawingml/2006/main" xmlns:p="http://schemas.openxmlformats.org/presentationml/2006/main" xmlns:r="http://schemas.openxmlformats.org/officeDocument/2006/relationships" xmlns:p14="http://schemas.microsoft.com/office/powerpoint/2010/main" xmlns:p15="http://schemas.microsoft.com/office/powerpoint/2012/main" xmlns:mc="http://schemas.openxmlformats.org/markup-compatibility/2006">
+<p:sld xmlns:a="http://schemas.openxmlformats.org/drawingml/2006/main" xmlns:r="http://schemas.openxmlformats.org/officeDocument/2006/relationships" xmlns:p="http://schemas.openxmlformats.org/presentationml/2006/main">
   <p:cSld>
     <p:spTree>
       <p:nvGrpSpPr>
@@ -9457,26 +11093,33 @@
           </a:ln>
         </p:spPr>
         <p:style>
-          <a:lnRef idx="0"/>
-          <a:fillRef idx="0"/>
-          <a:effectRef idx="0"/>
+          <a:lnRef idx="0">
+            <a:scrgbClr r="0" g="0" b="0"/>
+          </a:lnRef>
+          <a:fillRef idx="0">
+            <a:scrgbClr r="0" g="0" b="0"/>
+          </a:fillRef>
+          <a:effectRef idx="0">
+            <a:scrgbClr r="0" g="0" b="0"/>
+          </a:effectRef>
           <a:fontRef idx="minor"/>
         </p:style>
         <p:txBody>
-          <a:bodyPr lIns="90000" rIns="90000" tIns="91440" bIns="91440">
+          <a:bodyPr lIns="90000" tIns="91440" rIns="90000" bIns="91440">
             <a:noAutofit/>
           </a:bodyPr>
+          <a:lstStyle/>
           <a:p>
             <a:pPr>
               <a:lnSpc>
                 <a:spcPct val="100000"/>
               </a:lnSpc>
               <a:tabLst>
-                <a:tab algn="l" pos="0"/>
+                <a:tab pos="0" algn="l"/>
               </a:tabLst>
             </a:pPr>
             <a:r>
-              <a:rPr b="0" lang="en-US" sz="2800" spc="-1" strike="noStrike">
+              <a:rPr lang="en-US" sz="2800" b="0" strike="noStrike" spc="-1">
                 <a:solidFill>
                   <a:srgbClr val="000000"/>
                 </a:solidFill>
@@ -9485,7 +11128,7 @@
               </a:rPr>
               <a:t>Part 3.3: Optimized Epipolar Lines (custom images)</a:t>
             </a:r>
-            <a:endParaRPr b="0" lang="en-US" sz="2800" spc="-1" strike="noStrike">
+            <a:endParaRPr lang="en-US" sz="2800" b="0" strike="noStrike" spc="-1">
               <a:latin typeface="Arial"/>
             </a:endParaRPr>
           </a:p>
@@ -9511,9 +11154,15 @@
           </a:ln>
         </p:spPr>
         <p:style>
-          <a:lnRef idx="0"/>
-          <a:fillRef idx="0"/>
-          <a:effectRef idx="0"/>
+          <a:lnRef idx="0">
+            <a:scrgbClr r="0" g="0" b="0"/>
+          </a:lnRef>
+          <a:fillRef idx="0">
+            <a:scrgbClr r="0" g="0" b="0"/>
+          </a:fillRef>
+          <a:effectRef idx="0">
+            <a:scrgbClr r="0" g="0" b="0"/>
+          </a:effectRef>
           <a:fontRef idx="minor"/>
         </p:style>
       </p:sp>
@@ -9537,26 +11186,33 @@
           </a:ln>
         </p:spPr>
         <p:style>
-          <a:lnRef idx="0"/>
-          <a:fillRef idx="0"/>
-          <a:effectRef idx="0"/>
+          <a:lnRef idx="0">
+            <a:scrgbClr r="0" g="0" b="0"/>
+          </a:lnRef>
+          <a:fillRef idx="0">
+            <a:scrgbClr r="0" g="0" b="0"/>
+          </a:fillRef>
+          <a:effectRef idx="0">
+            <a:scrgbClr r="0" g="0" b="0"/>
+          </a:effectRef>
           <a:fontRef idx="minor"/>
         </p:style>
         <p:txBody>
-          <a:bodyPr lIns="0" rIns="0" tIns="0" bIns="0">
+          <a:bodyPr lIns="0" tIns="0" rIns="0" bIns="0">
             <a:noAutofit/>
           </a:bodyPr>
+          <a:lstStyle/>
           <a:p>
             <a:pPr>
               <a:lnSpc>
                 <a:spcPct val="115000"/>
               </a:lnSpc>
               <a:tabLst>
-                <a:tab algn="l" pos="0"/>
+                <a:tab pos="0" algn="l"/>
               </a:tabLst>
             </a:pPr>
             <a:r>
-              <a:rPr b="0" lang="en-US" sz="1400" spc="-1" strike="noStrike">
+              <a:rPr lang="en-US" sz="1400" b="0" strike="noStrike" spc="-1">
                 <a:solidFill>
                   <a:srgbClr val="595959"/>
                 </a:solidFill>
@@ -9565,7 +11221,7 @@
               </a:rPr>
               <a:t>&lt;Insert left image with epipolar lines&gt; [1.5]</a:t>
             </a:r>
-            <a:endParaRPr b="0" lang="en-US" sz="1400" spc="-1" strike="noStrike">
+            <a:endParaRPr lang="en-US" sz="1400" b="0" strike="noStrike" spc="-1">
               <a:latin typeface="Arial"/>
             </a:endParaRPr>
           </a:p>
@@ -9575,10 +11231,10 @@
                 <a:spcPct val="115000"/>
               </a:lnSpc>
               <a:tabLst>
-                <a:tab algn="l" pos="0"/>
+                <a:tab pos="0" algn="l"/>
               </a:tabLst>
             </a:pPr>
-            <a:endParaRPr b="0" lang="en-US" sz="1400" spc="-1" strike="noStrike">
+            <a:endParaRPr lang="en-US" sz="1400" b="0" strike="noStrike" spc="-1">
               <a:latin typeface="Arial"/>
             </a:endParaRPr>
           </a:p>
@@ -9604,26 +11260,33 @@
           </a:ln>
         </p:spPr>
         <p:style>
-          <a:lnRef idx="0"/>
-          <a:fillRef idx="0"/>
-          <a:effectRef idx="0"/>
+          <a:lnRef idx="0">
+            <a:scrgbClr r="0" g="0" b="0"/>
+          </a:lnRef>
+          <a:fillRef idx="0">
+            <a:scrgbClr r="0" g="0" b="0"/>
+          </a:fillRef>
+          <a:effectRef idx="0">
+            <a:scrgbClr r="0" g="0" b="0"/>
+          </a:effectRef>
           <a:fontRef idx="minor"/>
         </p:style>
         <p:txBody>
-          <a:bodyPr lIns="0" rIns="0" tIns="0" bIns="0">
+          <a:bodyPr lIns="0" tIns="0" rIns="0" bIns="0">
             <a:noAutofit/>
           </a:bodyPr>
+          <a:lstStyle/>
           <a:p>
             <a:pPr>
               <a:lnSpc>
                 <a:spcPct val="115000"/>
               </a:lnSpc>
               <a:tabLst>
-                <a:tab algn="l" pos="0"/>
+                <a:tab pos="0" algn="l"/>
               </a:tabLst>
             </a:pPr>
             <a:r>
-              <a:rPr b="0" lang="en-US" sz="1400" spc="-1" strike="noStrike">
+              <a:rPr lang="en-US" sz="1400" b="0" strike="noStrike" spc="-1">
                 <a:solidFill>
                   <a:srgbClr val="595959"/>
                 </a:solidFill>
@@ -9632,7 +11295,7 @@
               </a:rPr>
               <a:t>&lt;Insert right image with epipolar lines&gt; [1.5]</a:t>
             </a:r>
-            <a:endParaRPr b="0" lang="en-US" sz="1400" spc="-1" strike="noStrike">
+            <a:endParaRPr lang="en-US" sz="1400" b="0" strike="noStrike" spc="-1">
               <a:latin typeface="Arial"/>
             </a:endParaRPr>
           </a:p>
@@ -9642,10 +11305,10 @@
                 <a:spcPct val="100000"/>
               </a:lnSpc>
               <a:tabLst>
-                <a:tab algn="l" pos="0"/>
+                <a:tab pos="0" algn="l"/>
               </a:tabLst>
             </a:pPr>
-            <a:endParaRPr b="0" lang="en-US" sz="1400" spc="-1" strike="noStrike">
+            <a:endParaRPr lang="en-US" sz="1400" b="0" strike="noStrike" spc="-1">
               <a:latin typeface="Arial"/>
             </a:endParaRPr>
           </a:p>
@@ -9653,19 +11316,14 @@
       </p:sp>
     </p:spTree>
   </p:cSld>
-  <mc:AlternateContent>
-    <mc:Choice Requires="p14">
-      <p:transition spd="slow" p14:dur="2000"/>
-    </mc:Choice>
-    <mc:Fallback>
-      <p:transition spd="slow"/>
-    </mc:Fallback>
-  </mc:AlternateContent>
+  <p:clrMapOvr>
+    <a:masterClrMapping/>
+  </p:clrMapOvr>
 </p:sld>
 </file>
 
 <file path=ppt/slides/slide9.xml><?xml version="1.0" encoding="utf-8"?>
-<p:sld xmlns:a="http://schemas.openxmlformats.org/drawingml/2006/main" xmlns:p="http://schemas.openxmlformats.org/presentationml/2006/main" xmlns:r="http://schemas.openxmlformats.org/officeDocument/2006/relationships" xmlns:p14="http://schemas.microsoft.com/office/powerpoint/2010/main" xmlns:p15="http://schemas.microsoft.com/office/powerpoint/2012/main" xmlns:mc="http://schemas.openxmlformats.org/markup-compatibility/2006">
+<p:sld xmlns:a="http://schemas.openxmlformats.org/drawingml/2006/main" xmlns:r="http://schemas.openxmlformats.org/officeDocument/2006/relationships" xmlns:p="http://schemas.openxmlformats.org/presentationml/2006/main">
   <p:cSld>
     <p:spTree>
       <p:nvGrpSpPr>
@@ -9701,26 +11359,33 @@
           </a:ln>
         </p:spPr>
         <p:style>
-          <a:lnRef idx="0"/>
-          <a:fillRef idx="0"/>
-          <a:effectRef idx="0"/>
+          <a:lnRef idx="0">
+            <a:scrgbClr r="0" g="0" b="0"/>
+          </a:lnRef>
+          <a:fillRef idx="0">
+            <a:scrgbClr r="0" g="0" b="0"/>
+          </a:fillRef>
+          <a:effectRef idx="0">
+            <a:scrgbClr r="0" g="0" b="0"/>
+          </a:effectRef>
           <a:fontRef idx="minor"/>
         </p:style>
         <p:txBody>
-          <a:bodyPr lIns="90000" rIns="90000" tIns="91440" bIns="91440">
+          <a:bodyPr lIns="90000" tIns="91440" rIns="90000" bIns="91440">
             <a:noAutofit/>
           </a:bodyPr>
+          <a:lstStyle/>
           <a:p>
             <a:pPr>
               <a:lnSpc>
                 <a:spcPct val="100000"/>
               </a:lnSpc>
               <a:tabLst>
-                <a:tab algn="l" pos="0"/>
+                <a:tab pos="0" algn="l"/>
               </a:tabLst>
             </a:pPr>
             <a:r>
-              <a:rPr b="0" lang="en-US" sz="2800" spc="-1" strike="noStrike">
+              <a:rPr lang="en-US" sz="2800" b="0" strike="noStrike" spc="-1">
                 <a:solidFill>
                   <a:srgbClr val="000000"/>
                 </a:solidFill>
@@ -9729,7 +11394,7 @@
               </a:rPr>
               <a:t>Part 3.4: Reflection Questions [1x3]</a:t>
             </a:r>
-            <a:endParaRPr b="0" lang="en-US" sz="2800" spc="-1" strike="noStrike">
+            <a:endParaRPr lang="en-US" sz="2800" b="0" strike="noStrike" spc="-1">
               <a:latin typeface="Arial"/>
             </a:endParaRPr>
           </a:p>
@@ -9755,9 +11420,15 @@
           </a:ln>
         </p:spPr>
         <p:style>
-          <a:lnRef idx="0"/>
-          <a:fillRef idx="0"/>
-          <a:effectRef idx="0"/>
+          <a:lnRef idx="0">
+            <a:scrgbClr r="0" g="0" b="0"/>
+          </a:lnRef>
+          <a:fillRef idx="0">
+            <a:scrgbClr r="0" g="0" b="0"/>
+          </a:fillRef>
+          <a:effectRef idx="0">
+            <a:scrgbClr r="0" g="0" b="0"/>
+          </a:effectRef>
           <a:fontRef idx="minor"/>
         </p:style>
       </p:sp>
@@ -9781,26 +11452,33 @@
           </a:ln>
         </p:spPr>
         <p:style>
-          <a:lnRef idx="0"/>
-          <a:fillRef idx="0"/>
-          <a:effectRef idx="0"/>
+          <a:lnRef idx="0">
+            <a:scrgbClr r="0" g="0" b="0"/>
+          </a:lnRef>
+          <a:fillRef idx="0">
+            <a:scrgbClr r="0" g="0" b="0"/>
+          </a:fillRef>
+          <a:effectRef idx="0">
+            <a:scrgbClr r="0" g="0" b="0"/>
+          </a:effectRef>
           <a:fontRef idx="minor"/>
         </p:style>
         <p:txBody>
-          <a:bodyPr lIns="0" rIns="0" tIns="0" bIns="0">
+          <a:bodyPr lIns="0" tIns="0" rIns="0" bIns="0">
             <a:noAutofit/>
           </a:bodyPr>
+          <a:lstStyle/>
           <a:p>
             <a:pPr>
               <a:lnSpc>
                 <a:spcPct val="100000"/>
               </a:lnSpc>
               <a:tabLst>
-                <a:tab algn="l" pos="0"/>
+                <a:tab pos="0" algn="l"/>
               </a:tabLst>
             </a:pPr>
             <a:r>
-              <a:rPr b="0" lang="en-US" sz="1800" spc="-1" strike="noStrike">
+              <a:rPr lang="en-US" sz="1800" b="0" strike="noStrike" spc="-1">
                 <a:solidFill>
                   <a:srgbClr val="000000"/>
                 </a:solidFill>
@@ -9809,7 +11487,7 @@
               </a:rPr>
               <a:t>1.</a:t>
             </a:r>
-            <a:endParaRPr b="0" lang="en-US" sz="1800" spc="-1" strike="noStrike">
+            <a:endParaRPr lang="en-US" sz="1800" b="0" strike="noStrike" spc="-1">
               <a:latin typeface="Arial"/>
             </a:endParaRPr>
           </a:p>
@@ -9819,10 +11497,10 @@
                 <a:spcPct val="100000"/>
               </a:lnSpc>
               <a:tabLst>
-                <a:tab algn="l" pos="0"/>
+                <a:tab pos="0" algn="l"/>
               </a:tabLst>
             </a:pPr>
-            <a:endParaRPr b="0" lang="en-US" sz="1800" spc="-1" strike="noStrike">
+            <a:endParaRPr lang="en-US" sz="1800" b="0" strike="noStrike" spc="-1">
               <a:latin typeface="Arial"/>
             </a:endParaRPr>
           </a:p>
@@ -9832,10 +11510,10 @@
                 <a:spcPct val="100000"/>
               </a:lnSpc>
               <a:tabLst>
-                <a:tab algn="l" pos="0"/>
+                <a:tab pos="0" algn="l"/>
               </a:tabLst>
             </a:pPr>
-            <a:endParaRPr b="0" lang="en-US" sz="1800" spc="-1" strike="noStrike">
+            <a:endParaRPr lang="en-US" sz="1800" b="0" strike="noStrike" spc="-1">
               <a:latin typeface="Arial"/>
             </a:endParaRPr>
           </a:p>
@@ -9845,10 +11523,10 @@
                 <a:spcPct val="100000"/>
               </a:lnSpc>
               <a:tabLst>
-                <a:tab algn="l" pos="0"/>
+                <a:tab pos="0" algn="l"/>
               </a:tabLst>
             </a:pPr>
-            <a:endParaRPr b="0" lang="en-US" sz="1800" spc="-1" strike="noStrike">
+            <a:endParaRPr lang="en-US" sz="1800" b="0" strike="noStrike" spc="-1">
               <a:latin typeface="Arial"/>
             </a:endParaRPr>
           </a:p>
@@ -9858,11 +11536,11 @@
                 <a:spcPct val="100000"/>
               </a:lnSpc>
               <a:tabLst>
-                <a:tab algn="l" pos="0"/>
+                <a:tab pos="0" algn="l"/>
               </a:tabLst>
             </a:pPr>
             <a:r>
-              <a:rPr b="0" lang="en-US" sz="1800" spc="-1" strike="noStrike">
+              <a:rPr lang="en-US" sz="1800" b="0" strike="noStrike" spc="-1">
                 <a:solidFill>
                   <a:srgbClr val="000000"/>
                 </a:solidFill>
@@ -9871,7 +11549,7 @@
               </a:rPr>
               <a:t>2.</a:t>
             </a:r>
-            <a:endParaRPr b="0" lang="en-US" sz="1800" spc="-1" strike="noStrike">
+            <a:endParaRPr lang="en-US" sz="1800" b="0" strike="noStrike" spc="-1">
               <a:latin typeface="Arial"/>
             </a:endParaRPr>
           </a:p>
@@ -9881,10 +11559,10 @@
                 <a:spcPct val="100000"/>
               </a:lnSpc>
               <a:tabLst>
-                <a:tab algn="l" pos="0"/>
+                <a:tab pos="0" algn="l"/>
               </a:tabLst>
             </a:pPr>
-            <a:endParaRPr b="0" lang="en-US" sz="1800" spc="-1" strike="noStrike">
+            <a:endParaRPr lang="en-US" sz="1800" b="0" strike="noStrike" spc="-1">
               <a:latin typeface="Arial"/>
             </a:endParaRPr>
           </a:p>
@@ -9894,10 +11572,10 @@
                 <a:spcPct val="100000"/>
               </a:lnSpc>
               <a:tabLst>
-                <a:tab algn="l" pos="0"/>
+                <a:tab pos="0" algn="l"/>
               </a:tabLst>
             </a:pPr>
-            <a:endParaRPr b="0" lang="en-US" sz="1800" spc="-1" strike="noStrike">
+            <a:endParaRPr lang="en-US" sz="1800" b="0" strike="noStrike" spc="-1">
               <a:latin typeface="Arial"/>
             </a:endParaRPr>
           </a:p>
@@ -9907,10 +11585,10 @@
                 <a:spcPct val="100000"/>
               </a:lnSpc>
               <a:tabLst>
-                <a:tab algn="l" pos="0"/>
+                <a:tab pos="0" algn="l"/>
               </a:tabLst>
             </a:pPr>
-            <a:endParaRPr b="0" lang="en-US" sz="1800" spc="-1" strike="noStrike">
+            <a:endParaRPr lang="en-US" sz="1800" b="0" strike="noStrike" spc="-1">
               <a:latin typeface="Arial"/>
             </a:endParaRPr>
           </a:p>
@@ -9920,10 +11598,10 @@
                 <a:spcPct val="100000"/>
               </a:lnSpc>
               <a:tabLst>
-                <a:tab algn="l" pos="0"/>
+                <a:tab pos="0" algn="l"/>
               </a:tabLst>
             </a:pPr>
-            <a:endParaRPr b="0" lang="en-US" sz="1800" spc="-1" strike="noStrike">
+            <a:endParaRPr lang="en-US" sz="1800" b="0" strike="noStrike" spc="-1">
               <a:latin typeface="Arial"/>
             </a:endParaRPr>
           </a:p>
@@ -9933,11 +11611,11 @@
                 <a:spcPct val="100000"/>
               </a:lnSpc>
               <a:tabLst>
-                <a:tab algn="l" pos="0"/>
+                <a:tab pos="0" algn="l"/>
               </a:tabLst>
             </a:pPr>
             <a:r>
-              <a:rPr b="0" lang="en-US" sz="1800" spc="-1" strike="noStrike">
+              <a:rPr lang="en-US" sz="1800" b="0" strike="noStrike" spc="-1">
                 <a:solidFill>
                   <a:srgbClr val="000000"/>
                 </a:solidFill>
@@ -9946,7 +11624,7 @@
               </a:rPr>
               <a:t>3.</a:t>
             </a:r>
-            <a:endParaRPr b="0" lang="en-US" sz="1800" spc="-1" strike="noStrike">
+            <a:endParaRPr lang="en-US" sz="1800" b="0" strike="noStrike" spc="-1">
               <a:latin typeface="Arial"/>
             </a:endParaRPr>
           </a:p>
@@ -9956,10 +11634,10 @@
                 <a:spcPct val="100000"/>
               </a:lnSpc>
               <a:tabLst>
-                <a:tab algn="l" pos="0"/>
+                <a:tab pos="0" algn="l"/>
               </a:tabLst>
             </a:pPr>
-            <a:endParaRPr b="0" lang="en-US" sz="1800" spc="-1" strike="noStrike">
+            <a:endParaRPr lang="en-US" sz="1800" b="0" strike="noStrike" spc="-1">
               <a:latin typeface="Arial"/>
             </a:endParaRPr>
           </a:p>
@@ -9969,10 +11647,10 @@
                 <a:spcPct val="100000"/>
               </a:lnSpc>
               <a:tabLst>
-                <a:tab algn="l" pos="0"/>
+                <a:tab pos="0" algn="l"/>
               </a:tabLst>
             </a:pPr>
-            <a:endParaRPr b="0" lang="en-US" sz="1800" spc="-1" strike="noStrike">
+            <a:endParaRPr lang="en-US" sz="1800" b="0" strike="noStrike" spc="-1">
               <a:latin typeface="Arial"/>
             </a:endParaRPr>
           </a:p>
@@ -9980,14 +11658,9 @@
       </p:sp>
     </p:spTree>
   </p:cSld>
-  <mc:AlternateContent>
-    <mc:Choice Requires="p14">
-      <p:transition spd="slow" p14:dur="2000"/>
-    </mc:Choice>
-    <mc:Fallback>
-      <p:transition spd="slow"/>
-    </mc:Fallback>
-  </mc:AlternateContent>
+  <p:clrMapOvr>
+    <a:masterClrMapping/>
+  </p:clrMapOvr>
 </p:sld>
 </file>
 
@@ -10005,31 +11678,31 @@
         <a:srgbClr val="595959"/>
       </a:dk2>
       <a:lt2>
-        <a:srgbClr val="eeeeee"/>
+        <a:srgbClr val="EEEEEE"/>
       </a:lt2>
       <a:accent1>
-        <a:srgbClr val="ffab40"/>
+        <a:srgbClr val="FFAB40"/>
       </a:accent1>
       <a:accent2>
         <a:srgbClr val="212121"/>
       </a:accent2>
       <a:accent3>
-        <a:srgbClr val="78909c"/>
+        <a:srgbClr val="78909C"/>
       </a:accent3>
       <a:accent4>
-        <a:srgbClr val="ffab40"/>
+        <a:srgbClr val="FFAB40"/>
       </a:accent4>
       <a:accent5>
-        <a:srgbClr val="0097a7"/>
+        <a:srgbClr val="0097A7"/>
       </a:accent5>
       <a:accent6>
-        <a:srgbClr val="eeff41"/>
+        <a:srgbClr val="EEFF41"/>
       </a:accent6>
       <a:hlink>
-        <a:srgbClr val="0097a7"/>
+        <a:srgbClr val="0097A7"/>
       </a:hlink>
       <a:folHlink>
-        <a:srgbClr val="0097a7"/>
+        <a:srgbClr val="0097A7"/>
       </a:folHlink>
     </a:clrScheme>
     <a:fontScheme name="Office">
@@ -10214,6 +11887,8 @@
       </a:bgFillStyleLst>
     </a:fmtScheme>
   </a:themeElements>
+  <a:objectDefaults/>
+  <a:extraClrSchemeLst/>
 </a:theme>
 </file>
 
@@ -10231,31 +11906,31 @@
         <a:srgbClr val="595959"/>
       </a:dk2>
       <a:lt2>
-        <a:srgbClr val="eeeeee"/>
+        <a:srgbClr val="EEEEEE"/>
       </a:lt2>
       <a:accent1>
-        <a:srgbClr val="ffab40"/>
+        <a:srgbClr val="FFAB40"/>
       </a:accent1>
       <a:accent2>
         <a:srgbClr val="212121"/>
       </a:accent2>
       <a:accent3>
-        <a:srgbClr val="78909c"/>
+        <a:srgbClr val="78909C"/>
       </a:accent3>
       <a:accent4>
-        <a:srgbClr val="ffab40"/>
+        <a:srgbClr val="FFAB40"/>
       </a:accent4>
       <a:accent5>
-        <a:srgbClr val="0097a7"/>
+        <a:srgbClr val="0097A7"/>
       </a:accent5>
       <a:accent6>
-        <a:srgbClr val="eeff41"/>
+        <a:srgbClr val="EEFF41"/>
       </a:accent6>
       <a:hlink>
-        <a:srgbClr val="0097a7"/>
+        <a:srgbClr val="0097A7"/>
       </a:hlink>
       <a:folHlink>
-        <a:srgbClr val="0097a7"/>
+        <a:srgbClr val="0097A7"/>
       </a:folHlink>
     </a:clrScheme>
     <a:fontScheme name="Office">
@@ -10440,6 +12115,8 @@
       </a:bgFillStyleLst>
     </a:fmtScheme>
   </a:themeElements>
+  <a:objectDefaults/>
+  <a:extraClrSchemeLst/>
 </a:theme>
 </file>
 
@@ -10457,31 +12134,31 @@
         <a:srgbClr val="595959"/>
       </a:dk2>
       <a:lt2>
-        <a:srgbClr val="eeeeee"/>
+        <a:srgbClr val="EEEEEE"/>
       </a:lt2>
       <a:accent1>
-        <a:srgbClr val="ffab40"/>
+        <a:srgbClr val="FFAB40"/>
       </a:accent1>
       <a:accent2>
         <a:srgbClr val="212121"/>
       </a:accent2>
       <a:accent3>
-        <a:srgbClr val="78909c"/>
+        <a:srgbClr val="78909C"/>
       </a:accent3>
       <a:accent4>
-        <a:srgbClr val="ffab40"/>
+        <a:srgbClr val="FFAB40"/>
       </a:accent4>
       <a:accent5>
-        <a:srgbClr val="0097a7"/>
+        <a:srgbClr val="0097A7"/>
       </a:accent5>
       <a:accent6>
-        <a:srgbClr val="eeff41"/>
+        <a:srgbClr val="EEFF41"/>
       </a:accent6>
       <a:hlink>
-        <a:srgbClr val="0097a7"/>
+        <a:srgbClr val="0097A7"/>
       </a:hlink>
       <a:folHlink>
-        <a:srgbClr val="0097a7"/>
+        <a:srgbClr val="0097A7"/>
       </a:folHlink>
     </a:clrScheme>
     <a:fontScheme name="Office">
@@ -10666,6 +12343,8 @@
       </a:bgFillStyleLst>
     </a:fmtScheme>
   </a:themeElements>
+  <a:objectDefaults/>
+  <a:extraClrSchemeLst/>
 </a:theme>
 </file>
 
@@ -10683,31 +12362,31 @@
         <a:srgbClr val="595959"/>
       </a:dk2>
       <a:lt2>
-        <a:srgbClr val="eeeeee"/>
+        <a:srgbClr val="EEEEEE"/>
       </a:lt2>
       <a:accent1>
-        <a:srgbClr val="ffab40"/>
+        <a:srgbClr val="FFAB40"/>
       </a:accent1>
       <a:accent2>
         <a:srgbClr val="212121"/>
       </a:accent2>
       <a:accent3>
-        <a:srgbClr val="78909c"/>
+        <a:srgbClr val="78909C"/>
       </a:accent3>
       <a:accent4>
-        <a:srgbClr val="ffab40"/>
+        <a:srgbClr val="FFAB40"/>
       </a:accent4>
       <a:accent5>
-        <a:srgbClr val="0097a7"/>
+        <a:srgbClr val="0097A7"/>
       </a:accent5>
       <a:accent6>
-        <a:srgbClr val="eeff41"/>
+        <a:srgbClr val="EEFF41"/>
       </a:accent6>
       <a:hlink>
-        <a:srgbClr val="0097a7"/>
+        <a:srgbClr val="0097A7"/>
       </a:hlink>
       <a:folHlink>
-        <a:srgbClr val="0097a7"/>
+        <a:srgbClr val="0097A7"/>
       </a:folHlink>
     </a:clrScheme>
     <a:fontScheme name="Office">
@@ -10892,5 +12571,7 @@
       </a:bgFillStyleLst>
     </a:fmtScheme>
   </a:themeElements>
+  <a:objectDefaults/>
+  <a:extraClrSchemeLst/>
 </a:theme>
 </file>
--- a/PS2/proj2_template.pptx
+++ b/PS2/proj2_template.pptx
@@ -121,6 +121,11 @@
       </a:defRPr>
     </a:lvl9pPr>
   </p:defaultTextStyle>
+  <p:extLst>
+    <p:ext uri="{EFAFB233-063F-42B5-8137-9DF3F51BA10A}">
+      <p15:sldGuideLst xmlns:p15="http://schemas.microsoft.com/office/powerpoint/2012/main"/>
+    </p:ext>
+  </p:extLst>
 </p:presentation>
 </file>
 
@@ -10060,7 +10065,7 @@
               </a:tabLst>
             </a:pPr>
             <a:r>
-              <a:rPr lang="en-US" sz="1400" b="0" strike="noStrike" spc="-1">
+              <a:rPr lang="en-US" sz="1400" b="0" strike="noStrike" spc="-1" dirty="0">
                 <a:solidFill>
                   <a:srgbClr val="595959"/>
                 </a:solidFill>
@@ -10069,8 +10074,12 @@
               </a:rPr>
               <a:t>&lt;Copy two images of your fiducial object here [2]&gt;</a:t>
             </a:r>
-            <a:endParaRPr lang="en-US" sz="1400" b="0" strike="noStrike" spc="-1">
-              <a:latin typeface="Arial"/>
+            <a:endParaRPr lang="en-US" sz="1400" spc="-1" dirty="0">
+              <a:solidFill>
+                <a:srgbClr val="595959"/>
+              </a:solidFill>
+              <a:latin typeface="Arial"/>
+              <a:ea typeface="Arial"/>
             </a:endParaRPr>
           </a:p>
           <a:p>
@@ -10078,14 +10087,36 @@
               <a:lnSpc>
                 <a:spcPct val="115000"/>
               </a:lnSpc>
-              <a:spcBef>
-                <a:spcPts val="1599"/>
-              </a:spcBef>
               <a:tabLst>
                 <a:tab pos="0" algn="l"/>
               </a:tabLst>
             </a:pPr>
-            <a:endParaRPr lang="en-US" sz="1400" b="0" strike="noStrike" spc="-1">
+            <a:endParaRPr lang="en-US" sz="1400" spc="-1" dirty="0">
+              <a:solidFill>
+                <a:srgbClr val="595959"/>
+              </a:solidFill>
+              <a:latin typeface="Arial"/>
+            </a:endParaRPr>
+          </a:p>
+          <a:p>
+            <a:pPr>
+              <a:lnSpc>
+                <a:spcPct val="115000"/>
+              </a:lnSpc>
+              <a:tabLst>
+                <a:tab pos="0" algn="l"/>
+              </a:tabLst>
+            </a:pPr>
+            <a:r>
+              <a:rPr lang="en-US" sz="1400" spc="-1" dirty="0">
+                <a:solidFill>
+                  <a:srgbClr val="595959"/>
+                </a:solidFill>
+                <a:latin typeface="Arial"/>
+              </a:rPr>
+              <a:t>                                   box_img1.jpg                                                              box_img2.jpg      </a:t>
+            </a:r>
+            <a:endParaRPr lang="en-US" sz="1400" b="0" strike="noStrike" spc="-1" dirty="0">
               <a:latin typeface="Arial"/>
             </a:endParaRPr>
           </a:p>
@@ -10123,6 +10154,100 @@
           <a:fontRef idx="minor"/>
         </p:style>
       </p:sp>
+      <p:pic>
+        <p:nvPicPr>
+          <p:cNvPr id="3074" name="Picture 2">
+            <a:extLst>
+              <a:ext uri="{FF2B5EF4-FFF2-40B4-BE49-F238E27FC236}">
+                <a16:creationId xmlns:a16="http://schemas.microsoft.com/office/drawing/2014/main" id="{ECBABDA1-2D81-4E33-A234-2C365364340C}"/>
+              </a:ext>
+            </a:extLst>
+          </p:cNvPr>
+          <p:cNvPicPr>
+            <a:picLocks noChangeAspect="1" noChangeArrowheads="1"/>
+          </p:cNvPicPr>
+          <p:nvPr/>
+        </p:nvPicPr>
+        <p:blipFill>
+          <a:blip r:embed="rId2">
+            <a:extLst>
+              <a:ext uri="{28A0092B-C50C-407E-A947-70E740481C1C}">
+                <a14:useLocalDpi xmlns:a14="http://schemas.microsoft.com/office/drawing/2010/main" val="0"/>
+              </a:ext>
+            </a:extLst>
+          </a:blip>
+          <a:srcRect/>
+          <a:stretch>
+            <a:fillRect/>
+          </a:stretch>
+        </p:blipFill>
+        <p:spPr bwMode="auto">
+          <a:xfrm>
+            <a:off x="601397" y="1665186"/>
+            <a:ext cx="4152305" cy="2768203"/>
+          </a:xfrm>
+          <a:prstGeom prst="rect">
+            <a:avLst/>
+          </a:prstGeom>
+          <a:noFill/>
+          <a:extLst>
+            <a:ext uri="{909E8E84-426E-40DD-AFC4-6F175D3DCCD1}">
+              <a14:hiddenFill xmlns:a14="http://schemas.microsoft.com/office/drawing/2010/main">
+                <a:solidFill>
+                  <a:srgbClr val="FFFFFF"/>
+                </a:solidFill>
+              </a14:hiddenFill>
+            </a:ext>
+          </a:extLst>
+        </p:spPr>
+      </p:pic>
+      <p:pic>
+        <p:nvPicPr>
+          <p:cNvPr id="3076" name="Picture 4">
+            <a:extLst>
+              <a:ext uri="{FF2B5EF4-FFF2-40B4-BE49-F238E27FC236}">
+                <a16:creationId xmlns:a16="http://schemas.microsoft.com/office/drawing/2014/main" id="{9C392E1E-2B36-4061-A902-DD3FF27DBEC1}"/>
+              </a:ext>
+            </a:extLst>
+          </p:cNvPr>
+          <p:cNvPicPr>
+            <a:picLocks noChangeAspect="1" noChangeArrowheads="1"/>
+          </p:cNvPicPr>
+          <p:nvPr/>
+        </p:nvPicPr>
+        <p:blipFill>
+          <a:blip r:embed="rId3">
+            <a:extLst>
+              <a:ext uri="{28A0092B-C50C-407E-A947-70E740481C1C}">
+                <a14:useLocalDpi xmlns:a14="http://schemas.microsoft.com/office/drawing/2010/main" val="0"/>
+              </a:ext>
+            </a:extLst>
+          </a:blip>
+          <a:srcRect/>
+          <a:stretch>
+            <a:fillRect/>
+          </a:stretch>
+        </p:blipFill>
+        <p:spPr bwMode="auto">
+          <a:xfrm>
+            <a:off x="4647300" y="1665186"/>
+            <a:ext cx="4152305" cy="2768203"/>
+          </a:xfrm>
+          <a:prstGeom prst="rect">
+            <a:avLst/>
+          </a:prstGeom>
+          <a:noFill/>
+          <a:extLst>
+            <a:ext uri="{909E8E84-426E-40DD-AFC4-6F175D3DCCD1}">
+              <a14:hiddenFill xmlns:a14="http://schemas.microsoft.com/office/drawing/2010/main">
+                <a:solidFill>
+                  <a:srgbClr val="FFFFFF"/>
+                </a:solidFill>
+              </a14:hiddenFill>
+            </a:ext>
+          </a:extLst>
+        </p:spPr>
+      </p:pic>
     </p:spTree>
   </p:cSld>
   <p:clrMapOvr>
@@ -10351,7 +10476,7 @@
               </a:tabLst>
             </a:pPr>
             <a:r>
-              <a:rPr lang="en-US" sz="1400" b="0" strike="noStrike" spc="-1">
+              <a:rPr lang="en-US" sz="1400" b="0" strike="noStrike" spc="-1" dirty="0">
                 <a:solidFill>
                   <a:srgbClr val="595959"/>
                 </a:solidFill>
@@ -10360,7 +10485,7 @@
               </a:rPr>
               <a:t>&lt;Insert visualization for the initialized camera pose for 2nd image&gt; [1]</a:t>
             </a:r>
-            <a:endParaRPr lang="en-US" sz="1400" b="0" strike="noStrike" spc="-1">
+            <a:endParaRPr lang="en-US" sz="1400" b="0" strike="noStrike" spc="-1" dirty="0">
               <a:latin typeface="Arial"/>
             </a:endParaRPr>
           </a:p>
@@ -10373,12 +10498,106 @@
                 <a:tab pos="0" algn="l"/>
               </a:tabLst>
             </a:pPr>
-            <a:endParaRPr lang="en-US" sz="1400" b="0" strike="noStrike" spc="-1">
-              <a:latin typeface="Arial"/>
-            </a:endParaRPr>
-          </a:p>
-        </p:txBody>
-      </p:sp>
+            <a:endParaRPr lang="en-US" sz="1400" b="0" strike="noStrike" spc="-1" dirty="0">
+              <a:latin typeface="Arial"/>
+            </a:endParaRPr>
+          </a:p>
+        </p:txBody>
+      </p:sp>
+      <p:pic>
+        <p:nvPicPr>
+          <p:cNvPr id="1028" name="Picture 4">
+            <a:extLst>
+              <a:ext uri="{FF2B5EF4-FFF2-40B4-BE49-F238E27FC236}">
+                <a16:creationId xmlns:a16="http://schemas.microsoft.com/office/drawing/2014/main" id="{390C6FCF-EF89-4797-8E0C-71D6397F7C9C}"/>
+              </a:ext>
+            </a:extLst>
+          </p:cNvPr>
+          <p:cNvPicPr>
+            <a:picLocks noChangeAspect="1" noChangeArrowheads="1"/>
+          </p:cNvPicPr>
+          <p:nvPr/>
+        </p:nvPicPr>
+        <p:blipFill>
+          <a:blip r:embed="rId2">
+            <a:extLst>
+              <a:ext uri="{28A0092B-C50C-407E-A947-70E740481C1C}">
+                <a14:useLocalDpi xmlns:a14="http://schemas.microsoft.com/office/drawing/2010/main" val="0"/>
+              </a:ext>
+            </a:extLst>
+          </a:blip>
+          <a:srcRect/>
+          <a:stretch>
+            <a:fillRect/>
+          </a:stretch>
+        </p:blipFill>
+        <p:spPr bwMode="auto">
+          <a:xfrm>
+            <a:off x="385330" y="1710604"/>
+            <a:ext cx="2990850" cy="2886075"/>
+          </a:xfrm>
+          <a:prstGeom prst="rect">
+            <a:avLst/>
+          </a:prstGeom>
+          <a:noFill/>
+          <a:extLst>
+            <a:ext uri="{909E8E84-426E-40DD-AFC4-6F175D3DCCD1}">
+              <a14:hiddenFill xmlns:a14="http://schemas.microsoft.com/office/drawing/2010/main">
+                <a:solidFill>
+                  <a:srgbClr val="FFFFFF"/>
+                </a:solidFill>
+              </a14:hiddenFill>
+            </a:ext>
+          </a:extLst>
+        </p:spPr>
+      </p:pic>
+      <p:pic>
+        <p:nvPicPr>
+          <p:cNvPr id="1030" name="Picture 6">
+            <a:extLst>
+              <a:ext uri="{FF2B5EF4-FFF2-40B4-BE49-F238E27FC236}">
+                <a16:creationId xmlns:a16="http://schemas.microsoft.com/office/drawing/2014/main" id="{BCE2BC16-BA4E-4C8F-90C8-4FFA95F7A4BB}"/>
+              </a:ext>
+            </a:extLst>
+          </p:cNvPr>
+          <p:cNvPicPr>
+            <a:picLocks noChangeAspect="1" noChangeArrowheads="1"/>
+          </p:cNvPicPr>
+          <p:nvPr/>
+        </p:nvPicPr>
+        <p:blipFill>
+          <a:blip r:embed="rId3">
+            <a:extLst>
+              <a:ext uri="{28A0092B-C50C-407E-A947-70E740481C1C}">
+                <a14:useLocalDpi xmlns:a14="http://schemas.microsoft.com/office/drawing/2010/main" val="0"/>
+              </a:ext>
+            </a:extLst>
+          </a:blip>
+          <a:srcRect/>
+          <a:stretch>
+            <a:fillRect/>
+          </a:stretch>
+        </p:blipFill>
+        <p:spPr bwMode="auto">
+          <a:xfrm>
+            <a:off x="4749610" y="1710604"/>
+            <a:ext cx="2990850" cy="2886075"/>
+          </a:xfrm>
+          <a:prstGeom prst="rect">
+            <a:avLst/>
+          </a:prstGeom>
+          <a:noFill/>
+          <a:extLst>
+            <a:ext uri="{909E8E84-426E-40DD-AFC4-6F175D3DCCD1}">
+              <a14:hiddenFill xmlns:a14="http://schemas.microsoft.com/office/drawing/2010/main">
+                <a:solidFill>
+                  <a:srgbClr val="FFFFFF"/>
+                </a:solidFill>
+              </a14:hiddenFill>
+            </a:ext>
+          </a:extLst>
+        </p:spPr>
+      </p:pic>
     </p:spTree>
   </p:cSld>
   <p:clrMapOvr>
@@ -10635,6 +10854,100 @@
           </a:p>
         </p:txBody>
       </p:sp>
+      <p:pic>
+        <p:nvPicPr>
+          <p:cNvPr id="2050" name="Picture 2">
+            <a:extLst>
+              <a:ext uri="{FF2B5EF4-FFF2-40B4-BE49-F238E27FC236}">
+                <a16:creationId xmlns:a16="http://schemas.microsoft.com/office/drawing/2014/main" id="{7EBE0730-8423-4E5C-8E48-A39011C1CA63}"/>
+              </a:ext>
+            </a:extLst>
+          </p:cNvPr>
+          <p:cNvPicPr>
+            <a:picLocks noChangeAspect="1" noChangeArrowheads="1"/>
+          </p:cNvPicPr>
+          <p:nvPr/>
+        </p:nvPicPr>
+        <p:blipFill>
+          <a:blip r:embed="rId2">
+            <a:extLst>
+              <a:ext uri="{28A0092B-C50C-407E-A947-70E740481C1C}">
+                <a14:useLocalDpi xmlns:a14="http://schemas.microsoft.com/office/drawing/2010/main" val="0"/>
+              </a:ext>
+            </a:extLst>
+          </a:blip>
+          <a:srcRect/>
+          <a:stretch>
+            <a:fillRect/>
+          </a:stretch>
+        </p:blipFill>
+        <p:spPr bwMode="auto">
+          <a:xfrm>
+            <a:off x="4676040" y="1936173"/>
+            <a:ext cx="3152775" cy="2400300"/>
+          </a:xfrm>
+          <a:prstGeom prst="rect">
+            <a:avLst/>
+          </a:prstGeom>
+          <a:noFill/>
+          <a:extLst>
+            <a:ext uri="{909E8E84-426E-40DD-AFC4-6F175D3DCCD1}">
+              <a14:hiddenFill xmlns:a14="http://schemas.microsoft.com/office/drawing/2010/main">
+                <a:solidFill>
+                  <a:srgbClr val="FFFFFF"/>
+                </a:solidFill>
+              </a14:hiddenFill>
+            </a:ext>
+          </a:extLst>
+        </p:spPr>
+      </p:pic>
+      <p:pic>
+        <p:nvPicPr>
+          <p:cNvPr id="2052" name="Picture 4">
+            <a:extLst>
+              <a:ext uri="{FF2B5EF4-FFF2-40B4-BE49-F238E27FC236}">
+                <a16:creationId xmlns:a16="http://schemas.microsoft.com/office/drawing/2014/main" id="{B0006EFE-7BB4-4863-810F-39173795238D}"/>
+              </a:ext>
+            </a:extLst>
+          </p:cNvPr>
+          <p:cNvPicPr>
+            <a:picLocks noChangeAspect="1" noChangeArrowheads="1"/>
+          </p:cNvPicPr>
+          <p:nvPr/>
+        </p:nvPicPr>
+        <p:blipFill>
+          <a:blip r:embed="rId3">
+            <a:extLst>
+              <a:ext uri="{28A0092B-C50C-407E-A947-70E740481C1C}">
+                <a14:useLocalDpi xmlns:a14="http://schemas.microsoft.com/office/drawing/2010/main" val="0"/>
+              </a:ext>
+            </a:extLst>
+          </a:blip>
+          <a:srcRect/>
+          <a:stretch>
+            <a:fillRect/>
+          </a:stretch>
+        </p:blipFill>
+        <p:spPr bwMode="auto">
+          <a:xfrm>
+            <a:off x="447690" y="1936173"/>
+            <a:ext cx="3152775" cy="2400300"/>
+          </a:xfrm>
+          <a:prstGeom prst="rect">
+            <a:avLst/>
+          </a:prstGeom>
+          <a:noFill/>
+          <a:extLst>
+            <a:ext uri="{909E8E84-426E-40DD-AFC4-6F175D3DCCD1}">
+              <a14:hiddenFill xmlns:a14="http://schemas.microsoft.com/office/drawing/2010/main">
+                <a:solidFill>
+                  <a:srgbClr val="FFFFFF"/>
+                </a:solidFill>
+              </a14:hiddenFill>
+            </a:ext>
+          </a:extLst>
+        </p:spPr>
+      </p:pic>
     </p:spTree>
   </p:cSld>
   <p:clrMapOvr>
@@ -10782,6 +11095,53 @@
           </a:p>
         </p:txBody>
       </p:sp>
+      <p:pic>
+        <p:nvPicPr>
+          <p:cNvPr id="4098" name="Picture 2">
+            <a:extLst>
+              <a:ext uri="{FF2B5EF4-FFF2-40B4-BE49-F238E27FC236}">
+                <a16:creationId xmlns:a16="http://schemas.microsoft.com/office/drawing/2014/main" id="{DA5C5F83-64B7-4A75-8410-4392ACD4BFBA}"/>
+              </a:ext>
+            </a:extLst>
+          </p:cNvPr>
+          <p:cNvPicPr>
+            <a:picLocks noChangeAspect="1" noChangeArrowheads="1"/>
+          </p:cNvPicPr>
+          <p:nvPr/>
+        </p:nvPicPr>
+        <p:blipFill>
+          <a:blip r:embed="rId2">
+            <a:extLst>
+              <a:ext uri="{28A0092B-C50C-407E-A947-70E740481C1C}">
+                <a14:useLocalDpi xmlns:a14="http://schemas.microsoft.com/office/drawing/2010/main" val="0"/>
+              </a:ext>
+            </a:extLst>
+          </a:blip>
+          <a:srcRect/>
+          <a:stretch>
+            <a:fillRect/>
+          </a:stretch>
+        </p:blipFill>
+        <p:spPr bwMode="auto">
+          <a:xfrm>
+            <a:off x="311760" y="1661835"/>
+            <a:ext cx="2990850" cy="2905125"/>
+          </a:xfrm>
+          <a:prstGeom prst="rect">
+            <a:avLst/>
+          </a:prstGeom>
+          <a:noFill/>
+          <a:extLst>
+            <a:ext uri="{909E8E84-426E-40DD-AFC4-6F175D3DCCD1}">
+              <a14:hiddenFill xmlns:a14="http://schemas.microsoft.com/office/drawing/2010/main">
+                <a:solidFill>
+                  <a:srgbClr val="FFFFFF"/>
+                </a:solidFill>
+              </a14:hiddenFill>
+            </a:ext>
+          </a:extLst>
+        </p:spPr>
+      </p:pic>
     </p:spTree>
   </p:cSld>
   <p:clrMapOvr>

--- a/PS2/proj2_template.pptx
+++ b/PS2/proj2_template.pptx
@@ -10506,10 +10506,10 @@
       </p:sp>
       <p:pic>
         <p:nvPicPr>
-          <p:cNvPr id="1028" name="Picture 4">
+          <p:cNvPr id="2050" name="Picture 2">
             <a:extLst>
               <a:ext uri="{FF2B5EF4-FFF2-40B4-BE49-F238E27FC236}">
-                <a16:creationId xmlns:a16="http://schemas.microsoft.com/office/drawing/2014/main" id="{390C6FCF-EF89-4797-8E0C-71D6397F7C9C}"/>
+                <a16:creationId xmlns:a16="http://schemas.microsoft.com/office/drawing/2014/main" id="{F55DD20E-E00A-4A73-939E-C40FDA223D17}"/>
               </a:ext>
             </a:extLst>
           </p:cNvPr>
@@ -10533,8 +10533,8 @@
         </p:blipFill>
         <p:spPr bwMode="auto">
           <a:xfrm>
-            <a:off x="385330" y="1710604"/>
-            <a:ext cx="2990850" cy="2886075"/>
+            <a:off x="390093" y="1691554"/>
+            <a:ext cx="2981325" cy="2905125"/>
           </a:xfrm>
           <a:prstGeom prst="rect">
             <a:avLst/>
@@ -10553,10 +10553,10 @@
       </p:pic>
       <p:pic>
         <p:nvPicPr>
-          <p:cNvPr id="1030" name="Picture 6">
+          <p:cNvPr id="2052" name="Picture 4">
             <a:extLst>
               <a:ext uri="{FF2B5EF4-FFF2-40B4-BE49-F238E27FC236}">
-                <a16:creationId xmlns:a16="http://schemas.microsoft.com/office/drawing/2014/main" id="{BCE2BC16-BA4E-4C8F-90C8-4FFA95F7A4BB}"/>
+                <a16:creationId xmlns:a16="http://schemas.microsoft.com/office/drawing/2014/main" id="{51A1B193-B97E-40BD-AC77-745D557FB452}"/>
               </a:ext>
             </a:extLst>
           </p:cNvPr>
@@ -10580,8 +10580,8 @@
         </p:blipFill>
         <p:spPr bwMode="auto">
           <a:xfrm>
-            <a:off x="4749610" y="1710604"/>
-            <a:ext cx="2990850" cy="2886075"/>
+            <a:off x="4604038" y="1672504"/>
+            <a:ext cx="2990850" cy="2924175"/>
           </a:xfrm>
           <a:prstGeom prst="rect">
             <a:avLst/>
@@ -11380,16 +11380,36 @@
               </a:tabLst>
             </a:pPr>
             <a:r>
-              <a:rPr lang="en-US" sz="1400" b="0" strike="noStrike" spc="-1">
+              <a:rPr lang="en-US" sz="1400" b="0" strike="noStrike" spc="-1" dirty="0">
                 <a:solidFill>
                   <a:srgbClr val="595959"/>
                 </a:solidFill>
                 <a:latin typeface="Arial"/>
                 <a:ea typeface="Arial"/>
               </a:rPr>
-              <a:t>&lt;Insert right image with epipolar lines&gt; [1]</a:t>
+              <a:t>&lt;Insert right image with </a:t>
             </a:r>
-            <a:endParaRPr lang="en-US" sz="1400" b="0" strike="noStrike" spc="-1">
+            <a:r>
+              <a:rPr lang="en-US" sz="1400" b="0" strike="noStrike" spc="-1" dirty="0" err="1">
+                <a:solidFill>
+                  <a:srgbClr val="595959"/>
+                </a:solidFill>
+                <a:latin typeface="Arial"/>
+                <a:ea typeface="Arial"/>
+              </a:rPr>
+              <a:t>epipolar</a:t>
+            </a:r>
+            <a:r>
+              <a:rPr lang="en-US" sz="1400" b="0" strike="noStrike" spc="-1" dirty="0">
+                <a:solidFill>
+                  <a:srgbClr val="595959"/>
+                </a:solidFill>
+                <a:latin typeface="Arial"/>
+                <a:ea typeface="Arial"/>
+              </a:rPr>
+              <a:t> lines&gt; [1]</a:t>
+            </a:r>
+            <a:endParaRPr lang="en-US" sz="1400" b="0" strike="noStrike" spc="-1" dirty="0">
               <a:latin typeface="Arial"/>
             </a:endParaRPr>
           </a:p>
@@ -11402,12 +11422,59 @@
                 <a:tab pos="0" algn="l"/>
               </a:tabLst>
             </a:pPr>
-            <a:endParaRPr lang="en-US" sz="1400" b="0" strike="noStrike" spc="-1">
-              <a:latin typeface="Arial"/>
-            </a:endParaRPr>
-          </a:p>
-        </p:txBody>
-      </p:sp>
+            <a:endParaRPr lang="en-US" sz="1400" b="0" strike="noStrike" spc="-1" dirty="0">
+              <a:latin typeface="Arial"/>
+            </a:endParaRPr>
+          </a:p>
+        </p:txBody>
+      </p:sp>
+      <p:pic>
+        <p:nvPicPr>
+          <p:cNvPr id="1026" name="Picture 2">
+            <a:extLst>
+              <a:ext uri="{FF2B5EF4-FFF2-40B4-BE49-F238E27FC236}">
+                <a16:creationId xmlns:a16="http://schemas.microsoft.com/office/drawing/2014/main" id="{D84B6C91-4141-4C86-ABB1-2F8A9D985A06}"/>
+              </a:ext>
+            </a:extLst>
+          </p:cNvPr>
+          <p:cNvPicPr>
+            <a:picLocks noChangeAspect="1" noChangeArrowheads="1"/>
+          </p:cNvPicPr>
+          <p:nvPr/>
+        </p:nvPicPr>
+        <p:blipFill>
+          <a:blip r:embed="rId2">
+            <a:extLst>
+              <a:ext uri="{28A0092B-C50C-407E-A947-70E740481C1C}">
+                <a14:useLocalDpi xmlns:a14="http://schemas.microsoft.com/office/drawing/2010/main" val="0"/>
+              </a:ext>
+            </a:extLst>
+          </a:blip>
+          <a:srcRect/>
+          <a:stretch>
+            <a:fillRect/>
+          </a:stretch>
+        </p:blipFill>
+        <p:spPr bwMode="auto">
+          <a:xfrm>
+            <a:off x="310680" y="1769785"/>
+            <a:ext cx="8164838" cy="2599707"/>
+          </a:xfrm>
+          <a:prstGeom prst="rect">
+            <a:avLst/>
+          </a:prstGeom>
+          <a:noFill/>
+          <a:extLst>
+            <a:ext uri="{909E8E84-426E-40DD-AFC4-6F175D3DCCD1}">
+              <a14:hiddenFill xmlns:a14="http://schemas.microsoft.com/office/drawing/2010/main">
+                <a:solidFill>
+                  <a:srgbClr val="FFFFFF"/>
+                </a:solidFill>
+              </a14:hiddenFill>
+            </a:ext>
+          </a:extLst>
+        </p:spPr>
+      </p:pic>
     </p:spTree>
   </p:cSld>
   <p:clrMapOvr>
@@ -11674,6 +11741,53 @@
           </a:p>
         </p:txBody>
       </p:sp>
+      <p:pic>
+        <p:nvPicPr>
+          <p:cNvPr id="3074" name="Picture 2">
+            <a:extLst>
+              <a:ext uri="{FF2B5EF4-FFF2-40B4-BE49-F238E27FC236}">
+                <a16:creationId xmlns:a16="http://schemas.microsoft.com/office/drawing/2014/main" id="{F7AB43DA-426B-4A79-A59D-CDC8CC464810}"/>
+              </a:ext>
+            </a:extLst>
+          </p:cNvPr>
+          <p:cNvPicPr>
+            <a:picLocks noChangeAspect="1" noChangeArrowheads="1"/>
+          </p:cNvPicPr>
+          <p:nvPr/>
+        </p:nvPicPr>
+        <p:blipFill>
+          <a:blip r:embed="rId2">
+            <a:extLst>
+              <a:ext uri="{28A0092B-C50C-407E-A947-70E740481C1C}">
+                <a14:useLocalDpi xmlns:a14="http://schemas.microsoft.com/office/drawing/2010/main" val="0"/>
+              </a:ext>
+            </a:extLst>
+          </a:blip>
+          <a:srcRect/>
+          <a:stretch>
+            <a:fillRect/>
+          </a:stretch>
+        </p:blipFill>
+        <p:spPr bwMode="auto">
+          <a:xfrm>
+            <a:off x="341870" y="1687919"/>
+            <a:ext cx="7939702" cy="2821628"/>
+          </a:xfrm>
+          <a:prstGeom prst="rect">
+            <a:avLst/>
+          </a:prstGeom>
+          <a:noFill/>
+          <a:extLst>
+            <a:ext uri="{909E8E84-426E-40DD-AFC4-6F175D3DCCD1}">
+              <a14:hiddenFill xmlns:a14="http://schemas.microsoft.com/office/drawing/2010/main">
+                <a:solidFill>
+                  <a:srgbClr val="FFFFFF"/>
+                </a:solidFill>
+              </a14:hiddenFill>
+            </a:ext>
+          </a:extLst>
+        </p:spPr>
+      </p:pic>
     </p:spTree>
   </p:cSld>
   <p:clrMapOvr>
